--- a/project-rumble/figures/etsa02_figures.pptx
+++ b/project-rumble/figures/etsa02_figures.pptx
@@ -7,15 +7,14 @@
   <p:sldIdLst>
     <p:sldId id="256" r:id="rId2"/>
     <p:sldId id="258" r:id="rId3"/>
-    <p:sldId id="264" r:id="rId4"/>
-    <p:sldId id="268" r:id="rId5"/>
-    <p:sldId id="263" r:id="rId6"/>
-    <p:sldId id="259" r:id="rId7"/>
-    <p:sldId id="260" r:id="rId8"/>
-    <p:sldId id="261" r:id="rId9"/>
-    <p:sldId id="265" r:id="rId10"/>
-    <p:sldId id="267" r:id="rId11"/>
-    <p:sldId id="262" r:id="rId12"/>
+    <p:sldId id="268" r:id="rId4"/>
+    <p:sldId id="263" r:id="rId5"/>
+    <p:sldId id="259" r:id="rId6"/>
+    <p:sldId id="260" r:id="rId7"/>
+    <p:sldId id="261" r:id="rId8"/>
+    <p:sldId id="265" r:id="rId9"/>
+    <p:sldId id="267" r:id="rId10"/>
+    <p:sldId id="262" r:id="rId11"/>
   </p:sldIdLst>
   <p:sldSz cx="12192000" cy="6858000"/>
   <p:notesSz cx="6858000" cy="9144000"/>
@@ -121,7 +120,6 @@
           <p14:sldIdLst>
             <p14:sldId id="256"/>
             <p14:sldId id="258"/>
-            <p14:sldId id="264"/>
             <p14:sldId id="268"/>
             <p14:sldId id="263"/>
             <p14:sldId id="259"/>
@@ -25987,303 +25985,6 @@
       </p:grpSpPr>
       <p:sp>
         <p:nvSpPr>
-          <p:cNvPr id="5" name="Oval 4">
-            <a:extLst>
-              <a:ext uri="{FF2B5EF4-FFF2-40B4-BE49-F238E27FC236}">
-                <a16:creationId xmlns="" xmlns:a16="http://schemas.microsoft.com/office/drawing/2014/main" id="{1BE905D4-A72F-472F-85B9-E5262CB9A9BA}"/>
-              </a:ext>
-            </a:extLst>
-          </p:cNvPr>
-          <p:cNvSpPr/>
-          <p:nvPr/>
-        </p:nvSpPr>
-        <p:spPr>
-          <a:xfrm>
-            <a:off x="2923413" y="717756"/>
-            <a:ext cx="3598606" cy="3429000"/>
-          </a:xfrm>
-          <a:prstGeom prst="ellipse">
-            <a:avLst/>
-          </a:prstGeom>
-          <a:noFill/>
-          <a:ln w="38100">
-            <a:noFill/>
-          </a:ln>
-        </p:spPr>
-        <p:style>
-          <a:lnRef idx="2">
-            <a:schemeClr val="accent1">
-              <a:shade val="50000"/>
-            </a:schemeClr>
-          </a:lnRef>
-          <a:fillRef idx="1">
-            <a:schemeClr val="accent1"/>
-          </a:fillRef>
-          <a:effectRef idx="0">
-            <a:schemeClr val="accent1"/>
-          </a:effectRef>
-          <a:fontRef idx="minor">
-            <a:schemeClr val="lt1"/>
-          </a:fontRef>
-        </p:style>
-        <p:txBody>
-          <a:bodyPr rtlCol="0" anchor="ctr"/>
-          <a:lstStyle/>
-          <a:p>
-            <a:pPr algn="ctr"/>
-            <a:endParaRPr lang="en-US"/>
-          </a:p>
-        </p:txBody>
-      </p:sp>
-      <p:sp>
-        <p:nvSpPr>
-          <p:cNvPr id="6" name="Oval 5">
-            <a:extLst>
-              <a:ext uri="{FF2B5EF4-FFF2-40B4-BE49-F238E27FC236}">
-                <a16:creationId xmlns="" xmlns:a16="http://schemas.microsoft.com/office/drawing/2014/main" id="{DA8FA223-F814-41D8-8A8C-99F6794FF949}"/>
-              </a:ext>
-            </a:extLst>
-          </p:cNvPr>
-          <p:cNvSpPr/>
-          <p:nvPr/>
-        </p:nvSpPr>
-        <p:spPr>
-          <a:xfrm>
-            <a:off x="4301613" y="3092246"/>
-            <a:ext cx="3598606" cy="3429000"/>
-          </a:xfrm>
-          <a:prstGeom prst="ellipse">
-            <a:avLst/>
-          </a:prstGeom>
-          <a:noFill/>
-          <a:ln w="38100">
-            <a:noFill/>
-          </a:ln>
-        </p:spPr>
-        <p:style>
-          <a:lnRef idx="2">
-            <a:schemeClr val="accent1">
-              <a:shade val="50000"/>
-            </a:schemeClr>
-          </a:lnRef>
-          <a:fillRef idx="1">
-            <a:schemeClr val="accent1"/>
-          </a:fillRef>
-          <a:effectRef idx="0">
-            <a:schemeClr val="accent1"/>
-          </a:effectRef>
-          <a:fontRef idx="minor">
-            <a:schemeClr val="lt1"/>
-          </a:fontRef>
-        </p:style>
-        <p:txBody>
-          <a:bodyPr rtlCol="0" anchor="ctr"/>
-          <a:lstStyle/>
-          <a:p>
-            <a:pPr algn="ctr"/>
-            <a:endParaRPr lang="en-US"/>
-          </a:p>
-        </p:txBody>
-      </p:sp>
-      <p:sp>
-        <p:nvSpPr>
-          <p:cNvPr id="7" name="Oval 6">
-            <a:extLst>
-              <a:ext uri="{FF2B5EF4-FFF2-40B4-BE49-F238E27FC236}">
-                <a16:creationId xmlns="" xmlns:a16="http://schemas.microsoft.com/office/drawing/2014/main" id="{2C06C390-1650-43A9-92CD-878AF82A2EDE}"/>
-              </a:ext>
-            </a:extLst>
-          </p:cNvPr>
-          <p:cNvSpPr/>
-          <p:nvPr/>
-        </p:nvSpPr>
-        <p:spPr>
-          <a:xfrm>
-            <a:off x="5656779" y="717756"/>
-            <a:ext cx="3598606" cy="3429000"/>
-          </a:xfrm>
-          <a:prstGeom prst="ellipse">
-            <a:avLst/>
-          </a:prstGeom>
-          <a:noFill/>
-          <a:ln w="38100">
-            <a:noFill/>
-          </a:ln>
-        </p:spPr>
-        <p:style>
-          <a:lnRef idx="2">
-            <a:schemeClr val="accent1">
-              <a:shade val="50000"/>
-            </a:schemeClr>
-          </a:lnRef>
-          <a:fillRef idx="1">
-            <a:schemeClr val="accent1"/>
-          </a:fillRef>
-          <a:effectRef idx="0">
-            <a:schemeClr val="accent1"/>
-          </a:effectRef>
-          <a:fontRef idx="minor">
-            <a:schemeClr val="lt1"/>
-          </a:fontRef>
-        </p:style>
-        <p:txBody>
-          <a:bodyPr rtlCol="0" anchor="ctr"/>
-          <a:lstStyle/>
-          <a:p>
-            <a:pPr algn="ctr"/>
-            <a:endParaRPr lang="en-US"/>
-          </a:p>
-        </p:txBody>
-      </p:sp>
-      <p:sp>
-        <p:nvSpPr>
-          <p:cNvPr id="8" name="Rectangle 7">
-            <a:extLst>
-              <a:ext uri="{FF2B5EF4-FFF2-40B4-BE49-F238E27FC236}">
-                <a16:creationId xmlns="" xmlns:a16="http://schemas.microsoft.com/office/drawing/2014/main" id="{42BB545C-B9B2-4B88-A085-D7573212A8A6}"/>
-              </a:ext>
-            </a:extLst>
-          </p:cNvPr>
-          <p:cNvSpPr/>
-          <p:nvPr/>
-        </p:nvSpPr>
-        <p:spPr>
-          <a:xfrm>
-            <a:off x="6914421" y="1909036"/>
-            <a:ext cx="1925528" cy="523220"/>
-          </a:xfrm>
-          <a:prstGeom prst="rect">
-            <a:avLst/>
-          </a:prstGeom>
-        </p:spPr>
-        <p:txBody>
-          <a:bodyPr wrap="none">
-            <a:spAutoFit/>
-          </a:bodyPr>
-          <a:lstStyle/>
-          <a:p>
-            <a:pPr algn="ctr"/>
-            <a:r>
-              <a:rPr lang="sv-SE" sz="2800" dirty="0" err="1">
-                <a:latin typeface="Arial" panose="020B0604020202020204" pitchFamily="34" charset="0"/>
-                <a:cs typeface="Arial" panose="020B0604020202020204" pitchFamily="34" charset="0"/>
-              </a:rPr>
-              <a:t>Monetizing</a:t>
-            </a:r>
-            <a:endParaRPr lang="en-US" dirty="0"/>
-          </a:p>
-        </p:txBody>
-      </p:sp>
-      <p:sp>
-        <p:nvSpPr>
-          <p:cNvPr id="9" name="Rectangle 8">
-            <a:extLst>
-              <a:ext uri="{FF2B5EF4-FFF2-40B4-BE49-F238E27FC236}">
-                <a16:creationId xmlns="" xmlns:a16="http://schemas.microsoft.com/office/drawing/2014/main" id="{822A8BCF-BF7A-45F3-AEB2-2A8B87E5DD2B}"/>
-              </a:ext>
-            </a:extLst>
-          </p:cNvPr>
-          <p:cNvSpPr/>
-          <p:nvPr/>
-        </p:nvSpPr>
-        <p:spPr>
-          <a:xfrm>
-            <a:off x="3225245" y="1909036"/>
-            <a:ext cx="2106667" cy="523220"/>
-          </a:xfrm>
-          <a:prstGeom prst="rect">
-            <a:avLst/>
-          </a:prstGeom>
-        </p:spPr>
-        <p:txBody>
-          <a:bodyPr wrap="none">
-            <a:spAutoFit/>
-          </a:bodyPr>
-          <a:lstStyle/>
-          <a:p>
-            <a:pPr algn="ctr"/>
-            <a:r>
-              <a:rPr lang="sv-SE" sz="2800" dirty="0">
-                <a:latin typeface="Arial" panose="020B0604020202020204" pitchFamily="34" charset="0"/>
-                <a:cs typeface="Arial" panose="020B0604020202020204" pitchFamily="34" charset="0"/>
-              </a:rPr>
-              <a:t>Engineering</a:t>
-            </a:r>
-            <a:endParaRPr lang="en-US" dirty="0"/>
-          </a:p>
-        </p:txBody>
-      </p:sp>
-      <p:sp>
-        <p:nvSpPr>
-          <p:cNvPr id="10" name="Rectangle 9">
-            <a:extLst>
-              <a:ext uri="{FF2B5EF4-FFF2-40B4-BE49-F238E27FC236}">
-                <a16:creationId xmlns="" xmlns:a16="http://schemas.microsoft.com/office/drawing/2014/main" id="{37CDA193-5920-4DBA-9F62-8C8CE4AE6FFB}"/>
-              </a:ext>
-            </a:extLst>
-          </p:cNvPr>
-          <p:cNvSpPr/>
-          <p:nvPr/>
-        </p:nvSpPr>
-        <p:spPr>
-          <a:xfrm>
-            <a:off x="5083383" y="4716587"/>
-            <a:ext cx="2084225" cy="523220"/>
-          </a:xfrm>
-          <a:prstGeom prst="rect">
-            <a:avLst/>
-          </a:prstGeom>
-        </p:spPr>
-        <p:txBody>
-          <a:bodyPr wrap="none">
-            <a:spAutoFit/>
-          </a:bodyPr>
-          <a:lstStyle/>
-          <a:p>
-            <a:pPr algn="ctr"/>
-            <a:r>
-              <a:rPr lang="sv-SE" sz="2800" dirty="0" err="1">
-                <a:latin typeface="Arial" panose="020B0604020202020204" pitchFamily="34" charset="0"/>
-                <a:cs typeface="Arial" panose="020B0604020202020204" pitchFamily="34" charset="0"/>
-              </a:rPr>
-              <a:t>Strategizing</a:t>
-            </a:r>
-            <a:endParaRPr lang="en-US" dirty="0"/>
-          </a:p>
-        </p:txBody>
-      </p:sp>
-    </p:spTree>
-    <p:extLst>
-      <p:ext uri="{BB962C8B-B14F-4D97-AF65-F5344CB8AC3E}">
-        <p14:creationId xmlns:p14="http://schemas.microsoft.com/office/powerpoint/2010/main" val="314093017"/>
-      </p:ext>
-    </p:extLst>
-  </p:cSld>
-  <p:clrMapOvr>
-    <a:masterClrMapping/>
-  </p:clrMapOvr>
-</p:sld>
-</file>
-
-<file path=ppt/slides/slide11.xml><?xml version="1.0" encoding="utf-8"?>
-<p:sld xmlns:a="http://schemas.openxmlformats.org/drawingml/2006/main" xmlns:r="http://schemas.openxmlformats.org/officeDocument/2006/relationships" xmlns:p="http://schemas.openxmlformats.org/presentationml/2006/main">
-  <p:cSld>
-    <p:spTree>
-      <p:nvGrpSpPr>
-        <p:cNvPr id="1" name=""/>
-        <p:cNvGrpSpPr/>
-        <p:nvPr/>
-      </p:nvGrpSpPr>
-      <p:grpSpPr>
-        <a:xfrm>
-          <a:off x="0" y="0"/>
-          <a:ext cx="0" cy="0"/>
-          <a:chOff x="0" y="0"/>
-          <a:chExt cx="0" cy="0"/>
-        </a:xfrm>
-      </p:grpSpPr>
-      <p:sp>
-        <p:nvSpPr>
           <p:cNvPr id="2" name="Title 1"/>
           <p:cNvSpPr>
             <a:spLocks noGrp="1"/>
@@ -28797,8 +28498,8 @@
         </p:nvSpPr>
         <p:spPr>
           <a:xfrm>
-            <a:off x="2357738" y="2238312"/>
-            <a:ext cx="569387" cy="369332"/>
+            <a:off x="2185208" y="1962264"/>
+            <a:ext cx="1031051" cy="646331"/>
           </a:xfrm>
           <a:prstGeom prst="rect">
             <a:avLst/>
@@ -28815,9 +28516,29 @@
                 <a:latin typeface="Arial" panose="020B0604020202020204" pitchFamily="34" charset="0"/>
                 <a:cs typeface="Arial" panose="020B0604020202020204" pitchFamily="34" charset="0"/>
               </a:rPr>
-              <a:t>€20</a:t>
+              <a:t>€</a:t>
+            </a:r>
+            <a:r>
+              <a:rPr lang="sv-SE" dirty="0" smtClean="0">
+                <a:latin typeface="Arial" panose="020B0604020202020204" pitchFamily="34" charset="0"/>
+                <a:cs typeface="Arial" panose="020B0604020202020204" pitchFamily="34" charset="0"/>
+              </a:rPr>
+              <a:t>20</a:t>
             </a:r>
             <a:endParaRPr lang="en-US" dirty="0"/>
+          </a:p>
+          <a:p>
+            <a:r>
+              <a:rPr lang="en-US" dirty="0" smtClean="0">
+                <a:latin typeface="Arial" panose="020B0604020202020204" pitchFamily="34" charset="0"/>
+                <a:cs typeface="Arial" panose="020B0604020202020204" pitchFamily="34" charset="0"/>
+              </a:rPr>
+              <a:t>€38 (2x)</a:t>
+            </a:r>
+            <a:endParaRPr lang="sv-SE" dirty="0" smtClean="0">
+              <a:latin typeface="Arial" panose="020B0604020202020204" pitchFamily="34" charset="0"/>
+              <a:cs typeface="Arial" panose="020B0604020202020204" pitchFamily="34" charset="0"/>
+            </a:endParaRPr>
           </a:p>
         </p:txBody>
       </p:sp>
@@ -30197,12 +29918,23 @@
           <a:lstStyle/>
           <a:p>
             <a:r>
-              <a:rPr lang="sv-SE" dirty="0">
+              <a:rPr lang="sv-SE" b="1" dirty="0">
                 <a:latin typeface="Arial" panose="020B0604020202020204" pitchFamily="34" charset="0"/>
                 <a:cs typeface="Arial" panose="020B0604020202020204" pitchFamily="34" charset="0"/>
               </a:rPr>
-              <a:t>Robot D</a:t>
+              <a:t>Robot </a:t>
             </a:r>
+            <a:r>
+              <a:rPr lang="sv-SE" b="1" dirty="0" smtClean="0">
+                <a:latin typeface="Arial" panose="020B0604020202020204" pitchFamily="34" charset="0"/>
+                <a:cs typeface="Arial" panose="020B0604020202020204" pitchFamily="34" charset="0"/>
+              </a:rPr>
+              <a:t>C</a:t>
+            </a:r>
+            <a:endParaRPr lang="sv-SE" b="1" dirty="0">
+              <a:latin typeface="Arial" panose="020B0604020202020204" pitchFamily="34" charset="0"/>
+              <a:cs typeface="Arial" panose="020B0604020202020204" pitchFamily="34" charset="0"/>
+            </a:endParaRPr>
           </a:p>
           <a:p>
             <a:r>
@@ -30220,7 +29952,14 @@
                 <a:latin typeface="Arial" panose="020B0604020202020204" pitchFamily="34" charset="0"/>
                 <a:cs typeface="Arial" panose="020B0604020202020204" pitchFamily="34" charset="0"/>
               </a:rPr>
-              <a:t>= €95</a:t>
+              <a:t>= €</a:t>
+            </a:r>
+            <a:r>
+              <a:rPr lang="sv-SE" dirty="0" smtClean="0">
+                <a:latin typeface="Arial" panose="020B0604020202020204" pitchFamily="34" charset="0"/>
+                <a:cs typeface="Arial" panose="020B0604020202020204" pitchFamily="34" charset="0"/>
+              </a:rPr>
+              <a:t>93</a:t>
             </a:r>
             <a:endParaRPr lang="en-US" dirty="0"/>
           </a:p>
@@ -30241,7 +29980,7 @@
         <p:spPr>
           <a:xfrm>
             <a:off x="6119822" y="4831274"/>
-            <a:ext cx="1959191" cy="1200329"/>
+            <a:ext cx="2053767" cy="1477328"/>
           </a:xfrm>
           <a:prstGeom prst="rect">
             <a:avLst/>
@@ -30254,57 +29993,45 @@
           <a:lstStyle/>
           <a:p>
             <a:r>
+              <a:rPr lang="sv-SE" b="1" dirty="0" smtClean="0">
+                <a:latin typeface="Arial" panose="020B0604020202020204" pitchFamily="34" charset="0"/>
+                <a:cs typeface="Arial" panose="020B0604020202020204" pitchFamily="34" charset="0"/>
+              </a:rPr>
+              <a:t>Robot B</a:t>
+            </a:r>
+          </a:p>
+          <a:p>
+            <a:r>
+              <a:rPr lang="sv-SE" dirty="0" smtClean="0">
+                <a:latin typeface="Arial" panose="020B0604020202020204" pitchFamily="34" charset="0"/>
+                <a:cs typeface="Arial" panose="020B0604020202020204" pitchFamily="34" charset="0"/>
+              </a:rPr>
+              <a:t>2x Robot B</a:t>
+            </a:r>
+          </a:p>
+          <a:p>
+            <a:r>
               <a:rPr lang="sv-SE" dirty="0">
+                <a:latin typeface="Arial" panose="020B0604020202020204" pitchFamily="34" charset="0"/>
+                <a:cs typeface="Arial" panose="020B0604020202020204" pitchFamily="34" charset="0"/>
+              </a:rPr>
+              <a:t>Basic Leader Bot</a:t>
+            </a:r>
+          </a:p>
+          <a:p>
+            <a:r>
+              <a:rPr lang="sv-SE" dirty="0" smtClean="0">
                 <a:latin typeface="Arial" panose="020B0604020202020204" pitchFamily="34" charset="0"/>
                 <a:cs typeface="Arial" panose="020B0604020202020204" pitchFamily="34" charset="0"/>
               </a:rPr>
               <a:t>Basic </a:t>
             </a:r>
             <a:r>
-              <a:rPr lang="sv-SE" dirty="0" err="1">
-                <a:latin typeface="Arial" panose="020B0604020202020204" pitchFamily="34" charset="0"/>
-                <a:cs typeface="Arial" panose="020B0604020202020204" pitchFamily="34" charset="0"/>
-              </a:rPr>
-              <a:t>Leader</a:t>
-            </a:r>
-            <a:r>
               <a:rPr lang="sv-SE" dirty="0">
                 <a:latin typeface="Arial" panose="020B0604020202020204" pitchFamily="34" charset="0"/>
                 <a:cs typeface="Arial" panose="020B0604020202020204" pitchFamily="34" charset="0"/>
               </a:rPr>
-              <a:t> Bot</a:t>
-            </a:r>
-          </a:p>
-          <a:p>
-            <a:r>
-              <a:rPr lang="sv-SE" dirty="0">
-                <a:latin typeface="Arial" panose="020B0604020202020204" pitchFamily="34" charset="0"/>
-                <a:cs typeface="Arial" panose="020B0604020202020204" pitchFamily="34" charset="0"/>
-              </a:rPr>
-              <a:t>3x Robot B</a:t>
-            </a:r>
-          </a:p>
-          <a:p>
-            <a:r>
-              <a:rPr lang="sv-SE" dirty="0">
-                <a:latin typeface="Arial" panose="020B0604020202020204" pitchFamily="34" charset="0"/>
-                <a:cs typeface="Arial" panose="020B0604020202020204" pitchFamily="34" charset="0"/>
-              </a:rPr>
-              <a:t>Basic </a:t>
-            </a:r>
-            <a:r>
-              <a:rPr lang="sv-SE" dirty="0" err="1">
-                <a:latin typeface="Arial" panose="020B0604020202020204" pitchFamily="34" charset="0"/>
-                <a:cs typeface="Arial" panose="020B0604020202020204" pitchFamily="34" charset="0"/>
-              </a:rPr>
-              <a:t>Melee</a:t>
-            </a:r>
-            <a:r>
-              <a:rPr lang="sv-SE" dirty="0">
-                <a:latin typeface="Arial" panose="020B0604020202020204" pitchFamily="34" charset="0"/>
-                <a:cs typeface="Arial" panose="020B0604020202020204" pitchFamily="34" charset="0"/>
-              </a:rPr>
-              <a:t> Bot</a:t>
+              <a:t>Melee Bot</a:t>
             </a:r>
           </a:p>
           <a:p>
@@ -30314,7 +30041,14 @@
                 <a:latin typeface="Arial" panose="020B0604020202020204" pitchFamily="34" charset="0"/>
                 <a:cs typeface="Arial" panose="020B0604020202020204" pitchFamily="34" charset="0"/>
               </a:rPr>
-              <a:t>= €95</a:t>
+              <a:t>= €</a:t>
+            </a:r>
+            <a:r>
+              <a:rPr lang="sv-SE" dirty="0" smtClean="0">
+                <a:latin typeface="Arial" panose="020B0604020202020204" pitchFamily="34" charset="0"/>
+                <a:cs typeface="Arial" panose="020B0604020202020204" pitchFamily="34" charset="0"/>
+              </a:rPr>
+              <a:t>93</a:t>
             </a:r>
             <a:endParaRPr lang="en-US" dirty="0"/>
           </a:p>
@@ -30689,7 +30423,7 @@
         <p:spPr>
           <a:xfrm>
             <a:off x="1626330" y="5274371"/>
-            <a:ext cx="1082348" cy="369332"/>
+            <a:ext cx="1146468" cy="369332"/>
           </a:xfrm>
           <a:prstGeom prst="rect">
             <a:avLst/>
@@ -30702,13 +30436,13 @@
           <a:lstStyle/>
           <a:p>
             <a:r>
-              <a:rPr lang="sv-SE" dirty="0" err="1">
+              <a:rPr lang="sv-SE" b="1" dirty="0" err="1">
                 <a:latin typeface="Arial" panose="020B0604020202020204" pitchFamily="34" charset="0"/>
                 <a:cs typeface="Arial" panose="020B0604020202020204" pitchFamily="34" charset="0"/>
               </a:rPr>
               <a:t>Bespoke</a:t>
             </a:r>
-            <a:endParaRPr lang="en-US" dirty="0"/>
+            <a:endParaRPr lang="en-US" b="1" dirty="0"/>
           </a:p>
         </p:txBody>
       </p:sp>
@@ -30805,7 +30539,7 @@
     </p:spTree>
     <p:extLst>
       <p:ext uri="{BB962C8B-B14F-4D97-AF65-F5344CB8AC3E}">
-        <p14:creationId xmlns:p14="http://schemas.microsoft.com/office/powerpoint/2010/main" val="1146937526"/>
+        <p14:creationId xmlns:p14="http://schemas.microsoft.com/office/powerpoint/2010/main" val="3343880895"/>
       </p:ext>
     </p:extLst>
   </p:cSld>
@@ -30816,2390 +30550,6 @@
 </file>
 
 <file path=ppt/slides/slide4.xml><?xml version="1.0" encoding="utf-8"?>
-<p:sld xmlns:a="http://schemas.openxmlformats.org/drawingml/2006/main" xmlns:r="http://schemas.openxmlformats.org/officeDocument/2006/relationships" xmlns:p="http://schemas.openxmlformats.org/presentationml/2006/main">
-  <p:cSld>
-    <p:spTree>
-      <p:nvGrpSpPr>
-        <p:cNvPr id="1" name=""/>
-        <p:cNvGrpSpPr/>
-        <p:nvPr/>
-      </p:nvGrpSpPr>
-      <p:grpSpPr>
-        <a:xfrm>
-          <a:off x="0" y="0"/>
-          <a:ext cx="0" cy="0"/>
-          <a:chOff x="0" y="0"/>
-          <a:chExt cx="0" cy="0"/>
-        </a:xfrm>
-      </p:grpSpPr>
-      <p:sp>
-        <p:nvSpPr>
-          <p:cNvPr id="4" name="Cloud 3">
-            <a:extLst>
-              <a:ext uri="{FF2B5EF4-FFF2-40B4-BE49-F238E27FC236}">
-                <a16:creationId xmlns="" xmlns:a16="http://schemas.microsoft.com/office/drawing/2014/main" id="{3141B1FA-0C65-4790-B026-C4DF262B0BD7}"/>
-              </a:ext>
-            </a:extLst>
-          </p:cNvPr>
-          <p:cNvSpPr/>
-          <p:nvPr/>
-        </p:nvSpPr>
-        <p:spPr>
-          <a:xfrm>
-            <a:off x="78658" y="285137"/>
-            <a:ext cx="9910916" cy="4119716"/>
-          </a:xfrm>
-          <a:prstGeom prst="cloud">
-            <a:avLst/>
-          </a:prstGeom>
-          <a:noFill/>
-          <a:ln>
-            <a:solidFill>
-              <a:schemeClr val="tx1"/>
-            </a:solidFill>
-          </a:ln>
-        </p:spPr>
-        <p:style>
-          <a:lnRef idx="2">
-            <a:schemeClr val="accent1">
-              <a:shade val="50000"/>
-            </a:schemeClr>
-          </a:lnRef>
-          <a:fillRef idx="1">
-            <a:schemeClr val="accent1"/>
-          </a:fillRef>
-          <a:effectRef idx="0">
-            <a:schemeClr val="accent1"/>
-          </a:effectRef>
-          <a:fontRef idx="minor">
-            <a:schemeClr val="lt1"/>
-          </a:fontRef>
-        </p:style>
-        <p:txBody>
-          <a:bodyPr rtlCol="0" anchor="ctr"/>
-          <a:lstStyle/>
-          <a:p>
-            <a:pPr algn="ctr"/>
-            <a:r>
-              <a:rPr lang="sv-SE" sz="2800" dirty="0">
-                <a:solidFill>
-                  <a:schemeClr val="tx1"/>
-                </a:solidFill>
-                <a:latin typeface="Arial" panose="020B0604020202020204" pitchFamily="34" charset="0"/>
-                <a:cs typeface="Arial" panose="020B0604020202020204" pitchFamily="34" charset="0"/>
-              </a:rPr>
-              <a:t>Robot Market</a:t>
-            </a:r>
-          </a:p>
-          <a:p>
-            <a:pPr algn="ctr"/>
-            <a:endParaRPr lang="sv-SE" sz="2800" dirty="0">
-              <a:solidFill>
-                <a:schemeClr val="tx1"/>
-              </a:solidFill>
-              <a:latin typeface="Arial" panose="020B0604020202020204" pitchFamily="34" charset="0"/>
-              <a:cs typeface="Arial" panose="020B0604020202020204" pitchFamily="34" charset="0"/>
-            </a:endParaRPr>
-          </a:p>
-          <a:p>
-            <a:pPr algn="ctr"/>
-            <a:endParaRPr lang="sv-SE" sz="2800" dirty="0">
-              <a:solidFill>
-                <a:schemeClr val="tx1"/>
-              </a:solidFill>
-              <a:latin typeface="Arial" panose="020B0604020202020204" pitchFamily="34" charset="0"/>
-              <a:cs typeface="Arial" panose="020B0604020202020204" pitchFamily="34" charset="0"/>
-            </a:endParaRPr>
-          </a:p>
-          <a:p>
-            <a:pPr algn="ctr"/>
-            <a:endParaRPr lang="sv-SE" sz="2800" dirty="0">
-              <a:solidFill>
-                <a:schemeClr val="tx1"/>
-              </a:solidFill>
-              <a:latin typeface="Arial" panose="020B0604020202020204" pitchFamily="34" charset="0"/>
-              <a:cs typeface="Arial" panose="020B0604020202020204" pitchFamily="34" charset="0"/>
-            </a:endParaRPr>
-          </a:p>
-          <a:p>
-            <a:pPr algn="ctr"/>
-            <a:endParaRPr lang="sv-SE" sz="2800" dirty="0">
-              <a:solidFill>
-                <a:schemeClr val="tx1"/>
-              </a:solidFill>
-              <a:latin typeface="Arial" panose="020B0604020202020204" pitchFamily="34" charset="0"/>
-              <a:cs typeface="Arial" panose="020B0604020202020204" pitchFamily="34" charset="0"/>
-            </a:endParaRPr>
-          </a:p>
-          <a:p>
-            <a:pPr algn="ctr"/>
-            <a:endParaRPr lang="en-US" sz="2800" dirty="0">
-              <a:solidFill>
-                <a:schemeClr val="tx1"/>
-              </a:solidFill>
-              <a:latin typeface="Arial" panose="020B0604020202020204" pitchFamily="34" charset="0"/>
-              <a:cs typeface="Arial" panose="020B0604020202020204" pitchFamily="34" charset="0"/>
-            </a:endParaRPr>
-          </a:p>
-        </p:txBody>
-      </p:sp>
-      <p:sp>
-        <p:nvSpPr>
-          <p:cNvPr id="12" name="Rectangle 11">
-            <a:extLst>
-              <a:ext uri="{FF2B5EF4-FFF2-40B4-BE49-F238E27FC236}">
-                <a16:creationId xmlns="" xmlns:a16="http://schemas.microsoft.com/office/drawing/2014/main" id="{1F37C778-DFF2-4C39-9755-E6BF0C148F35}"/>
-              </a:ext>
-            </a:extLst>
-          </p:cNvPr>
-          <p:cNvSpPr/>
-          <p:nvPr/>
-        </p:nvSpPr>
-        <p:spPr>
-          <a:xfrm>
-            <a:off x="1100336" y="2821837"/>
-            <a:ext cx="1005468" cy="369332"/>
-          </a:xfrm>
-          <a:prstGeom prst="rect">
-            <a:avLst/>
-          </a:prstGeom>
-        </p:spPr>
-        <p:txBody>
-          <a:bodyPr wrap="none">
-            <a:spAutoFit/>
-          </a:bodyPr>
-          <a:lstStyle/>
-          <a:p>
-            <a:r>
-              <a:rPr lang="sv-SE" dirty="0">
-                <a:latin typeface="Arial" panose="020B0604020202020204" pitchFamily="34" charset="0"/>
-                <a:cs typeface="Arial" panose="020B0604020202020204" pitchFamily="34" charset="0"/>
-              </a:rPr>
-              <a:t>Robot A</a:t>
-            </a:r>
-            <a:endParaRPr lang="en-US" dirty="0"/>
-          </a:p>
-        </p:txBody>
-      </p:sp>
-      <p:sp>
-        <p:nvSpPr>
-          <p:cNvPr id="13" name="Rectangle 12">
-            <a:extLst>
-              <a:ext uri="{FF2B5EF4-FFF2-40B4-BE49-F238E27FC236}">
-                <a16:creationId xmlns="" xmlns:a16="http://schemas.microsoft.com/office/drawing/2014/main" id="{AD3DE133-097E-4D53-90A0-BDE00462AE50}"/>
-              </a:ext>
-            </a:extLst>
-          </p:cNvPr>
-          <p:cNvSpPr/>
-          <p:nvPr/>
-        </p:nvSpPr>
-        <p:spPr>
-          <a:xfrm>
-            <a:off x="2131268" y="3302104"/>
-            <a:ext cx="1018227" cy="369332"/>
-          </a:xfrm>
-          <a:prstGeom prst="rect">
-            <a:avLst/>
-          </a:prstGeom>
-        </p:spPr>
-        <p:txBody>
-          <a:bodyPr wrap="none">
-            <a:spAutoFit/>
-          </a:bodyPr>
-          <a:lstStyle/>
-          <a:p>
-            <a:r>
-              <a:rPr lang="sv-SE" dirty="0">
-                <a:latin typeface="Arial" panose="020B0604020202020204" pitchFamily="34" charset="0"/>
-                <a:cs typeface="Arial" panose="020B0604020202020204" pitchFamily="34" charset="0"/>
-              </a:rPr>
-              <a:t>Robot B</a:t>
-            </a:r>
-            <a:endParaRPr lang="en-US" dirty="0"/>
-          </a:p>
-        </p:txBody>
-      </p:sp>
-      <p:sp>
-        <p:nvSpPr>
-          <p:cNvPr id="14" name="Rectangle 13">
-            <a:extLst>
-              <a:ext uri="{FF2B5EF4-FFF2-40B4-BE49-F238E27FC236}">
-                <a16:creationId xmlns="" xmlns:a16="http://schemas.microsoft.com/office/drawing/2014/main" id="{92D4F564-9B8A-41F2-8344-AD34196FAFEF}"/>
-              </a:ext>
-            </a:extLst>
-          </p:cNvPr>
-          <p:cNvSpPr/>
-          <p:nvPr/>
-        </p:nvSpPr>
-        <p:spPr>
-          <a:xfrm>
-            <a:off x="3322308" y="2748535"/>
-            <a:ext cx="1031051" cy="369332"/>
-          </a:xfrm>
-          <a:prstGeom prst="rect">
-            <a:avLst/>
-          </a:prstGeom>
-        </p:spPr>
-        <p:txBody>
-          <a:bodyPr wrap="none">
-            <a:spAutoFit/>
-          </a:bodyPr>
-          <a:lstStyle/>
-          <a:p>
-            <a:r>
-              <a:rPr lang="sv-SE" dirty="0">
-                <a:latin typeface="Arial" panose="020B0604020202020204" pitchFamily="34" charset="0"/>
-                <a:cs typeface="Arial" panose="020B0604020202020204" pitchFamily="34" charset="0"/>
-              </a:rPr>
-              <a:t>Robot C</a:t>
-            </a:r>
-            <a:endParaRPr lang="en-US" dirty="0"/>
-          </a:p>
-        </p:txBody>
-      </p:sp>
-      <p:sp>
-        <p:nvSpPr>
-          <p:cNvPr id="15" name="Rectangle 14">
-            <a:extLst>
-              <a:ext uri="{FF2B5EF4-FFF2-40B4-BE49-F238E27FC236}">
-                <a16:creationId xmlns="" xmlns:a16="http://schemas.microsoft.com/office/drawing/2014/main" id="{1116CA10-F054-4AF7-812F-2E14C3DB92A8}"/>
-              </a:ext>
-            </a:extLst>
-          </p:cNvPr>
-          <p:cNvSpPr/>
-          <p:nvPr/>
-        </p:nvSpPr>
-        <p:spPr>
-          <a:xfrm>
-            <a:off x="4581462" y="2724948"/>
-            <a:ext cx="1031051" cy="369332"/>
-          </a:xfrm>
-          <a:prstGeom prst="rect">
-            <a:avLst/>
-          </a:prstGeom>
-        </p:spPr>
-        <p:txBody>
-          <a:bodyPr wrap="none">
-            <a:spAutoFit/>
-          </a:bodyPr>
-          <a:lstStyle/>
-          <a:p>
-            <a:r>
-              <a:rPr lang="sv-SE" dirty="0">
-                <a:latin typeface="Arial" panose="020B0604020202020204" pitchFamily="34" charset="0"/>
-                <a:cs typeface="Arial" panose="020B0604020202020204" pitchFamily="34" charset="0"/>
-              </a:rPr>
-              <a:t>Robot D</a:t>
-            </a:r>
-            <a:endParaRPr lang="en-US" dirty="0"/>
-          </a:p>
-        </p:txBody>
-      </p:sp>
-      <p:sp>
-        <p:nvSpPr>
-          <p:cNvPr id="16" name="Rectangle 15">
-            <a:extLst>
-              <a:ext uri="{FF2B5EF4-FFF2-40B4-BE49-F238E27FC236}">
-                <a16:creationId xmlns="" xmlns:a16="http://schemas.microsoft.com/office/drawing/2014/main" id="{63714086-3485-4087-A683-F1C203CF3F3A}"/>
-              </a:ext>
-            </a:extLst>
-          </p:cNvPr>
-          <p:cNvSpPr/>
-          <p:nvPr/>
-        </p:nvSpPr>
-        <p:spPr>
-          <a:xfrm>
-            <a:off x="1301325" y="1834009"/>
-            <a:ext cx="569387" cy="369332"/>
-          </a:xfrm>
-          <a:prstGeom prst="rect">
-            <a:avLst/>
-          </a:prstGeom>
-        </p:spPr>
-        <p:txBody>
-          <a:bodyPr wrap="none">
-            <a:spAutoFit/>
-          </a:bodyPr>
-          <a:lstStyle/>
-          <a:p>
-            <a:r>
-              <a:rPr lang="sv-SE" dirty="0">
-                <a:latin typeface="Arial" panose="020B0604020202020204" pitchFamily="34" charset="0"/>
-                <a:cs typeface="Arial" panose="020B0604020202020204" pitchFamily="34" charset="0"/>
-              </a:rPr>
-              <a:t>€40</a:t>
-            </a:r>
-            <a:endParaRPr lang="en-US" dirty="0"/>
-          </a:p>
-        </p:txBody>
-      </p:sp>
-      <p:sp>
-        <p:nvSpPr>
-          <p:cNvPr id="17" name="Rectangle 16">
-            <a:extLst>
-              <a:ext uri="{FF2B5EF4-FFF2-40B4-BE49-F238E27FC236}">
-                <a16:creationId xmlns="" xmlns:a16="http://schemas.microsoft.com/office/drawing/2014/main" id="{A871A22D-3138-4F20-953F-81B2D34BC353}"/>
-              </a:ext>
-            </a:extLst>
-          </p:cNvPr>
-          <p:cNvSpPr/>
-          <p:nvPr/>
-        </p:nvSpPr>
-        <p:spPr>
-          <a:xfrm>
-            <a:off x="2185208" y="1962264"/>
-            <a:ext cx="1031051" cy="646331"/>
-          </a:xfrm>
-          <a:prstGeom prst="rect">
-            <a:avLst/>
-          </a:prstGeom>
-        </p:spPr>
-        <p:txBody>
-          <a:bodyPr wrap="none">
-            <a:spAutoFit/>
-          </a:bodyPr>
-          <a:lstStyle/>
-          <a:p>
-            <a:r>
-              <a:rPr lang="sv-SE" dirty="0">
-                <a:latin typeface="Arial" panose="020B0604020202020204" pitchFamily="34" charset="0"/>
-                <a:cs typeface="Arial" panose="020B0604020202020204" pitchFamily="34" charset="0"/>
-              </a:rPr>
-              <a:t>€</a:t>
-            </a:r>
-            <a:r>
-              <a:rPr lang="sv-SE" dirty="0" smtClean="0">
-                <a:latin typeface="Arial" panose="020B0604020202020204" pitchFamily="34" charset="0"/>
-                <a:cs typeface="Arial" panose="020B0604020202020204" pitchFamily="34" charset="0"/>
-              </a:rPr>
-              <a:t>20</a:t>
-            </a:r>
-            <a:endParaRPr lang="en-US" dirty="0"/>
-          </a:p>
-          <a:p>
-            <a:r>
-              <a:rPr lang="en-US" dirty="0" smtClean="0">
-                <a:latin typeface="Arial" panose="020B0604020202020204" pitchFamily="34" charset="0"/>
-                <a:cs typeface="Arial" panose="020B0604020202020204" pitchFamily="34" charset="0"/>
-              </a:rPr>
-              <a:t>€38 (2x)</a:t>
-            </a:r>
-            <a:endParaRPr lang="sv-SE" dirty="0" smtClean="0">
-              <a:latin typeface="Arial" panose="020B0604020202020204" pitchFamily="34" charset="0"/>
-              <a:cs typeface="Arial" panose="020B0604020202020204" pitchFamily="34" charset="0"/>
-            </a:endParaRPr>
-          </a:p>
-        </p:txBody>
-      </p:sp>
-      <p:sp>
-        <p:nvSpPr>
-          <p:cNvPr id="18" name="Rectangle 17">
-            <a:extLst>
-              <a:ext uri="{FF2B5EF4-FFF2-40B4-BE49-F238E27FC236}">
-                <a16:creationId xmlns="" xmlns:a16="http://schemas.microsoft.com/office/drawing/2014/main" id="{35D06240-088C-41F7-9749-83216E384825}"/>
-              </a:ext>
-            </a:extLst>
-          </p:cNvPr>
-          <p:cNvSpPr/>
-          <p:nvPr/>
-        </p:nvSpPr>
-        <p:spPr>
-          <a:xfrm>
-            <a:off x="3549744" y="1795901"/>
-            <a:ext cx="569387" cy="369332"/>
-          </a:xfrm>
-          <a:prstGeom prst="rect">
-            <a:avLst/>
-          </a:prstGeom>
-        </p:spPr>
-        <p:txBody>
-          <a:bodyPr wrap="none">
-            <a:spAutoFit/>
-          </a:bodyPr>
-          <a:lstStyle/>
-          <a:p>
-            <a:r>
-              <a:rPr lang="sv-SE" dirty="0">
-                <a:latin typeface="Arial" panose="020B0604020202020204" pitchFamily="34" charset="0"/>
-                <a:cs typeface="Arial" panose="020B0604020202020204" pitchFamily="34" charset="0"/>
-              </a:rPr>
-              <a:t>€55</a:t>
-            </a:r>
-            <a:endParaRPr lang="en-US" dirty="0"/>
-          </a:p>
-        </p:txBody>
-      </p:sp>
-      <p:sp>
-        <p:nvSpPr>
-          <p:cNvPr id="19" name="Rectangle 18">
-            <a:extLst>
-              <a:ext uri="{FF2B5EF4-FFF2-40B4-BE49-F238E27FC236}">
-                <a16:creationId xmlns="" xmlns:a16="http://schemas.microsoft.com/office/drawing/2014/main" id="{507C15F6-17F8-4344-860D-324D4C1B2851}"/>
-              </a:ext>
-            </a:extLst>
-          </p:cNvPr>
-          <p:cNvSpPr/>
-          <p:nvPr/>
-        </p:nvSpPr>
-        <p:spPr>
-          <a:xfrm>
-            <a:off x="4812293" y="1769119"/>
-            <a:ext cx="569387" cy="369332"/>
-          </a:xfrm>
-          <a:prstGeom prst="rect">
-            <a:avLst/>
-          </a:prstGeom>
-        </p:spPr>
-        <p:txBody>
-          <a:bodyPr wrap="none">
-            <a:spAutoFit/>
-          </a:bodyPr>
-          <a:lstStyle/>
-          <a:p>
-            <a:r>
-              <a:rPr lang="sv-SE" dirty="0">
-                <a:latin typeface="Arial" panose="020B0604020202020204" pitchFamily="34" charset="0"/>
-                <a:cs typeface="Arial" panose="020B0604020202020204" pitchFamily="34" charset="0"/>
-              </a:rPr>
-              <a:t>€30</a:t>
-            </a:r>
-            <a:endParaRPr lang="en-US" dirty="0"/>
-          </a:p>
-        </p:txBody>
-      </p:sp>
-      <p:sp>
-        <p:nvSpPr>
-          <p:cNvPr id="20" name="Rectangle 19">
-            <a:extLst>
-              <a:ext uri="{FF2B5EF4-FFF2-40B4-BE49-F238E27FC236}">
-                <a16:creationId xmlns="" xmlns:a16="http://schemas.microsoft.com/office/drawing/2014/main" id="{C08A1ED6-5BE5-4CF2-BA4F-0BF592BA9433}"/>
-              </a:ext>
-            </a:extLst>
-          </p:cNvPr>
-          <p:cNvSpPr/>
-          <p:nvPr/>
-        </p:nvSpPr>
-        <p:spPr>
-          <a:xfrm>
-            <a:off x="4317861" y="4988154"/>
-            <a:ext cx="1031116" cy="369332"/>
-          </a:xfrm>
-          <a:prstGeom prst="rect">
-            <a:avLst/>
-          </a:prstGeom>
-        </p:spPr>
-        <p:txBody>
-          <a:bodyPr wrap="none">
-            <a:spAutoFit/>
-          </a:bodyPr>
-          <a:lstStyle/>
-          <a:p>
-            <a:r>
-              <a:rPr lang="sv-SE" u="sng" dirty="0">
-                <a:latin typeface="Arial" panose="020B0604020202020204" pitchFamily="34" charset="0"/>
-                <a:cs typeface="Arial" panose="020B0604020202020204" pitchFamily="34" charset="0"/>
-              </a:rPr>
-              <a:t>Group A</a:t>
-            </a:r>
-            <a:endParaRPr lang="en-US" u="sng" dirty="0"/>
-          </a:p>
-        </p:txBody>
-      </p:sp>
-      <p:sp>
-        <p:nvSpPr>
-          <p:cNvPr id="21" name="Rectangle 20">
-            <a:extLst>
-              <a:ext uri="{FF2B5EF4-FFF2-40B4-BE49-F238E27FC236}">
-                <a16:creationId xmlns="" xmlns:a16="http://schemas.microsoft.com/office/drawing/2014/main" id="{2CB84429-4C8B-4D28-B92A-683A872D3EF0}"/>
-              </a:ext>
-            </a:extLst>
-          </p:cNvPr>
-          <p:cNvSpPr/>
-          <p:nvPr/>
-        </p:nvSpPr>
-        <p:spPr>
-          <a:xfrm>
-            <a:off x="6099994" y="4552218"/>
-            <a:ext cx="1056700" cy="369332"/>
-          </a:xfrm>
-          <a:prstGeom prst="rect">
-            <a:avLst/>
-          </a:prstGeom>
-        </p:spPr>
-        <p:txBody>
-          <a:bodyPr wrap="none">
-            <a:spAutoFit/>
-          </a:bodyPr>
-          <a:lstStyle/>
-          <a:p>
-            <a:r>
-              <a:rPr lang="sv-SE" u="sng" dirty="0">
-                <a:latin typeface="Arial" panose="020B0604020202020204" pitchFamily="34" charset="0"/>
-                <a:cs typeface="Arial" panose="020B0604020202020204" pitchFamily="34" charset="0"/>
-              </a:rPr>
-              <a:t>Group C</a:t>
-            </a:r>
-            <a:endParaRPr lang="en-US" u="sng" dirty="0"/>
-          </a:p>
-        </p:txBody>
-      </p:sp>
-      <p:cxnSp>
-        <p:nvCxnSpPr>
-          <p:cNvPr id="23" name="Straight Arrow Connector 22">
-            <a:extLst>
-              <a:ext uri="{FF2B5EF4-FFF2-40B4-BE49-F238E27FC236}">
-                <a16:creationId xmlns="" xmlns:a16="http://schemas.microsoft.com/office/drawing/2014/main" id="{CF5BE959-978C-48AF-8508-DE76B7326356}"/>
-              </a:ext>
-            </a:extLst>
-          </p:cNvPr>
-          <p:cNvCxnSpPr>
-            <a:cxnSpLocks/>
-            <a:stCxn id="20" idx="0"/>
-            <a:endCxn id="13" idx="2"/>
-          </p:cNvCxnSpPr>
-          <p:nvPr/>
-        </p:nvCxnSpPr>
-        <p:spPr>
-          <a:xfrm flipH="1" flipV="1">
-            <a:off x="2640382" y="3671436"/>
-            <a:ext cx="2193037" cy="1316718"/>
-          </a:xfrm>
-          <a:prstGeom prst="straightConnector1">
-            <a:avLst/>
-          </a:prstGeom>
-          <a:ln w="38100">
-            <a:solidFill>
-              <a:schemeClr val="tx1"/>
-            </a:solidFill>
-            <a:prstDash val="dash"/>
-            <a:tailEnd type="triangle"/>
-          </a:ln>
-        </p:spPr>
-        <p:style>
-          <a:lnRef idx="1">
-            <a:schemeClr val="accent1"/>
-          </a:lnRef>
-          <a:fillRef idx="0">
-            <a:schemeClr val="accent1"/>
-          </a:fillRef>
-          <a:effectRef idx="0">
-            <a:schemeClr val="accent1"/>
-          </a:effectRef>
-          <a:fontRef idx="minor">
-            <a:schemeClr val="tx1"/>
-          </a:fontRef>
-        </p:style>
-      </p:cxnSp>
-      <p:cxnSp>
-        <p:nvCxnSpPr>
-          <p:cNvPr id="24" name="Straight Arrow Connector 23">
-            <a:extLst>
-              <a:ext uri="{FF2B5EF4-FFF2-40B4-BE49-F238E27FC236}">
-                <a16:creationId xmlns="" xmlns:a16="http://schemas.microsoft.com/office/drawing/2014/main" id="{EA94AA31-2348-488D-AF95-C5BD4CD8C3FC}"/>
-              </a:ext>
-            </a:extLst>
-          </p:cNvPr>
-          <p:cNvCxnSpPr>
-            <a:cxnSpLocks/>
-          </p:cNvCxnSpPr>
-          <p:nvPr/>
-        </p:nvCxnSpPr>
-        <p:spPr>
-          <a:xfrm flipH="1" flipV="1">
-            <a:off x="3920340" y="3094280"/>
-            <a:ext cx="1044946" cy="1893874"/>
-          </a:xfrm>
-          <a:prstGeom prst="straightConnector1">
-            <a:avLst/>
-          </a:prstGeom>
-          <a:ln w="38100">
-            <a:solidFill>
-              <a:schemeClr val="tx1"/>
-            </a:solidFill>
-            <a:tailEnd type="triangle"/>
-          </a:ln>
-        </p:spPr>
-        <p:style>
-          <a:lnRef idx="1">
-            <a:schemeClr val="accent1"/>
-          </a:lnRef>
-          <a:fillRef idx="0">
-            <a:schemeClr val="accent1"/>
-          </a:fillRef>
-          <a:effectRef idx="0">
-            <a:schemeClr val="accent1"/>
-          </a:effectRef>
-          <a:fontRef idx="minor">
-            <a:schemeClr val="tx1"/>
-          </a:fontRef>
-        </p:style>
-      </p:cxnSp>
-      <p:sp>
-        <p:nvSpPr>
-          <p:cNvPr id="28" name="Rectangle 27">
-            <a:extLst>
-              <a:ext uri="{FF2B5EF4-FFF2-40B4-BE49-F238E27FC236}">
-                <a16:creationId xmlns="" xmlns:a16="http://schemas.microsoft.com/office/drawing/2014/main" id="{FF0E0202-04C0-41BA-AD7D-C64268A08F36}"/>
-              </a:ext>
-            </a:extLst>
-          </p:cNvPr>
-          <p:cNvSpPr/>
-          <p:nvPr/>
-        </p:nvSpPr>
-        <p:spPr>
-          <a:xfrm>
-            <a:off x="3483983" y="4367552"/>
-            <a:ext cx="428322" cy="369332"/>
-          </a:xfrm>
-          <a:prstGeom prst="rect">
-            <a:avLst/>
-          </a:prstGeom>
-        </p:spPr>
-        <p:txBody>
-          <a:bodyPr wrap="none">
-            <a:spAutoFit/>
-          </a:bodyPr>
-          <a:lstStyle/>
-          <a:p>
-            <a:r>
-              <a:rPr lang="sv-SE" dirty="0">
-                <a:latin typeface="Arial" panose="020B0604020202020204" pitchFamily="34" charset="0"/>
-                <a:cs typeface="Arial" panose="020B0604020202020204" pitchFamily="34" charset="0"/>
-              </a:rPr>
-              <a:t>2x</a:t>
-            </a:r>
-            <a:endParaRPr lang="en-US" dirty="0"/>
-          </a:p>
-        </p:txBody>
-      </p:sp>
-      <p:cxnSp>
-        <p:nvCxnSpPr>
-          <p:cNvPr id="29" name="Straight Arrow Connector 28">
-            <a:extLst>
-              <a:ext uri="{FF2B5EF4-FFF2-40B4-BE49-F238E27FC236}">
-                <a16:creationId xmlns="" xmlns:a16="http://schemas.microsoft.com/office/drawing/2014/main" id="{AE1D563C-18F7-40C4-8C12-89E6F334705F}"/>
-              </a:ext>
-            </a:extLst>
-          </p:cNvPr>
-          <p:cNvCxnSpPr>
-            <a:cxnSpLocks/>
-          </p:cNvCxnSpPr>
-          <p:nvPr/>
-        </p:nvCxnSpPr>
-        <p:spPr>
-          <a:xfrm flipH="1" flipV="1">
-            <a:off x="3149495" y="3151369"/>
-            <a:ext cx="3455078" cy="1415561"/>
-          </a:xfrm>
-          <a:prstGeom prst="straightConnector1">
-            <a:avLst/>
-          </a:prstGeom>
-          <a:ln w="38100">
-            <a:solidFill>
-              <a:schemeClr val="tx1"/>
-            </a:solidFill>
-            <a:prstDash val="dash"/>
-            <a:tailEnd type="triangle"/>
-          </a:ln>
-        </p:spPr>
-        <p:style>
-          <a:lnRef idx="1">
-            <a:schemeClr val="accent1"/>
-          </a:lnRef>
-          <a:fillRef idx="0">
-            <a:schemeClr val="accent1"/>
-          </a:fillRef>
-          <a:effectRef idx="0">
-            <a:schemeClr val="accent1"/>
-          </a:effectRef>
-          <a:fontRef idx="minor">
-            <a:schemeClr val="tx1"/>
-          </a:fontRef>
-        </p:style>
-      </p:cxnSp>
-      <p:sp>
-        <p:nvSpPr>
-          <p:cNvPr id="30" name="Rectangle 29">
-            <a:extLst>
-              <a:ext uri="{FF2B5EF4-FFF2-40B4-BE49-F238E27FC236}">
-                <a16:creationId xmlns="" xmlns:a16="http://schemas.microsoft.com/office/drawing/2014/main" id="{2AB490D3-2200-47DD-88EE-2B6DB3DFE0E5}"/>
-              </a:ext>
-            </a:extLst>
-          </p:cNvPr>
-          <p:cNvSpPr/>
-          <p:nvPr/>
-        </p:nvSpPr>
-        <p:spPr>
-          <a:xfrm>
-            <a:off x="3537308" y="2200270"/>
-            <a:ext cx="589707" cy="548265"/>
-          </a:xfrm>
-          <a:prstGeom prst="rect">
-            <a:avLst/>
-          </a:prstGeom>
-          <a:noFill/>
-          <a:ln>
-            <a:solidFill>
-              <a:schemeClr val="tx1"/>
-            </a:solidFill>
-          </a:ln>
-        </p:spPr>
-        <p:style>
-          <a:lnRef idx="2">
-            <a:schemeClr val="accent1">
-              <a:shade val="50000"/>
-            </a:schemeClr>
-          </a:lnRef>
-          <a:fillRef idx="1">
-            <a:schemeClr val="accent1"/>
-          </a:fillRef>
-          <a:effectRef idx="0">
-            <a:schemeClr val="accent1"/>
-          </a:effectRef>
-          <a:fontRef idx="minor">
-            <a:schemeClr val="lt1"/>
-          </a:fontRef>
-        </p:style>
-        <p:txBody>
-          <a:bodyPr rtlCol="0" anchor="ctr"/>
-          <a:lstStyle/>
-          <a:p>
-            <a:pPr algn="ctr"/>
-            <a:endParaRPr lang="en-US"/>
-          </a:p>
-        </p:txBody>
-      </p:sp>
-      <p:sp>
-        <p:nvSpPr>
-          <p:cNvPr id="31" name="Rectangle 30">
-            <a:extLst>
-              <a:ext uri="{FF2B5EF4-FFF2-40B4-BE49-F238E27FC236}">
-                <a16:creationId xmlns="" xmlns:a16="http://schemas.microsoft.com/office/drawing/2014/main" id="{A5AC5AEE-9CA9-4FBA-ABF1-040C70742F85}"/>
-              </a:ext>
-            </a:extLst>
-          </p:cNvPr>
-          <p:cNvSpPr/>
-          <p:nvPr/>
-        </p:nvSpPr>
-        <p:spPr>
-          <a:xfrm>
-            <a:off x="1272965" y="2207848"/>
-            <a:ext cx="589707" cy="548265"/>
-          </a:xfrm>
-          <a:prstGeom prst="rect">
-            <a:avLst/>
-          </a:prstGeom>
-          <a:noFill/>
-          <a:ln>
-            <a:solidFill>
-              <a:schemeClr val="tx1"/>
-            </a:solidFill>
-          </a:ln>
-        </p:spPr>
-        <p:style>
-          <a:lnRef idx="2">
-            <a:schemeClr val="accent1">
-              <a:shade val="50000"/>
-            </a:schemeClr>
-          </a:lnRef>
-          <a:fillRef idx="1">
-            <a:schemeClr val="accent1"/>
-          </a:fillRef>
-          <a:effectRef idx="0">
-            <a:schemeClr val="accent1"/>
-          </a:effectRef>
-          <a:fontRef idx="minor">
-            <a:schemeClr val="lt1"/>
-          </a:fontRef>
-        </p:style>
-        <p:txBody>
-          <a:bodyPr rtlCol="0" anchor="ctr"/>
-          <a:lstStyle/>
-          <a:p>
-            <a:pPr algn="ctr"/>
-            <a:endParaRPr lang="en-US"/>
-          </a:p>
-        </p:txBody>
-      </p:sp>
-      <p:sp>
-        <p:nvSpPr>
-          <p:cNvPr id="32" name="Oval 31">
-            <a:extLst>
-              <a:ext uri="{FF2B5EF4-FFF2-40B4-BE49-F238E27FC236}">
-                <a16:creationId xmlns="" xmlns:a16="http://schemas.microsoft.com/office/drawing/2014/main" id="{E3D788FF-545E-49BE-812A-B835E474F58E}"/>
-              </a:ext>
-            </a:extLst>
-          </p:cNvPr>
-          <p:cNvSpPr/>
-          <p:nvPr/>
-        </p:nvSpPr>
-        <p:spPr>
-          <a:xfrm>
-            <a:off x="4782447" y="2128967"/>
-            <a:ext cx="608889" cy="595981"/>
-          </a:xfrm>
-          <a:prstGeom prst="ellipse">
-            <a:avLst/>
-          </a:prstGeom>
-          <a:noFill/>
-          <a:ln>
-            <a:solidFill>
-              <a:schemeClr val="tx1"/>
-            </a:solidFill>
-          </a:ln>
-        </p:spPr>
-        <p:style>
-          <a:lnRef idx="2">
-            <a:schemeClr val="accent1">
-              <a:shade val="50000"/>
-            </a:schemeClr>
-          </a:lnRef>
-          <a:fillRef idx="1">
-            <a:schemeClr val="accent1"/>
-          </a:fillRef>
-          <a:effectRef idx="0">
-            <a:schemeClr val="accent1"/>
-          </a:effectRef>
-          <a:fontRef idx="minor">
-            <a:schemeClr val="lt1"/>
-          </a:fontRef>
-        </p:style>
-        <p:txBody>
-          <a:bodyPr rtlCol="0" anchor="ctr"/>
-          <a:lstStyle/>
-          <a:p>
-            <a:pPr algn="ctr"/>
-            <a:endParaRPr lang="en-US"/>
-          </a:p>
-        </p:txBody>
-      </p:sp>
-      <p:sp>
-        <p:nvSpPr>
-          <p:cNvPr id="33" name="Isosceles Triangle 32">
-            <a:extLst>
-              <a:ext uri="{FF2B5EF4-FFF2-40B4-BE49-F238E27FC236}">
-                <a16:creationId xmlns="" xmlns:a16="http://schemas.microsoft.com/office/drawing/2014/main" id="{3293596F-27FE-47F0-B885-CC2AE68D7DCA}"/>
-              </a:ext>
-            </a:extLst>
-          </p:cNvPr>
-          <p:cNvSpPr/>
-          <p:nvPr/>
-        </p:nvSpPr>
-        <p:spPr>
-          <a:xfrm>
-            <a:off x="2315070" y="2640380"/>
-            <a:ext cx="660938" cy="584783"/>
-          </a:xfrm>
-          <a:prstGeom prst="triangle">
-            <a:avLst/>
-          </a:prstGeom>
-          <a:noFill/>
-          <a:ln>
-            <a:solidFill>
-              <a:schemeClr val="tx1"/>
-            </a:solidFill>
-          </a:ln>
-        </p:spPr>
-        <p:style>
-          <a:lnRef idx="2">
-            <a:schemeClr val="accent1">
-              <a:shade val="50000"/>
-            </a:schemeClr>
-          </a:lnRef>
-          <a:fillRef idx="1">
-            <a:schemeClr val="accent1"/>
-          </a:fillRef>
-          <a:effectRef idx="0">
-            <a:schemeClr val="accent1"/>
-          </a:effectRef>
-          <a:fontRef idx="minor">
-            <a:schemeClr val="lt1"/>
-          </a:fontRef>
-        </p:style>
-        <p:txBody>
-          <a:bodyPr rtlCol="0" anchor="ctr"/>
-          <a:lstStyle/>
-          <a:p>
-            <a:pPr algn="ctr"/>
-            <a:endParaRPr lang="en-US"/>
-          </a:p>
-        </p:txBody>
-      </p:sp>
-      <p:sp>
-        <p:nvSpPr>
-          <p:cNvPr id="35" name="Rectangle 34">
-            <a:extLst>
-              <a:ext uri="{FF2B5EF4-FFF2-40B4-BE49-F238E27FC236}">
-                <a16:creationId xmlns="" xmlns:a16="http://schemas.microsoft.com/office/drawing/2014/main" id="{879F8447-5CD1-4C24-A2B0-C99C2D7F227E}"/>
-              </a:ext>
-            </a:extLst>
-          </p:cNvPr>
-          <p:cNvSpPr/>
-          <p:nvPr/>
-        </p:nvSpPr>
-        <p:spPr>
-          <a:xfrm>
-            <a:off x="6019955" y="1061760"/>
-            <a:ext cx="3251863" cy="1784050"/>
-          </a:xfrm>
-          <a:prstGeom prst="rect">
-            <a:avLst/>
-          </a:prstGeom>
-          <a:solidFill>
-            <a:schemeClr val="bg1">
-              <a:lumMod val="85000"/>
-            </a:schemeClr>
-          </a:solidFill>
-          <a:ln>
-            <a:noFill/>
-          </a:ln>
-        </p:spPr>
-        <p:style>
-          <a:lnRef idx="2">
-            <a:schemeClr val="accent1">
-              <a:shade val="50000"/>
-            </a:schemeClr>
-          </a:lnRef>
-          <a:fillRef idx="1">
-            <a:schemeClr val="accent1"/>
-          </a:fillRef>
-          <a:effectRef idx="0">
-            <a:schemeClr val="accent1"/>
-          </a:effectRef>
-          <a:fontRef idx="minor">
-            <a:schemeClr val="lt1"/>
-          </a:fontRef>
-        </p:style>
-        <p:txBody>
-          <a:bodyPr rtlCol="0" anchor="ctr"/>
-          <a:lstStyle/>
-          <a:p>
-            <a:pPr algn="ctr"/>
-            <a:endParaRPr lang="en-US"/>
-          </a:p>
-        </p:txBody>
-      </p:sp>
-      <p:sp>
-        <p:nvSpPr>
-          <p:cNvPr id="36" name="Rectangle 35">
-            <a:extLst>
-              <a:ext uri="{FF2B5EF4-FFF2-40B4-BE49-F238E27FC236}">
-                <a16:creationId xmlns="" xmlns:a16="http://schemas.microsoft.com/office/drawing/2014/main" id="{5F4A4132-62A0-4359-A556-90169DF61140}"/>
-              </a:ext>
-            </a:extLst>
-          </p:cNvPr>
-          <p:cNvSpPr/>
-          <p:nvPr/>
-        </p:nvSpPr>
-        <p:spPr>
-          <a:xfrm>
-            <a:off x="6354226" y="1520514"/>
-            <a:ext cx="589707" cy="548265"/>
-          </a:xfrm>
-          <a:prstGeom prst="rect">
-            <a:avLst/>
-          </a:prstGeom>
-          <a:noFill/>
-          <a:ln>
-            <a:solidFill>
-              <a:schemeClr val="tx1"/>
-            </a:solidFill>
-          </a:ln>
-        </p:spPr>
-        <p:style>
-          <a:lnRef idx="2">
-            <a:schemeClr val="accent1">
-              <a:shade val="50000"/>
-            </a:schemeClr>
-          </a:lnRef>
-          <a:fillRef idx="1">
-            <a:schemeClr val="accent1"/>
-          </a:fillRef>
-          <a:effectRef idx="0">
-            <a:schemeClr val="accent1"/>
-          </a:effectRef>
-          <a:fontRef idx="minor">
-            <a:schemeClr val="lt1"/>
-          </a:fontRef>
-        </p:style>
-        <p:txBody>
-          <a:bodyPr rtlCol="0" anchor="ctr"/>
-          <a:lstStyle/>
-          <a:p>
-            <a:pPr algn="ctr"/>
-            <a:endParaRPr lang="en-US"/>
-          </a:p>
-        </p:txBody>
-      </p:sp>
-      <p:sp>
-        <p:nvSpPr>
-          <p:cNvPr id="37" name="Rectangle 36">
-            <a:extLst>
-              <a:ext uri="{FF2B5EF4-FFF2-40B4-BE49-F238E27FC236}">
-                <a16:creationId xmlns="" xmlns:a16="http://schemas.microsoft.com/office/drawing/2014/main" id="{4B101870-D617-4B38-8C70-2394252B3323}"/>
-              </a:ext>
-            </a:extLst>
-          </p:cNvPr>
-          <p:cNvSpPr/>
-          <p:nvPr/>
-        </p:nvSpPr>
-        <p:spPr>
-          <a:xfrm>
-            <a:off x="5994628" y="2085562"/>
-            <a:ext cx="1313180" cy="646331"/>
-          </a:xfrm>
-          <a:prstGeom prst="rect">
-            <a:avLst/>
-          </a:prstGeom>
-        </p:spPr>
-        <p:txBody>
-          <a:bodyPr wrap="none">
-            <a:spAutoFit/>
-          </a:bodyPr>
-          <a:lstStyle/>
-          <a:p>
-            <a:pPr algn="ctr"/>
-            <a:r>
-              <a:rPr lang="sv-SE" dirty="0">
-                <a:latin typeface="Arial" panose="020B0604020202020204" pitchFamily="34" charset="0"/>
-                <a:cs typeface="Arial" panose="020B0604020202020204" pitchFamily="34" charset="0"/>
-              </a:rPr>
-              <a:t>Basic</a:t>
-            </a:r>
-          </a:p>
-          <a:p>
-            <a:pPr algn="ctr"/>
-            <a:r>
-              <a:rPr lang="sv-SE" dirty="0" err="1">
-                <a:latin typeface="Arial" panose="020B0604020202020204" pitchFamily="34" charset="0"/>
-                <a:cs typeface="Arial" panose="020B0604020202020204" pitchFamily="34" charset="0"/>
-              </a:rPr>
-              <a:t>Leader</a:t>
-            </a:r>
-            <a:r>
-              <a:rPr lang="sv-SE" dirty="0">
-                <a:latin typeface="Arial" panose="020B0604020202020204" pitchFamily="34" charset="0"/>
-                <a:cs typeface="Arial" panose="020B0604020202020204" pitchFamily="34" charset="0"/>
-              </a:rPr>
-              <a:t> Bot</a:t>
-            </a:r>
-            <a:endParaRPr lang="en-US" dirty="0"/>
-          </a:p>
-        </p:txBody>
-      </p:sp>
-      <p:sp>
-        <p:nvSpPr>
-          <p:cNvPr id="38" name="Rectangle 37">
-            <a:extLst>
-              <a:ext uri="{FF2B5EF4-FFF2-40B4-BE49-F238E27FC236}">
-                <a16:creationId xmlns="" xmlns:a16="http://schemas.microsoft.com/office/drawing/2014/main" id="{C917C82C-58B7-4AA7-A94D-98D12F824498}"/>
-              </a:ext>
-            </a:extLst>
-          </p:cNvPr>
-          <p:cNvSpPr/>
-          <p:nvPr/>
-        </p:nvSpPr>
-        <p:spPr>
-          <a:xfrm>
-            <a:off x="6362998" y="1159288"/>
-            <a:ext cx="569387" cy="369332"/>
-          </a:xfrm>
-          <a:prstGeom prst="rect">
-            <a:avLst/>
-          </a:prstGeom>
-        </p:spPr>
-        <p:txBody>
-          <a:bodyPr wrap="none">
-            <a:spAutoFit/>
-          </a:bodyPr>
-          <a:lstStyle/>
-          <a:p>
-            <a:r>
-              <a:rPr lang="sv-SE" dirty="0">
-                <a:latin typeface="Arial" panose="020B0604020202020204" pitchFamily="34" charset="0"/>
-                <a:cs typeface="Arial" panose="020B0604020202020204" pitchFamily="34" charset="0"/>
-              </a:rPr>
-              <a:t>€20</a:t>
-            </a:r>
-            <a:endParaRPr lang="en-US" dirty="0"/>
-          </a:p>
-        </p:txBody>
-      </p:sp>
-      <p:sp>
-        <p:nvSpPr>
-          <p:cNvPr id="41" name="Rectangle 40">
-            <a:extLst>
-              <a:ext uri="{FF2B5EF4-FFF2-40B4-BE49-F238E27FC236}">
-                <a16:creationId xmlns="" xmlns:a16="http://schemas.microsoft.com/office/drawing/2014/main" id="{C96D5A3A-401E-4360-A926-9ADE459BBEF2}"/>
-              </a:ext>
-            </a:extLst>
-          </p:cNvPr>
-          <p:cNvSpPr/>
-          <p:nvPr/>
-        </p:nvSpPr>
-        <p:spPr>
-          <a:xfrm>
-            <a:off x="7203903" y="2085562"/>
-            <a:ext cx="1223412" cy="646331"/>
-          </a:xfrm>
-          <a:prstGeom prst="rect">
-            <a:avLst/>
-          </a:prstGeom>
-        </p:spPr>
-        <p:txBody>
-          <a:bodyPr wrap="none">
-            <a:spAutoFit/>
-          </a:bodyPr>
-          <a:lstStyle/>
-          <a:p>
-            <a:pPr algn="ctr"/>
-            <a:r>
-              <a:rPr lang="sv-SE" dirty="0">
-                <a:latin typeface="Arial" panose="020B0604020202020204" pitchFamily="34" charset="0"/>
-                <a:cs typeface="Arial" panose="020B0604020202020204" pitchFamily="34" charset="0"/>
-              </a:rPr>
-              <a:t>Basic</a:t>
-            </a:r>
-          </a:p>
-          <a:p>
-            <a:pPr algn="ctr"/>
-            <a:r>
-              <a:rPr lang="sv-SE" dirty="0" err="1">
-                <a:latin typeface="Arial" panose="020B0604020202020204" pitchFamily="34" charset="0"/>
-                <a:cs typeface="Arial" panose="020B0604020202020204" pitchFamily="34" charset="0"/>
-              </a:rPr>
-              <a:t>Melee</a:t>
-            </a:r>
-            <a:r>
-              <a:rPr lang="sv-SE" dirty="0">
-                <a:latin typeface="Arial" panose="020B0604020202020204" pitchFamily="34" charset="0"/>
-                <a:cs typeface="Arial" panose="020B0604020202020204" pitchFamily="34" charset="0"/>
-              </a:rPr>
-              <a:t> Bot</a:t>
-            </a:r>
-            <a:endParaRPr lang="en-US" dirty="0"/>
-          </a:p>
-        </p:txBody>
-      </p:sp>
-      <p:sp>
-        <p:nvSpPr>
-          <p:cNvPr id="42" name="Rectangle 41">
-            <a:extLst>
-              <a:ext uri="{FF2B5EF4-FFF2-40B4-BE49-F238E27FC236}">
-                <a16:creationId xmlns="" xmlns:a16="http://schemas.microsoft.com/office/drawing/2014/main" id="{2190B5B3-6D2B-4506-B8FE-FD7E6CB3E43D}"/>
-              </a:ext>
-            </a:extLst>
-          </p:cNvPr>
-          <p:cNvSpPr/>
-          <p:nvPr/>
-        </p:nvSpPr>
-        <p:spPr>
-          <a:xfrm>
-            <a:off x="7527388" y="1159288"/>
-            <a:ext cx="569387" cy="369332"/>
-          </a:xfrm>
-          <a:prstGeom prst="rect">
-            <a:avLst/>
-          </a:prstGeom>
-        </p:spPr>
-        <p:txBody>
-          <a:bodyPr wrap="none">
-            <a:spAutoFit/>
-          </a:bodyPr>
-          <a:lstStyle/>
-          <a:p>
-            <a:r>
-              <a:rPr lang="sv-SE" dirty="0">
-                <a:latin typeface="Arial" panose="020B0604020202020204" pitchFamily="34" charset="0"/>
-                <a:cs typeface="Arial" panose="020B0604020202020204" pitchFamily="34" charset="0"/>
-              </a:rPr>
-              <a:t>€15</a:t>
-            </a:r>
-            <a:endParaRPr lang="en-US" dirty="0"/>
-          </a:p>
-        </p:txBody>
-      </p:sp>
-      <p:sp>
-        <p:nvSpPr>
-          <p:cNvPr id="43" name="Oval 42">
-            <a:extLst>
-              <a:ext uri="{FF2B5EF4-FFF2-40B4-BE49-F238E27FC236}">
-                <a16:creationId xmlns="" xmlns:a16="http://schemas.microsoft.com/office/drawing/2014/main" id="{4D266B7E-018C-46ED-8D35-52F9E5B7E141}"/>
-              </a:ext>
-            </a:extLst>
-          </p:cNvPr>
-          <p:cNvSpPr/>
-          <p:nvPr/>
-        </p:nvSpPr>
-        <p:spPr>
-          <a:xfrm>
-            <a:off x="7507636" y="1514589"/>
-            <a:ext cx="608889" cy="595981"/>
-          </a:xfrm>
-          <a:prstGeom prst="ellipse">
-            <a:avLst/>
-          </a:prstGeom>
-          <a:noFill/>
-          <a:ln>
-            <a:solidFill>
-              <a:schemeClr val="tx1"/>
-            </a:solidFill>
-          </a:ln>
-        </p:spPr>
-        <p:style>
-          <a:lnRef idx="2">
-            <a:schemeClr val="accent1">
-              <a:shade val="50000"/>
-            </a:schemeClr>
-          </a:lnRef>
-          <a:fillRef idx="1">
-            <a:schemeClr val="accent1"/>
-          </a:fillRef>
-          <a:effectRef idx="0">
-            <a:schemeClr val="accent1"/>
-          </a:effectRef>
-          <a:fontRef idx="minor">
-            <a:schemeClr val="lt1"/>
-          </a:fontRef>
-        </p:style>
-        <p:txBody>
-          <a:bodyPr rtlCol="0" anchor="ctr"/>
-          <a:lstStyle/>
-          <a:p>
-            <a:pPr algn="ctr"/>
-            <a:endParaRPr lang="en-US"/>
-          </a:p>
-        </p:txBody>
-      </p:sp>
-      <p:sp>
-        <p:nvSpPr>
-          <p:cNvPr id="44" name="Rectangle 43">
-            <a:extLst>
-              <a:ext uri="{FF2B5EF4-FFF2-40B4-BE49-F238E27FC236}">
-                <a16:creationId xmlns="" xmlns:a16="http://schemas.microsoft.com/office/drawing/2014/main" id="{7EE4F98B-E7AC-475C-9644-7DFFA759FB0B}"/>
-              </a:ext>
-            </a:extLst>
-          </p:cNvPr>
-          <p:cNvSpPr/>
-          <p:nvPr/>
-        </p:nvSpPr>
-        <p:spPr>
-          <a:xfrm>
-            <a:off x="8370000" y="2084158"/>
-            <a:ext cx="748923" cy="646331"/>
-          </a:xfrm>
-          <a:prstGeom prst="rect">
-            <a:avLst/>
-          </a:prstGeom>
-        </p:spPr>
-        <p:txBody>
-          <a:bodyPr wrap="none">
-            <a:spAutoFit/>
-          </a:bodyPr>
-          <a:lstStyle/>
-          <a:p>
-            <a:pPr algn="ctr"/>
-            <a:r>
-              <a:rPr lang="sv-SE" dirty="0">
-                <a:latin typeface="Arial" panose="020B0604020202020204" pitchFamily="34" charset="0"/>
-                <a:cs typeface="Arial" panose="020B0604020202020204" pitchFamily="34" charset="0"/>
-              </a:rPr>
-              <a:t>Basic</a:t>
-            </a:r>
-          </a:p>
-          <a:p>
-            <a:pPr algn="ctr"/>
-            <a:r>
-              <a:rPr lang="sv-SE" dirty="0" err="1">
-                <a:latin typeface="Arial" panose="020B0604020202020204" pitchFamily="34" charset="0"/>
-                <a:cs typeface="Arial" panose="020B0604020202020204" pitchFamily="34" charset="0"/>
-              </a:rPr>
-              <a:t>Droid</a:t>
-            </a:r>
-            <a:endParaRPr lang="en-US" dirty="0"/>
-          </a:p>
-        </p:txBody>
-      </p:sp>
-      <p:sp>
-        <p:nvSpPr>
-          <p:cNvPr id="45" name="Rectangle 44">
-            <a:extLst>
-              <a:ext uri="{FF2B5EF4-FFF2-40B4-BE49-F238E27FC236}">
-                <a16:creationId xmlns="" xmlns:a16="http://schemas.microsoft.com/office/drawing/2014/main" id="{3317DF71-E5C0-4D1B-9FF7-14D271D9E7DA}"/>
-              </a:ext>
-            </a:extLst>
-          </p:cNvPr>
-          <p:cNvSpPr/>
-          <p:nvPr/>
-        </p:nvSpPr>
-        <p:spPr>
-          <a:xfrm>
-            <a:off x="8456242" y="1167716"/>
-            <a:ext cx="569387" cy="369332"/>
-          </a:xfrm>
-          <a:prstGeom prst="rect">
-            <a:avLst/>
-          </a:prstGeom>
-        </p:spPr>
-        <p:txBody>
-          <a:bodyPr wrap="none">
-            <a:spAutoFit/>
-          </a:bodyPr>
-          <a:lstStyle/>
-          <a:p>
-            <a:r>
-              <a:rPr lang="sv-SE" dirty="0">
-                <a:latin typeface="Arial" panose="020B0604020202020204" pitchFamily="34" charset="0"/>
-                <a:cs typeface="Arial" panose="020B0604020202020204" pitchFamily="34" charset="0"/>
-              </a:rPr>
-              <a:t>€10</a:t>
-            </a:r>
-            <a:endParaRPr lang="en-US" dirty="0"/>
-          </a:p>
-        </p:txBody>
-      </p:sp>
-      <p:sp>
-        <p:nvSpPr>
-          <p:cNvPr id="47" name="Isosceles Triangle 46">
-            <a:extLst>
-              <a:ext uri="{FF2B5EF4-FFF2-40B4-BE49-F238E27FC236}">
-                <a16:creationId xmlns="" xmlns:a16="http://schemas.microsoft.com/office/drawing/2014/main" id="{365D57FF-0831-4183-8DC8-946B7A8F2BC8}"/>
-              </a:ext>
-            </a:extLst>
-          </p:cNvPr>
-          <p:cNvSpPr/>
-          <p:nvPr/>
-        </p:nvSpPr>
-        <p:spPr>
-          <a:xfrm>
-            <a:off x="8428556" y="1520187"/>
-            <a:ext cx="660938" cy="584783"/>
-          </a:xfrm>
-          <a:prstGeom prst="triangle">
-            <a:avLst/>
-          </a:prstGeom>
-          <a:noFill/>
-          <a:ln>
-            <a:solidFill>
-              <a:schemeClr val="tx1"/>
-            </a:solidFill>
-          </a:ln>
-        </p:spPr>
-        <p:style>
-          <a:lnRef idx="2">
-            <a:schemeClr val="accent1">
-              <a:shade val="50000"/>
-            </a:schemeClr>
-          </a:lnRef>
-          <a:fillRef idx="1">
-            <a:schemeClr val="accent1"/>
-          </a:fillRef>
-          <a:effectRef idx="0">
-            <a:schemeClr val="accent1"/>
-          </a:effectRef>
-          <a:fontRef idx="minor">
-            <a:schemeClr val="lt1"/>
-          </a:fontRef>
-        </p:style>
-        <p:txBody>
-          <a:bodyPr rtlCol="0" anchor="ctr"/>
-          <a:lstStyle/>
-          <a:p>
-            <a:pPr algn="ctr"/>
-            <a:endParaRPr lang="en-US"/>
-          </a:p>
-        </p:txBody>
-      </p:sp>
-      <p:sp>
-        <p:nvSpPr>
-          <p:cNvPr id="48" name="Rectangle 47">
-            <a:extLst>
-              <a:ext uri="{FF2B5EF4-FFF2-40B4-BE49-F238E27FC236}">
-                <a16:creationId xmlns="" xmlns:a16="http://schemas.microsoft.com/office/drawing/2014/main" id="{F5359955-D619-4358-950D-11FFC7F3CF9F}"/>
-              </a:ext>
-            </a:extLst>
-          </p:cNvPr>
-          <p:cNvSpPr/>
-          <p:nvPr/>
-        </p:nvSpPr>
-        <p:spPr>
-          <a:xfrm>
-            <a:off x="8469079" y="4150535"/>
-            <a:ext cx="589707" cy="548265"/>
-          </a:xfrm>
-          <a:prstGeom prst="rect">
-            <a:avLst/>
-          </a:prstGeom>
-          <a:noFill/>
-          <a:ln>
-            <a:solidFill>
-              <a:schemeClr val="tx1"/>
-            </a:solidFill>
-          </a:ln>
-        </p:spPr>
-        <p:style>
-          <a:lnRef idx="2">
-            <a:schemeClr val="accent1">
-              <a:shade val="50000"/>
-            </a:schemeClr>
-          </a:lnRef>
-          <a:fillRef idx="1">
-            <a:schemeClr val="accent1"/>
-          </a:fillRef>
-          <a:effectRef idx="0">
-            <a:schemeClr val="accent1"/>
-          </a:effectRef>
-          <a:fontRef idx="minor">
-            <a:schemeClr val="lt1"/>
-          </a:fontRef>
-        </p:style>
-        <p:txBody>
-          <a:bodyPr rtlCol="0" anchor="ctr"/>
-          <a:lstStyle/>
-          <a:p>
-            <a:pPr algn="ctr"/>
-            <a:endParaRPr lang="en-US"/>
-          </a:p>
-        </p:txBody>
-      </p:sp>
-      <p:sp>
-        <p:nvSpPr>
-          <p:cNvPr id="49" name="Oval 48">
-            <a:extLst>
-              <a:ext uri="{FF2B5EF4-FFF2-40B4-BE49-F238E27FC236}">
-                <a16:creationId xmlns="" xmlns:a16="http://schemas.microsoft.com/office/drawing/2014/main" id="{C897382F-DB40-4D09-A46F-D78D8100EC22}"/>
-              </a:ext>
-            </a:extLst>
-          </p:cNvPr>
-          <p:cNvSpPr/>
-          <p:nvPr/>
-        </p:nvSpPr>
-        <p:spPr>
-          <a:xfrm>
-            <a:off x="8459487" y="4890689"/>
-            <a:ext cx="608889" cy="595981"/>
-          </a:xfrm>
-          <a:prstGeom prst="ellipse">
-            <a:avLst/>
-          </a:prstGeom>
-          <a:noFill/>
-          <a:ln>
-            <a:solidFill>
-              <a:schemeClr val="tx1"/>
-            </a:solidFill>
-          </a:ln>
-        </p:spPr>
-        <p:style>
-          <a:lnRef idx="2">
-            <a:schemeClr val="accent1">
-              <a:shade val="50000"/>
-            </a:schemeClr>
-          </a:lnRef>
-          <a:fillRef idx="1">
-            <a:schemeClr val="accent1"/>
-          </a:fillRef>
-          <a:effectRef idx="0">
-            <a:schemeClr val="accent1"/>
-          </a:effectRef>
-          <a:fontRef idx="minor">
-            <a:schemeClr val="lt1"/>
-          </a:fontRef>
-        </p:style>
-        <p:txBody>
-          <a:bodyPr rtlCol="0" anchor="ctr"/>
-          <a:lstStyle/>
-          <a:p>
-            <a:pPr algn="ctr"/>
-            <a:endParaRPr lang="en-US"/>
-          </a:p>
-        </p:txBody>
-      </p:sp>
-      <p:sp>
-        <p:nvSpPr>
-          <p:cNvPr id="50" name="Isosceles Triangle 49">
-            <a:extLst>
-              <a:ext uri="{FF2B5EF4-FFF2-40B4-BE49-F238E27FC236}">
-                <a16:creationId xmlns="" xmlns:a16="http://schemas.microsoft.com/office/drawing/2014/main" id="{A701C5C9-AEA9-4193-9E85-0AB493C0BE10}"/>
-              </a:ext>
-            </a:extLst>
-          </p:cNvPr>
-          <p:cNvSpPr/>
-          <p:nvPr/>
-        </p:nvSpPr>
-        <p:spPr>
-          <a:xfrm>
-            <a:off x="8433424" y="5678559"/>
-            <a:ext cx="660938" cy="584783"/>
-          </a:xfrm>
-          <a:prstGeom prst="triangle">
-            <a:avLst/>
-          </a:prstGeom>
-          <a:noFill/>
-          <a:ln>
-            <a:solidFill>
-              <a:schemeClr val="tx1"/>
-            </a:solidFill>
-          </a:ln>
-        </p:spPr>
-        <p:style>
-          <a:lnRef idx="2">
-            <a:schemeClr val="accent1">
-              <a:shade val="50000"/>
-            </a:schemeClr>
-          </a:lnRef>
-          <a:fillRef idx="1">
-            <a:schemeClr val="accent1"/>
-          </a:fillRef>
-          <a:effectRef idx="0">
-            <a:schemeClr val="accent1"/>
-          </a:effectRef>
-          <a:fontRef idx="minor">
-            <a:schemeClr val="lt1"/>
-          </a:fontRef>
-        </p:style>
-        <p:txBody>
-          <a:bodyPr rtlCol="0" anchor="ctr"/>
-          <a:lstStyle/>
-          <a:p>
-            <a:pPr algn="ctr"/>
-            <a:endParaRPr lang="en-US"/>
-          </a:p>
-        </p:txBody>
-      </p:sp>
-      <p:sp>
-        <p:nvSpPr>
-          <p:cNvPr id="51" name="Rectangle 50">
-            <a:extLst>
-              <a:ext uri="{FF2B5EF4-FFF2-40B4-BE49-F238E27FC236}">
-                <a16:creationId xmlns="" xmlns:a16="http://schemas.microsoft.com/office/drawing/2014/main" id="{0E76F026-2452-4896-A572-F7CE53C174A2}"/>
-              </a:ext>
-            </a:extLst>
-          </p:cNvPr>
-          <p:cNvSpPr/>
-          <p:nvPr/>
-        </p:nvSpPr>
-        <p:spPr>
-          <a:xfrm>
-            <a:off x="9148720" y="4236196"/>
-            <a:ext cx="1492716" cy="369332"/>
-          </a:xfrm>
-          <a:prstGeom prst="rect">
-            <a:avLst/>
-          </a:prstGeom>
-        </p:spPr>
-        <p:txBody>
-          <a:bodyPr wrap="none">
-            <a:spAutoFit/>
-          </a:bodyPr>
-          <a:lstStyle/>
-          <a:p>
-            <a:r>
-              <a:rPr lang="sv-SE" dirty="0" err="1">
-                <a:latin typeface="Arial" panose="020B0604020202020204" pitchFamily="34" charset="0"/>
-                <a:cs typeface="Arial" panose="020B0604020202020204" pitchFamily="34" charset="0"/>
-              </a:rPr>
-              <a:t>Leader</a:t>
-            </a:r>
-            <a:r>
-              <a:rPr lang="sv-SE" dirty="0">
-                <a:latin typeface="Arial" panose="020B0604020202020204" pitchFamily="34" charset="0"/>
-                <a:cs typeface="Arial" panose="020B0604020202020204" pitchFamily="34" charset="0"/>
-              </a:rPr>
-              <a:t> robot</a:t>
-            </a:r>
-            <a:endParaRPr lang="en-US" dirty="0"/>
-          </a:p>
-        </p:txBody>
-      </p:sp>
-      <p:sp>
-        <p:nvSpPr>
-          <p:cNvPr id="53" name="Rectangle 52">
-            <a:extLst>
-              <a:ext uri="{FF2B5EF4-FFF2-40B4-BE49-F238E27FC236}">
-                <a16:creationId xmlns="" xmlns:a16="http://schemas.microsoft.com/office/drawing/2014/main" id="{D5448F18-C362-4F8D-BDE9-67585A9F1232}"/>
-              </a:ext>
-            </a:extLst>
-          </p:cNvPr>
-          <p:cNvSpPr/>
-          <p:nvPr/>
-        </p:nvSpPr>
-        <p:spPr>
-          <a:xfrm>
-            <a:off x="9149184" y="5004013"/>
-            <a:ext cx="1518364" cy="369332"/>
-          </a:xfrm>
-          <a:prstGeom prst="rect">
-            <a:avLst/>
-          </a:prstGeom>
-        </p:spPr>
-        <p:txBody>
-          <a:bodyPr wrap="none">
-            <a:spAutoFit/>
-          </a:bodyPr>
-          <a:lstStyle/>
-          <a:p>
-            <a:r>
-              <a:rPr lang="sv-SE" dirty="0" smtClean="0">
-                <a:latin typeface="Arial" panose="020B0604020202020204" pitchFamily="34" charset="0"/>
-                <a:cs typeface="Arial" panose="020B0604020202020204" pitchFamily="34" charset="0"/>
-              </a:rPr>
-              <a:t>Normal robot</a:t>
-            </a:r>
-            <a:endParaRPr lang="en-US" dirty="0"/>
-          </a:p>
-        </p:txBody>
-      </p:sp>
-      <p:sp>
-        <p:nvSpPr>
-          <p:cNvPr id="54" name="Rectangle 53">
-            <a:extLst>
-              <a:ext uri="{FF2B5EF4-FFF2-40B4-BE49-F238E27FC236}">
-                <a16:creationId xmlns="" xmlns:a16="http://schemas.microsoft.com/office/drawing/2014/main" id="{CCB4F67D-B10C-40C9-BD04-30237B979029}"/>
-              </a:ext>
-            </a:extLst>
-          </p:cNvPr>
-          <p:cNvSpPr/>
-          <p:nvPr/>
-        </p:nvSpPr>
-        <p:spPr>
-          <a:xfrm>
-            <a:off x="9142524" y="5786284"/>
-            <a:ext cx="736099" cy="369332"/>
-          </a:xfrm>
-          <a:prstGeom prst="rect">
-            <a:avLst/>
-          </a:prstGeom>
-        </p:spPr>
-        <p:txBody>
-          <a:bodyPr wrap="none">
-            <a:spAutoFit/>
-          </a:bodyPr>
-          <a:lstStyle/>
-          <a:p>
-            <a:r>
-              <a:rPr lang="sv-SE" dirty="0" err="1">
-                <a:latin typeface="Arial" panose="020B0604020202020204" pitchFamily="34" charset="0"/>
-                <a:cs typeface="Arial" panose="020B0604020202020204" pitchFamily="34" charset="0"/>
-              </a:rPr>
-              <a:t>Droid</a:t>
-            </a:r>
-            <a:endParaRPr lang="en-US" dirty="0"/>
-          </a:p>
-        </p:txBody>
-      </p:sp>
-      <p:sp>
-        <p:nvSpPr>
-          <p:cNvPr id="55" name="Rectangle 54">
-            <a:extLst>
-              <a:ext uri="{FF2B5EF4-FFF2-40B4-BE49-F238E27FC236}">
-                <a16:creationId xmlns="" xmlns:a16="http://schemas.microsoft.com/office/drawing/2014/main" id="{9BE72583-89CE-4A5E-BE1B-80DC1EEDC4BD}"/>
-              </a:ext>
-            </a:extLst>
-          </p:cNvPr>
-          <p:cNvSpPr/>
-          <p:nvPr/>
-        </p:nvSpPr>
-        <p:spPr>
-          <a:xfrm>
-            <a:off x="8298406" y="4014138"/>
-            <a:ext cx="2369142" cy="2399071"/>
-          </a:xfrm>
-          <a:prstGeom prst="rect">
-            <a:avLst/>
-          </a:prstGeom>
-          <a:noFill/>
-          <a:ln w="38100">
-            <a:solidFill>
-              <a:schemeClr val="tx1"/>
-            </a:solidFill>
-          </a:ln>
-        </p:spPr>
-        <p:style>
-          <a:lnRef idx="2">
-            <a:schemeClr val="accent1">
-              <a:shade val="50000"/>
-            </a:schemeClr>
-          </a:lnRef>
-          <a:fillRef idx="1">
-            <a:schemeClr val="accent1"/>
-          </a:fillRef>
-          <a:effectRef idx="0">
-            <a:schemeClr val="accent1"/>
-          </a:effectRef>
-          <a:fontRef idx="minor">
-            <a:schemeClr val="lt1"/>
-          </a:fontRef>
-        </p:style>
-        <p:txBody>
-          <a:bodyPr rtlCol="0" anchor="ctr"/>
-          <a:lstStyle/>
-          <a:p>
-            <a:pPr algn="ctr"/>
-            <a:endParaRPr lang="en-US"/>
-          </a:p>
-        </p:txBody>
-      </p:sp>
-      <p:sp>
-        <p:nvSpPr>
-          <p:cNvPr id="58" name="Rectangle 57">
-            <a:extLst>
-              <a:ext uri="{FF2B5EF4-FFF2-40B4-BE49-F238E27FC236}">
-                <a16:creationId xmlns="" xmlns:a16="http://schemas.microsoft.com/office/drawing/2014/main" id="{008A882D-E05D-4360-9FE0-EAC6BFDC9DC1}"/>
-              </a:ext>
-            </a:extLst>
-          </p:cNvPr>
-          <p:cNvSpPr/>
-          <p:nvPr/>
-        </p:nvSpPr>
-        <p:spPr>
-          <a:xfrm>
-            <a:off x="4317861" y="5282278"/>
-            <a:ext cx="1338828" cy="923330"/>
-          </a:xfrm>
-          <a:prstGeom prst="rect">
-            <a:avLst/>
-          </a:prstGeom>
-        </p:spPr>
-        <p:txBody>
-          <a:bodyPr wrap="none">
-            <a:spAutoFit/>
-          </a:bodyPr>
-          <a:lstStyle/>
-          <a:p>
-            <a:r>
-              <a:rPr lang="sv-SE" dirty="0">
-                <a:latin typeface="Arial" panose="020B0604020202020204" pitchFamily="34" charset="0"/>
-                <a:cs typeface="Arial" panose="020B0604020202020204" pitchFamily="34" charset="0"/>
-              </a:rPr>
-              <a:t>Robot D</a:t>
-            </a:r>
-          </a:p>
-          <a:p>
-            <a:r>
-              <a:rPr lang="sv-SE" dirty="0">
-                <a:latin typeface="Arial" panose="020B0604020202020204" pitchFamily="34" charset="0"/>
-                <a:cs typeface="Arial" panose="020B0604020202020204" pitchFamily="34" charset="0"/>
-              </a:rPr>
-              <a:t>2x Robot B</a:t>
-            </a:r>
-          </a:p>
-          <a:p>
-            <a:pPr algn="r"/>
-            <a:r>
-              <a:rPr lang="sv-SE" dirty="0">
-                <a:latin typeface="Arial" panose="020B0604020202020204" pitchFamily="34" charset="0"/>
-                <a:cs typeface="Arial" panose="020B0604020202020204" pitchFamily="34" charset="0"/>
-              </a:rPr>
-              <a:t>= €</a:t>
-            </a:r>
-            <a:r>
-              <a:rPr lang="sv-SE" dirty="0" smtClean="0">
-                <a:latin typeface="Arial" panose="020B0604020202020204" pitchFamily="34" charset="0"/>
-                <a:cs typeface="Arial" panose="020B0604020202020204" pitchFamily="34" charset="0"/>
-              </a:rPr>
-              <a:t>93</a:t>
-            </a:r>
-            <a:endParaRPr lang="en-US" dirty="0"/>
-          </a:p>
-        </p:txBody>
-      </p:sp>
-      <p:sp>
-        <p:nvSpPr>
-          <p:cNvPr id="59" name="Rectangle 58">
-            <a:extLst>
-              <a:ext uri="{FF2B5EF4-FFF2-40B4-BE49-F238E27FC236}">
-                <a16:creationId xmlns="" xmlns:a16="http://schemas.microsoft.com/office/drawing/2014/main" id="{056EDE35-63CE-478C-8ED2-7E7F75128045}"/>
-              </a:ext>
-            </a:extLst>
-          </p:cNvPr>
-          <p:cNvSpPr/>
-          <p:nvPr/>
-        </p:nvSpPr>
-        <p:spPr>
-          <a:xfrm>
-            <a:off x="6119822" y="4831274"/>
-            <a:ext cx="1959191" cy="1200329"/>
-          </a:xfrm>
-          <a:prstGeom prst="rect">
-            <a:avLst/>
-          </a:prstGeom>
-        </p:spPr>
-        <p:txBody>
-          <a:bodyPr wrap="none">
-            <a:spAutoFit/>
-          </a:bodyPr>
-          <a:lstStyle/>
-          <a:p>
-            <a:r>
-              <a:rPr lang="sv-SE" dirty="0">
-                <a:latin typeface="Arial" panose="020B0604020202020204" pitchFamily="34" charset="0"/>
-                <a:cs typeface="Arial" panose="020B0604020202020204" pitchFamily="34" charset="0"/>
-              </a:rPr>
-              <a:t>Basic </a:t>
-            </a:r>
-            <a:r>
-              <a:rPr lang="sv-SE" dirty="0" err="1">
-                <a:latin typeface="Arial" panose="020B0604020202020204" pitchFamily="34" charset="0"/>
-                <a:cs typeface="Arial" panose="020B0604020202020204" pitchFamily="34" charset="0"/>
-              </a:rPr>
-              <a:t>Leader</a:t>
-            </a:r>
-            <a:r>
-              <a:rPr lang="sv-SE" dirty="0">
-                <a:latin typeface="Arial" panose="020B0604020202020204" pitchFamily="34" charset="0"/>
-                <a:cs typeface="Arial" panose="020B0604020202020204" pitchFamily="34" charset="0"/>
-              </a:rPr>
-              <a:t> Bot</a:t>
-            </a:r>
-          </a:p>
-          <a:p>
-            <a:r>
-              <a:rPr lang="sv-SE" dirty="0">
-                <a:latin typeface="Arial" panose="020B0604020202020204" pitchFamily="34" charset="0"/>
-                <a:cs typeface="Arial" panose="020B0604020202020204" pitchFamily="34" charset="0"/>
-              </a:rPr>
-              <a:t>3x Robot B</a:t>
-            </a:r>
-          </a:p>
-          <a:p>
-            <a:r>
-              <a:rPr lang="sv-SE" dirty="0">
-                <a:latin typeface="Arial" panose="020B0604020202020204" pitchFamily="34" charset="0"/>
-                <a:cs typeface="Arial" panose="020B0604020202020204" pitchFamily="34" charset="0"/>
-              </a:rPr>
-              <a:t>Basic </a:t>
-            </a:r>
-            <a:r>
-              <a:rPr lang="sv-SE" dirty="0" err="1">
-                <a:latin typeface="Arial" panose="020B0604020202020204" pitchFamily="34" charset="0"/>
-                <a:cs typeface="Arial" panose="020B0604020202020204" pitchFamily="34" charset="0"/>
-              </a:rPr>
-              <a:t>Melee</a:t>
-            </a:r>
-            <a:r>
-              <a:rPr lang="sv-SE" dirty="0">
-                <a:latin typeface="Arial" panose="020B0604020202020204" pitchFamily="34" charset="0"/>
-                <a:cs typeface="Arial" panose="020B0604020202020204" pitchFamily="34" charset="0"/>
-              </a:rPr>
-              <a:t> Bot</a:t>
-            </a:r>
-          </a:p>
-          <a:p>
-            <a:pPr algn="r"/>
-            <a:r>
-              <a:rPr lang="sv-SE" dirty="0">
-                <a:latin typeface="Arial" panose="020B0604020202020204" pitchFamily="34" charset="0"/>
-                <a:cs typeface="Arial" panose="020B0604020202020204" pitchFamily="34" charset="0"/>
-              </a:rPr>
-              <a:t>= €</a:t>
-            </a:r>
-            <a:r>
-              <a:rPr lang="sv-SE" dirty="0" smtClean="0">
-                <a:latin typeface="Arial" panose="020B0604020202020204" pitchFamily="34" charset="0"/>
-                <a:cs typeface="Arial" panose="020B0604020202020204" pitchFamily="34" charset="0"/>
-              </a:rPr>
-              <a:t>93</a:t>
-            </a:r>
-            <a:endParaRPr lang="en-US" dirty="0"/>
-          </a:p>
-        </p:txBody>
-      </p:sp>
-      <p:sp>
-        <p:nvSpPr>
-          <p:cNvPr id="61" name="Rectangle 60">
-            <a:extLst>
-              <a:ext uri="{FF2B5EF4-FFF2-40B4-BE49-F238E27FC236}">
-                <a16:creationId xmlns="" xmlns:a16="http://schemas.microsoft.com/office/drawing/2014/main" id="{2555CB7B-E89E-4FAA-90C1-77E7EDE66192}"/>
-              </a:ext>
-            </a:extLst>
-          </p:cNvPr>
-          <p:cNvSpPr/>
-          <p:nvPr/>
-        </p:nvSpPr>
-        <p:spPr>
-          <a:xfrm>
-            <a:off x="5133824" y="3671436"/>
-            <a:ext cx="428322" cy="369332"/>
-          </a:xfrm>
-          <a:prstGeom prst="rect">
-            <a:avLst/>
-          </a:prstGeom>
-        </p:spPr>
-        <p:txBody>
-          <a:bodyPr wrap="none">
-            <a:spAutoFit/>
-          </a:bodyPr>
-          <a:lstStyle/>
-          <a:p>
-            <a:r>
-              <a:rPr lang="sv-SE" dirty="0">
-                <a:latin typeface="Arial" panose="020B0604020202020204" pitchFamily="34" charset="0"/>
-                <a:cs typeface="Arial" panose="020B0604020202020204" pitchFamily="34" charset="0"/>
-              </a:rPr>
-              <a:t>2x</a:t>
-            </a:r>
-            <a:endParaRPr lang="en-US" dirty="0"/>
-          </a:p>
-        </p:txBody>
-      </p:sp>
-      <p:cxnSp>
-        <p:nvCxnSpPr>
-          <p:cNvPr id="62" name="Straight Arrow Connector 61">
-            <a:extLst>
-              <a:ext uri="{FF2B5EF4-FFF2-40B4-BE49-F238E27FC236}">
-                <a16:creationId xmlns="" xmlns:a16="http://schemas.microsoft.com/office/drawing/2014/main" id="{CD0D2D9E-BF44-4F05-8A34-7D366C108330}"/>
-              </a:ext>
-            </a:extLst>
-          </p:cNvPr>
-          <p:cNvCxnSpPr>
-            <a:cxnSpLocks/>
-            <a:stCxn id="21" idx="0"/>
-          </p:cNvCxnSpPr>
-          <p:nvPr/>
-        </p:nvCxnSpPr>
-        <p:spPr>
-          <a:xfrm flipV="1">
-            <a:off x="6628344" y="2736078"/>
-            <a:ext cx="145195" cy="1816140"/>
-          </a:xfrm>
-          <a:prstGeom prst="straightConnector1">
-            <a:avLst/>
-          </a:prstGeom>
-          <a:ln w="38100">
-            <a:solidFill>
-              <a:schemeClr val="tx1"/>
-            </a:solidFill>
-            <a:prstDash val="dash"/>
-            <a:tailEnd type="triangle"/>
-          </a:ln>
-        </p:spPr>
-        <p:style>
-          <a:lnRef idx="1">
-            <a:schemeClr val="accent1"/>
-          </a:lnRef>
-          <a:fillRef idx="0">
-            <a:schemeClr val="accent1"/>
-          </a:fillRef>
-          <a:effectRef idx="0">
-            <a:schemeClr val="accent1"/>
-          </a:effectRef>
-          <a:fontRef idx="minor">
-            <a:schemeClr val="tx1"/>
-          </a:fontRef>
-        </p:style>
-      </p:cxnSp>
-      <p:cxnSp>
-        <p:nvCxnSpPr>
-          <p:cNvPr id="65" name="Straight Arrow Connector 64">
-            <a:extLst>
-              <a:ext uri="{FF2B5EF4-FFF2-40B4-BE49-F238E27FC236}">
-                <a16:creationId xmlns="" xmlns:a16="http://schemas.microsoft.com/office/drawing/2014/main" id="{246C7C9F-0B2A-4180-BBF3-91835824417D}"/>
-              </a:ext>
-            </a:extLst>
-          </p:cNvPr>
-          <p:cNvCxnSpPr>
-            <a:cxnSpLocks/>
-          </p:cNvCxnSpPr>
-          <p:nvPr/>
-        </p:nvCxnSpPr>
-        <p:spPr>
-          <a:xfrm flipV="1">
-            <a:off x="6749323" y="2722061"/>
-            <a:ext cx="951463" cy="1780321"/>
-          </a:xfrm>
-          <a:prstGeom prst="straightConnector1">
-            <a:avLst/>
-          </a:prstGeom>
-          <a:ln w="38100">
-            <a:solidFill>
-              <a:schemeClr val="tx1"/>
-            </a:solidFill>
-            <a:prstDash val="dash"/>
-            <a:tailEnd type="triangle"/>
-          </a:ln>
-        </p:spPr>
-        <p:style>
-          <a:lnRef idx="1">
-            <a:schemeClr val="accent1"/>
-          </a:lnRef>
-          <a:fillRef idx="0">
-            <a:schemeClr val="accent1"/>
-          </a:fillRef>
-          <a:effectRef idx="0">
-            <a:schemeClr val="accent1"/>
-          </a:effectRef>
-          <a:fontRef idx="minor">
-            <a:schemeClr val="tx1"/>
-          </a:fontRef>
-        </p:style>
-      </p:cxnSp>
-      <p:sp>
-        <p:nvSpPr>
-          <p:cNvPr id="69" name="Rectangle 68">
-            <a:extLst>
-              <a:ext uri="{FF2B5EF4-FFF2-40B4-BE49-F238E27FC236}">
-                <a16:creationId xmlns="" xmlns:a16="http://schemas.microsoft.com/office/drawing/2014/main" id="{C83A164E-C563-4661-88E8-6ECF4A2EFD91}"/>
-              </a:ext>
-            </a:extLst>
-          </p:cNvPr>
-          <p:cNvSpPr/>
-          <p:nvPr/>
-        </p:nvSpPr>
-        <p:spPr>
-          <a:xfrm>
-            <a:off x="565666" y="5096491"/>
-            <a:ext cx="2807278" cy="1316718"/>
-          </a:xfrm>
-          <a:prstGeom prst="rect">
-            <a:avLst/>
-          </a:prstGeom>
-          <a:noFill/>
-          <a:ln w="38100">
-            <a:solidFill>
-              <a:schemeClr val="tx1"/>
-            </a:solidFill>
-          </a:ln>
-        </p:spPr>
-        <p:style>
-          <a:lnRef idx="2">
-            <a:schemeClr val="accent1">
-              <a:shade val="50000"/>
-            </a:schemeClr>
-          </a:lnRef>
-          <a:fillRef idx="1">
-            <a:schemeClr val="accent1"/>
-          </a:fillRef>
-          <a:effectRef idx="0">
-            <a:schemeClr val="accent1"/>
-          </a:effectRef>
-          <a:fontRef idx="minor">
-            <a:schemeClr val="lt1"/>
-          </a:fontRef>
-        </p:style>
-        <p:txBody>
-          <a:bodyPr rtlCol="0" anchor="ctr"/>
-          <a:lstStyle/>
-          <a:p>
-            <a:pPr algn="ctr"/>
-            <a:endParaRPr lang="en-US"/>
-          </a:p>
-        </p:txBody>
-      </p:sp>
-      <p:sp>
-        <p:nvSpPr>
-          <p:cNvPr id="70" name="Rectangle 69">
-            <a:extLst>
-              <a:ext uri="{FF2B5EF4-FFF2-40B4-BE49-F238E27FC236}">
-                <a16:creationId xmlns="" xmlns:a16="http://schemas.microsoft.com/office/drawing/2014/main" id="{63126789-69EB-4A05-B3F1-9FBBE1870485}"/>
-              </a:ext>
-            </a:extLst>
-          </p:cNvPr>
-          <p:cNvSpPr/>
-          <p:nvPr/>
-        </p:nvSpPr>
-        <p:spPr>
-          <a:xfrm>
-            <a:off x="8775091" y="3557278"/>
-            <a:ext cx="1415772" cy="369332"/>
-          </a:xfrm>
-          <a:prstGeom prst="rect">
-            <a:avLst/>
-          </a:prstGeom>
-        </p:spPr>
-        <p:txBody>
-          <a:bodyPr wrap="none">
-            <a:spAutoFit/>
-          </a:bodyPr>
-          <a:lstStyle/>
-          <a:p>
-            <a:pPr algn="ctr"/>
-            <a:r>
-              <a:rPr lang="sv-SE" dirty="0">
-                <a:latin typeface="Arial" panose="020B0604020202020204" pitchFamily="34" charset="0"/>
-                <a:cs typeface="Arial" panose="020B0604020202020204" pitchFamily="34" charset="0"/>
-              </a:rPr>
-              <a:t>Robot </a:t>
-            </a:r>
-            <a:r>
-              <a:rPr lang="sv-SE" dirty="0" err="1">
-                <a:latin typeface="Arial" panose="020B0604020202020204" pitchFamily="34" charset="0"/>
-                <a:cs typeface="Arial" panose="020B0604020202020204" pitchFamily="34" charset="0"/>
-              </a:rPr>
-              <a:t>types</a:t>
-            </a:r>
-            <a:endParaRPr lang="en-US" dirty="0"/>
-          </a:p>
-        </p:txBody>
-      </p:sp>
-      <p:sp>
-        <p:nvSpPr>
-          <p:cNvPr id="71" name="Rectangle 70">
-            <a:extLst>
-              <a:ext uri="{FF2B5EF4-FFF2-40B4-BE49-F238E27FC236}">
-                <a16:creationId xmlns="" xmlns:a16="http://schemas.microsoft.com/office/drawing/2014/main" id="{344B0749-0CB8-4421-876A-8DFE0A980333}"/>
-              </a:ext>
-            </a:extLst>
-          </p:cNvPr>
-          <p:cNvSpPr/>
-          <p:nvPr/>
-        </p:nvSpPr>
-        <p:spPr>
-          <a:xfrm>
-            <a:off x="940818" y="4665644"/>
-            <a:ext cx="2056973" cy="369332"/>
-          </a:xfrm>
-          <a:prstGeom prst="rect">
-            <a:avLst/>
-          </a:prstGeom>
-        </p:spPr>
-        <p:txBody>
-          <a:bodyPr wrap="none">
-            <a:spAutoFit/>
-          </a:bodyPr>
-          <a:lstStyle/>
-          <a:p>
-            <a:pPr algn="ctr"/>
-            <a:r>
-              <a:rPr lang="sv-SE" dirty="0">
-                <a:latin typeface="Arial" panose="020B0604020202020204" pitchFamily="34" charset="0"/>
-                <a:cs typeface="Arial" panose="020B0604020202020204" pitchFamily="34" charset="0"/>
-              </a:rPr>
-              <a:t>Business relations</a:t>
-            </a:r>
-            <a:endParaRPr lang="en-US" dirty="0"/>
-          </a:p>
-        </p:txBody>
-      </p:sp>
-      <p:cxnSp>
-        <p:nvCxnSpPr>
-          <p:cNvPr id="72" name="Straight Arrow Connector 71">
-            <a:extLst>
-              <a:ext uri="{FF2B5EF4-FFF2-40B4-BE49-F238E27FC236}">
-                <a16:creationId xmlns="" xmlns:a16="http://schemas.microsoft.com/office/drawing/2014/main" id="{ED92BC3B-9A65-49BB-A725-60214763FBDC}"/>
-              </a:ext>
-            </a:extLst>
-          </p:cNvPr>
-          <p:cNvCxnSpPr>
-            <a:cxnSpLocks/>
-          </p:cNvCxnSpPr>
-          <p:nvPr/>
-        </p:nvCxnSpPr>
-        <p:spPr>
-          <a:xfrm>
-            <a:off x="777313" y="5467099"/>
-            <a:ext cx="767826" cy="0"/>
-          </a:xfrm>
-          <a:prstGeom prst="straightConnector1">
-            <a:avLst/>
-          </a:prstGeom>
-          <a:ln w="38100">
-            <a:solidFill>
-              <a:schemeClr val="tx1"/>
-            </a:solidFill>
-            <a:tailEnd type="triangle"/>
-          </a:ln>
-        </p:spPr>
-        <p:style>
-          <a:lnRef idx="1">
-            <a:schemeClr val="accent1"/>
-          </a:lnRef>
-          <a:fillRef idx="0">
-            <a:schemeClr val="accent1"/>
-          </a:fillRef>
-          <a:effectRef idx="0">
-            <a:schemeClr val="accent1"/>
-          </a:effectRef>
-          <a:fontRef idx="minor">
-            <a:schemeClr val="tx1"/>
-          </a:fontRef>
-        </p:style>
-      </p:cxnSp>
-      <p:cxnSp>
-        <p:nvCxnSpPr>
-          <p:cNvPr id="75" name="Straight Arrow Connector 74">
-            <a:extLst>
-              <a:ext uri="{FF2B5EF4-FFF2-40B4-BE49-F238E27FC236}">
-                <a16:creationId xmlns="" xmlns:a16="http://schemas.microsoft.com/office/drawing/2014/main" id="{2077B21C-FF58-4DD2-A484-CB04AB2993AE}"/>
-              </a:ext>
-            </a:extLst>
-          </p:cNvPr>
-          <p:cNvCxnSpPr>
-            <a:cxnSpLocks/>
-          </p:cNvCxnSpPr>
-          <p:nvPr/>
-        </p:nvCxnSpPr>
-        <p:spPr>
-          <a:xfrm flipH="1" flipV="1">
-            <a:off x="3071167" y="3282847"/>
-            <a:ext cx="3195504" cy="1288394"/>
-          </a:xfrm>
-          <a:prstGeom prst="straightConnector1">
-            <a:avLst/>
-          </a:prstGeom>
-          <a:ln w="38100">
-            <a:solidFill>
-              <a:schemeClr val="tx1"/>
-            </a:solidFill>
-            <a:tailEnd type="triangle"/>
-          </a:ln>
-        </p:spPr>
-        <p:style>
-          <a:lnRef idx="1">
-            <a:schemeClr val="accent1"/>
-          </a:lnRef>
-          <a:fillRef idx="0">
-            <a:schemeClr val="accent1"/>
-          </a:fillRef>
-          <a:effectRef idx="0">
-            <a:schemeClr val="accent1"/>
-          </a:effectRef>
-          <a:fontRef idx="minor">
-            <a:schemeClr val="tx1"/>
-          </a:fontRef>
-        </p:style>
-      </p:cxnSp>
-      <p:sp>
-        <p:nvSpPr>
-          <p:cNvPr id="77" name="Rectangle 76">
-            <a:extLst>
-              <a:ext uri="{FF2B5EF4-FFF2-40B4-BE49-F238E27FC236}">
-                <a16:creationId xmlns="" xmlns:a16="http://schemas.microsoft.com/office/drawing/2014/main" id="{B88EADB8-1203-446F-A495-2DCA82F847EF}"/>
-              </a:ext>
-            </a:extLst>
-          </p:cNvPr>
-          <p:cNvSpPr/>
-          <p:nvPr/>
-        </p:nvSpPr>
-        <p:spPr>
-          <a:xfrm>
-            <a:off x="1626330" y="5274371"/>
-            <a:ext cx="1082348" cy="369332"/>
-          </a:xfrm>
-          <a:prstGeom prst="rect">
-            <a:avLst/>
-          </a:prstGeom>
-        </p:spPr>
-        <p:txBody>
-          <a:bodyPr wrap="none">
-            <a:spAutoFit/>
-          </a:bodyPr>
-          <a:lstStyle/>
-          <a:p>
-            <a:r>
-              <a:rPr lang="sv-SE" dirty="0" err="1">
-                <a:latin typeface="Arial" panose="020B0604020202020204" pitchFamily="34" charset="0"/>
-                <a:cs typeface="Arial" panose="020B0604020202020204" pitchFamily="34" charset="0"/>
-              </a:rPr>
-              <a:t>Bespoke</a:t>
-            </a:r>
-            <a:endParaRPr lang="en-US" dirty="0"/>
-          </a:p>
-        </p:txBody>
-      </p:sp>
-      <p:cxnSp>
-        <p:nvCxnSpPr>
-          <p:cNvPr id="78" name="Straight Arrow Connector 77">
-            <a:extLst>
-              <a:ext uri="{FF2B5EF4-FFF2-40B4-BE49-F238E27FC236}">
-                <a16:creationId xmlns="" xmlns:a16="http://schemas.microsoft.com/office/drawing/2014/main" id="{396437B9-EEFB-4A03-B933-1CDFB1C8BC64}"/>
-              </a:ext>
-            </a:extLst>
-          </p:cNvPr>
-          <p:cNvCxnSpPr>
-            <a:cxnSpLocks/>
-          </p:cNvCxnSpPr>
-          <p:nvPr/>
-        </p:nvCxnSpPr>
-        <p:spPr>
-          <a:xfrm>
-            <a:off x="777313" y="6031334"/>
-            <a:ext cx="767826" cy="0"/>
-          </a:xfrm>
-          <a:prstGeom prst="straightConnector1">
-            <a:avLst/>
-          </a:prstGeom>
-          <a:ln w="38100">
-            <a:solidFill>
-              <a:schemeClr val="tx1"/>
-            </a:solidFill>
-            <a:prstDash val="dash"/>
-            <a:tailEnd type="triangle"/>
-          </a:ln>
-        </p:spPr>
-        <p:style>
-          <a:lnRef idx="1">
-            <a:schemeClr val="accent1"/>
-          </a:lnRef>
-          <a:fillRef idx="0">
-            <a:schemeClr val="accent1"/>
-          </a:fillRef>
-          <a:effectRef idx="0">
-            <a:schemeClr val="accent1"/>
-          </a:effectRef>
-          <a:fontRef idx="minor">
-            <a:schemeClr val="tx1"/>
-          </a:fontRef>
-        </p:style>
-      </p:cxnSp>
-      <p:sp>
-        <p:nvSpPr>
-          <p:cNvPr id="79" name="Rectangle 78">
-            <a:extLst>
-              <a:ext uri="{FF2B5EF4-FFF2-40B4-BE49-F238E27FC236}">
-                <a16:creationId xmlns="" xmlns:a16="http://schemas.microsoft.com/office/drawing/2014/main" id="{48CD2476-701A-4C45-9F84-14B0B78541D7}"/>
-              </a:ext>
-            </a:extLst>
-          </p:cNvPr>
-          <p:cNvSpPr/>
-          <p:nvPr/>
-        </p:nvSpPr>
-        <p:spPr>
-          <a:xfrm>
-            <a:off x="1638459" y="5846668"/>
-            <a:ext cx="1518364" cy="369332"/>
-          </a:xfrm>
-          <a:prstGeom prst="rect">
-            <a:avLst/>
-          </a:prstGeom>
-        </p:spPr>
-        <p:txBody>
-          <a:bodyPr wrap="none">
-            <a:spAutoFit/>
-          </a:bodyPr>
-          <a:lstStyle/>
-          <a:p>
-            <a:r>
-              <a:rPr lang="sv-SE" dirty="0" err="1">
-                <a:latin typeface="Arial" panose="020B0604020202020204" pitchFamily="34" charset="0"/>
-                <a:cs typeface="Arial" panose="020B0604020202020204" pitchFamily="34" charset="0"/>
-              </a:rPr>
-              <a:t>Open</a:t>
-            </a:r>
-            <a:r>
-              <a:rPr lang="sv-SE" dirty="0">
-                <a:latin typeface="Arial" panose="020B0604020202020204" pitchFamily="34" charset="0"/>
-                <a:cs typeface="Arial" panose="020B0604020202020204" pitchFamily="34" charset="0"/>
-              </a:rPr>
-              <a:t> market</a:t>
-            </a:r>
-            <a:endParaRPr lang="en-US" dirty="0"/>
-          </a:p>
-        </p:txBody>
-      </p:sp>
-    </p:spTree>
-    <p:extLst>
-      <p:ext uri="{BB962C8B-B14F-4D97-AF65-F5344CB8AC3E}">
-        <p14:creationId xmlns:p14="http://schemas.microsoft.com/office/powerpoint/2010/main" val="3343880895"/>
-      </p:ext>
-    </p:extLst>
-  </p:cSld>
-  <p:clrMapOvr>
-    <a:masterClrMapping/>
-  </p:clrMapOvr>
-</p:sld>
-</file>
-
-<file path=ppt/slides/slide5.xml><?xml version="1.0" encoding="utf-8"?>
 <p:sld xmlns:a="http://schemas.openxmlformats.org/drawingml/2006/main" xmlns:r="http://schemas.openxmlformats.org/officeDocument/2006/relationships" xmlns:p="http://schemas.openxmlformats.org/presentationml/2006/main">
   <p:cSld>
     <p:spTree>
@@ -36539,7 +33889,7 @@
 </p:sld>
 </file>
 
-<file path=ppt/slides/slide6.xml><?xml version="1.0" encoding="utf-8"?>
+<file path=ppt/slides/slide5.xml><?xml version="1.0" encoding="utf-8"?>
 <p:sld xmlns:a="http://schemas.openxmlformats.org/drawingml/2006/main" xmlns:r="http://schemas.openxmlformats.org/officeDocument/2006/relationships" xmlns:p="http://schemas.openxmlformats.org/presentationml/2006/main">
   <p:cSld>
     <p:spTree>
@@ -39030,7 +36380,7 @@
 </p:sld>
 </file>
 
-<file path=ppt/slides/slide7.xml><?xml version="1.0" encoding="utf-8"?>
+<file path=ppt/slides/slide6.xml><?xml version="1.0" encoding="utf-8"?>
 <p:sld xmlns:a="http://schemas.openxmlformats.org/drawingml/2006/main" xmlns:r="http://schemas.openxmlformats.org/officeDocument/2006/relationships" xmlns:p="http://schemas.openxmlformats.org/presentationml/2006/main">
   <p:cSld>
     <p:spTree>
@@ -41332,7 +38682,7 @@
 </p:sld>
 </file>
 
-<file path=ppt/slides/slide8.xml><?xml version="1.0" encoding="utf-8"?>
+<file path=ppt/slides/slide7.xml><?xml version="1.0" encoding="utf-8"?>
 <p:sld xmlns:a="http://schemas.openxmlformats.org/drawingml/2006/main" xmlns:r="http://schemas.openxmlformats.org/officeDocument/2006/relationships" xmlns:p="http://schemas.openxmlformats.org/presentationml/2006/main">
   <p:cSld>
     <p:spTree>
@@ -43652,7 +41002,7 @@
 </p:sld>
 </file>
 
-<file path=ppt/slides/slide9.xml><?xml version="1.0" encoding="utf-8"?>
+<file path=ppt/slides/slide8.xml><?xml version="1.0" encoding="utf-8"?>
 <p:sld xmlns:a="http://schemas.openxmlformats.org/drawingml/2006/main" xmlns:r="http://schemas.openxmlformats.org/officeDocument/2006/relationships" xmlns:p="http://schemas.openxmlformats.org/presentationml/2006/main">
   <p:cSld>
     <p:spTree>
@@ -43946,6 +41296,303 @@
     <p:extLst>
       <p:ext uri="{BB962C8B-B14F-4D97-AF65-F5344CB8AC3E}">
         <p14:creationId xmlns:p14="http://schemas.microsoft.com/office/powerpoint/2010/main" val="2004659444"/>
+      </p:ext>
+    </p:extLst>
+  </p:cSld>
+  <p:clrMapOvr>
+    <a:masterClrMapping/>
+  </p:clrMapOvr>
+</p:sld>
+</file>
+
+<file path=ppt/slides/slide9.xml><?xml version="1.0" encoding="utf-8"?>
+<p:sld xmlns:a="http://schemas.openxmlformats.org/drawingml/2006/main" xmlns:r="http://schemas.openxmlformats.org/officeDocument/2006/relationships" xmlns:p="http://schemas.openxmlformats.org/presentationml/2006/main">
+  <p:cSld>
+    <p:spTree>
+      <p:nvGrpSpPr>
+        <p:cNvPr id="1" name=""/>
+        <p:cNvGrpSpPr/>
+        <p:nvPr/>
+      </p:nvGrpSpPr>
+      <p:grpSpPr>
+        <a:xfrm>
+          <a:off x="0" y="0"/>
+          <a:ext cx="0" cy="0"/>
+          <a:chOff x="0" y="0"/>
+          <a:chExt cx="0" cy="0"/>
+        </a:xfrm>
+      </p:grpSpPr>
+      <p:sp>
+        <p:nvSpPr>
+          <p:cNvPr id="5" name="Oval 4">
+            <a:extLst>
+              <a:ext uri="{FF2B5EF4-FFF2-40B4-BE49-F238E27FC236}">
+                <a16:creationId xmlns="" xmlns:a16="http://schemas.microsoft.com/office/drawing/2014/main" id="{1BE905D4-A72F-472F-85B9-E5262CB9A9BA}"/>
+              </a:ext>
+            </a:extLst>
+          </p:cNvPr>
+          <p:cNvSpPr/>
+          <p:nvPr/>
+        </p:nvSpPr>
+        <p:spPr>
+          <a:xfrm>
+            <a:off x="2923413" y="717756"/>
+            <a:ext cx="3598606" cy="3429000"/>
+          </a:xfrm>
+          <a:prstGeom prst="ellipse">
+            <a:avLst/>
+          </a:prstGeom>
+          <a:noFill/>
+          <a:ln w="38100">
+            <a:noFill/>
+          </a:ln>
+        </p:spPr>
+        <p:style>
+          <a:lnRef idx="2">
+            <a:schemeClr val="accent1">
+              <a:shade val="50000"/>
+            </a:schemeClr>
+          </a:lnRef>
+          <a:fillRef idx="1">
+            <a:schemeClr val="accent1"/>
+          </a:fillRef>
+          <a:effectRef idx="0">
+            <a:schemeClr val="accent1"/>
+          </a:effectRef>
+          <a:fontRef idx="minor">
+            <a:schemeClr val="lt1"/>
+          </a:fontRef>
+        </p:style>
+        <p:txBody>
+          <a:bodyPr rtlCol="0" anchor="ctr"/>
+          <a:lstStyle/>
+          <a:p>
+            <a:pPr algn="ctr"/>
+            <a:endParaRPr lang="en-US"/>
+          </a:p>
+        </p:txBody>
+      </p:sp>
+      <p:sp>
+        <p:nvSpPr>
+          <p:cNvPr id="6" name="Oval 5">
+            <a:extLst>
+              <a:ext uri="{FF2B5EF4-FFF2-40B4-BE49-F238E27FC236}">
+                <a16:creationId xmlns="" xmlns:a16="http://schemas.microsoft.com/office/drawing/2014/main" id="{DA8FA223-F814-41D8-8A8C-99F6794FF949}"/>
+              </a:ext>
+            </a:extLst>
+          </p:cNvPr>
+          <p:cNvSpPr/>
+          <p:nvPr/>
+        </p:nvSpPr>
+        <p:spPr>
+          <a:xfrm>
+            <a:off x="4301613" y="3092246"/>
+            <a:ext cx="3598606" cy="3429000"/>
+          </a:xfrm>
+          <a:prstGeom prst="ellipse">
+            <a:avLst/>
+          </a:prstGeom>
+          <a:noFill/>
+          <a:ln w="38100">
+            <a:noFill/>
+          </a:ln>
+        </p:spPr>
+        <p:style>
+          <a:lnRef idx="2">
+            <a:schemeClr val="accent1">
+              <a:shade val="50000"/>
+            </a:schemeClr>
+          </a:lnRef>
+          <a:fillRef idx="1">
+            <a:schemeClr val="accent1"/>
+          </a:fillRef>
+          <a:effectRef idx="0">
+            <a:schemeClr val="accent1"/>
+          </a:effectRef>
+          <a:fontRef idx="minor">
+            <a:schemeClr val="lt1"/>
+          </a:fontRef>
+        </p:style>
+        <p:txBody>
+          <a:bodyPr rtlCol="0" anchor="ctr"/>
+          <a:lstStyle/>
+          <a:p>
+            <a:pPr algn="ctr"/>
+            <a:endParaRPr lang="en-US"/>
+          </a:p>
+        </p:txBody>
+      </p:sp>
+      <p:sp>
+        <p:nvSpPr>
+          <p:cNvPr id="7" name="Oval 6">
+            <a:extLst>
+              <a:ext uri="{FF2B5EF4-FFF2-40B4-BE49-F238E27FC236}">
+                <a16:creationId xmlns="" xmlns:a16="http://schemas.microsoft.com/office/drawing/2014/main" id="{2C06C390-1650-43A9-92CD-878AF82A2EDE}"/>
+              </a:ext>
+            </a:extLst>
+          </p:cNvPr>
+          <p:cNvSpPr/>
+          <p:nvPr/>
+        </p:nvSpPr>
+        <p:spPr>
+          <a:xfrm>
+            <a:off x="5656779" y="717756"/>
+            <a:ext cx="3598606" cy="3429000"/>
+          </a:xfrm>
+          <a:prstGeom prst="ellipse">
+            <a:avLst/>
+          </a:prstGeom>
+          <a:noFill/>
+          <a:ln w="38100">
+            <a:noFill/>
+          </a:ln>
+        </p:spPr>
+        <p:style>
+          <a:lnRef idx="2">
+            <a:schemeClr val="accent1">
+              <a:shade val="50000"/>
+            </a:schemeClr>
+          </a:lnRef>
+          <a:fillRef idx="1">
+            <a:schemeClr val="accent1"/>
+          </a:fillRef>
+          <a:effectRef idx="0">
+            <a:schemeClr val="accent1"/>
+          </a:effectRef>
+          <a:fontRef idx="minor">
+            <a:schemeClr val="lt1"/>
+          </a:fontRef>
+        </p:style>
+        <p:txBody>
+          <a:bodyPr rtlCol="0" anchor="ctr"/>
+          <a:lstStyle/>
+          <a:p>
+            <a:pPr algn="ctr"/>
+            <a:endParaRPr lang="en-US"/>
+          </a:p>
+        </p:txBody>
+      </p:sp>
+      <p:sp>
+        <p:nvSpPr>
+          <p:cNvPr id="8" name="Rectangle 7">
+            <a:extLst>
+              <a:ext uri="{FF2B5EF4-FFF2-40B4-BE49-F238E27FC236}">
+                <a16:creationId xmlns="" xmlns:a16="http://schemas.microsoft.com/office/drawing/2014/main" id="{42BB545C-B9B2-4B88-A085-D7573212A8A6}"/>
+              </a:ext>
+            </a:extLst>
+          </p:cNvPr>
+          <p:cNvSpPr/>
+          <p:nvPr/>
+        </p:nvSpPr>
+        <p:spPr>
+          <a:xfrm>
+            <a:off x="6914421" y="1909036"/>
+            <a:ext cx="1925528" cy="523220"/>
+          </a:xfrm>
+          <a:prstGeom prst="rect">
+            <a:avLst/>
+          </a:prstGeom>
+        </p:spPr>
+        <p:txBody>
+          <a:bodyPr wrap="none">
+            <a:spAutoFit/>
+          </a:bodyPr>
+          <a:lstStyle/>
+          <a:p>
+            <a:pPr algn="ctr"/>
+            <a:r>
+              <a:rPr lang="sv-SE" sz="2800" dirty="0" err="1">
+                <a:latin typeface="Arial" panose="020B0604020202020204" pitchFamily="34" charset="0"/>
+                <a:cs typeface="Arial" panose="020B0604020202020204" pitchFamily="34" charset="0"/>
+              </a:rPr>
+              <a:t>Monetizing</a:t>
+            </a:r>
+            <a:endParaRPr lang="en-US" dirty="0"/>
+          </a:p>
+        </p:txBody>
+      </p:sp>
+      <p:sp>
+        <p:nvSpPr>
+          <p:cNvPr id="9" name="Rectangle 8">
+            <a:extLst>
+              <a:ext uri="{FF2B5EF4-FFF2-40B4-BE49-F238E27FC236}">
+                <a16:creationId xmlns="" xmlns:a16="http://schemas.microsoft.com/office/drawing/2014/main" id="{822A8BCF-BF7A-45F3-AEB2-2A8B87E5DD2B}"/>
+              </a:ext>
+            </a:extLst>
+          </p:cNvPr>
+          <p:cNvSpPr/>
+          <p:nvPr/>
+        </p:nvSpPr>
+        <p:spPr>
+          <a:xfrm>
+            <a:off x="3225245" y="1909036"/>
+            <a:ext cx="2106667" cy="523220"/>
+          </a:xfrm>
+          <a:prstGeom prst="rect">
+            <a:avLst/>
+          </a:prstGeom>
+        </p:spPr>
+        <p:txBody>
+          <a:bodyPr wrap="none">
+            <a:spAutoFit/>
+          </a:bodyPr>
+          <a:lstStyle/>
+          <a:p>
+            <a:pPr algn="ctr"/>
+            <a:r>
+              <a:rPr lang="sv-SE" sz="2800" dirty="0">
+                <a:latin typeface="Arial" panose="020B0604020202020204" pitchFamily="34" charset="0"/>
+                <a:cs typeface="Arial" panose="020B0604020202020204" pitchFamily="34" charset="0"/>
+              </a:rPr>
+              <a:t>Engineering</a:t>
+            </a:r>
+            <a:endParaRPr lang="en-US" dirty="0"/>
+          </a:p>
+        </p:txBody>
+      </p:sp>
+      <p:sp>
+        <p:nvSpPr>
+          <p:cNvPr id="10" name="Rectangle 9">
+            <a:extLst>
+              <a:ext uri="{FF2B5EF4-FFF2-40B4-BE49-F238E27FC236}">
+                <a16:creationId xmlns="" xmlns:a16="http://schemas.microsoft.com/office/drawing/2014/main" id="{37CDA193-5920-4DBA-9F62-8C8CE4AE6FFB}"/>
+              </a:ext>
+            </a:extLst>
+          </p:cNvPr>
+          <p:cNvSpPr/>
+          <p:nvPr/>
+        </p:nvSpPr>
+        <p:spPr>
+          <a:xfrm>
+            <a:off x="5083383" y="4716587"/>
+            <a:ext cx="2084225" cy="523220"/>
+          </a:xfrm>
+          <a:prstGeom prst="rect">
+            <a:avLst/>
+          </a:prstGeom>
+        </p:spPr>
+        <p:txBody>
+          <a:bodyPr wrap="none">
+            <a:spAutoFit/>
+          </a:bodyPr>
+          <a:lstStyle/>
+          <a:p>
+            <a:pPr algn="ctr"/>
+            <a:r>
+              <a:rPr lang="sv-SE" sz="2800" dirty="0" err="1">
+                <a:latin typeface="Arial" panose="020B0604020202020204" pitchFamily="34" charset="0"/>
+                <a:cs typeface="Arial" panose="020B0604020202020204" pitchFamily="34" charset="0"/>
+              </a:rPr>
+              <a:t>Strategizing</a:t>
+            </a:r>
+            <a:endParaRPr lang="en-US" dirty="0"/>
+          </a:p>
+        </p:txBody>
+      </p:sp>
+    </p:spTree>
+    <p:extLst>
+      <p:ext uri="{BB962C8B-B14F-4D97-AF65-F5344CB8AC3E}">
+        <p14:creationId xmlns:p14="http://schemas.microsoft.com/office/powerpoint/2010/main" val="314093017"/>
       </p:ext>
     </p:extLst>
   </p:cSld>

--- a/project-rumble/figures/etsa02_figures.pptx
+++ b/project-rumble/figures/etsa02_figures.pptx
@@ -8,13 +8,14 @@
     <p:sldId id="256" r:id="rId2"/>
     <p:sldId id="258" r:id="rId3"/>
     <p:sldId id="268" r:id="rId4"/>
-    <p:sldId id="263" r:id="rId5"/>
-    <p:sldId id="259" r:id="rId6"/>
-    <p:sldId id="260" r:id="rId7"/>
-    <p:sldId id="261" r:id="rId8"/>
-    <p:sldId id="265" r:id="rId9"/>
-    <p:sldId id="267" r:id="rId10"/>
-    <p:sldId id="262" r:id="rId11"/>
+    <p:sldId id="269" r:id="rId5"/>
+    <p:sldId id="263" r:id="rId6"/>
+    <p:sldId id="259" r:id="rId7"/>
+    <p:sldId id="260" r:id="rId8"/>
+    <p:sldId id="261" r:id="rId9"/>
+    <p:sldId id="265" r:id="rId10"/>
+    <p:sldId id="267" r:id="rId11"/>
+    <p:sldId id="262" r:id="rId12"/>
   </p:sldIdLst>
   <p:sldSz cx="12192000" cy="6858000"/>
   <p:notesSz cx="6858000" cy="9144000"/>
@@ -121,6 +122,7 @@
             <p14:sldId id="256"/>
             <p14:sldId id="258"/>
             <p14:sldId id="268"/>
+            <p14:sldId id="269"/>
             <p14:sldId id="263"/>
             <p14:sldId id="259"/>
             <p14:sldId id="260"/>
@@ -133,7 +135,7 @@
       </p14:sectionLst>
     </p:ext>
     <p:ext uri="{EFAFB233-063F-42B5-8137-9DF3F51BA10A}">
-      <p15:sldGuideLst xmlns="" xmlns:p15="http://schemas.microsoft.com/office/powerpoint/2012/main">
+      <p15:sldGuideLst xmlns:p15="http://schemas.microsoft.com/office/powerpoint/2012/main">
         <p15:guide id="1" orient="horz" pos="1656" userDrawn="1">
           <p15:clr>
             <a:srgbClr val="A4A3A4"/>
@@ -3513,13 +3515,6 @@
         </dgm:presLayoutVars>
       </dgm:prSet>
       <dgm:spPr/>
-      <dgm:t>
-        <a:bodyPr/>
-        <a:lstStyle/>
-        <a:p>
-          <a:endParaRPr lang="sv-SE"/>
-        </a:p>
-      </dgm:t>
     </dgm:pt>
     <dgm:pt modelId="{C85ED1F6-1417-4DD8-9F0B-B522CDE30503}" type="pres">
       <dgm:prSet presAssocID="{A79E2A2D-7F2D-43CD-89C5-4F06702239C7}" presName="Accent1" presStyleCnt="0"/>
@@ -3538,13 +3533,6 @@
         </dgm:presLayoutVars>
       </dgm:prSet>
       <dgm:spPr/>
-      <dgm:t>
-        <a:bodyPr/>
-        <a:lstStyle/>
-        <a:p>
-          <a:endParaRPr lang="sv-SE"/>
-        </a:p>
-      </dgm:t>
     </dgm:pt>
     <dgm:pt modelId="{9E66601F-5507-4159-89CD-FE8318C483CA}" type="pres">
       <dgm:prSet presAssocID="{3A128CF5-9AE7-4EAC-9485-E88F8BE77004}" presName="Accent2" presStyleCnt="0"/>
@@ -3563,13 +3551,6 @@
         </dgm:presLayoutVars>
       </dgm:prSet>
       <dgm:spPr/>
-      <dgm:t>
-        <a:bodyPr/>
-        <a:lstStyle/>
-        <a:p>
-          <a:endParaRPr lang="sv-SE"/>
-        </a:p>
-      </dgm:t>
     </dgm:pt>
     <dgm:pt modelId="{2D7E4C0B-382B-42B1-A371-45C4C315ACE4}" type="pres">
       <dgm:prSet presAssocID="{3E974AE7-F6F7-44CE-AA7A-02FBDD58B1F1}" presName="Accent3" presStyleCnt="0"/>
@@ -3588,23 +3569,16 @@
         </dgm:presLayoutVars>
       </dgm:prSet>
       <dgm:spPr/>
-      <dgm:t>
-        <a:bodyPr/>
-        <a:lstStyle/>
-        <a:p>
-          <a:endParaRPr lang="sv-SE"/>
-        </a:p>
-      </dgm:t>
     </dgm:pt>
   </dgm:ptLst>
   <dgm:cxnLst>
     <dgm:cxn modelId="{DEA8841A-7F97-4B12-B19D-7DBC9CCCA6CA}" type="presOf" srcId="{A79E2A2D-7F2D-43CD-89C5-4F06702239C7}" destId="{DE40A598-37E1-4A8B-B30A-361891655E32}" srcOrd="0" destOrd="0" presId="urn:microsoft.com/office/officeart/2009/layout/CircleArrowProcess"/>
-    <dgm:cxn modelId="{E919CC95-27B8-4C68-8343-831B7888018A}" type="presOf" srcId="{3A128CF5-9AE7-4EAC-9485-E88F8BE77004}" destId="{FF94DD58-C0AC-4F2E-B336-D810E8C84263}" srcOrd="0" destOrd="0" presId="urn:microsoft.com/office/officeart/2009/layout/CircleArrowProcess"/>
-    <dgm:cxn modelId="{3F5E1DE0-0383-48CC-9203-6C9AD5C5267D}" type="presOf" srcId="{3E974AE7-F6F7-44CE-AA7A-02FBDD58B1F1}" destId="{90083342-A34C-49F2-A9E2-A7E389073F00}" srcOrd="0" destOrd="0" presId="urn:microsoft.com/office/officeart/2009/layout/CircleArrowProcess"/>
-    <dgm:cxn modelId="{EAD55AA6-A136-4C50-8B79-CC6B400CC981}" type="presOf" srcId="{E967B93F-BC7F-4FB4-BC87-6392A0B631BD}" destId="{71406755-23F2-4109-BA41-146F988774CB}" srcOrd="0" destOrd="0" presId="urn:microsoft.com/office/officeart/2009/layout/CircleArrowProcess"/>
-    <dgm:cxn modelId="{157A1A7C-BF9C-4030-A3D2-FC015CDAB6FE}" srcId="{E967B93F-BC7F-4FB4-BC87-6392A0B631BD}" destId="{A79E2A2D-7F2D-43CD-89C5-4F06702239C7}" srcOrd="0" destOrd="0" parTransId="{80084990-0EF9-4F24-80B5-B857B4647FC3}" sibTransId="{56F09064-C6D9-41DF-9B01-CB0B167CEDEB}"/>
     <dgm:cxn modelId="{D240A36B-F62A-4C70-9CAD-58226B0BD43D}" srcId="{E967B93F-BC7F-4FB4-BC87-6392A0B631BD}" destId="{3E974AE7-F6F7-44CE-AA7A-02FBDD58B1F1}" srcOrd="2" destOrd="0" parTransId="{0B1B9D87-069F-4C74-8A0B-950CD6773332}" sibTransId="{73096607-54D9-4500-9B80-0F6BD95D4725}"/>
     <dgm:cxn modelId="{801CC257-8EC3-43DF-8DA1-6CFC36AAD2A3}" srcId="{E967B93F-BC7F-4FB4-BC87-6392A0B631BD}" destId="{3A128CF5-9AE7-4EAC-9485-E88F8BE77004}" srcOrd="1" destOrd="0" parTransId="{8B28C7C3-F1D0-4BA1-9C4B-79E975C3D84A}" sibTransId="{6842B30A-4C8A-4177-9D91-676F7D95EFE3}"/>
+    <dgm:cxn modelId="{157A1A7C-BF9C-4030-A3D2-FC015CDAB6FE}" srcId="{E967B93F-BC7F-4FB4-BC87-6392A0B631BD}" destId="{A79E2A2D-7F2D-43CD-89C5-4F06702239C7}" srcOrd="0" destOrd="0" parTransId="{80084990-0EF9-4F24-80B5-B857B4647FC3}" sibTransId="{56F09064-C6D9-41DF-9B01-CB0B167CEDEB}"/>
+    <dgm:cxn modelId="{E919CC95-27B8-4C68-8343-831B7888018A}" type="presOf" srcId="{3A128CF5-9AE7-4EAC-9485-E88F8BE77004}" destId="{FF94DD58-C0AC-4F2E-B336-D810E8C84263}" srcOrd="0" destOrd="0" presId="urn:microsoft.com/office/officeart/2009/layout/CircleArrowProcess"/>
+    <dgm:cxn modelId="{EAD55AA6-A136-4C50-8B79-CC6B400CC981}" type="presOf" srcId="{E967B93F-BC7F-4FB4-BC87-6392A0B631BD}" destId="{71406755-23F2-4109-BA41-146F988774CB}" srcOrd="0" destOrd="0" presId="urn:microsoft.com/office/officeart/2009/layout/CircleArrowProcess"/>
+    <dgm:cxn modelId="{3F5E1DE0-0383-48CC-9203-6C9AD5C5267D}" type="presOf" srcId="{3E974AE7-F6F7-44CE-AA7A-02FBDD58B1F1}" destId="{90083342-A34C-49F2-A9E2-A7E389073F00}" srcOrd="0" destOrd="0" presId="urn:microsoft.com/office/officeart/2009/layout/CircleArrowProcess"/>
     <dgm:cxn modelId="{CF176182-E8A3-4225-A216-451BAF65A36F}" type="presParOf" srcId="{71406755-23F2-4109-BA41-146F988774CB}" destId="{C85ED1F6-1417-4DD8-9F0B-B522CDE30503}" srcOrd="0" destOrd="0" presId="urn:microsoft.com/office/officeart/2009/layout/CircleArrowProcess"/>
     <dgm:cxn modelId="{981AAF99-5CEA-4325-83DB-F7B976729878}" type="presParOf" srcId="{C85ED1F6-1417-4DD8-9F0B-B522CDE30503}" destId="{C215277F-04B7-4D4C-9F84-0EFFD842F138}" srcOrd="0" destOrd="0" presId="urn:microsoft.com/office/officeart/2009/layout/CircleArrowProcess"/>
     <dgm:cxn modelId="{0382EFEC-3211-418D-AAB6-6AFF1D404234}" type="presParOf" srcId="{71406755-23F2-4109-BA41-146F988774CB}" destId="{DE40A598-37E1-4A8B-B30A-361891655E32}" srcOrd="1" destOrd="0" presId="urn:microsoft.com/office/officeart/2009/layout/CircleArrowProcess"/>
@@ -3760,13 +3734,6 @@
         </dgm:presLayoutVars>
       </dgm:prSet>
       <dgm:spPr/>
-      <dgm:t>
-        <a:bodyPr/>
-        <a:lstStyle/>
-        <a:p>
-          <a:endParaRPr lang="sv-SE"/>
-        </a:p>
-      </dgm:t>
     </dgm:pt>
     <dgm:pt modelId="{C85ED1F6-1417-4DD8-9F0B-B522CDE30503}" type="pres">
       <dgm:prSet presAssocID="{A79E2A2D-7F2D-43CD-89C5-4F06702239C7}" presName="Accent1" presStyleCnt="0"/>
@@ -3785,13 +3752,6 @@
         </dgm:presLayoutVars>
       </dgm:prSet>
       <dgm:spPr/>
-      <dgm:t>
-        <a:bodyPr/>
-        <a:lstStyle/>
-        <a:p>
-          <a:endParaRPr lang="sv-SE"/>
-        </a:p>
-      </dgm:t>
     </dgm:pt>
     <dgm:pt modelId="{9E66601F-5507-4159-89CD-FE8318C483CA}" type="pres">
       <dgm:prSet presAssocID="{3A128CF5-9AE7-4EAC-9485-E88F8BE77004}" presName="Accent2" presStyleCnt="0"/>
@@ -3810,13 +3770,6 @@
         </dgm:presLayoutVars>
       </dgm:prSet>
       <dgm:spPr/>
-      <dgm:t>
-        <a:bodyPr/>
-        <a:lstStyle/>
-        <a:p>
-          <a:endParaRPr lang="sv-SE"/>
-        </a:p>
-      </dgm:t>
     </dgm:pt>
     <dgm:pt modelId="{2D7E4C0B-382B-42B1-A371-45C4C315ACE4}" type="pres">
       <dgm:prSet presAssocID="{3E974AE7-F6F7-44CE-AA7A-02FBDD58B1F1}" presName="Accent3" presStyleCnt="0"/>
@@ -3835,23 +3788,16 @@
         </dgm:presLayoutVars>
       </dgm:prSet>
       <dgm:spPr/>
-      <dgm:t>
-        <a:bodyPr/>
-        <a:lstStyle/>
-        <a:p>
-          <a:endParaRPr lang="sv-SE"/>
-        </a:p>
-      </dgm:t>
     </dgm:pt>
   </dgm:ptLst>
   <dgm:cxnLst>
     <dgm:cxn modelId="{DEA8841A-7F97-4B12-B19D-7DBC9CCCA6CA}" type="presOf" srcId="{A79E2A2D-7F2D-43CD-89C5-4F06702239C7}" destId="{DE40A598-37E1-4A8B-B30A-361891655E32}" srcOrd="0" destOrd="0" presId="urn:microsoft.com/office/officeart/2009/layout/CircleArrowProcess"/>
-    <dgm:cxn modelId="{E919CC95-27B8-4C68-8343-831B7888018A}" type="presOf" srcId="{3A128CF5-9AE7-4EAC-9485-E88F8BE77004}" destId="{FF94DD58-C0AC-4F2E-B336-D810E8C84263}" srcOrd="0" destOrd="0" presId="urn:microsoft.com/office/officeart/2009/layout/CircleArrowProcess"/>
-    <dgm:cxn modelId="{3F5E1DE0-0383-48CC-9203-6C9AD5C5267D}" type="presOf" srcId="{3E974AE7-F6F7-44CE-AA7A-02FBDD58B1F1}" destId="{90083342-A34C-49F2-A9E2-A7E389073F00}" srcOrd="0" destOrd="0" presId="urn:microsoft.com/office/officeart/2009/layout/CircleArrowProcess"/>
-    <dgm:cxn modelId="{EAD55AA6-A136-4C50-8B79-CC6B400CC981}" type="presOf" srcId="{E967B93F-BC7F-4FB4-BC87-6392A0B631BD}" destId="{71406755-23F2-4109-BA41-146F988774CB}" srcOrd="0" destOrd="0" presId="urn:microsoft.com/office/officeart/2009/layout/CircleArrowProcess"/>
-    <dgm:cxn modelId="{157A1A7C-BF9C-4030-A3D2-FC015CDAB6FE}" srcId="{E967B93F-BC7F-4FB4-BC87-6392A0B631BD}" destId="{A79E2A2D-7F2D-43CD-89C5-4F06702239C7}" srcOrd="0" destOrd="0" parTransId="{80084990-0EF9-4F24-80B5-B857B4647FC3}" sibTransId="{56F09064-C6D9-41DF-9B01-CB0B167CEDEB}"/>
     <dgm:cxn modelId="{D240A36B-F62A-4C70-9CAD-58226B0BD43D}" srcId="{E967B93F-BC7F-4FB4-BC87-6392A0B631BD}" destId="{3E974AE7-F6F7-44CE-AA7A-02FBDD58B1F1}" srcOrd="2" destOrd="0" parTransId="{0B1B9D87-069F-4C74-8A0B-950CD6773332}" sibTransId="{73096607-54D9-4500-9B80-0F6BD95D4725}"/>
     <dgm:cxn modelId="{801CC257-8EC3-43DF-8DA1-6CFC36AAD2A3}" srcId="{E967B93F-BC7F-4FB4-BC87-6392A0B631BD}" destId="{3A128CF5-9AE7-4EAC-9485-E88F8BE77004}" srcOrd="1" destOrd="0" parTransId="{8B28C7C3-F1D0-4BA1-9C4B-79E975C3D84A}" sibTransId="{6842B30A-4C8A-4177-9D91-676F7D95EFE3}"/>
+    <dgm:cxn modelId="{157A1A7C-BF9C-4030-A3D2-FC015CDAB6FE}" srcId="{E967B93F-BC7F-4FB4-BC87-6392A0B631BD}" destId="{A79E2A2D-7F2D-43CD-89C5-4F06702239C7}" srcOrd="0" destOrd="0" parTransId="{80084990-0EF9-4F24-80B5-B857B4647FC3}" sibTransId="{56F09064-C6D9-41DF-9B01-CB0B167CEDEB}"/>
+    <dgm:cxn modelId="{E919CC95-27B8-4C68-8343-831B7888018A}" type="presOf" srcId="{3A128CF5-9AE7-4EAC-9485-E88F8BE77004}" destId="{FF94DD58-C0AC-4F2E-B336-D810E8C84263}" srcOrd="0" destOrd="0" presId="urn:microsoft.com/office/officeart/2009/layout/CircleArrowProcess"/>
+    <dgm:cxn modelId="{EAD55AA6-A136-4C50-8B79-CC6B400CC981}" type="presOf" srcId="{E967B93F-BC7F-4FB4-BC87-6392A0B631BD}" destId="{71406755-23F2-4109-BA41-146F988774CB}" srcOrd="0" destOrd="0" presId="urn:microsoft.com/office/officeart/2009/layout/CircleArrowProcess"/>
+    <dgm:cxn modelId="{3F5E1DE0-0383-48CC-9203-6C9AD5C5267D}" type="presOf" srcId="{3E974AE7-F6F7-44CE-AA7A-02FBDD58B1F1}" destId="{90083342-A34C-49F2-A9E2-A7E389073F00}" srcOrd="0" destOrd="0" presId="urn:microsoft.com/office/officeart/2009/layout/CircleArrowProcess"/>
     <dgm:cxn modelId="{CF176182-E8A3-4225-A216-451BAF65A36F}" type="presParOf" srcId="{71406755-23F2-4109-BA41-146F988774CB}" destId="{C85ED1F6-1417-4DD8-9F0B-B522CDE30503}" srcOrd="0" destOrd="0" presId="urn:microsoft.com/office/officeart/2009/layout/CircleArrowProcess"/>
     <dgm:cxn modelId="{981AAF99-5CEA-4325-83DB-F7B976729878}" type="presParOf" srcId="{C85ED1F6-1417-4DD8-9F0B-B522CDE30503}" destId="{C215277F-04B7-4D4C-9F84-0EFFD842F138}" srcOrd="0" destOrd="0" presId="urn:microsoft.com/office/officeart/2009/layout/CircleArrowProcess"/>
     <dgm:cxn modelId="{0382EFEC-3211-418D-AAB6-6AFF1D404234}" type="presParOf" srcId="{71406755-23F2-4109-BA41-146F988774CB}" destId="{DE40A598-37E1-4A8B-B30A-361891655E32}" srcOrd="1" destOrd="0" presId="urn:microsoft.com/office/officeart/2009/layout/CircleArrowProcess"/>
@@ -4007,13 +3953,6 @@
         </dgm:presLayoutVars>
       </dgm:prSet>
       <dgm:spPr/>
-      <dgm:t>
-        <a:bodyPr/>
-        <a:lstStyle/>
-        <a:p>
-          <a:endParaRPr lang="sv-SE"/>
-        </a:p>
-      </dgm:t>
     </dgm:pt>
     <dgm:pt modelId="{C85ED1F6-1417-4DD8-9F0B-B522CDE30503}" type="pres">
       <dgm:prSet presAssocID="{A79E2A2D-7F2D-43CD-89C5-4F06702239C7}" presName="Accent1" presStyleCnt="0"/>
@@ -4032,13 +3971,6 @@
         </dgm:presLayoutVars>
       </dgm:prSet>
       <dgm:spPr/>
-      <dgm:t>
-        <a:bodyPr/>
-        <a:lstStyle/>
-        <a:p>
-          <a:endParaRPr lang="sv-SE"/>
-        </a:p>
-      </dgm:t>
     </dgm:pt>
     <dgm:pt modelId="{9E66601F-5507-4159-89CD-FE8318C483CA}" type="pres">
       <dgm:prSet presAssocID="{3A128CF5-9AE7-4EAC-9485-E88F8BE77004}" presName="Accent2" presStyleCnt="0"/>
@@ -4057,13 +3989,6 @@
         </dgm:presLayoutVars>
       </dgm:prSet>
       <dgm:spPr/>
-      <dgm:t>
-        <a:bodyPr/>
-        <a:lstStyle/>
-        <a:p>
-          <a:endParaRPr lang="sv-SE"/>
-        </a:p>
-      </dgm:t>
     </dgm:pt>
     <dgm:pt modelId="{2D7E4C0B-382B-42B1-A371-45C4C315ACE4}" type="pres">
       <dgm:prSet presAssocID="{3E974AE7-F6F7-44CE-AA7A-02FBDD58B1F1}" presName="Accent3" presStyleCnt="0"/>
@@ -4082,23 +4007,16 @@
         </dgm:presLayoutVars>
       </dgm:prSet>
       <dgm:spPr/>
-      <dgm:t>
-        <a:bodyPr/>
-        <a:lstStyle/>
-        <a:p>
-          <a:endParaRPr lang="sv-SE"/>
-        </a:p>
-      </dgm:t>
     </dgm:pt>
   </dgm:ptLst>
   <dgm:cxnLst>
     <dgm:cxn modelId="{103B3A60-C213-4827-853E-FA5096CF201C}" type="presOf" srcId="{3E974AE7-F6F7-44CE-AA7A-02FBDD58B1F1}" destId="{90083342-A34C-49F2-A9E2-A7E389073F00}" srcOrd="0" destOrd="0" presId="urn:microsoft.com/office/officeart/2009/layout/CircleArrowProcess"/>
-    <dgm:cxn modelId="{157A1A7C-BF9C-4030-A3D2-FC015CDAB6FE}" srcId="{E967B93F-BC7F-4FB4-BC87-6392A0B631BD}" destId="{A79E2A2D-7F2D-43CD-89C5-4F06702239C7}" srcOrd="0" destOrd="0" parTransId="{80084990-0EF9-4F24-80B5-B857B4647FC3}" sibTransId="{56F09064-C6D9-41DF-9B01-CB0B167CEDEB}"/>
-    <dgm:cxn modelId="{278F84EA-CF0B-414C-B45F-94E89A5CD16B}" type="presOf" srcId="{E967B93F-BC7F-4FB4-BC87-6392A0B631BD}" destId="{71406755-23F2-4109-BA41-146F988774CB}" srcOrd="0" destOrd="0" presId="urn:microsoft.com/office/officeart/2009/layout/CircleArrowProcess"/>
-    <dgm:cxn modelId="{2819B5DB-1C08-447F-82FA-A53AB9AA54A5}" type="presOf" srcId="{A79E2A2D-7F2D-43CD-89C5-4F06702239C7}" destId="{DE40A598-37E1-4A8B-B30A-361891655E32}" srcOrd="0" destOrd="0" presId="urn:microsoft.com/office/officeart/2009/layout/CircleArrowProcess"/>
     <dgm:cxn modelId="{3F38DC68-3BC1-4923-B0DA-6ABFD5E441E6}" type="presOf" srcId="{3A128CF5-9AE7-4EAC-9485-E88F8BE77004}" destId="{FF94DD58-C0AC-4F2E-B336-D810E8C84263}" srcOrd="0" destOrd="0" presId="urn:microsoft.com/office/officeart/2009/layout/CircleArrowProcess"/>
     <dgm:cxn modelId="{D240A36B-F62A-4C70-9CAD-58226B0BD43D}" srcId="{E967B93F-BC7F-4FB4-BC87-6392A0B631BD}" destId="{3E974AE7-F6F7-44CE-AA7A-02FBDD58B1F1}" srcOrd="2" destOrd="0" parTransId="{0B1B9D87-069F-4C74-8A0B-950CD6773332}" sibTransId="{73096607-54D9-4500-9B80-0F6BD95D4725}"/>
     <dgm:cxn modelId="{801CC257-8EC3-43DF-8DA1-6CFC36AAD2A3}" srcId="{E967B93F-BC7F-4FB4-BC87-6392A0B631BD}" destId="{3A128CF5-9AE7-4EAC-9485-E88F8BE77004}" srcOrd="1" destOrd="0" parTransId="{8B28C7C3-F1D0-4BA1-9C4B-79E975C3D84A}" sibTransId="{6842B30A-4C8A-4177-9D91-676F7D95EFE3}"/>
+    <dgm:cxn modelId="{157A1A7C-BF9C-4030-A3D2-FC015CDAB6FE}" srcId="{E967B93F-BC7F-4FB4-BC87-6392A0B631BD}" destId="{A79E2A2D-7F2D-43CD-89C5-4F06702239C7}" srcOrd="0" destOrd="0" parTransId="{80084990-0EF9-4F24-80B5-B857B4647FC3}" sibTransId="{56F09064-C6D9-41DF-9B01-CB0B167CEDEB}"/>
+    <dgm:cxn modelId="{2819B5DB-1C08-447F-82FA-A53AB9AA54A5}" type="presOf" srcId="{A79E2A2D-7F2D-43CD-89C5-4F06702239C7}" destId="{DE40A598-37E1-4A8B-B30A-361891655E32}" srcOrd="0" destOrd="0" presId="urn:microsoft.com/office/officeart/2009/layout/CircleArrowProcess"/>
+    <dgm:cxn modelId="{278F84EA-CF0B-414C-B45F-94E89A5CD16B}" type="presOf" srcId="{E967B93F-BC7F-4FB4-BC87-6392A0B631BD}" destId="{71406755-23F2-4109-BA41-146F988774CB}" srcOrd="0" destOrd="0" presId="urn:microsoft.com/office/officeart/2009/layout/CircleArrowProcess"/>
     <dgm:cxn modelId="{A8EAE903-A8CE-4773-BB2B-45A11FE2157D}" type="presParOf" srcId="{71406755-23F2-4109-BA41-146F988774CB}" destId="{C85ED1F6-1417-4DD8-9F0B-B522CDE30503}" srcOrd="0" destOrd="0" presId="urn:microsoft.com/office/officeart/2009/layout/CircleArrowProcess"/>
     <dgm:cxn modelId="{5E39C4BD-E42F-4FDB-A0E9-1E3DEDD2CB3A}" type="presParOf" srcId="{C85ED1F6-1417-4DD8-9F0B-B522CDE30503}" destId="{C215277F-04B7-4D4C-9F84-0EFFD842F138}" srcOrd="0" destOrd="0" presId="urn:microsoft.com/office/officeart/2009/layout/CircleArrowProcess"/>
     <dgm:cxn modelId="{3AD4A5DD-ADC8-48E7-BF40-3415A2B5657A}" type="presParOf" srcId="{71406755-23F2-4109-BA41-146F988774CB}" destId="{DE40A598-37E1-4A8B-B30A-361891655E32}" srcOrd="1" destOrd="0" presId="urn:microsoft.com/office/officeart/2009/layout/CircleArrowProcess"/>
@@ -4254,13 +4172,6 @@
         </dgm:presLayoutVars>
       </dgm:prSet>
       <dgm:spPr/>
-      <dgm:t>
-        <a:bodyPr/>
-        <a:lstStyle/>
-        <a:p>
-          <a:endParaRPr lang="sv-SE"/>
-        </a:p>
-      </dgm:t>
     </dgm:pt>
     <dgm:pt modelId="{C85ED1F6-1417-4DD8-9F0B-B522CDE30503}" type="pres">
       <dgm:prSet presAssocID="{A79E2A2D-7F2D-43CD-89C5-4F06702239C7}" presName="Accent1" presStyleCnt="0"/>
@@ -4279,13 +4190,6 @@
         </dgm:presLayoutVars>
       </dgm:prSet>
       <dgm:spPr/>
-      <dgm:t>
-        <a:bodyPr/>
-        <a:lstStyle/>
-        <a:p>
-          <a:endParaRPr lang="sv-SE"/>
-        </a:p>
-      </dgm:t>
     </dgm:pt>
     <dgm:pt modelId="{9E66601F-5507-4159-89CD-FE8318C483CA}" type="pres">
       <dgm:prSet presAssocID="{3A128CF5-9AE7-4EAC-9485-E88F8BE77004}" presName="Accent2" presStyleCnt="0"/>
@@ -4304,13 +4208,6 @@
         </dgm:presLayoutVars>
       </dgm:prSet>
       <dgm:spPr/>
-      <dgm:t>
-        <a:bodyPr/>
-        <a:lstStyle/>
-        <a:p>
-          <a:endParaRPr lang="sv-SE"/>
-        </a:p>
-      </dgm:t>
     </dgm:pt>
     <dgm:pt modelId="{2D7E4C0B-382B-42B1-A371-45C4C315ACE4}" type="pres">
       <dgm:prSet presAssocID="{3E974AE7-F6F7-44CE-AA7A-02FBDD58B1F1}" presName="Accent3" presStyleCnt="0"/>
@@ -4329,23 +4226,16 @@
         </dgm:presLayoutVars>
       </dgm:prSet>
       <dgm:spPr/>
-      <dgm:t>
-        <a:bodyPr/>
-        <a:lstStyle/>
-        <a:p>
-          <a:endParaRPr lang="sv-SE"/>
-        </a:p>
-      </dgm:t>
     </dgm:pt>
   </dgm:ptLst>
   <dgm:cxnLst>
+    <dgm:cxn modelId="{DAA54803-BAA8-46A2-B693-8800EEF81E2D}" type="presOf" srcId="{3A128CF5-9AE7-4EAC-9485-E88F8BE77004}" destId="{FF94DD58-C0AC-4F2E-B336-D810E8C84263}" srcOrd="0" destOrd="0" presId="urn:microsoft.com/office/officeart/2009/layout/CircleArrowProcess"/>
+    <dgm:cxn modelId="{D92D1413-62FC-4A92-B658-FA81F646084F}" type="presOf" srcId="{E967B93F-BC7F-4FB4-BC87-6392A0B631BD}" destId="{71406755-23F2-4109-BA41-146F988774CB}" srcOrd="0" destOrd="0" presId="urn:microsoft.com/office/officeart/2009/layout/CircleArrowProcess"/>
+    <dgm:cxn modelId="{D240A36B-F62A-4C70-9CAD-58226B0BD43D}" srcId="{E967B93F-BC7F-4FB4-BC87-6392A0B631BD}" destId="{3E974AE7-F6F7-44CE-AA7A-02FBDD58B1F1}" srcOrd="2" destOrd="0" parTransId="{0B1B9D87-069F-4C74-8A0B-950CD6773332}" sibTransId="{73096607-54D9-4500-9B80-0F6BD95D4725}"/>
+    <dgm:cxn modelId="{801CC257-8EC3-43DF-8DA1-6CFC36AAD2A3}" srcId="{E967B93F-BC7F-4FB4-BC87-6392A0B631BD}" destId="{3A128CF5-9AE7-4EAC-9485-E88F8BE77004}" srcOrd="1" destOrd="0" parTransId="{8B28C7C3-F1D0-4BA1-9C4B-79E975C3D84A}" sibTransId="{6842B30A-4C8A-4177-9D91-676F7D95EFE3}"/>
+    <dgm:cxn modelId="{157A1A7C-BF9C-4030-A3D2-FC015CDAB6FE}" srcId="{E967B93F-BC7F-4FB4-BC87-6392A0B631BD}" destId="{A79E2A2D-7F2D-43CD-89C5-4F06702239C7}" srcOrd="0" destOrd="0" parTransId="{80084990-0EF9-4F24-80B5-B857B4647FC3}" sibTransId="{56F09064-C6D9-41DF-9B01-CB0B167CEDEB}"/>
+    <dgm:cxn modelId="{F6128391-6C10-4DB8-8E61-FB636FA7803B}" type="presOf" srcId="{A79E2A2D-7F2D-43CD-89C5-4F06702239C7}" destId="{DE40A598-37E1-4A8B-B30A-361891655E32}" srcOrd="0" destOrd="0" presId="urn:microsoft.com/office/officeart/2009/layout/CircleArrowProcess"/>
     <dgm:cxn modelId="{0CF490D5-4FC5-4FD2-80CA-22AC293CC9C5}" type="presOf" srcId="{3E974AE7-F6F7-44CE-AA7A-02FBDD58B1F1}" destId="{90083342-A34C-49F2-A9E2-A7E389073F00}" srcOrd="0" destOrd="0" presId="urn:microsoft.com/office/officeart/2009/layout/CircleArrowProcess"/>
-    <dgm:cxn modelId="{DAA54803-BAA8-46A2-B693-8800EEF81E2D}" type="presOf" srcId="{3A128CF5-9AE7-4EAC-9485-E88F8BE77004}" destId="{FF94DD58-C0AC-4F2E-B336-D810E8C84263}" srcOrd="0" destOrd="0" presId="urn:microsoft.com/office/officeart/2009/layout/CircleArrowProcess"/>
-    <dgm:cxn modelId="{157A1A7C-BF9C-4030-A3D2-FC015CDAB6FE}" srcId="{E967B93F-BC7F-4FB4-BC87-6392A0B631BD}" destId="{A79E2A2D-7F2D-43CD-89C5-4F06702239C7}" srcOrd="0" destOrd="0" parTransId="{80084990-0EF9-4F24-80B5-B857B4647FC3}" sibTransId="{56F09064-C6D9-41DF-9B01-CB0B167CEDEB}"/>
-    <dgm:cxn modelId="{D240A36B-F62A-4C70-9CAD-58226B0BD43D}" srcId="{E967B93F-BC7F-4FB4-BC87-6392A0B631BD}" destId="{3E974AE7-F6F7-44CE-AA7A-02FBDD58B1F1}" srcOrd="2" destOrd="0" parTransId="{0B1B9D87-069F-4C74-8A0B-950CD6773332}" sibTransId="{73096607-54D9-4500-9B80-0F6BD95D4725}"/>
-    <dgm:cxn modelId="{F6128391-6C10-4DB8-8E61-FB636FA7803B}" type="presOf" srcId="{A79E2A2D-7F2D-43CD-89C5-4F06702239C7}" destId="{DE40A598-37E1-4A8B-B30A-361891655E32}" srcOrd="0" destOrd="0" presId="urn:microsoft.com/office/officeart/2009/layout/CircleArrowProcess"/>
-    <dgm:cxn modelId="{D92D1413-62FC-4A92-B658-FA81F646084F}" type="presOf" srcId="{E967B93F-BC7F-4FB4-BC87-6392A0B631BD}" destId="{71406755-23F2-4109-BA41-146F988774CB}" srcOrd="0" destOrd="0" presId="urn:microsoft.com/office/officeart/2009/layout/CircleArrowProcess"/>
-    <dgm:cxn modelId="{801CC257-8EC3-43DF-8DA1-6CFC36AAD2A3}" srcId="{E967B93F-BC7F-4FB4-BC87-6392A0B631BD}" destId="{3A128CF5-9AE7-4EAC-9485-E88F8BE77004}" srcOrd="1" destOrd="0" parTransId="{8B28C7C3-F1D0-4BA1-9C4B-79E975C3D84A}" sibTransId="{6842B30A-4C8A-4177-9D91-676F7D95EFE3}"/>
     <dgm:cxn modelId="{02AEF925-D09B-4AE5-AB07-5090D9B2AF66}" type="presParOf" srcId="{71406755-23F2-4109-BA41-146F988774CB}" destId="{C85ED1F6-1417-4DD8-9F0B-B522CDE30503}" srcOrd="0" destOrd="0" presId="urn:microsoft.com/office/officeart/2009/layout/CircleArrowProcess"/>
     <dgm:cxn modelId="{02284FAC-3C1A-4BBB-A07D-5028EEF9C545}" type="presParOf" srcId="{C85ED1F6-1417-4DD8-9F0B-B522CDE30503}" destId="{C215277F-04B7-4D4C-9F84-0EFFD842F138}" srcOrd="0" destOrd="0" presId="urn:microsoft.com/office/officeart/2009/layout/CircleArrowProcess"/>
     <dgm:cxn modelId="{262A2359-396F-4B4C-9A19-09B22DF2AB3F}" type="presParOf" srcId="{71406755-23F2-4109-BA41-146F988774CB}" destId="{DE40A598-37E1-4A8B-B30A-361891655E32}" srcOrd="1" destOrd="0" presId="urn:microsoft.com/office/officeart/2009/layout/CircleArrowProcess"/>
@@ -4468,7 +4358,7 @@
         </a:bodyPr>
         <a:lstStyle/>
         <a:p>
-          <a:pPr lvl="0" algn="ctr" defTabSz="1555750">
+          <a:pPr marL="0" lvl="0" indent="0" algn="ctr" defTabSz="1555750">
             <a:lnSpc>
               <a:spcPct val="90000"/>
             </a:lnSpc>
@@ -4478,6 +4368,7 @@
             <a:spcAft>
               <a:spcPct val="35000"/>
             </a:spcAft>
+            <a:buNone/>
           </a:pPr>
           <a:r>
             <a:rPr lang="sv-SE" sz="3500" kern="1200" dirty="0"/>
@@ -4585,7 +4476,7 @@
         </a:bodyPr>
         <a:lstStyle/>
         <a:p>
-          <a:pPr lvl="0" algn="ctr" defTabSz="1555750">
+          <a:pPr marL="0" lvl="0" indent="0" algn="ctr" defTabSz="1555750">
             <a:lnSpc>
               <a:spcPct val="90000"/>
             </a:lnSpc>
@@ -4595,6 +4486,7 @@
             <a:spcAft>
               <a:spcPct val="35000"/>
             </a:spcAft>
+            <a:buNone/>
           </a:pPr>
           <a:r>
             <a:rPr lang="sv-SE" sz="3500" kern="1200" dirty="0"/>
@@ -4700,7 +4592,7 @@
         </a:bodyPr>
         <a:lstStyle/>
         <a:p>
-          <a:pPr lvl="0" algn="ctr" defTabSz="1555750">
+          <a:pPr marL="0" lvl="0" indent="0" algn="ctr" defTabSz="1555750">
             <a:lnSpc>
               <a:spcPct val="90000"/>
             </a:lnSpc>
@@ -4710,6 +4602,7 @@
             <a:spcAft>
               <a:spcPct val="35000"/>
             </a:spcAft>
+            <a:buNone/>
           </a:pPr>
           <a:r>
             <a:rPr lang="sv-SE" sz="3500" kern="1200" dirty="0"/>
@@ -4829,7 +4722,7 @@
         </a:bodyPr>
         <a:lstStyle/>
         <a:p>
-          <a:pPr lvl="0" algn="ctr" defTabSz="1555750">
+          <a:pPr marL="0" lvl="0" indent="0" algn="ctr" defTabSz="1555750">
             <a:lnSpc>
               <a:spcPct val="90000"/>
             </a:lnSpc>
@@ -4839,6 +4732,7 @@
             <a:spcAft>
               <a:spcPct val="35000"/>
             </a:spcAft>
+            <a:buNone/>
           </a:pPr>
           <a:r>
             <a:rPr lang="sv-SE" sz="3500" kern="1200" dirty="0"/>
@@ -4946,7 +4840,7 @@
         </a:bodyPr>
         <a:lstStyle/>
         <a:p>
-          <a:pPr lvl="0" algn="ctr" defTabSz="1555750">
+          <a:pPr marL="0" lvl="0" indent="0" algn="ctr" defTabSz="1555750">
             <a:lnSpc>
               <a:spcPct val="90000"/>
             </a:lnSpc>
@@ -4956,6 +4850,7 @@
             <a:spcAft>
               <a:spcPct val="35000"/>
             </a:spcAft>
+            <a:buNone/>
           </a:pPr>
           <a:r>
             <a:rPr lang="sv-SE" sz="3500" kern="1200" dirty="0"/>
@@ -5061,7 +4956,7 @@
         </a:bodyPr>
         <a:lstStyle/>
         <a:p>
-          <a:pPr lvl="0" algn="ctr" defTabSz="1555750">
+          <a:pPr marL="0" lvl="0" indent="0" algn="ctr" defTabSz="1555750">
             <a:lnSpc>
               <a:spcPct val="90000"/>
             </a:lnSpc>
@@ -5071,6 +4966,7 @@
             <a:spcAft>
               <a:spcPct val="35000"/>
             </a:spcAft>
+            <a:buNone/>
           </a:pPr>
           <a:r>
             <a:rPr lang="sv-SE" sz="3500" kern="1200" dirty="0"/>
@@ -5190,7 +5086,7 @@
         </a:bodyPr>
         <a:lstStyle/>
         <a:p>
-          <a:pPr lvl="0" algn="ctr" defTabSz="1555750">
+          <a:pPr marL="0" lvl="0" indent="0" algn="ctr" defTabSz="1555750">
             <a:lnSpc>
               <a:spcPct val="90000"/>
             </a:lnSpc>
@@ -5200,6 +5096,7 @@
             <a:spcAft>
               <a:spcPct val="35000"/>
             </a:spcAft>
+            <a:buNone/>
           </a:pPr>
           <a:r>
             <a:rPr lang="sv-SE" sz="3500" kern="1200" dirty="0"/>
@@ -5307,7 +5204,7 @@
         </a:bodyPr>
         <a:lstStyle/>
         <a:p>
-          <a:pPr lvl="0" algn="ctr" defTabSz="1555750">
+          <a:pPr marL="0" lvl="0" indent="0" algn="ctr" defTabSz="1555750">
             <a:lnSpc>
               <a:spcPct val="90000"/>
             </a:lnSpc>
@@ -5317,6 +5214,7 @@
             <a:spcAft>
               <a:spcPct val="35000"/>
             </a:spcAft>
+            <a:buNone/>
           </a:pPr>
           <a:r>
             <a:rPr lang="sv-SE" sz="3500" kern="1200" dirty="0"/>
@@ -5422,7 +5320,7 @@
         </a:bodyPr>
         <a:lstStyle/>
         <a:p>
-          <a:pPr lvl="0" algn="ctr" defTabSz="1555750">
+          <a:pPr marL="0" lvl="0" indent="0" algn="ctr" defTabSz="1555750">
             <a:lnSpc>
               <a:spcPct val="90000"/>
             </a:lnSpc>
@@ -5432,6 +5330,7 @@
             <a:spcAft>
               <a:spcPct val="35000"/>
             </a:spcAft>
+            <a:buNone/>
           </a:pPr>
           <a:r>
             <a:rPr lang="sv-SE" sz="3500" kern="1200" dirty="0"/>
@@ -5551,7 +5450,7 @@
         </a:bodyPr>
         <a:lstStyle/>
         <a:p>
-          <a:pPr lvl="0" algn="ctr" defTabSz="1555750">
+          <a:pPr marL="0" lvl="0" indent="0" algn="ctr" defTabSz="1555750">
             <a:lnSpc>
               <a:spcPct val="90000"/>
             </a:lnSpc>
@@ -5561,6 +5460,7 @@
             <a:spcAft>
               <a:spcPct val="35000"/>
             </a:spcAft>
+            <a:buNone/>
           </a:pPr>
           <a:r>
             <a:rPr lang="sv-SE" sz="3500" kern="1200" dirty="0"/>
@@ -5668,7 +5568,7 @@
         </a:bodyPr>
         <a:lstStyle/>
         <a:p>
-          <a:pPr lvl="0" algn="ctr" defTabSz="1555750">
+          <a:pPr marL="0" lvl="0" indent="0" algn="ctr" defTabSz="1555750">
             <a:lnSpc>
               <a:spcPct val="90000"/>
             </a:lnSpc>
@@ -5678,6 +5578,7 @@
             <a:spcAft>
               <a:spcPct val="35000"/>
             </a:spcAft>
+            <a:buNone/>
           </a:pPr>
           <a:r>
             <a:rPr lang="sv-SE" sz="3500" kern="1200" dirty="0"/>
@@ -5783,7 +5684,7 @@
         </a:bodyPr>
         <a:lstStyle/>
         <a:p>
-          <a:pPr lvl="0" algn="ctr" defTabSz="1555750">
+          <a:pPr marL="0" lvl="0" indent="0" algn="ctr" defTabSz="1555750">
             <a:lnSpc>
               <a:spcPct val="90000"/>
             </a:lnSpc>
@@ -5793,6 +5694,7 @@
             <a:spcAft>
               <a:spcPct val="35000"/>
             </a:spcAft>
+            <a:buNone/>
           </a:pPr>
           <a:r>
             <a:rPr lang="sv-SE" sz="3500" kern="1200" dirty="0"/>
@@ -18272,7 +18174,7 @@
           <p:cNvPr id="2" name="Title 1">
             <a:extLst>
               <a:ext uri="{FF2B5EF4-FFF2-40B4-BE49-F238E27FC236}">
-                <a16:creationId xmlns="" xmlns:a16="http://schemas.microsoft.com/office/drawing/2014/main" id="{38809996-FD0E-4D06-9105-CA4D02CD18B8}"/>
+                <a16:creationId xmlns:a16="http://schemas.microsoft.com/office/drawing/2014/main" id="{38809996-FD0E-4D06-9105-CA4D02CD18B8}"/>
               </a:ext>
             </a:extLst>
           </p:cNvPr>
@@ -18309,7 +18211,7 @@
           <p:cNvPr id="3" name="Subtitle 2">
             <a:extLst>
               <a:ext uri="{FF2B5EF4-FFF2-40B4-BE49-F238E27FC236}">
-                <a16:creationId xmlns="" xmlns:a16="http://schemas.microsoft.com/office/drawing/2014/main" id="{F4B5C0B2-8A4C-4F8A-950C-1720ED26E84E}"/>
+                <a16:creationId xmlns:a16="http://schemas.microsoft.com/office/drawing/2014/main" id="{F4B5C0B2-8A4C-4F8A-950C-1720ED26E84E}"/>
               </a:ext>
             </a:extLst>
           </p:cNvPr>
@@ -18379,7 +18281,7 @@
           <p:cNvPr id="4" name="Date Placeholder 3">
             <a:extLst>
               <a:ext uri="{FF2B5EF4-FFF2-40B4-BE49-F238E27FC236}">
-                <a16:creationId xmlns="" xmlns:a16="http://schemas.microsoft.com/office/drawing/2014/main" id="{3F9EBE98-590E-4431-AB5E-9B0B41A8A01E}"/>
+                <a16:creationId xmlns:a16="http://schemas.microsoft.com/office/drawing/2014/main" id="{3F9EBE98-590E-4431-AB5E-9B0B41A8A01E}"/>
               </a:ext>
             </a:extLst>
           </p:cNvPr>
@@ -18397,7 +18299,7 @@
           <a:p>
             <a:fld id="{CACABD52-BF91-4CCE-9EEC-6A02225A646E}" type="datetimeFigureOut">
               <a:rPr lang="en-US" smtClean="0"/>
-              <a:t>5/5/2018</a:t>
+              <a:t>2018-05-07</a:t>
             </a:fld>
             <a:endParaRPr lang="en-US"/>
           </a:p>
@@ -18408,7 +18310,7 @@
           <p:cNvPr id="5" name="Footer Placeholder 4">
             <a:extLst>
               <a:ext uri="{FF2B5EF4-FFF2-40B4-BE49-F238E27FC236}">
-                <a16:creationId xmlns="" xmlns:a16="http://schemas.microsoft.com/office/drawing/2014/main" id="{9079E9AE-9DD9-4CDB-BB86-1AAC9BD03C3A}"/>
+                <a16:creationId xmlns:a16="http://schemas.microsoft.com/office/drawing/2014/main" id="{9079E9AE-9DD9-4CDB-BB86-1AAC9BD03C3A}"/>
               </a:ext>
             </a:extLst>
           </p:cNvPr>
@@ -18433,7 +18335,7 @@
           <p:cNvPr id="6" name="Slide Number Placeholder 5">
             <a:extLst>
               <a:ext uri="{FF2B5EF4-FFF2-40B4-BE49-F238E27FC236}">
-                <a16:creationId xmlns="" xmlns:a16="http://schemas.microsoft.com/office/drawing/2014/main" id="{FC4A9CAB-8CD4-4C79-BA87-3E9312D0C8A8}"/>
+                <a16:creationId xmlns:a16="http://schemas.microsoft.com/office/drawing/2014/main" id="{FC4A9CAB-8CD4-4C79-BA87-3E9312D0C8A8}"/>
               </a:ext>
             </a:extLst>
           </p:cNvPr>
@@ -18492,7 +18394,7 @@
           <p:cNvPr id="2" name="Title 1">
             <a:extLst>
               <a:ext uri="{FF2B5EF4-FFF2-40B4-BE49-F238E27FC236}">
-                <a16:creationId xmlns="" xmlns:a16="http://schemas.microsoft.com/office/drawing/2014/main" id="{44AAC031-47FD-42F7-98FD-EF67FAFD8504}"/>
+                <a16:creationId xmlns:a16="http://schemas.microsoft.com/office/drawing/2014/main" id="{44AAC031-47FD-42F7-98FD-EF67FAFD8504}"/>
               </a:ext>
             </a:extLst>
           </p:cNvPr>
@@ -18520,7 +18422,7 @@
           <p:cNvPr id="3" name="Vertical Text Placeholder 2">
             <a:extLst>
               <a:ext uri="{FF2B5EF4-FFF2-40B4-BE49-F238E27FC236}">
-                <a16:creationId xmlns="" xmlns:a16="http://schemas.microsoft.com/office/drawing/2014/main" id="{F940540A-38C9-42A6-88EE-93C27F9CF251}"/>
+                <a16:creationId xmlns:a16="http://schemas.microsoft.com/office/drawing/2014/main" id="{F940540A-38C9-42A6-88EE-93C27F9CF251}"/>
               </a:ext>
             </a:extLst>
           </p:cNvPr>
@@ -18577,7 +18479,7 @@
           <p:cNvPr id="4" name="Date Placeholder 3">
             <a:extLst>
               <a:ext uri="{FF2B5EF4-FFF2-40B4-BE49-F238E27FC236}">
-                <a16:creationId xmlns="" xmlns:a16="http://schemas.microsoft.com/office/drawing/2014/main" id="{7BBA4C03-528E-42F3-B006-6C00F986D9A0}"/>
+                <a16:creationId xmlns:a16="http://schemas.microsoft.com/office/drawing/2014/main" id="{7BBA4C03-528E-42F3-B006-6C00F986D9A0}"/>
               </a:ext>
             </a:extLst>
           </p:cNvPr>
@@ -18595,7 +18497,7 @@
           <a:p>
             <a:fld id="{CACABD52-BF91-4CCE-9EEC-6A02225A646E}" type="datetimeFigureOut">
               <a:rPr lang="en-US" smtClean="0"/>
-              <a:t>5/5/2018</a:t>
+              <a:t>2018-05-07</a:t>
             </a:fld>
             <a:endParaRPr lang="en-US"/>
           </a:p>
@@ -18606,7 +18508,7 @@
           <p:cNvPr id="5" name="Footer Placeholder 4">
             <a:extLst>
               <a:ext uri="{FF2B5EF4-FFF2-40B4-BE49-F238E27FC236}">
-                <a16:creationId xmlns="" xmlns:a16="http://schemas.microsoft.com/office/drawing/2014/main" id="{ED8875F2-E3C5-4AE4-A309-0392C9C665F7}"/>
+                <a16:creationId xmlns:a16="http://schemas.microsoft.com/office/drawing/2014/main" id="{ED8875F2-E3C5-4AE4-A309-0392C9C665F7}"/>
               </a:ext>
             </a:extLst>
           </p:cNvPr>
@@ -18631,7 +18533,7 @@
           <p:cNvPr id="6" name="Slide Number Placeholder 5">
             <a:extLst>
               <a:ext uri="{FF2B5EF4-FFF2-40B4-BE49-F238E27FC236}">
-                <a16:creationId xmlns="" xmlns:a16="http://schemas.microsoft.com/office/drawing/2014/main" id="{59901938-1E8B-4CBD-ADCC-73C8496F4D53}"/>
+                <a16:creationId xmlns:a16="http://schemas.microsoft.com/office/drawing/2014/main" id="{59901938-1E8B-4CBD-ADCC-73C8496F4D53}"/>
               </a:ext>
             </a:extLst>
           </p:cNvPr>
@@ -18690,7 +18592,7 @@
           <p:cNvPr id="2" name="Vertical Title 1">
             <a:extLst>
               <a:ext uri="{FF2B5EF4-FFF2-40B4-BE49-F238E27FC236}">
-                <a16:creationId xmlns="" xmlns:a16="http://schemas.microsoft.com/office/drawing/2014/main" id="{9B24AD40-9F90-441E-B3CD-06BCD4159D89}"/>
+                <a16:creationId xmlns:a16="http://schemas.microsoft.com/office/drawing/2014/main" id="{9B24AD40-9F90-441E-B3CD-06BCD4159D89}"/>
               </a:ext>
             </a:extLst>
           </p:cNvPr>
@@ -18723,7 +18625,7 @@
           <p:cNvPr id="3" name="Vertical Text Placeholder 2">
             <a:extLst>
               <a:ext uri="{FF2B5EF4-FFF2-40B4-BE49-F238E27FC236}">
-                <a16:creationId xmlns="" xmlns:a16="http://schemas.microsoft.com/office/drawing/2014/main" id="{B74361D9-50A9-49B2-AADE-3827E420C64B}"/>
+                <a16:creationId xmlns:a16="http://schemas.microsoft.com/office/drawing/2014/main" id="{B74361D9-50A9-49B2-AADE-3827E420C64B}"/>
               </a:ext>
             </a:extLst>
           </p:cNvPr>
@@ -18785,7 +18687,7 @@
           <p:cNvPr id="4" name="Date Placeholder 3">
             <a:extLst>
               <a:ext uri="{FF2B5EF4-FFF2-40B4-BE49-F238E27FC236}">
-                <a16:creationId xmlns="" xmlns:a16="http://schemas.microsoft.com/office/drawing/2014/main" id="{7F22F958-0D54-4BDA-999D-E0C058886540}"/>
+                <a16:creationId xmlns:a16="http://schemas.microsoft.com/office/drawing/2014/main" id="{7F22F958-0D54-4BDA-999D-E0C058886540}"/>
               </a:ext>
             </a:extLst>
           </p:cNvPr>
@@ -18803,7 +18705,7 @@
           <a:p>
             <a:fld id="{CACABD52-BF91-4CCE-9EEC-6A02225A646E}" type="datetimeFigureOut">
               <a:rPr lang="en-US" smtClean="0"/>
-              <a:t>5/5/2018</a:t>
+              <a:t>2018-05-07</a:t>
             </a:fld>
             <a:endParaRPr lang="en-US"/>
           </a:p>
@@ -18814,7 +18716,7 @@
           <p:cNvPr id="5" name="Footer Placeholder 4">
             <a:extLst>
               <a:ext uri="{FF2B5EF4-FFF2-40B4-BE49-F238E27FC236}">
-                <a16:creationId xmlns="" xmlns:a16="http://schemas.microsoft.com/office/drawing/2014/main" id="{D08C878B-2A4A-49CD-99FF-A2D91560EE82}"/>
+                <a16:creationId xmlns:a16="http://schemas.microsoft.com/office/drawing/2014/main" id="{D08C878B-2A4A-49CD-99FF-A2D91560EE82}"/>
               </a:ext>
             </a:extLst>
           </p:cNvPr>
@@ -18839,7 +18741,7 @@
           <p:cNvPr id="6" name="Slide Number Placeholder 5">
             <a:extLst>
               <a:ext uri="{FF2B5EF4-FFF2-40B4-BE49-F238E27FC236}">
-                <a16:creationId xmlns="" xmlns:a16="http://schemas.microsoft.com/office/drawing/2014/main" id="{7F6F18DB-03CB-4B93-A607-07373FECE861}"/>
+                <a16:creationId xmlns:a16="http://schemas.microsoft.com/office/drawing/2014/main" id="{7F6F18DB-03CB-4B93-A607-07373FECE861}"/>
               </a:ext>
             </a:extLst>
           </p:cNvPr>
@@ -18898,7 +18800,7 @@
           <p:cNvPr id="2" name="Title 1">
             <a:extLst>
               <a:ext uri="{FF2B5EF4-FFF2-40B4-BE49-F238E27FC236}">
-                <a16:creationId xmlns="" xmlns:a16="http://schemas.microsoft.com/office/drawing/2014/main" id="{8FB510DB-06DE-4AAA-BDD8-FA07F2218D44}"/>
+                <a16:creationId xmlns:a16="http://schemas.microsoft.com/office/drawing/2014/main" id="{8FB510DB-06DE-4AAA-BDD8-FA07F2218D44}"/>
               </a:ext>
             </a:extLst>
           </p:cNvPr>
@@ -18926,7 +18828,7 @@
           <p:cNvPr id="3" name="Content Placeholder 2">
             <a:extLst>
               <a:ext uri="{FF2B5EF4-FFF2-40B4-BE49-F238E27FC236}">
-                <a16:creationId xmlns="" xmlns:a16="http://schemas.microsoft.com/office/drawing/2014/main" id="{89739ADC-B421-43D0-BE43-47DFF5BFDE19}"/>
+                <a16:creationId xmlns:a16="http://schemas.microsoft.com/office/drawing/2014/main" id="{89739ADC-B421-43D0-BE43-47DFF5BFDE19}"/>
               </a:ext>
             </a:extLst>
           </p:cNvPr>
@@ -18983,7 +18885,7 @@
           <p:cNvPr id="4" name="Date Placeholder 3">
             <a:extLst>
               <a:ext uri="{FF2B5EF4-FFF2-40B4-BE49-F238E27FC236}">
-                <a16:creationId xmlns="" xmlns:a16="http://schemas.microsoft.com/office/drawing/2014/main" id="{1CB7D97A-A3BB-44A1-806C-A8AD62C7278F}"/>
+                <a16:creationId xmlns:a16="http://schemas.microsoft.com/office/drawing/2014/main" id="{1CB7D97A-A3BB-44A1-806C-A8AD62C7278F}"/>
               </a:ext>
             </a:extLst>
           </p:cNvPr>
@@ -19001,7 +18903,7 @@
           <a:p>
             <a:fld id="{CACABD52-BF91-4CCE-9EEC-6A02225A646E}" type="datetimeFigureOut">
               <a:rPr lang="en-US" smtClean="0"/>
-              <a:t>5/5/2018</a:t>
+              <a:t>2018-05-07</a:t>
             </a:fld>
             <a:endParaRPr lang="en-US"/>
           </a:p>
@@ -19012,7 +18914,7 @@
           <p:cNvPr id="5" name="Footer Placeholder 4">
             <a:extLst>
               <a:ext uri="{FF2B5EF4-FFF2-40B4-BE49-F238E27FC236}">
-                <a16:creationId xmlns="" xmlns:a16="http://schemas.microsoft.com/office/drawing/2014/main" id="{7DEAD42F-6AB4-4248-AC38-9039155A9DD0}"/>
+                <a16:creationId xmlns:a16="http://schemas.microsoft.com/office/drawing/2014/main" id="{7DEAD42F-6AB4-4248-AC38-9039155A9DD0}"/>
               </a:ext>
             </a:extLst>
           </p:cNvPr>
@@ -19037,7 +18939,7 @@
           <p:cNvPr id="6" name="Slide Number Placeholder 5">
             <a:extLst>
               <a:ext uri="{FF2B5EF4-FFF2-40B4-BE49-F238E27FC236}">
-                <a16:creationId xmlns="" xmlns:a16="http://schemas.microsoft.com/office/drawing/2014/main" id="{921A2A62-D7C3-461A-B4FA-673F07E09149}"/>
+                <a16:creationId xmlns:a16="http://schemas.microsoft.com/office/drawing/2014/main" id="{921A2A62-D7C3-461A-B4FA-673F07E09149}"/>
               </a:ext>
             </a:extLst>
           </p:cNvPr>
@@ -19096,7 +18998,7 @@
           <p:cNvPr id="2" name="Title 1">
             <a:extLst>
               <a:ext uri="{FF2B5EF4-FFF2-40B4-BE49-F238E27FC236}">
-                <a16:creationId xmlns="" xmlns:a16="http://schemas.microsoft.com/office/drawing/2014/main" id="{D3EC2B89-DE66-4A09-A1A8-0B5FBF95170B}"/>
+                <a16:creationId xmlns:a16="http://schemas.microsoft.com/office/drawing/2014/main" id="{D3EC2B89-DE66-4A09-A1A8-0B5FBF95170B}"/>
               </a:ext>
             </a:extLst>
           </p:cNvPr>
@@ -19133,7 +19035,7 @@
           <p:cNvPr id="3" name="Text Placeholder 2">
             <a:extLst>
               <a:ext uri="{FF2B5EF4-FFF2-40B4-BE49-F238E27FC236}">
-                <a16:creationId xmlns="" xmlns:a16="http://schemas.microsoft.com/office/drawing/2014/main" id="{8CED882E-A08F-4FF3-887F-2701DD1A3CEF}"/>
+                <a16:creationId xmlns:a16="http://schemas.microsoft.com/office/drawing/2014/main" id="{8CED882E-A08F-4FF3-887F-2701DD1A3CEF}"/>
               </a:ext>
             </a:extLst>
           </p:cNvPr>
@@ -19258,7 +19160,7 @@
           <p:cNvPr id="4" name="Date Placeholder 3">
             <a:extLst>
               <a:ext uri="{FF2B5EF4-FFF2-40B4-BE49-F238E27FC236}">
-                <a16:creationId xmlns="" xmlns:a16="http://schemas.microsoft.com/office/drawing/2014/main" id="{E1FD4AEF-2DAD-4E82-9A3B-1B5493C84A37}"/>
+                <a16:creationId xmlns:a16="http://schemas.microsoft.com/office/drawing/2014/main" id="{E1FD4AEF-2DAD-4E82-9A3B-1B5493C84A37}"/>
               </a:ext>
             </a:extLst>
           </p:cNvPr>
@@ -19276,7 +19178,7 @@
           <a:p>
             <a:fld id="{CACABD52-BF91-4CCE-9EEC-6A02225A646E}" type="datetimeFigureOut">
               <a:rPr lang="en-US" smtClean="0"/>
-              <a:t>5/5/2018</a:t>
+              <a:t>2018-05-07</a:t>
             </a:fld>
             <a:endParaRPr lang="en-US"/>
           </a:p>
@@ -19287,7 +19189,7 @@
           <p:cNvPr id="5" name="Footer Placeholder 4">
             <a:extLst>
               <a:ext uri="{FF2B5EF4-FFF2-40B4-BE49-F238E27FC236}">
-                <a16:creationId xmlns="" xmlns:a16="http://schemas.microsoft.com/office/drawing/2014/main" id="{F51F1357-D870-47CC-BEB9-41F9B9A25041}"/>
+                <a16:creationId xmlns:a16="http://schemas.microsoft.com/office/drawing/2014/main" id="{F51F1357-D870-47CC-BEB9-41F9B9A25041}"/>
               </a:ext>
             </a:extLst>
           </p:cNvPr>
@@ -19312,7 +19214,7 @@
           <p:cNvPr id="6" name="Slide Number Placeholder 5">
             <a:extLst>
               <a:ext uri="{FF2B5EF4-FFF2-40B4-BE49-F238E27FC236}">
-                <a16:creationId xmlns="" xmlns:a16="http://schemas.microsoft.com/office/drawing/2014/main" id="{A64956B2-B0C5-4472-92F3-5D4EECF7B18C}"/>
+                <a16:creationId xmlns:a16="http://schemas.microsoft.com/office/drawing/2014/main" id="{A64956B2-B0C5-4472-92F3-5D4EECF7B18C}"/>
               </a:ext>
             </a:extLst>
           </p:cNvPr>
@@ -19371,7 +19273,7 @@
           <p:cNvPr id="2" name="Title 1">
             <a:extLst>
               <a:ext uri="{FF2B5EF4-FFF2-40B4-BE49-F238E27FC236}">
-                <a16:creationId xmlns="" xmlns:a16="http://schemas.microsoft.com/office/drawing/2014/main" id="{EABFB98B-058E-4646-B2D2-41B744B1A0A4}"/>
+                <a16:creationId xmlns:a16="http://schemas.microsoft.com/office/drawing/2014/main" id="{EABFB98B-058E-4646-B2D2-41B744B1A0A4}"/>
               </a:ext>
             </a:extLst>
           </p:cNvPr>
@@ -19399,7 +19301,7 @@
           <p:cNvPr id="3" name="Content Placeholder 2">
             <a:extLst>
               <a:ext uri="{FF2B5EF4-FFF2-40B4-BE49-F238E27FC236}">
-                <a16:creationId xmlns="" xmlns:a16="http://schemas.microsoft.com/office/drawing/2014/main" id="{6803D61E-3276-408C-A6CF-DBCFECD13A3E}"/>
+                <a16:creationId xmlns:a16="http://schemas.microsoft.com/office/drawing/2014/main" id="{6803D61E-3276-408C-A6CF-DBCFECD13A3E}"/>
               </a:ext>
             </a:extLst>
           </p:cNvPr>
@@ -19461,7 +19363,7 @@
           <p:cNvPr id="4" name="Content Placeholder 3">
             <a:extLst>
               <a:ext uri="{FF2B5EF4-FFF2-40B4-BE49-F238E27FC236}">
-                <a16:creationId xmlns="" xmlns:a16="http://schemas.microsoft.com/office/drawing/2014/main" id="{61C32ADE-FE92-459B-9667-7D3E3CEACD34}"/>
+                <a16:creationId xmlns:a16="http://schemas.microsoft.com/office/drawing/2014/main" id="{61C32ADE-FE92-459B-9667-7D3E3CEACD34}"/>
               </a:ext>
             </a:extLst>
           </p:cNvPr>
@@ -19523,7 +19425,7 @@
           <p:cNvPr id="5" name="Date Placeholder 4">
             <a:extLst>
               <a:ext uri="{FF2B5EF4-FFF2-40B4-BE49-F238E27FC236}">
-                <a16:creationId xmlns="" xmlns:a16="http://schemas.microsoft.com/office/drawing/2014/main" id="{AA5C3425-1D21-4103-982C-CBB3F24532F8}"/>
+                <a16:creationId xmlns:a16="http://schemas.microsoft.com/office/drawing/2014/main" id="{AA5C3425-1D21-4103-982C-CBB3F24532F8}"/>
               </a:ext>
             </a:extLst>
           </p:cNvPr>
@@ -19541,7 +19443,7 @@
           <a:p>
             <a:fld id="{CACABD52-BF91-4CCE-9EEC-6A02225A646E}" type="datetimeFigureOut">
               <a:rPr lang="en-US" smtClean="0"/>
-              <a:t>5/5/2018</a:t>
+              <a:t>2018-05-07</a:t>
             </a:fld>
             <a:endParaRPr lang="en-US"/>
           </a:p>
@@ -19552,7 +19454,7 @@
           <p:cNvPr id="6" name="Footer Placeholder 5">
             <a:extLst>
               <a:ext uri="{FF2B5EF4-FFF2-40B4-BE49-F238E27FC236}">
-                <a16:creationId xmlns="" xmlns:a16="http://schemas.microsoft.com/office/drawing/2014/main" id="{8329BAC1-E5E4-4AE3-AB13-1C2026A99E43}"/>
+                <a16:creationId xmlns:a16="http://schemas.microsoft.com/office/drawing/2014/main" id="{8329BAC1-E5E4-4AE3-AB13-1C2026A99E43}"/>
               </a:ext>
             </a:extLst>
           </p:cNvPr>
@@ -19577,7 +19479,7 @@
           <p:cNvPr id="7" name="Slide Number Placeholder 6">
             <a:extLst>
               <a:ext uri="{FF2B5EF4-FFF2-40B4-BE49-F238E27FC236}">
-                <a16:creationId xmlns="" xmlns:a16="http://schemas.microsoft.com/office/drawing/2014/main" id="{6C6CF1CA-09C2-4A33-B916-07E421F331B0}"/>
+                <a16:creationId xmlns:a16="http://schemas.microsoft.com/office/drawing/2014/main" id="{6C6CF1CA-09C2-4A33-B916-07E421F331B0}"/>
               </a:ext>
             </a:extLst>
           </p:cNvPr>
@@ -19636,7 +19538,7 @@
           <p:cNvPr id="2" name="Title 1">
             <a:extLst>
               <a:ext uri="{FF2B5EF4-FFF2-40B4-BE49-F238E27FC236}">
-                <a16:creationId xmlns="" xmlns:a16="http://schemas.microsoft.com/office/drawing/2014/main" id="{A1425347-21FB-44DF-B884-E37BC9F395E5}"/>
+                <a16:creationId xmlns:a16="http://schemas.microsoft.com/office/drawing/2014/main" id="{A1425347-21FB-44DF-B884-E37BC9F395E5}"/>
               </a:ext>
             </a:extLst>
           </p:cNvPr>
@@ -19669,7 +19571,7 @@
           <p:cNvPr id="3" name="Text Placeholder 2">
             <a:extLst>
               <a:ext uri="{FF2B5EF4-FFF2-40B4-BE49-F238E27FC236}">
-                <a16:creationId xmlns="" xmlns:a16="http://schemas.microsoft.com/office/drawing/2014/main" id="{10FCB843-1A4E-484E-BFFD-E5A33AA5A1BA}"/>
+                <a16:creationId xmlns:a16="http://schemas.microsoft.com/office/drawing/2014/main" id="{10FCB843-1A4E-484E-BFFD-E5A33AA5A1BA}"/>
               </a:ext>
             </a:extLst>
           </p:cNvPr>
@@ -19740,7 +19642,7 @@
           <p:cNvPr id="4" name="Content Placeholder 3">
             <a:extLst>
               <a:ext uri="{FF2B5EF4-FFF2-40B4-BE49-F238E27FC236}">
-                <a16:creationId xmlns="" xmlns:a16="http://schemas.microsoft.com/office/drawing/2014/main" id="{A9302C9B-AE8D-4BC0-BA1A-C5E20BCD7028}"/>
+                <a16:creationId xmlns:a16="http://schemas.microsoft.com/office/drawing/2014/main" id="{A9302C9B-AE8D-4BC0-BA1A-C5E20BCD7028}"/>
               </a:ext>
             </a:extLst>
           </p:cNvPr>
@@ -19802,7 +19704,7 @@
           <p:cNvPr id="5" name="Text Placeholder 4">
             <a:extLst>
               <a:ext uri="{FF2B5EF4-FFF2-40B4-BE49-F238E27FC236}">
-                <a16:creationId xmlns="" xmlns:a16="http://schemas.microsoft.com/office/drawing/2014/main" id="{CD27FDF8-B188-4B1D-8742-7E0AA837AACF}"/>
+                <a16:creationId xmlns:a16="http://schemas.microsoft.com/office/drawing/2014/main" id="{CD27FDF8-B188-4B1D-8742-7E0AA837AACF}"/>
               </a:ext>
             </a:extLst>
           </p:cNvPr>
@@ -19873,7 +19775,7 @@
           <p:cNvPr id="6" name="Content Placeholder 5">
             <a:extLst>
               <a:ext uri="{FF2B5EF4-FFF2-40B4-BE49-F238E27FC236}">
-                <a16:creationId xmlns="" xmlns:a16="http://schemas.microsoft.com/office/drawing/2014/main" id="{E1A95380-C50D-4E52-B728-84873FB27C11}"/>
+                <a16:creationId xmlns:a16="http://schemas.microsoft.com/office/drawing/2014/main" id="{E1A95380-C50D-4E52-B728-84873FB27C11}"/>
               </a:ext>
             </a:extLst>
           </p:cNvPr>
@@ -19935,7 +19837,7 @@
           <p:cNvPr id="7" name="Date Placeholder 6">
             <a:extLst>
               <a:ext uri="{FF2B5EF4-FFF2-40B4-BE49-F238E27FC236}">
-                <a16:creationId xmlns="" xmlns:a16="http://schemas.microsoft.com/office/drawing/2014/main" id="{B4C33C57-B7A8-4001-A94F-EA1EDCAC6DDA}"/>
+                <a16:creationId xmlns:a16="http://schemas.microsoft.com/office/drawing/2014/main" id="{B4C33C57-B7A8-4001-A94F-EA1EDCAC6DDA}"/>
               </a:ext>
             </a:extLst>
           </p:cNvPr>
@@ -19953,7 +19855,7 @@
           <a:p>
             <a:fld id="{CACABD52-BF91-4CCE-9EEC-6A02225A646E}" type="datetimeFigureOut">
               <a:rPr lang="en-US" smtClean="0"/>
-              <a:t>5/5/2018</a:t>
+              <a:t>2018-05-07</a:t>
             </a:fld>
             <a:endParaRPr lang="en-US"/>
           </a:p>
@@ -19964,7 +19866,7 @@
           <p:cNvPr id="8" name="Footer Placeholder 7">
             <a:extLst>
               <a:ext uri="{FF2B5EF4-FFF2-40B4-BE49-F238E27FC236}">
-                <a16:creationId xmlns="" xmlns:a16="http://schemas.microsoft.com/office/drawing/2014/main" id="{0F445291-F30E-4913-B074-8D1F2B0BE100}"/>
+                <a16:creationId xmlns:a16="http://schemas.microsoft.com/office/drawing/2014/main" id="{0F445291-F30E-4913-B074-8D1F2B0BE100}"/>
               </a:ext>
             </a:extLst>
           </p:cNvPr>
@@ -19989,7 +19891,7 @@
           <p:cNvPr id="9" name="Slide Number Placeholder 8">
             <a:extLst>
               <a:ext uri="{FF2B5EF4-FFF2-40B4-BE49-F238E27FC236}">
-                <a16:creationId xmlns="" xmlns:a16="http://schemas.microsoft.com/office/drawing/2014/main" id="{D47A2067-EF69-45A2-897C-EC9B3020412E}"/>
+                <a16:creationId xmlns:a16="http://schemas.microsoft.com/office/drawing/2014/main" id="{D47A2067-EF69-45A2-897C-EC9B3020412E}"/>
               </a:ext>
             </a:extLst>
           </p:cNvPr>
@@ -20048,7 +19950,7 @@
           <p:cNvPr id="2" name="Title 1">
             <a:extLst>
               <a:ext uri="{FF2B5EF4-FFF2-40B4-BE49-F238E27FC236}">
-                <a16:creationId xmlns="" xmlns:a16="http://schemas.microsoft.com/office/drawing/2014/main" id="{5897FFA4-EBF8-4ED7-B54B-F14702E84B63}"/>
+                <a16:creationId xmlns:a16="http://schemas.microsoft.com/office/drawing/2014/main" id="{5897FFA4-EBF8-4ED7-B54B-F14702E84B63}"/>
               </a:ext>
             </a:extLst>
           </p:cNvPr>
@@ -20076,7 +19978,7 @@
           <p:cNvPr id="3" name="Date Placeholder 2">
             <a:extLst>
               <a:ext uri="{FF2B5EF4-FFF2-40B4-BE49-F238E27FC236}">
-                <a16:creationId xmlns="" xmlns:a16="http://schemas.microsoft.com/office/drawing/2014/main" id="{C5E02E21-09EB-46F5-9088-2AE3AC08EC9E}"/>
+                <a16:creationId xmlns:a16="http://schemas.microsoft.com/office/drawing/2014/main" id="{C5E02E21-09EB-46F5-9088-2AE3AC08EC9E}"/>
               </a:ext>
             </a:extLst>
           </p:cNvPr>
@@ -20094,7 +19996,7 @@
           <a:p>
             <a:fld id="{CACABD52-BF91-4CCE-9EEC-6A02225A646E}" type="datetimeFigureOut">
               <a:rPr lang="en-US" smtClean="0"/>
-              <a:t>5/5/2018</a:t>
+              <a:t>2018-05-07</a:t>
             </a:fld>
             <a:endParaRPr lang="en-US"/>
           </a:p>
@@ -20105,7 +20007,7 @@
           <p:cNvPr id="4" name="Footer Placeholder 3">
             <a:extLst>
               <a:ext uri="{FF2B5EF4-FFF2-40B4-BE49-F238E27FC236}">
-                <a16:creationId xmlns="" xmlns:a16="http://schemas.microsoft.com/office/drawing/2014/main" id="{EE6BC8B5-5449-4D2A-8497-FFC8B77BAF4F}"/>
+                <a16:creationId xmlns:a16="http://schemas.microsoft.com/office/drawing/2014/main" id="{EE6BC8B5-5449-4D2A-8497-FFC8B77BAF4F}"/>
               </a:ext>
             </a:extLst>
           </p:cNvPr>
@@ -20130,7 +20032,7 @@
           <p:cNvPr id="5" name="Slide Number Placeholder 4">
             <a:extLst>
               <a:ext uri="{FF2B5EF4-FFF2-40B4-BE49-F238E27FC236}">
-                <a16:creationId xmlns="" xmlns:a16="http://schemas.microsoft.com/office/drawing/2014/main" id="{7AD3CBB2-19BF-40F9-83B8-566D1EAB7777}"/>
+                <a16:creationId xmlns:a16="http://schemas.microsoft.com/office/drawing/2014/main" id="{7AD3CBB2-19BF-40F9-83B8-566D1EAB7777}"/>
               </a:ext>
             </a:extLst>
           </p:cNvPr>
@@ -20189,7 +20091,7 @@
           <p:cNvPr id="2" name="Date Placeholder 1">
             <a:extLst>
               <a:ext uri="{FF2B5EF4-FFF2-40B4-BE49-F238E27FC236}">
-                <a16:creationId xmlns="" xmlns:a16="http://schemas.microsoft.com/office/drawing/2014/main" id="{1C0D7943-B554-4E88-86D3-37CE1D6FC6D3}"/>
+                <a16:creationId xmlns:a16="http://schemas.microsoft.com/office/drawing/2014/main" id="{1C0D7943-B554-4E88-86D3-37CE1D6FC6D3}"/>
               </a:ext>
             </a:extLst>
           </p:cNvPr>
@@ -20207,7 +20109,7 @@
           <a:p>
             <a:fld id="{CACABD52-BF91-4CCE-9EEC-6A02225A646E}" type="datetimeFigureOut">
               <a:rPr lang="en-US" smtClean="0"/>
-              <a:t>5/5/2018</a:t>
+              <a:t>2018-05-07</a:t>
             </a:fld>
             <a:endParaRPr lang="en-US"/>
           </a:p>
@@ -20218,7 +20120,7 @@
           <p:cNvPr id="3" name="Footer Placeholder 2">
             <a:extLst>
               <a:ext uri="{FF2B5EF4-FFF2-40B4-BE49-F238E27FC236}">
-                <a16:creationId xmlns="" xmlns:a16="http://schemas.microsoft.com/office/drawing/2014/main" id="{6DA0A29A-95E2-4A43-9A62-DA676D2B1DD1}"/>
+                <a16:creationId xmlns:a16="http://schemas.microsoft.com/office/drawing/2014/main" id="{6DA0A29A-95E2-4A43-9A62-DA676D2B1DD1}"/>
               </a:ext>
             </a:extLst>
           </p:cNvPr>
@@ -20243,7 +20145,7 @@
           <p:cNvPr id="4" name="Slide Number Placeholder 3">
             <a:extLst>
               <a:ext uri="{FF2B5EF4-FFF2-40B4-BE49-F238E27FC236}">
-                <a16:creationId xmlns="" xmlns:a16="http://schemas.microsoft.com/office/drawing/2014/main" id="{C733AC5F-3B81-45A4-9505-752A3975B565}"/>
+                <a16:creationId xmlns:a16="http://schemas.microsoft.com/office/drawing/2014/main" id="{C733AC5F-3B81-45A4-9505-752A3975B565}"/>
               </a:ext>
             </a:extLst>
           </p:cNvPr>
@@ -20302,7 +20204,7 @@
           <p:cNvPr id="2" name="Title 1">
             <a:extLst>
               <a:ext uri="{FF2B5EF4-FFF2-40B4-BE49-F238E27FC236}">
-                <a16:creationId xmlns="" xmlns:a16="http://schemas.microsoft.com/office/drawing/2014/main" id="{429AA10F-A3F0-4FF5-86C2-B3E7658E4596}"/>
+                <a16:creationId xmlns:a16="http://schemas.microsoft.com/office/drawing/2014/main" id="{429AA10F-A3F0-4FF5-86C2-B3E7658E4596}"/>
               </a:ext>
             </a:extLst>
           </p:cNvPr>
@@ -20339,7 +20241,7 @@
           <p:cNvPr id="3" name="Content Placeholder 2">
             <a:extLst>
               <a:ext uri="{FF2B5EF4-FFF2-40B4-BE49-F238E27FC236}">
-                <a16:creationId xmlns="" xmlns:a16="http://schemas.microsoft.com/office/drawing/2014/main" id="{79CF4306-E7D1-4D7A-84BC-F0BCE1518D23}"/>
+                <a16:creationId xmlns:a16="http://schemas.microsoft.com/office/drawing/2014/main" id="{79CF4306-E7D1-4D7A-84BC-F0BCE1518D23}"/>
               </a:ext>
             </a:extLst>
           </p:cNvPr>
@@ -20429,7 +20331,7 @@
           <p:cNvPr id="4" name="Text Placeholder 3">
             <a:extLst>
               <a:ext uri="{FF2B5EF4-FFF2-40B4-BE49-F238E27FC236}">
-                <a16:creationId xmlns="" xmlns:a16="http://schemas.microsoft.com/office/drawing/2014/main" id="{4FEE7CF5-887D-49EC-9D20-69E2FB1A1A13}"/>
+                <a16:creationId xmlns:a16="http://schemas.microsoft.com/office/drawing/2014/main" id="{4FEE7CF5-887D-49EC-9D20-69E2FB1A1A13}"/>
               </a:ext>
             </a:extLst>
           </p:cNvPr>
@@ -20500,7 +20402,7 @@
           <p:cNvPr id="5" name="Date Placeholder 4">
             <a:extLst>
               <a:ext uri="{FF2B5EF4-FFF2-40B4-BE49-F238E27FC236}">
-                <a16:creationId xmlns="" xmlns:a16="http://schemas.microsoft.com/office/drawing/2014/main" id="{3ACFAEBD-A045-4A8C-878A-36EC892577BB}"/>
+                <a16:creationId xmlns:a16="http://schemas.microsoft.com/office/drawing/2014/main" id="{3ACFAEBD-A045-4A8C-878A-36EC892577BB}"/>
               </a:ext>
             </a:extLst>
           </p:cNvPr>
@@ -20518,7 +20420,7 @@
           <a:p>
             <a:fld id="{CACABD52-BF91-4CCE-9EEC-6A02225A646E}" type="datetimeFigureOut">
               <a:rPr lang="en-US" smtClean="0"/>
-              <a:t>5/5/2018</a:t>
+              <a:t>2018-05-07</a:t>
             </a:fld>
             <a:endParaRPr lang="en-US"/>
           </a:p>
@@ -20529,7 +20431,7 @@
           <p:cNvPr id="6" name="Footer Placeholder 5">
             <a:extLst>
               <a:ext uri="{FF2B5EF4-FFF2-40B4-BE49-F238E27FC236}">
-                <a16:creationId xmlns="" xmlns:a16="http://schemas.microsoft.com/office/drawing/2014/main" id="{16611E4C-81E3-45AD-8F0A-FF48107D1271}"/>
+                <a16:creationId xmlns:a16="http://schemas.microsoft.com/office/drawing/2014/main" id="{16611E4C-81E3-45AD-8F0A-FF48107D1271}"/>
               </a:ext>
             </a:extLst>
           </p:cNvPr>
@@ -20554,7 +20456,7 @@
           <p:cNvPr id="7" name="Slide Number Placeholder 6">
             <a:extLst>
               <a:ext uri="{FF2B5EF4-FFF2-40B4-BE49-F238E27FC236}">
-                <a16:creationId xmlns="" xmlns:a16="http://schemas.microsoft.com/office/drawing/2014/main" id="{9E6440E9-F4F2-4D20-A061-BB4A4DC64927}"/>
+                <a16:creationId xmlns:a16="http://schemas.microsoft.com/office/drawing/2014/main" id="{9E6440E9-F4F2-4D20-A061-BB4A4DC64927}"/>
               </a:ext>
             </a:extLst>
           </p:cNvPr>
@@ -20613,7 +20515,7 @@
           <p:cNvPr id="2" name="Title 1">
             <a:extLst>
               <a:ext uri="{FF2B5EF4-FFF2-40B4-BE49-F238E27FC236}">
-                <a16:creationId xmlns="" xmlns:a16="http://schemas.microsoft.com/office/drawing/2014/main" id="{F084EE26-126E-4E97-BF36-9F1DCD972C05}"/>
+                <a16:creationId xmlns:a16="http://schemas.microsoft.com/office/drawing/2014/main" id="{F084EE26-126E-4E97-BF36-9F1DCD972C05}"/>
               </a:ext>
             </a:extLst>
           </p:cNvPr>
@@ -20650,7 +20552,7 @@
           <p:cNvPr id="3" name="Picture Placeholder 2">
             <a:extLst>
               <a:ext uri="{FF2B5EF4-FFF2-40B4-BE49-F238E27FC236}">
-                <a16:creationId xmlns="" xmlns:a16="http://schemas.microsoft.com/office/drawing/2014/main" id="{257A8E82-AF17-438E-98D9-5C3489248FFC}"/>
+                <a16:creationId xmlns:a16="http://schemas.microsoft.com/office/drawing/2014/main" id="{257A8E82-AF17-438E-98D9-5C3489248FFC}"/>
               </a:ext>
             </a:extLst>
           </p:cNvPr>
@@ -20717,7 +20619,7 @@
           <p:cNvPr id="4" name="Text Placeholder 3">
             <a:extLst>
               <a:ext uri="{FF2B5EF4-FFF2-40B4-BE49-F238E27FC236}">
-                <a16:creationId xmlns="" xmlns:a16="http://schemas.microsoft.com/office/drawing/2014/main" id="{EA8DEB40-38F9-4310-AFB2-610843E376E6}"/>
+                <a16:creationId xmlns:a16="http://schemas.microsoft.com/office/drawing/2014/main" id="{EA8DEB40-38F9-4310-AFB2-610843E376E6}"/>
               </a:ext>
             </a:extLst>
           </p:cNvPr>
@@ -20788,7 +20690,7 @@
           <p:cNvPr id="5" name="Date Placeholder 4">
             <a:extLst>
               <a:ext uri="{FF2B5EF4-FFF2-40B4-BE49-F238E27FC236}">
-                <a16:creationId xmlns="" xmlns:a16="http://schemas.microsoft.com/office/drawing/2014/main" id="{0BC78A07-219B-4178-A5CE-EC09127A3FE2}"/>
+                <a16:creationId xmlns:a16="http://schemas.microsoft.com/office/drawing/2014/main" id="{0BC78A07-219B-4178-A5CE-EC09127A3FE2}"/>
               </a:ext>
             </a:extLst>
           </p:cNvPr>
@@ -20806,7 +20708,7 @@
           <a:p>
             <a:fld id="{CACABD52-BF91-4CCE-9EEC-6A02225A646E}" type="datetimeFigureOut">
               <a:rPr lang="en-US" smtClean="0"/>
-              <a:t>5/5/2018</a:t>
+              <a:t>2018-05-07</a:t>
             </a:fld>
             <a:endParaRPr lang="en-US"/>
           </a:p>
@@ -20817,7 +20719,7 @@
           <p:cNvPr id="6" name="Footer Placeholder 5">
             <a:extLst>
               <a:ext uri="{FF2B5EF4-FFF2-40B4-BE49-F238E27FC236}">
-                <a16:creationId xmlns="" xmlns:a16="http://schemas.microsoft.com/office/drawing/2014/main" id="{18B6F62C-9928-41E5-8044-CC305A40137C}"/>
+                <a16:creationId xmlns:a16="http://schemas.microsoft.com/office/drawing/2014/main" id="{18B6F62C-9928-41E5-8044-CC305A40137C}"/>
               </a:ext>
             </a:extLst>
           </p:cNvPr>
@@ -20842,7 +20744,7 @@
           <p:cNvPr id="7" name="Slide Number Placeholder 6">
             <a:extLst>
               <a:ext uri="{FF2B5EF4-FFF2-40B4-BE49-F238E27FC236}">
-                <a16:creationId xmlns="" xmlns:a16="http://schemas.microsoft.com/office/drawing/2014/main" id="{6267D2BB-92BB-4DDD-81C8-6617E54E1C27}"/>
+                <a16:creationId xmlns:a16="http://schemas.microsoft.com/office/drawing/2014/main" id="{6267D2BB-92BB-4DDD-81C8-6617E54E1C27}"/>
               </a:ext>
             </a:extLst>
           </p:cNvPr>
@@ -20906,7 +20808,7 @@
           <p:cNvPr id="2" name="Title Placeholder 1">
             <a:extLst>
               <a:ext uri="{FF2B5EF4-FFF2-40B4-BE49-F238E27FC236}">
-                <a16:creationId xmlns="" xmlns:a16="http://schemas.microsoft.com/office/drawing/2014/main" id="{EA7D838B-B41F-4FCE-8E52-9F72F4E6B9F7}"/>
+                <a16:creationId xmlns:a16="http://schemas.microsoft.com/office/drawing/2014/main" id="{EA7D838B-B41F-4FCE-8E52-9F72F4E6B9F7}"/>
               </a:ext>
             </a:extLst>
           </p:cNvPr>
@@ -20944,7 +20846,7 @@
           <p:cNvPr id="3" name="Text Placeholder 2">
             <a:extLst>
               <a:ext uri="{FF2B5EF4-FFF2-40B4-BE49-F238E27FC236}">
-                <a16:creationId xmlns="" xmlns:a16="http://schemas.microsoft.com/office/drawing/2014/main" id="{7FF521DE-86A0-4F35-9D33-DE3297EF3BEE}"/>
+                <a16:creationId xmlns:a16="http://schemas.microsoft.com/office/drawing/2014/main" id="{7FF521DE-86A0-4F35-9D33-DE3297EF3BEE}"/>
               </a:ext>
             </a:extLst>
           </p:cNvPr>
@@ -21011,7 +20913,7 @@
           <p:cNvPr id="4" name="Date Placeholder 3">
             <a:extLst>
               <a:ext uri="{FF2B5EF4-FFF2-40B4-BE49-F238E27FC236}">
-                <a16:creationId xmlns="" xmlns:a16="http://schemas.microsoft.com/office/drawing/2014/main" id="{0001F5AF-9B49-4031-B5E1-414FE235625E}"/>
+                <a16:creationId xmlns:a16="http://schemas.microsoft.com/office/drawing/2014/main" id="{0001F5AF-9B49-4031-B5E1-414FE235625E}"/>
               </a:ext>
             </a:extLst>
           </p:cNvPr>
@@ -21047,7 +20949,7 @@
           <a:p>
             <a:fld id="{CACABD52-BF91-4CCE-9EEC-6A02225A646E}" type="datetimeFigureOut">
               <a:rPr lang="en-US" smtClean="0"/>
-              <a:t>5/5/2018</a:t>
+              <a:t>2018-05-07</a:t>
             </a:fld>
             <a:endParaRPr lang="en-US"/>
           </a:p>
@@ -21058,7 +20960,7 @@
           <p:cNvPr id="5" name="Footer Placeholder 4">
             <a:extLst>
               <a:ext uri="{FF2B5EF4-FFF2-40B4-BE49-F238E27FC236}">
-                <a16:creationId xmlns="" xmlns:a16="http://schemas.microsoft.com/office/drawing/2014/main" id="{236B538C-FB52-488D-A23A-B0EA26045C11}"/>
+                <a16:creationId xmlns:a16="http://schemas.microsoft.com/office/drawing/2014/main" id="{236B538C-FB52-488D-A23A-B0EA26045C11}"/>
               </a:ext>
             </a:extLst>
           </p:cNvPr>
@@ -21101,7 +21003,7 @@
           <p:cNvPr id="6" name="Slide Number Placeholder 5">
             <a:extLst>
               <a:ext uri="{FF2B5EF4-FFF2-40B4-BE49-F238E27FC236}">
-                <a16:creationId xmlns="" xmlns:a16="http://schemas.microsoft.com/office/drawing/2014/main" id="{73C7A0F4-E59F-4A9A-90B5-40AD161A49F8}"/>
+                <a16:creationId xmlns:a16="http://schemas.microsoft.com/office/drawing/2014/main" id="{73C7A0F4-E59F-4A9A-90B5-40AD161A49F8}"/>
               </a:ext>
             </a:extLst>
           </p:cNvPr>
@@ -21469,7 +21371,7 @@
           <p:cNvPr id="14" name="Rectangle 13">
             <a:extLst>
               <a:ext uri="{FF2B5EF4-FFF2-40B4-BE49-F238E27FC236}">
-                <a16:creationId xmlns="" xmlns:a16="http://schemas.microsoft.com/office/drawing/2014/main" id="{8FC191C5-FA04-4B6A-890B-39B4A66DFC1D}"/>
+                <a16:creationId xmlns:a16="http://schemas.microsoft.com/office/drawing/2014/main" id="{8FC191C5-FA04-4B6A-890B-39B4A66DFC1D}"/>
               </a:ext>
             </a:extLst>
           </p:cNvPr>
@@ -21520,7 +21422,7 @@
           <p:cNvPr id="21" name="Rectangle 20">
             <a:extLst>
               <a:ext uri="{FF2B5EF4-FFF2-40B4-BE49-F238E27FC236}">
-                <a16:creationId xmlns="" xmlns:a16="http://schemas.microsoft.com/office/drawing/2014/main" id="{9F88DBF0-1CBF-432D-ABF5-C3B72583CCBD}"/>
+                <a16:creationId xmlns:a16="http://schemas.microsoft.com/office/drawing/2014/main" id="{9F88DBF0-1CBF-432D-ABF5-C3B72583CCBD}"/>
               </a:ext>
             </a:extLst>
           </p:cNvPr>
@@ -21574,7 +21476,7 @@
           <p:cNvPr id="22" name="Rectangle 21">
             <a:extLst>
               <a:ext uri="{FF2B5EF4-FFF2-40B4-BE49-F238E27FC236}">
-                <a16:creationId xmlns="" xmlns:a16="http://schemas.microsoft.com/office/drawing/2014/main" id="{21231BCA-7ABC-4F19-9161-5A02A16DD524}"/>
+                <a16:creationId xmlns:a16="http://schemas.microsoft.com/office/drawing/2014/main" id="{21231BCA-7ABC-4F19-9161-5A02A16DD524}"/>
               </a:ext>
             </a:extLst>
           </p:cNvPr>
@@ -21628,7 +21530,7 @@
           <p:cNvPr id="23" name="Rectangle 22">
             <a:extLst>
               <a:ext uri="{FF2B5EF4-FFF2-40B4-BE49-F238E27FC236}">
-                <a16:creationId xmlns="" xmlns:a16="http://schemas.microsoft.com/office/drawing/2014/main" id="{D61255F3-A5EA-4758-9469-30B2086D3E91}"/>
+                <a16:creationId xmlns:a16="http://schemas.microsoft.com/office/drawing/2014/main" id="{D61255F3-A5EA-4758-9469-30B2086D3E91}"/>
               </a:ext>
             </a:extLst>
           </p:cNvPr>
@@ -21682,7 +21584,7 @@
           <p:cNvPr id="7" name="Picture 9">
             <a:extLst>
               <a:ext uri="{FF2B5EF4-FFF2-40B4-BE49-F238E27FC236}">
-                <a16:creationId xmlns="" xmlns:a16="http://schemas.microsoft.com/office/drawing/2014/main" id="{61F991B1-26AE-44CD-BECD-7874DC212641}"/>
+                <a16:creationId xmlns:a16="http://schemas.microsoft.com/office/drawing/2014/main" id="{61F991B1-26AE-44CD-BECD-7874DC212641}"/>
               </a:ext>
             </a:extLst>
           </p:cNvPr>
@@ -21742,7 +21644,7 @@
           <p:cNvPr id="12" name="Picture 9">
             <a:extLst>
               <a:ext uri="{FF2B5EF4-FFF2-40B4-BE49-F238E27FC236}">
-                <a16:creationId xmlns="" xmlns:a16="http://schemas.microsoft.com/office/drawing/2014/main" id="{C9F0EEA1-9F31-4557-BFDA-475C767CF656}"/>
+                <a16:creationId xmlns:a16="http://schemas.microsoft.com/office/drawing/2014/main" id="{C9F0EEA1-9F31-4557-BFDA-475C767CF656}"/>
               </a:ext>
             </a:extLst>
           </p:cNvPr>
@@ -21802,7 +21704,7 @@
           <p:cNvPr id="24" name="Picture 9">
             <a:extLst>
               <a:ext uri="{FF2B5EF4-FFF2-40B4-BE49-F238E27FC236}">
-                <a16:creationId xmlns="" xmlns:a16="http://schemas.microsoft.com/office/drawing/2014/main" id="{037940A9-EC14-46F4-AEBF-4C4350B9FA9D}"/>
+                <a16:creationId xmlns:a16="http://schemas.microsoft.com/office/drawing/2014/main" id="{037940A9-EC14-46F4-AEBF-4C4350B9FA9D}"/>
               </a:ext>
             </a:extLst>
           </p:cNvPr>
@@ -21862,7 +21764,7 @@
           <p:cNvPr id="25" name="Picture 9">
             <a:extLst>
               <a:ext uri="{FF2B5EF4-FFF2-40B4-BE49-F238E27FC236}">
-                <a16:creationId xmlns="" xmlns:a16="http://schemas.microsoft.com/office/drawing/2014/main" id="{AC1FC543-EE8D-43D1-A2E2-8B7CE0EE97F9}"/>
+                <a16:creationId xmlns:a16="http://schemas.microsoft.com/office/drawing/2014/main" id="{AC1FC543-EE8D-43D1-A2E2-8B7CE0EE97F9}"/>
               </a:ext>
             </a:extLst>
           </p:cNvPr>
@@ -21922,7 +21824,7 @@
           <p:cNvPr id="26" name="Picture 9">
             <a:extLst>
               <a:ext uri="{FF2B5EF4-FFF2-40B4-BE49-F238E27FC236}">
-                <a16:creationId xmlns="" xmlns:a16="http://schemas.microsoft.com/office/drawing/2014/main" id="{6AC15EDC-F8F5-4698-B923-1EC9F1999593}"/>
+                <a16:creationId xmlns:a16="http://schemas.microsoft.com/office/drawing/2014/main" id="{6AC15EDC-F8F5-4698-B923-1EC9F1999593}"/>
               </a:ext>
             </a:extLst>
           </p:cNvPr>
@@ -21982,7 +21884,7 @@
           <p:cNvPr id="27" name="Picture 9">
             <a:extLst>
               <a:ext uri="{FF2B5EF4-FFF2-40B4-BE49-F238E27FC236}">
-                <a16:creationId xmlns="" xmlns:a16="http://schemas.microsoft.com/office/drawing/2014/main" id="{4B495DA8-87A8-41A0-A125-87A4DE3108C8}"/>
+                <a16:creationId xmlns:a16="http://schemas.microsoft.com/office/drawing/2014/main" id="{4B495DA8-87A8-41A0-A125-87A4DE3108C8}"/>
               </a:ext>
             </a:extLst>
           </p:cNvPr>
@@ -22042,7 +21944,7 @@
           <p:cNvPr id="28" name="Rectangle 27">
             <a:extLst>
               <a:ext uri="{FF2B5EF4-FFF2-40B4-BE49-F238E27FC236}">
-                <a16:creationId xmlns="" xmlns:a16="http://schemas.microsoft.com/office/drawing/2014/main" id="{3F335173-C56C-4E77-BBC0-1A5C875AEF46}"/>
+                <a16:creationId xmlns:a16="http://schemas.microsoft.com/office/drawing/2014/main" id="{3F335173-C56C-4E77-BBC0-1A5C875AEF46}"/>
               </a:ext>
             </a:extLst>
           </p:cNvPr>
@@ -22083,7 +21985,7 @@
           <p:cNvPr id="29" name="Rectangle 28">
             <a:extLst>
               <a:ext uri="{FF2B5EF4-FFF2-40B4-BE49-F238E27FC236}">
-                <a16:creationId xmlns="" xmlns:a16="http://schemas.microsoft.com/office/drawing/2014/main" id="{DA16A2E4-6CB6-42D5-82E7-2BCC5D1720B7}"/>
+                <a16:creationId xmlns:a16="http://schemas.microsoft.com/office/drawing/2014/main" id="{DA16A2E4-6CB6-42D5-82E7-2BCC5D1720B7}"/>
               </a:ext>
             </a:extLst>
           </p:cNvPr>
@@ -22124,7 +22026,7 @@
           <p:cNvPr id="30" name="Rectangle 29">
             <a:extLst>
               <a:ext uri="{FF2B5EF4-FFF2-40B4-BE49-F238E27FC236}">
-                <a16:creationId xmlns="" xmlns:a16="http://schemas.microsoft.com/office/drawing/2014/main" id="{81F02153-EB60-495D-8DAF-1949C468CB7A}"/>
+                <a16:creationId xmlns:a16="http://schemas.microsoft.com/office/drawing/2014/main" id="{81F02153-EB60-495D-8DAF-1949C468CB7A}"/>
               </a:ext>
             </a:extLst>
           </p:cNvPr>
@@ -22166,7 +22068,7 @@
           <p:cNvPr id="34" name="Straight Connector 33">
             <a:extLst>
               <a:ext uri="{FF2B5EF4-FFF2-40B4-BE49-F238E27FC236}">
-                <a16:creationId xmlns="" xmlns:a16="http://schemas.microsoft.com/office/drawing/2014/main" id="{1D15A13C-E5E4-4DE9-A9F2-058123546270}"/>
+                <a16:creationId xmlns:a16="http://schemas.microsoft.com/office/drawing/2014/main" id="{1D15A13C-E5E4-4DE9-A9F2-058123546270}"/>
               </a:ext>
             </a:extLst>
           </p:cNvPr>
@@ -22211,7 +22113,7 @@
           <p:cNvPr id="36" name="Straight Connector 35">
             <a:extLst>
               <a:ext uri="{FF2B5EF4-FFF2-40B4-BE49-F238E27FC236}">
-                <a16:creationId xmlns="" xmlns:a16="http://schemas.microsoft.com/office/drawing/2014/main" id="{4612C6FF-F6F9-45E3-A2C0-D4BA837DA5BC}"/>
+                <a16:creationId xmlns:a16="http://schemas.microsoft.com/office/drawing/2014/main" id="{4612C6FF-F6F9-45E3-A2C0-D4BA837DA5BC}"/>
               </a:ext>
             </a:extLst>
           </p:cNvPr>
@@ -22256,7 +22158,7 @@
           <p:cNvPr id="38" name="Straight Connector 37">
             <a:extLst>
               <a:ext uri="{FF2B5EF4-FFF2-40B4-BE49-F238E27FC236}">
-                <a16:creationId xmlns="" xmlns:a16="http://schemas.microsoft.com/office/drawing/2014/main" id="{10587871-2D25-46EC-B9D5-36263ECB22E7}"/>
+                <a16:creationId xmlns:a16="http://schemas.microsoft.com/office/drawing/2014/main" id="{10587871-2D25-46EC-B9D5-36263ECB22E7}"/>
               </a:ext>
             </a:extLst>
           </p:cNvPr>
@@ -22301,7 +22203,7 @@
           <p:cNvPr id="42" name="Straight Connector 41">
             <a:extLst>
               <a:ext uri="{FF2B5EF4-FFF2-40B4-BE49-F238E27FC236}">
-                <a16:creationId xmlns="" xmlns:a16="http://schemas.microsoft.com/office/drawing/2014/main" id="{26C3F60D-928C-472B-97AC-56ED78A81F28}"/>
+                <a16:creationId xmlns:a16="http://schemas.microsoft.com/office/drawing/2014/main" id="{26C3F60D-928C-472B-97AC-56ED78A81F28}"/>
               </a:ext>
             </a:extLst>
           </p:cNvPr>
@@ -22346,7 +22248,7 @@
           <p:cNvPr id="44" name="Straight Connector 43">
             <a:extLst>
               <a:ext uri="{FF2B5EF4-FFF2-40B4-BE49-F238E27FC236}">
-                <a16:creationId xmlns="" xmlns:a16="http://schemas.microsoft.com/office/drawing/2014/main" id="{2E721FDC-89A7-4988-B1BE-FF07CA41458A}"/>
+                <a16:creationId xmlns:a16="http://schemas.microsoft.com/office/drawing/2014/main" id="{2E721FDC-89A7-4988-B1BE-FF07CA41458A}"/>
               </a:ext>
             </a:extLst>
           </p:cNvPr>
@@ -22391,7 +22293,7 @@
           <p:cNvPr id="46" name="Rectangle 45">
             <a:extLst>
               <a:ext uri="{FF2B5EF4-FFF2-40B4-BE49-F238E27FC236}">
-                <a16:creationId xmlns="" xmlns:a16="http://schemas.microsoft.com/office/drawing/2014/main" id="{209F45D2-258B-45DE-87F5-944A1682AC6B}"/>
+                <a16:creationId xmlns:a16="http://schemas.microsoft.com/office/drawing/2014/main" id="{209F45D2-258B-45DE-87F5-944A1682AC6B}"/>
               </a:ext>
             </a:extLst>
           </p:cNvPr>
@@ -22453,7 +22355,7 @@
           <p:cNvPr id="47" name="Rectangle 46">
             <a:extLst>
               <a:ext uri="{FF2B5EF4-FFF2-40B4-BE49-F238E27FC236}">
-                <a16:creationId xmlns="" xmlns:a16="http://schemas.microsoft.com/office/drawing/2014/main" id="{C7C3DD58-9FD5-423D-81F0-65F260109267}"/>
+                <a16:creationId xmlns:a16="http://schemas.microsoft.com/office/drawing/2014/main" id="{C7C3DD58-9FD5-423D-81F0-65F260109267}"/>
               </a:ext>
             </a:extLst>
           </p:cNvPr>
@@ -22495,7 +22397,7 @@
           <p:cNvPr id="48" name="Rectangle 47">
             <a:extLst>
               <a:ext uri="{FF2B5EF4-FFF2-40B4-BE49-F238E27FC236}">
-                <a16:creationId xmlns="" xmlns:a16="http://schemas.microsoft.com/office/drawing/2014/main" id="{5F2B4F2F-F55B-4F17-A7B6-1A931A40CA68}"/>
+                <a16:creationId xmlns:a16="http://schemas.microsoft.com/office/drawing/2014/main" id="{5F2B4F2F-F55B-4F17-A7B6-1A931A40CA68}"/>
               </a:ext>
             </a:extLst>
           </p:cNvPr>
@@ -22551,7 +22453,7 @@
           <p:cNvPr id="51" name="Rectangle 50">
             <a:extLst>
               <a:ext uri="{FF2B5EF4-FFF2-40B4-BE49-F238E27FC236}">
-                <a16:creationId xmlns="" xmlns:a16="http://schemas.microsoft.com/office/drawing/2014/main" id="{4F5CFA18-B35B-4DA0-A1C8-D81AC1AEE2BC}"/>
+                <a16:creationId xmlns:a16="http://schemas.microsoft.com/office/drawing/2014/main" id="{4F5CFA18-B35B-4DA0-A1C8-D81AC1AEE2BC}"/>
               </a:ext>
             </a:extLst>
           </p:cNvPr>
@@ -22612,7 +22514,7 @@
           <p:cNvPr id="52" name="Rectangle 51">
             <a:extLst>
               <a:ext uri="{FF2B5EF4-FFF2-40B4-BE49-F238E27FC236}">
-                <a16:creationId xmlns="" xmlns:a16="http://schemas.microsoft.com/office/drawing/2014/main" id="{48F2455D-070C-4806-92D6-3F679E9866F1}"/>
+                <a16:creationId xmlns:a16="http://schemas.microsoft.com/office/drawing/2014/main" id="{48F2455D-070C-4806-92D6-3F679E9866F1}"/>
               </a:ext>
             </a:extLst>
           </p:cNvPr>
@@ -22666,7 +22568,7 @@
           <p:cNvPr id="53" name="Rectangle 52">
             <a:extLst>
               <a:ext uri="{FF2B5EF4-FFF2-40B4-BE49-F238E27FC236}">
-                <a16:creationId xmlns="" xmlns:a16="http://schemas.microsoft.com/office/drawing/2014/main" id="{FDAFD61E-CF23-40A2-9706-CEB024710019}"/>
+                <a16:creationId xmlns:a16="http://schemas.microsoft.com/office/drawing/2014/main" id="{FDAFD61E-CF23-40A2-9706-CEB024710019}"/>
               </a:ext>
             </a:extLst>
           </p:cNvPr>
@@ -22720,7 +22622,7 @@
           <p:cNvPr id="54" name="Rectangle 53">
             <a:extLst>
               <a:ext uri="{FF2B5EF4-FFF2-40B4-BE49-F238E27FC236}">
-                <a16:creationId xmlns="" xmlns:a16="http://schemas.microsoft.com/office/drawing/2014/main" id="{B79A9F92-DA98-4C00-8C98-D7409A63A49E}"/>
+                <a16:creationId xmlns:a16="http://schemas.microsoft.com/office/drawing/2014/main" id="{B79A9F92-DA98-4C00-8C98-D7409A63A49E}"/>
               </a:ext>
             </a:extLst>
           </p:cNvPr>
@@ -22774,7 +22676,7 @@
           <p:cNvPr id="55" name="Picture 9">
             <a:extLst>
               <a:ext uri="{FF2B5EF4-FFF2-40B4-BE49-F238E27FC236}">
-                <a16:creationId xmlns="" xmlns:a16="http://schemas.microsoft.com/office/drawing/2014/main" id="{6F38A3E1-E0DA-432B-BBFA-348F0321BCD3}"/>
+                <a16:creationId xmlns:a16="http://schemas.microsoft.com/office/drawing/2014/main" id="{6F38A3E1-E0DA-432B-BBFA-348F0321BCD3}"/>
               </a:ext>
             </a:extLst>
           </p:cNvPr>
@@ -22834,7 +22736,7 @@
           <p:cNvPr id="69" name="Rectangle 68">
             <a:extLst>
               <a:ext uri="{FF2B5EF4-FFF2-40B4-BE49-F238E27FC236}">
-                <a16:creationId xmlns="" xmlns:a16="http://schemas.microsoft.com/office/drawing/2014/main" id="{19EC4CF9-2E6B-4D8B-80AB-7CDBA38CF6D3}"/>
+                <a16:creationId xmlns:a16="http://schemas.microsoft.com/office/drawing/2014/main" id="{19EC4CF9-2E6B-4D8B-80AB-7CDBA38CF6D3}"/>
               </a:ext>
             </a:extLst>
           </p:cNvPr>
@@ -22896,7 +22798,7 @@
           <p:cNvPr id="72" name="Straight Connector 71">
             <a:extLst>
               <a:ext uri="{FF2B5EF4-FFF2-40B4-BE49-F238E27FC236}">
-                <a16:creationId xmlns="" xmlns:a16="http://schemas.microsoft.com/office/drawing/2014/main" id="{DFD04D63-40EA-4A51-A48E-8B19F6A831F1}"/>
+                <a16:creationId xmlns:a16="http://schemas.microsoft.com/office/drawing/2014/main" id="{DFD04D63-40EA-4A51-A48E-8B19F6A831F1}"/>
               </a:ext>
             </a:extLst>
           </p:cNvPr>
@@ -22942,7 +22844,7 @@
           <p:cNvPr id="75" name="Rectangle 74">
             <a:extLst>
               <a:ext uri="{FF2B5EF4-FFF2-40B4-BE49-F238E27FC236}">
-                <a16:creationId xmlns="" xmlns:a16="http://schemas.microsoft.com/office/drawing/2014/main" id="{BDB9CA6D-4FA5-4175-AAC0-17D87D1050C9}"/>
+                <a16:creationId xmlns:a16="http://schemas.microsoft.com/office/drawing/2014/main" id="{BDB9CA6D-4FA5-4175-AAC0-17D87D1050C9}"/>
               </a:ext>
             </a:extLst>
           </p:cNvPr>
@@ -23003,7 +22905,7 @@
           <p:cNvPr id="76" name="Rectangle 75">
             <a:extLst>
               <a:ext uri="{FF2B5EF4-FFF2-40B4-BE49-F238E27FC236}">
-                <a16:creationId xmlns="" xmlns:a16="http://schemas.microsoft.com/office/drawing/2014/main" id="{9A9F6FDC-0558-487A-8683-2B4AC3E3F11A}"/>
+                <a16:creationId xmlns:a16="http://schemas.microsoft.com/office/drawing/2014/main" id="{9A9F6FDC-0558-487A-8683-2B4AC3E3F11A}"/>
               </a:ext>
             </a:extLst>
           </p:cNvPr>
@@ -23057,7 +22959,7 @@
           <p:cNvPr id="77" name="Rectangle 76">
             <a:extLst>
               <a:ext uri="{FF2B5EF4-FFF2-40B4-BE49-F238E27FC236}">
-                <a16:creationId xmlns="" xmlns:a16="http://schemas.microsoft.com/office/drawing/2014/main" id="{FC12E18A-CEC6-48F5-94C8-E315D4035FF8}"/>
+                <a16:creationId xmlns:a16="http://schemas.microsoft.com/office/drawing/2014/main" id="{FC12E18A-CEC6-48F5-94C8-E315D4035FF8}"/>
               </a:ext>
             </a:extLst>
           </p:cNvPr>
@@ -23111,7 +23013,7 @@
           <p:cNvPr id="78" name="Rectangle 77">
             <a:extLst>
               <a:ext uri="{FF2B5EF4-FFF2-40B4-BE49-F238E27FC236}">
-                <a16:creationId xmlns="" xmlns:a16="http://schemas.microsoft.com/office/drawing/2014/main" id="{A92CEE74-4DA2-4F7C-8BCE-ED5BE42D301D}"/>
+                <a16:creationId xmlns:a16="http://schemas.microsoft.com/office/drawing/2014/main" id="{A92CEE74-4DA2-4F7C-8BCE-ED5BE42D301D}"/>
               </a:ext>
             </a:extLst>
           </p:cNvPr>
@@ -23165,7 +23067,7 @@
           <p:cNvPr id="79" name="Picture 9">
             <a:extLst>
               <a:ext uri="{FF2B5EF4-FFF2-40B4-BE49-F238E27FC236}">
-                <a16:creationId xmlns="" xmlns:a16="http://schemas.microsoft.com/office/drawing/2014/main" id="{3236DC49-84B5-4BA6-A0C5-B630F26A56EE}"/>
+                <a16:creationId xmlns:a16="http://schemas.microsoft.com/office/drawing/2014/main" id="{3236DC49-84B5-4BA6-A0C5-B630F26A56EE}"/>
               </a:ext>
             </a:extLst>
           </p:cNvPr>
@@ -23225,7 +23127,7 @@
           <p:cNvPr id="80" name="Rectangle 79">
             <a:extLst>
               <a:ext uri="{FF2B5EF4-FFF2-40B4-BE49-F238E27FC236}">
-                <a16:creationId xmlns="" xmlns:a16="http://schemas.microsoft.com/office/drawing/2014/main" id="{44F2AE50-EBD9-416A-9E45-2E98B87AC808}"/>
+                <a16:creationId xmlns:a16="http://schemas.microsoft.com/office/drawing/2014/main" id="{44F2AE50-EBD9-416A-9E45-2E98B87AC808}"/>
               </a:ext>
             </a:extLst>
           </p:cNvPr>
@@ -23284,7 +23186,7 @@
           <p:cNvPr id="82" name="Straight Connector 81">
             <a:extLst>
               <a:ext uri="{FF2B5EF4-FFF2-40B4-BE49-F238E27FC236}">
-                <a16:creationId xmlns="" xmlns:a16="http://schemas.microsoft.com/office/drawing/2014/main" id="{4FFA2BE3-2EDF-43CC-8FD1-826085DDAA2A}"/>
+                <a16:creationId xmlns:a16="http://schemas.microsoft.com/office/drawing/2014/main" id="{4FFA2BE3-2EDF-43CC-8FD1-826085DDAA2A}"/>
               </a:ext>
             </a:extLst>
           </p:cNvPr>
@@ -23330,7 +23232,7 @@
           <p:cNvPr id="83" name="Cloud 82">
             <a:extLst>
               <a:ext uri="{FF2B5EF4-FFF2-40B4-BE49-F238E27FC236}">
-                <a16:creationId xmlns="" xmlns:a16="http://schemas.microsoft.com/office/drawing/2014/main" id="{F1413CEC-28FE-4C2E-901A-A967D7B48E9F}"/>
+                <a16:creationId xmlns:a16="http://schemas.microsoft.com/office/drawing/2014/main" id="{F1413CEC-28FE-4C2E-901A-A967D7B48E9F}"/>
               </a:ext>
             </a:extLst>
           </p:cNvPr>
@@ -23401,7 +23303,7 @@
           <p:cNvPr id="86" name="Straight Connector 85">
             <a:extLst>
               <a:ext uri="{FF2B5EF4-FFF2-40B4-BE49-F238E27FC236}">
-                <a16:creationId xmlns="" xmlns:a16="http://schemas.microsoft.com/office/drawing/2014/main" id="{743B6992-EE85-455B-9771-636069D178E5}"/>
+                <a16:creationId xmlns:a16="http://schemas.microsoft.com/office/drawing/2014/main" id="{743B6992-EE85-455B-9771-636069D178E5}"/>
               </a:ext>
             </a:extLst>
           </p:cNvPr>
@@ -23447,7 +23349,7 @@
           <p:cNvPr id="88" name="Straight Connector 87">
             <a:extLst>
               <a:ext uri="{FF2B5EF4-FFF2-40B4-BE49-F238E27FC236}">
-                <a16:creationId xmlns="" xmlns:a16="http://schemas.microsoft.com/office/drawing/2014/main" id="{5CC1E663-D34D-46FA-9E20-A9E44AA2D51F}"/>
+                <a16:creationId xmlns:a16="http://schemas.microsoft.com/office/drawing/2014/main" id="{5CC1E663-D34D-46FA-9E20-A9E44AA2D51F}"/>
               </a:ext>
             </a:extLst>
           </p:cNvPr>
@@ -23493,7 +23395,7 @@
           <p:cNvPr id="92" name="Cube 91">
             <a:extLst>
               <a:ext uri="{FF2B5EF4-FFF2-40B4-BE49-F238E27FC236}">
-                <a16:creationId xmlns="" xmlns:a16="http://schemas.microsoft.com/office/drawing/2014/main" id="{F17CBDCB-434B-40FD-8BCE-BEE38C96FBCB}"/>
+                <a16:creationId xmlns:a16="http://schemas.microsoft.com/office/drawing/2014/main" id="{F17CBDCB-434B-40FD-8BCE-BEE38C96FBCB}"/>
               </a:ext>
             </a:extLst>
           </p:cNvPr>
@@ -23575,7 +23477,7 @@
           <p:cNvPr id="97" name="Straight Connector 96">
             <a:extLst>
               <a:ext uri="{FF2B5EF4-FFF2-40B4-BE49-F238E27FC236}">
-                <a16:creationId xmlns="" xmlns:a16="http://schemas.microsoft.com/office/drawing/2014/main" id="{D25A6F54-F129-4330-BE58-15EFA559459F}"/>
+                <a16:creationId xmlns:a16="http://schemas.microsoft.com/office/drawing/2014/main" id="{D25A6F54-F129-4330-BE58-15EFA559459F}"/>
               </a:ext>
             </a:extLst>
           </p:cNvPr>
@@ -23621,7 +23523,7 @@
           <p:cNvPr id="99" name="Rectangle 98">
             <a:extLst>
               <a:ext uri="{FF2B5EF4-FFF2-40B4-BE49-F238E27FC236}">
-                <a16:creationId xmlns="" xmlns:a16="http://schemas.microsoft.com/office/drawing/2014/main" id="{8A2A5D3B-8D5B-4534-95C5-7EDE4E4A2EE5}"/>
+                <a16:creationId xmlns:a16="http://schemas.microsoft.com/office/drawing/2014/main" id="{8A2A5D3B-8D5B-4534-95C5-7EDE4E4A2EE5}"/>
               </a:ext>
             </a:extLst>
           </p:cNvPr>
@@ -23675,7 +23577,7 @@
           <p:cNvPr id="100" name="Rectangle 99">
             <a:extLst>
               <a:ext uri="{FF2B5EF4-FFF2-40B4-BE49-F238E27FC236}">
-                <a16:creationId xmlns="" xmlns:a16="http://schemas.microsoft.com/office/drawing/2014/main" id="{9C28B60A-2088-48A0-B569-F3936386E898}"/>
+                <a16:creationId xmlns:a16="http://schemas.microsoft.com/office/drawing/2014/main" id="{9C28B60A-2088-48A0-B569-F3936386E898}"/>
               </a:ext>
             </a:extLst>
           </p:cNvPr>
@@ -23729,7 +23631,7 @@
           <p:cNvPr id="101" name="Rectangle 100">
             <a:extLst>
               <a:ext uri="{FF2B5EF4-FFF2-40B4-BE49-F238E27FC236}">
-                <a16:creationId xmlns="" xmlns:a16="http://schemas.microsoft.com/office/drawing/2014/main" id="{562E2C42-74F4-4E91-A195-585D7FB0B2BC}"/>
+                <a16:creationId xmlns:a16="http://schemas.microsoft.com/office/drawing/2014/main" id="{562E2C42-74F4-4E91-A195-585D7FB0B2BC}"/>
               </a:ext>
             </a:extLst>
           </p:cNvPr>
@@ -23783,7 +23685,7 @@
           <p:cNvPr id="104" name="Rectangle 103">
             <a:extLst>
               <a:ext uri="{FF2B5EF4-FFF2-40B4-BE49-F238E27FC236}">
-                <a16:creationId xmlns="" xmlns:a16="http://schemas.microsoft.com/office/drawing/2014/main" id="{16ABE599-3C70-4AF6-A393-239EE2B0DEA7}"/>
+                <a16:creationId xmlns:a16="http://schemas.microsoft.com/office/drawing/2014/main" id="{16ABE599-3C70-4AF6-A393-239EE2B0DEA7}"/>
               </a:ext>
             </a:extLst>
           </p:cNvPr>
@@ -23837,7 +23739,7 @@
           <p:cNvPr id="105" name="Rectangle 104">
             <a:extLst>
               <a:ext uri="{FF2B5EF4-FFF2-40B4-BE49-F238E27FC236}">
-                <a16:creationId xmlns="" xmlns:a16="http://schemas.microsoft.com/office/drawing/2014/main" id="{216B8055-F5E9-4F2E-A47F-7CAEF386110D}"/>
+                <a16:creationId xmlns:a16="http://schemas.microsoft.com/office/drawing/2014/main" id="{216B8055-F5E9-4F2E-A47F-7CAEF386110D}"/>
               </a:ext>
             </a:extLst>
           </p:cNvPr>
@@ -23891,7 +23793,7 @@
           <p:cNvPr id="106" name="Rectangle 105">
             <a:extLst>
               <a:ext uri="{FF2B5EF4-FFF2-40B4-BE49-F238E27FC236}">
-                <a16:creationId xmlns="" xmlns:a16="http://schemas.microsoft.com/office/drawing/2014/main" id="{6DB048BD-0A0D-4854-92DB-BCD958D65BEF}"/>
+                <a16:creationId xmlns:a16="http://schemas.microsoft.com/office/drawing/2014/main" id="{6DB048BD-0A0D-4854-92DB-BCD958D65BEF}"/>
               </a:ext>
             </a:extLst>
           </p:cNvPr>
@@ -23945,7 +23847,7 @@
           <p:cNvPr id="108" name="Rectangle 107">
             <a:extLst>
               <a:ext uri="{FF2B5EF4-FFF2-40B4-BE49-F238E27FC236}">
-                <a16:creationId xmlns="" xmlns:a16="http://schemas.microsoft.com/office/drawing/2014/main" id="{5995F40C-3BAE-4251-B5D3-2C3C3B7FEA16}"/>
+                <a16:creationId xmlns:a16="http://schemas.microsoft.com/office/drawing/2014/main" id="{5995F40C-3BAE-4251-B5D3-2C3C3B7FEA16}"/>
               </a:ext>
             </a:extLst>
           </p:cNvPr>
@@ -23999,7 +23901,7 @@
           <p:cNvPr id="109" name="Rectangle 108">
             <a:extLst>
               <a:ext uri="{FF2B5EF4-FFF2-40B4-BE49-F238E27FC236}">
-                <a16:creationId xmlns="" xmlns:a16="http://schemas.microsoft.com/office/drawing/2014/main" id="{B69C8503-1C90-4528-B997-40C8FBA2FC2B}"/>
+                <a16:creationId xmlns:a16="http://schemas.microsoft.com/office/drawing/2014/main" id="{B69C8503-1C90-4528-B997-40C8FBA2FC2B}"/>
               </a:ext>
             </a:extLst>
           </p:cNvPr>
@@ -24053,7 +23955,7 @@
           <p:cNvPr id="110" name="Rectangle 109">
             <a:extLst>
               <a:ext uri="{FF2B5EF4-FFF2-40B4-BE49-F238E27FC236}">
-                <a16:creationId xmlns="" xmlns:a16="http://schemas.microsoft.com/office/drawing/2014/main" id="{60BD8BEC-8D15-460D-AAC6-DDD94FD7734C}"/>
+                <a16:creationId xmlns:a16="http://schemas.microsoft.com/office/drawing/2014/main" id="{60BD8BEC-8D15-460D-AAC6-DDD94FD7734C}"/>
               </a:ext>
             </a:extLst>
           </p:cNvPr>
@@ -24107,7 +24009,7 @@
           <p:cNvPr id="112" name="Rectangle 111">
             <a:extLst>
               <a:ext uri="{FF2B5EF4-FFF2-40B4-BE49-F238E27FC236}">
-                <a16:creationId xmlns="" xmlns:a16="http://schemas.microsoft.com/office/drawing/2014/main" id="{CD09AB16-0F5F-4E51-A2F2-02AE1A63BAFE}"/>
+                <a16:creationId xmlns:a16="http://schemas.microsoft.com/office/drawing/2014/main" id="{CD09AB16-0F5F-4E51-A2F2-02AE1A63BAFE}"/>
               </a:ext>
             </a:extLst>
           </p:cNvPr>
@@ -24161,7 +24063,7 @@
           <p:cNvPr id="113" name="Rectangle 112">
             <a:extLst>
               <a:ext uri="{FF2B5EF4-FFF2-40B4-BE49-F238E27FC236}">
-                <a16:creationId xmlns="" xmlns:a16="http://schemas.microsoft.com/office/drawing/2014/main" id="{21C4174B-77B7-4633-AA76-4BC4A90F15F8}"/>
+                <a16:creationId xmlns:a16="http://schemas.microsoft.com/office/drawing/2014/main" id="{21C4174B-77B7-4633-AA76-4BC4A90F15F8}"/>
               </a:ext>
             </a:extLst>
           </p:cNvPr>
@@ -24215,7 +24117,7 @@
           <p:cNvPr id="114" name="Rectangle 113">
             <a:extLst>
               <a:ext uri="{FF2B5EF4-FFF2-40B4-BE49-F238E27FC236}">
-                <a16:creationId xmlns="" xmlns:a16="http://schemas.microsoft.com/office/drawing/2014/main" id="{507E7324-4559-48EF-85EE-99BE143F9800}"/>
+                <a16:creationId xmlns:a16="http://schemas.microsoft.com/office/drawing/2014/main" id="{507E7324-4559-48EF-85EE-99BE143F9800}"/>
               </a:ext>
             </a:extLst>
           </p:cNvPr>
@@ -24269,7 +24171,7 @@
           <p:cNvPr id="116" name="Rectangle 115">
             <a:extLst>
               <a:ext uri="{FF2B5EF4-FFF2-40B4-BE49-F238E27FC236}">
-                <a16:creationId xmlns="" xmlns:a16="http://schemas.microsoft.com/office/drawing/2014/main" id="{96A4D985-749B-4056-B803-480A56FB4B39}"/>
+                <a16:creationId xmlns:a16="http://schemas.microsoft.com/office/drawing/2014/main" id="{96A4D985-749B-4056-B803-480A56FB4B39}"/>
               </a:ext>
             </a:extLst>
           </p:cNvPr>
@@ -24323,7 +24225,7 @@
           <p:cNvPr id="117" name="Rectangle 116">
             <a:extLst>
               <a:ext uri="{FF2B5EF4-FFF2-40B4-BE49-F238E27FC236}">
-                <a16:creationId xmlns="" xmlns:a16="http://schemas.microsoft.com/office/drawing/2014/main" id="{1E45C74E-9151-4668-9B08-BCE77E0DEA1D}"/>
+                <a16:creationId xmlns:a16="http://schemas.microsoft.com/office/drawing/2014/main" id="{1E45C74E-9151-4668-9B08-BCE77E0DEA1D}"/>
               </a:ext>
             </a:extLst>
           </p:cNvPr>
@@ -24377,7 +24279,7 @@
           <p:cNvPr id="118" name="Rectangle 117">
             <a:extLst>
               <a:ext uri="{FF2B5EF4-FFF2-40B4-BE49-F238E27FC236}">
-                <a16:creationId xmlns="" xmlns:a16="http://schemas.microsoft.com/office/drawing/2014/main" id="{9057D8E6-5106-4AE2-B962-A8EFBD19B23B}"/>
+                <a16:creationId xmlns:a16="http://schemas.microsoft.com/office/drawing/2014/main" id="{9057D8E6-5106-4AE2-B962-A8EFBD19B23B}"/>
               </a:ext>
             </a:extLst>
           </p:cNvPr>
@@ -24431,7 +24333,7 @@
           <p:cNvPr id="120" name="Rectangle 119">
             <a:extLst>
               <a:ext uri="{FF2B5EF4-FFF2-40B4-BE49-F238E27FC236}">
-                <a16:creationId xmlns="" xmlns:a16="http://schemas.microsoft.com/office/drawing/2014/main" id="{FFDDF095-C7D2-4206-8CCB-DC1DA9F7792B}"/>
+                <a16:creationId xmlns:a16="http://schemas.microsoft.com/office/drawing/2014/main" id="{FFDDF095-C7D2-4206-8CCB-DC1DA9F7792B}"/>
               </a:ext>
             </a:extLst>
           </p:cNvPr>
@@ -24485,7 +24387,7 @@
           <p:cNvPr id="121" name="Rectangle 120">
             <a:extLst>
               <a:ext uri="{FF2B5EF4-FFF2-40B4-BE49-F238E27FC236}">
-                <a16:creationId xmlns="" xmlns:a16="http://schemas.microsoft.com/office/drawing/2014/main" id="{86FAB6CB-F868-4CB9-9C3F-CFAB78301E3D}"/>
+                <a16:creationId xmlns:a16="http://schemas.microsoft.com/office/drawing/2014/main" id="{86FAB6CB-F868-4CB9-9C3F-CFAB78301E3D}"/>
               </a:ext>
             </a:extLst>
           </p:cNvPr>
@@ -24539,7 +24441,7 @@
           <p:cNvPr id="122" name="Rectangle 121">
             <a:extLst>
               <a:ext uri="{FF2B5EF4-FFF2-40B4-BE49-F238E27FC236}">
-                <a16:creationId xmlns="" xmlns:a16="http://schemas.microsoft.com/office/drawing/2014/main" id="{4CE5F8D3-5C12-4AEC-8DA1-E89EABEFD2E0}"/>
+                <a16:creationId xmlns:a16="http://schemas.microsoft.com/office/drawing/2014/main" id="{4CE5F8D3-5C12-4AEC-8DA1-E89EABEFD2E0}"/>
               </a:ext>
             </a:extLst>
           </p:cNvPr>
@@ -24593,7 +24495,7 @@
           <p:cNvPr id="123" name="Straight Connector 122">
             <a:extLst>
               <a:ext uri="{FF2B5EF4-FFF2-40B4-BE49-F238E27FC236}">
-                <a16:creationId xmlns="" xmlns:a16="http://schemas.microsoft.com/office/drawing/2014/main" id="{1A0B7294-0B67-4368-9293-D9F7009B597F}"/>
+                <a16:creationId xmlns:a16="http://schemas.microsoft.com/office/drawing/2014/main" id="{1A0B7294-0B67-4368-9293-D9F7009B597F}"/>
               </a:ext>
             </a:extLst>
           </p:cNvPr>
@@ -24639,7 +24541,7 @@
           <p:cNvPr id="125" name="Straight Connector 124">
             <a:extLst>
               <a:ext uri="{FF2B5EF4-FFF2-40B4-BE49-F238E27FC236}">
-                <a16:creationId xmlns="" xmlns:a16="http://schemas.microsoft.com/office/drawing/2014/main" id="{6170125F-BC10-4487-BC0A-87812AA23F38}"/>
+                <a16:creationId xmlns:a16="http://schemas.microsoft.com/office/drawing/2014/main" id="{6170125F-BC10-4487-BC0A-87812AA23F38}"/>
               </a:ext>
             </a:extLst>
           </p:cNvPr>
@@ -24685,7 +24587,7 @@
           <p:cNvPr id="127" name="Straight Connector 126">
             <a:extLst>
               <a:ext uri="{FF2B5EF4-FFF2-40B4-BE49-F238E27FC236}">
-                <a16:creationId xmlns="" xmlns:a16="http://schemas.microsoft.com/office/drawing/2014/main" id="{DBEFB81E-C2E9-45AE-BBFF-A848F52864EF}"/>
+                <a16:creationId xmlns:a16="http://schemas.microsoft.com/office/drawing/2014/main" id="{DBEFB81E-C2E9-45AE-BBFF-A848F52864EF}"/>
               </a:ext>
             </a:extLst>
           </p:cNvPr>
@@ -24731,7 +24633,7 @@
           <p:cNvPr id="129" name="Straight Connector 128">
             <a:extLst>
               <a:ext uri="{FF2B5EF4-FFF2-40B4-BE49-F238E27FC236}">
-                <a16:creationId xmlns="" xmlns:a16="http://schemas.microsoft.com/office/drawing/2014/main" id="{3E973232-5460-4BB0-B496-1E1EFE8A7C59}"/>
+                <a16:creationId xmlns:a16="http://schemas.microsoft.com/office/drawing/2014/main" id="{3E973232-5460-4BB0-B496-1E1EFE8A7C59}"/>
               </a:ext>
             </a:extLst>
           </p:cNvPr>
@@ -24777,7 +24679,7 @@
           <p:cNvPr id="132" name="Straight Connector 131">
             <a:extLst>
               <a:ext uri="{FF2B5EF4-FFF2-40B4-BE49-F238E27FC236}">
-                <a16:creationId xmlns="" xmlns:a16="http://schemas.microsoft.com/office/drawing/2014/main" id="{620B048A-61B0-4E3A-BF1C-D0C0EBC563B5}"/>
+                <a16:creationId xmlns:a16="http://schemas.microsoft.com/office/drawing/2014/main" id="{620B048A-61B0-4E3A-BF1C-D0C0EBC563B5}"/>
               </a:ext>
             </a:extLst>
           </p:cNvPr>
@@ -24823,7 +24725,7 @@
           <p:cNvPr id="134" name="Straight Connector 133">
             <a:extLst>
               <a:ext uri="{FF2B5EF4-FFF2-40B4-BE49-F238E27FC236}">
-                <a16:creationId xmlns="" xmlns:a16="http://schemas.microsoft.com/office/drawing/2014/main" id="{FC77DA65-9C2F-4878-96CA-C4646F1EA32E}"/>
+                <a16:creationId xmlns:a16="http://schemas.microsoft.com/office/drawing/2014/main" id="{FC77DA65-9C2F-4878-96CA-C4646F1EA32E}"/>
               </a:ext>
             </a:extLst>
           </p:cNvPr>
@@ -24869,7 +24771,7 @@
           <p:cNvPr id="136" name="Rectangle 135">
             <a:extLst>
               <a:ext uri="{FF2B5EF4-FFF2-40B4-BE49-F238E27FC236}">
-                <a16:creationId xmlns="" xmlns:a16="http://schemas.microsoft.com/office/drawing/2014/main" id="{617D824C-5F23-4B55-A50E-5501A1BC9D66}"/>
+                <a16:creationId xmlns:a16="http://schemas.microsoft.com/office/drawing/2014/main" id="{617D824C-5F23-4B55-A50E-5501A1BC9D66}"/>
               </a:ext>
             </a:extLst>
           </p:cNvPr>
@@ -24912,7 +24814,7 @@
           <p:cNvPr id="138" name="Rectangle 137">
             <a:extLst>
               <a:ext uri="{FF2B5EF4-FFF2-40B4-BE49-F238E27FC236}">
-                <a16:creationId xmlns="" xmlns:a16="http://schemas.microsoft.com/office/drawing/2014/main" id="{33AAA53A-C957-4B5A-B16D-720DF9BE205C}"/>
+                <a16:creationId xmlns:a16="http://schemas.microsoft.com/office/drawing/2014/main" id="{33AAA53A-C957-4B5A-B16D-720DF9BE205C}"/>
               </a:ext>
             </a:extLst>
           </p:cNvPr>
@@ -24966,7 +24868,7 @@
           <p:cNvPr id="139" name="Rectangle 138">
             <a:extLst>
               <a:ext uri="{FF2B5EF4-FFF2-40B4-BE49-F238E27FC236}">
-                <a16:creationId xmlns="" xmlns:a16="http://schemas.microsoft.com/office/drawing/2014/main" id="{E80A1B97-6005-4140-8B50-E0E3F5F293F4}"/>
+                <a16:creationId xmlns:a16="http://schemas.microsoft.com/office/drawing/2014/main" id="{E80A1B97-6005-4140-8B50-E0E3F5F293F4}"/>
               </a:ext>
             </a:extLst>
           </p:cNvPr>
@@ -25020,7 +24922,7 @@
           <p:cNvPr id="140" name="Rectangle 139">
             <a:extLst>
               <a:ext uri="{FF2B5EF4-FFF2-40B4-BE49-F238E27FC236}">
-                <a16:creationId xmlns="" xmlns:a16="http://schemas.microsoft.com/office/drawing/2014/main" id="{A66DE1DD-10F2-4CFA-9ECD-D01722FE86F2}"/>
+                <a16:creationId xmlns:a16="http://schemas.microsoft.com/office/drawing/2014/main" id="{A66DE1DD-10F2-4CFA-9ECD-D01722FE86F2}"/>
               </a:ext>
             </a:extLst>
           </p:cNvPr>
@@ -25074,7 +24976,7 @@
           <p:cNvPr id="142" name="Rectangle 141">
             <a:extLst>
               <a:ext uri="{FF2B5EF4-FFF2-40B4-BE49-F238E27FC236}">
-                <a16:creationId xmlns="" xmlns:a16="http://schemas.microsoft.com/office/drawing/2014/main" id="{C05992EE-4B74-446B-8E4A-53DD1A97836E}"/>
+                <a16:creationId xmlns:a16="http://schemas.microsoft.com/office/drawing/2014/main" id="{C05992EE-4B74-446B-8E4A-53DD1A97836E}"/>
               </a:ext>
             </a:extLst>
           </p:cNvPr>
@@ -25128,7 +25030,7 @@
           <p:cNvPr id="143" name="Rectangle 142">
             <a:extLst>
               <a:ext uri="{FF2B5EF4-FFF2-40B4-BE49-F238E27FC236}">
-                <a16:creationId xmlns="" xmlns:a16="http://schemas.microsoft.com/office/drawing/2014/main" id="{F82FE5FE-0275-4AC5-83B1-3844D067251E}"/>
+                <a16:creationId xmlns:a16="http://schemas.microsoft.com/office/drawing/2014/main" id="{F82FE5FE-0275-4AC5-83B1-3844D067251E}"/>
               </a:ext>
             </a:extLst>
           </p:cNvPr>
@@ -25182,7 +25084,7 @@
           <p:cNvPr id="144" name="Rectangle 143">
             <a:extLst>
               <a:ext uri="{FF2B5EF4-FFF2-40B4-BE49-F238E27FC236}">
-                <a16:creationId xmlns="" xmlns:a16="http://schemas.microsoft.com/office/drawing/2014/main" id="{DC81E49B-3796-47D3-96B2-03FFAB1F18EE}"/>
+                <a16:creationId xmlns:a16="http://schemas.microsoft.com/office/drawing/2014/main" id="{DC81E49B-3796-47D3-96B2-03FFAB1F18EE}"/>
               </a:ext>
             </a:extLst>
           </p:cNvPr>
@@ -25236,7 +25138,7 @@
           <p:cNvPr id="145" name="Straight Connector 144">
             <a:extLst>
               <a:ext uri="{FF2B5EF4-FFF2-40B4-BE49-F238E27FC236}">
-                <a16:creationId xmlns="" xmlns:a16="http://schemas.microsoft.com/office/drawing/2014/main" id="{60E0FC48-CC90-4BCD-B106-6EAA449D5219}"/>
+                <a16:creationId xmlns:a16="http://schemas.microsoft.com/office/drawing/2014/main" id="{60E0FC48-CC90-4BCD-B106-6EAA449D5219}"/>
               </a:ext>
             </a:extLst>
           </p:cNvPr>
@@ -25282,7 +25184,7 @@
           <p:cNvPr id="147" name="Straight Connector 146">
             <a:extLst>
               <a:ext uri="{FF2B5EF4-FFF2-40B4-BE49-F238E27FC236}">
-                <a16:creationId xmlns="" xmlns:a16="http://schemas.microsoft.com/office/drawing/2014/main" id="{296D3F54-A6CA-4543-887C-EE0ADBBBD802}"/>
+                <a16:creationId xmlns:a16="http://schemas.microsoft.com/office/drawing/2014/main" id="{296D3F54-A6CA-4543-887C-EE0ADBBBD802}"/>
               </a:ext>
             </a:extLst>
           </p:cNvPr>
@@ -25328,7 +25230,7 @@
           <p:cNvPr id="150" name="Rectangle 149">
             <a:extLst>
               <a:ext uri="{FF2B5EF4-FFF2-40B4-BE49-F238E27FC236}">
-                <a16:creationId xmlns="" xmlns:a16="http://schemas.microsoft.com/office/drawing/2014/main" id="{8C1C3700-0CDD-4AA7-AD10-D16B0C42B27A}"/>
+                <a16:creationId xmlns:a16="http://schemas.microsoft.com/office/drawing/2014/main" id="{8C1C3700-0CDD-4AA7-AD10-D16B0C42B27A}"/>
               </a:ext>
             </a:extLst>
           </p:cNvPr>
@@ -25382,7 +25284,7 @@
           <p:cNvPr id="151" name="Rectangle 150">
             <a:extLst>
               <a:ext uri="{FF2B5EF4-FFF2-40B4-BE49-F238E27FC236}">
-                <a16:creationId xmlns="" xmlns:a16="http://schemas.microsoft.com/office/drawing/2014/main" id="{2F9971B5-F97B-48C5-A359-DE29289F3691}"/>
+                <a16:creationId xmlns:a16="http://schemas.microsoft.com/office/drawing/2014/main" id="{2F9971B5-F97B-48C5-A359-DE29289F3691}"/>
               </a:ext>
             </a:extLst>
           </p:cNvPr>
@@ -25420,7 +25322,7 @@
           <p:cNvPr id="153" name="Rectangle 152">
             <a:extLst>
               <a:ext uri="{FF2B5EF4-FFF2-40B4-BE49-F238E27FC236}">
-                <a16:creationId xmlns="" xmlns:a16="http://schemas.microsoft.com/office/drawing/2014/main" id="{C3F9E766-6B1A-461B-9524-C2CC2A772BB9}"/>
+                <a16:creationId xmlns:a16="http://schemas.microsoft.com/office/drawing/2014/main" id="{C3F9E766-6B1A-461B-9524-C2CC2A772BB9}"/>
               </a:ext>
             </a:extLst>
           </p:cNvPr>
@@ -25474,7 +25376,7 @@
           <p:cNvPr id="154" name="Rectangle 153">
             <a:extLst>
               <a:ext uri="{FF2B5EF4-FFF2-40B4-BE49-F238E27FC236}">
-                <a16:creationId xmlns="" xmlns:a16="http://schemas.microsoft.com/office/drawing/2014/main" id="{37BC63D4-5013-4717-BF24-9D22F80351B1}"/>
+                <a16:creationId xmlns:a16="http://schemas.microsoft.com/office/drawing/2014/main" id="{37BC63D4-5013-4717-BF24-9D22F80351B1}"/>
               </a:ext>
             </a:extLst>
           </p:cNvPr>
@@ -25512,7 +25414,7 @@
           <p:cNvPr id="155" name="Rectangle 154">
             <a:extLst>
               <a:ext uri="{FF2B5EF4-FFF2-40B4-BE49-F238E27FC236}">
-                <a16:creationId xmlns="" xmlns:a16="http://schemas.microsoft.com/office/drawing/2014/main" id="{5D1518F9-1B64-4B1D-AB44-4C8FB2A63992}"/>
+                <a16:creationId xmlns:a16="http://schemas.microsoft.com/office/drawing/2014/main" id="{5D1518F9-1B64-4B1D-AB44-4C8FB2A63992}"/>
               </a:ext>
             </a:extLst>
           </p:cNvPr>
@@ -25566,7 +25468,7 @@
           <p:cNvPr id="156" name="Rectangle 155">
             <a:extLst>
               <a:ext uri="{FF2B5EF4-FFF2-40B4-BE49-F238E27FC236}">
-                <a16:creationId xmlns="" xmlns:a16="http://schemas.microsoft.com/office/drawing/2014/main" id="{B5F5C08B-1AFD-4916-9AA6-3FAA2CE0B281}"/>
+                <a16:creationId xmlns:a16="http://schemas.microsoft.com/office/drawing/2014/main" id="{B5F5C08B-1AFD-4916-9AA6-3FAA2CE0B281}"/>
               </a:ext>
             </a:extLst>
           </p:cNvPr>
@@ -25604,7 +25506,7 @@
           <p:cNvPr id="157" name="Rectangle 156">
             <a:extLst>
               <a:ext uri="{FF2B5EF4-FFF2-40B4-BE49-F238E27FC236}">
-                <a16:creationId xmlns="" xmlns:a16="http://schemas.microsoft.com/office/drawing/2014/main" id="{0D9B2368-3D66-4F16-8C56-BFA12DA73810}"/>
+                <a16:creationId xmlns:a16="http://schemas.microsoft.com/office/drawing/2014/main" id="{0D9B2368-3D66-4F16-8C56-BFA12DA73810}"/>
               </a:ext>
             </a:extLst>
           </p:cNvPr>
@@ -25645,7 +25547,7 @@
           <p:cNvPr id="158" name="Straight Connector 157">
             <a:extLst>
               <a:ext uri="{FF2B5EF4-FFF2-40B4-BE49-F238E27FC236}">
-                <a16:creationId xmlns="" xmlns:a16="http://schemas.microsoft.com/office/drawing/2014/main" id="{2200D39C-0C04-4D17-BFBA-EBCD8A568A28}"/>
+                <a16:creationId xmlns:a16="http://schemas.microsoft.com/office/drawing/2014/main" id="{2200D39C-0C04-4D17-BFBA-EBCD8A568A28}"/>
               </a:ext>
             </a:extLst>
           </p:cNvPr>
@@ -25691,7 +25593,7 @@
           <p:cNvPr id="161" name="Rectangle 160">
             <a:extLst>
               <a:ext uri="{FF2B5EF4-FFF2-40B4-BE49-F238E27FC236}">
-                <a16:creationId xmlns="" xmlns:a16="http://schemas.microsoft.com/office/drawing/2014/main" id="{D54B475D-F2DF-47E0-A493-7F8E0E32B006}"/>
+                <a16:creationId xmlns:a16="http://schemas.microsoft.com/office/drawing/2014/main" id="{D54B475D-F2DF-47E0-A493-7F8E0E32B006}"/>
               </a:ext>
             </a:extLst>
           </p:cNvPr>
@@ -25732,7 +25634,7 @@
           <p:cNvPr id="162" name="Straight Connector 161">
             <a:extLst>
               <a:ext uri="{FF2B5EF4-FFF2-40B4-BE49-F238E27FC236}">
-                <a16:creationId xmlns="" xmlns:a16="http://schemas.microsoft.com/office/drawing/2014/main" id="{E66AD3B3-28EE-44F9-9E83-E3469196F970}"/>
+                <a16:creationId xmlns:a16="http://schemas.microsoft.com/office/drawing/2014/main" id="{E66AD3B3-28EE-44F9-9E83-E3469196F970}"/>
               </a:ext>
             </a:extLst>
           </p:cNvPr>
@@ -25778,7 +25680,7 @@
           <p:cNvPr id="166" name="Rectangle 165">
             <a:extLst>
               <a:ext uri="{FF2B5EF4-FFF2-40B4-BE49-F238E27FC236}">
-                <a16:creationId xmlns="" xmlns:a16="http://schemas.microsoft.com/office/drawing/2014/main" id="{0D97EAB7-B6E6-4B45-A497-FEE4EFE30294}"/>
+                <a16:creationId xmlns:a16="http://schemas.microsoft.com/office/drawing/2014/main" id="{0D97EAB7-B6E6-4B45-A497-FEE4EFE30294}"/>
               </a:ext>
             </a:extLst>
           </p:cNvPr>
@@ -25819,7 +25721,7 @@
           <p:cNvPr id="167" name="Straight Connector 166">
             <a:extLst>
               <a:ext uri="{FF2B5EF4-FFF2-40B4-BE49-F238E27FC236}">
-                <a16:creationId xmlns="" xmlns:a16="http://schemas.microsoft.com/office/drawing/2014/main" id="{3017B4EF-BEFA-4FC2-A7EE-9B908FDFB234}"/>
+                <a16:creationId xmlns:a16="http://schemas.microsoft.com/office/drawing/2014/main" id="{3017B4EF-BEFA-4FC2-A7EE-9B908FDFB234}"/>
               </a:ext>
             </a:extLst>
           </p:cNvPr>
@@ -25865,7 +25767,7 @@
           <p:cNvPr id="168" name="Rectangle 167">
             <a:extLst>
               <a:ext uri="{FF2B5EF4-FFF2-40B4-BE49-F238E27FC236}">
-                <a16:creationId xmlns="" xmlns:a16="http://schemas.microsoft.com/office/drawing/2014/main" id="{AE73D496-C1F5-477E-9F63-7BC75DCCB9E1}"/>
+                <a16:creationId xmlns:a16="http://schemas.microsoft.com/office/drawing/2014/main" id="{AE73D496-C1F5-477E-9F63-7BC75DCCB9E1}"/>
               </a:ext>
             </a:extLst>
           </p:cNvPr>
@@ -25917,7 +25819,7 @@
           <p:cNvPr id="169" name="Rectangle 168">
             <a:extLst>
               <a:ext uri="{FF2B5EF4-FFF2-40B4-BE49-F238E27FC236}">
-                <a16:creationId xmlns="" xmlns:a16="http://schemas.microsoft.com/office/drawing/2014/main" id="{9CA58566-F95C-4C13-8F09-4690FE2DC9A7}"/>
+                <a16:creationId xmlns:a16="http://schemas.microsoft.com/office/drawing/2014/main" id="{9CA58566-F95C-4C13-8F09-4690FE2DC9A7}"/>
               </a:ext>
             </a:extLst>
           </p:cNvPr>
@@ -25967,6 +25869,303 @@
 </file>
 
 <file path=ppt/slides/slide10.xml><?xml version="1.0" encoding="utf-8"?>
+<p:sld xmlns:a="http://schemas.openxmlformats.org/drawingml/2006/main" xmlns:r="http://schemas.openxmlformats.org/officeDocument/2006/relationships" xmlns:p="http://schemas.openxmlformats.org/presentationml/2006/main">
+  <p:cSld>
+    <p:spTree>
+      <p:nvGrpSpPr>
+        <p:cNvPr id="1" name=""/>
+        <p:cNvGrpSpPr/>
+        <p:nvPr/>
+      </p:nvGrpSpPr>
+      <p:grpSpPr>
+        <a:xfrm>
+          <a:off x="0" y="0"/>
+          <a:ext cx="0" cy="0"/>
+          <a:chOff x="0" y="0"/>
+          <a:chExt cx="0" cy="0"/>
+        </a:xfrm>
+      </p:grpSpPr>
+      <p:sp>
+        <p:nvSpPr>
+          <p:cNvPr id="5" name="Oval 4">
+            <a:extLst>
+              <a:ext uri="{FF2B5EF4-FFF2-40B4-BE49-F238E27FC236}">
+                <a16:creationId xmlns:a16="http://schemas.microsoft.com/office/drawing/2014/main" id="{1BE905D4-A72F-472F-85B9-E5262CB9A9BA}"/>
+              </a:ext>
+            </a:extLst>
+          </p:cNvPr>
+          <p:cNvSpPr/>
+          <p:nvPr/>
+        </p:nvSpPr>
+        <p:spPr>
+          <a:xfrm>
+            <a:off x="2923413" y="717756"/>
+            <a:ext cx="3598606" cy="3429000"/>
+          </a:xfrm>
+          <a:prstGeom prst="ellipse">
+            <a:avLst/>
+          </a:prstGeom>
+          <a:noFill/>
+          <a:ln w="38100">
+            <a:noFill/>
+          </a:ln>
+        </p:spPr>
+        <p:style>
+          <a:lnRef idx="2">
+            <a:schemeClr val="accent1">
+              <a:shade val="50000"/>
+            </a:schemeClr>
+          </a:lnRef>
+          <a:fillRef idx="1">
+            <a:schemeClr val="accent1"/>
+          </a:fillRef>
+          <a:effectRef idx="0">
+            <a:schemeClr val="accent1"/>
+          </a:effectRef>
+          <a:fontRef idx="minor">
+            <a:schemeClr val="lt1"/>
+          </a:fontRef>
+        </p:style>
+        <p:txBody>
+          <a:bodyPr rtlCol="0" anchor="ctr"/>
+          <a:lstStyle/>
+          <a:p>
+            <a:pPr algn="ctr"/>
+            <a:endParaRPr lang="en-US"/>
+          </a:p>
+        </p:txBody>
+      </p:sp>
+      <p:sp>
+        <p:nvSpPr>
+          <p:cNvPr id="6" name="Oval 5">
+            <a:extLst>
+              <a:ext uri="{FF2B5EF4-FFF2-40B4-BE49-F238E27FC236}">
+                <a16:creationId xmlns:a16="http://schemas.microsoft.com/office/drawing/2014/main" id="{DA8FA223-F814-41D8-8A8C-99F6794FF949}"/>
+              </a:ext>
+            </a:extLst>
+          </p:cNvPr>
+          <p:cNvSpPr/>
+          <p:nvPr/>
+        </p:nvSpPr>
+        <p:spPr>
+          <a:xfrm>
+            <a:off x="4301613" y="3092246"/>
+            <a:ext cx="3598606" cy="3429000"/>
+          </a:xfrm>
+          <a:prstGeom prst="ellipse">
+            <a:avLst/>
+          </a:prstGeom>
+          <a:noFill/>
+          <a:ln w="38100">
+            <a:noFill/>
+          </a:ln>
+        </p:spPr>
+        <p:style>
+          <a:lnRef idx="2">
+            <a:schemeClr val="accent1">
+              <a:shade val="50000"/>
+            </a:schemeClr>
+          </a:lnRef>
+          <a:fillRef idx="1">
+            <a:schemeClr val="accent1"/>
+          </a:fillRef>
+          <a:effectRef idx="0">
+            <a:schemeClr val="accent1"/>
+          </a:effectRef>
+          <a:fontRef idx="minor">
+            <a:schemeClr val="lt1"/>
+          </a:fontRef>
+        </p:style>
+        <p:txBody>
+          <a:bodyPr rtlCol="0" anchor="ctr"/>
+          <a:lstStyle/>
+          <a:p>
+            <a:pPr algn="ctr"/>
+            <a:endParaRPr lang="en-US"/>
+          </a:p>
+        </p:txBody>
+      </p:sp>
+      <p:sp>
+        <p:nvSpPr>
+          <p:cNvPr id="7" name="Oval 6">
+            <a:extLst>
+              <a:ext uri="{FF2B5EF4-FFF2-40B4-BE49-F238E27FC236}">
+                <a16:creationId xmlns:a16="http://schemas.microsoft.com/office/drawing/2014/main" id="{2C06C390-1650-43A9-92CD-878AF82A2EDE}"/>
+              </a:ext>
+            </a:extLst>
+          </p:cNvPr>
+          <p:cNvSpPr/>
+          <p:nvPr/>
+        </p:nvSpPr>
+        <p:spPr>
+          <a:xfrm>
+            <a:off x="5656779" y="717756"/>
+            <a:ext cx="3598606" cy="3429000"/>
+          </a:xfrm>
+          <a:prstGeom prst="ellipse">
+            <a:avLst/>
+          </a:prstGeom>
+          <a:noFill/>
+          <a:ln w="38100">
+            <a:noFill/>
+          </a:ln>
+        </p:spPr>
+        <p:style>
+          <a:lnRef idx="2">
+            <a:schemeClr val="accent1">
+              <a:shade val="50000"/>
+            </a:schemeClr>
+          </a:lnRef>
+          <a:fillRef idx="1">
+            <a:schemeClr val="accent1"/>
+          </a:fillRef>
+          <a:effectRef idx="0">
+            <a:schemeClr val="accent1"/>
+          </a:effectRef>
+          <a:fontRef idx="minor">
+            <a:schemeClr val="lt1"/>
+          </a:fontRef>
+        </p:style>
+        <p:txBody>
+          <a:bodyPr rtlCol="0" anchor="ctr"/>
+          <a:lstStyle/>
+          <a:p>
+            <a:pPr algn="ctr"/>
+            <a:endParaRPr lang="en-US"/>
+          </a:p>
+        </p:txBody>
+      </p:sp>
+      <p:sp>
+        <p:nvSpPr>
+          <p:cNvPr id="8" name="Rectangle 7">
+            <a:extLst>
+              <a:ext uri="{FF2B5EF4-FFF2-40B4-BE49-F238E27FC236}">
+                <a16:creationId xmlns:a16="http://schemas.microsoft.com/office/drawing/2014/main" id="{42BB545C-B9B2-4B88-A085-D7573212A8A6}"/>
+              </a:ext>
+            </a:extLst>
+          </p:cNvPr>
+          <p:cNvSpPr/>
+          <p:nvPr/>
+        </p:nvSpPr>
+        <p:spPr>
+          <a:xfrm>
+            <a:off x="6914421" y="1909036"/>
+            <a:ext cx="1925528" cy="523220"/>
+          </a:xfrm>
+          <a:prstGeom prst="rect">
+            <a:avLst/>
+          </a:prstGeom>
+        </p:spPr>
+        <p:txBody>
+          <a:bodyPr wrap="none">
+            <a:spAutoFit/>
+          </a:bodyPr>
+          <a:lstStyle/>
+          <a:p>
+            <a:pPr algn="ctr"/>
+            <a:r>
+              <a:rPr lang="sv-SE" sz="2800" dirty="0" err="1">
+                <a:latin typeface="Arial" panose="020B0604020202020204" pitchFamily="34" charset="0"/>
+                <a:cs typeface="Arial" panose="020B0604020202020204" pitchFamily="34" charset="0"/>
+              </a:rPr>
+              <a:t>Monetizing</a:t>
+            </a:r>
+            <a:endParaRPr lang="en-US" dirty="0"/>
+          </a:p>
+        </p:txBody>
+      </p:sp>
+      <p:sp>
+        <p:nvSpPr>
+          <p:cNvPr id="9" name="Rectangle 8">
+            <a:extLst>
+              <a:ext uri="{FF2B5EF4-FFF2-40B4-BE49-F238E27FC236}">
+                <a16:creationId xmlns:a16="http://schemas.microsoft.com/office/drawing/2014/main" id="{822A8BCF-BF7A-45F3-AEB2-2A8B87E5DD2B}"/>
+              </a:ext>
+            </a:extLst>
+          </p:cNvPr>
+          <p:cNvSpPr/>
+          <p:nvPr/>
+        </p:nvSpPr>
+        <p:spPr>
+          <a:xfrm>
+            <a:off x="3225245" y="1909036"/>
+            <a:ext cx="2106667" cy="523220"/>
+          </a:xfrm>
+          <a:prstGeom prst="rect">
+            <a:avLst/>
+          </a:prstGeom>
+        </p:spPr>
+        <p:txBody>
+          <a:bodyPr wrap="none">
+            <a:spAutoFit/>
+          </a:bodyPr>
+          <a:lstStyle/>
+          <a:p>
+            <a:pPr algn="ctr"/>
+            <a:r>
+              <a:rPr lang="sv-SE" sz="2800" dirty="0">
+                <a:latin typeface="Arial" panose="020B0604020202020204" pitchFamily="34" charset="0"/>
+                <a:cs typeface="Arial" panose="020B0604020202020204" pitchFamily="34" charset="0"/>
+              </a:rPr>
+              <a:t>Engineering</a:t>
+            </a:r>
+            <a:endParaRPr lang="en-US" dirty="0"/>
+          </a:p>
+        </p:txBody>
+      </p:sp>
+      <p:sp>
+        <p:nvSpPr>
+          <p:cNvPr id="10" name="Rectangle 9">
+            <a:extLst>
+              <a:ext uri="{FF2B5EF4-FFF2-40B4-BE49-F238E27FC236}">
+                <a16:creationId xmlns:a16="http://schemas.microsoft.com/office/drawing/2014/main" id="{37CDA193-5920-4DBA-9F62-8C8CE4AE6FFB}"/>
+              </a:ext>
+            </a:extLst>
+          </p:cNvPr>
+          <p:cNvSpPr/>
+          <p:nvPr/>
+        </p:nvSpPr>
+        <p:spPr>
+          <a:xfrm>
+            <a:off x="5083383" y="4716587"/>
+            <a:ext cx="2084225" cy="523220"/>
+          </a:xfrm>
+          <a:prstGeom prst="rect">
+            <a:avLst/>
+          </a:prstGeom>
+        </p:spPr>
+        <p:txBody>
+          <a:bodyPr wrap="none">
+            <a:spAutoFit/>
+          </a:bodyPr>
+          <a:lstStyle/>
+          <a:p>
+            <a:pPr algn="ctr"/>
+            <a:r>
+              <a:rPr lang="sv-SE" sz="2800" dirty="0" err="1">
+                <a:latin typeface="Arial" panose="020B0604020202020204" pitchFamily="34" charset="0"/>
+                <a:cs typeface="Arial" panose="020B0604020202020204" pitchFamily="34" charset="0"/>
+              </a:rPr>
+              <a:t>Strategizing</a:t>
+            </a:r>
+            <a:endParaRPr lang="en-US" dirty="0"/>
+          </a:p>
+        </p:txBody>
+      </p:sp>
+    </p:spTree>
+    <p:extLst>
+      <p:ext uri="{BB962C8B-B14F-4D97-AF65-F5344CB8AC3E}">
+        <p14:creationId xmlns:p14="http://schemas.microsoft.com/office/powerpoint/2010/main" val="314093017"/>
+      </p:ext>
+    </p:extLst>
+  </p:cSld>
+  <p:clrMapOvr>
+    <a:masterClrMapping/>
+  </p:clrMapOvr>
+</p:sld>
+</file>
+
+<file path=ppt/slides/slide11.xml><?xml version="1.0" encoding="utf-8"?>
 <p:sld xmlns:a="http://schemas.openxmlformats.org/drawingml/2006/main" xmlns:r="http://schemas.openxmlformats.org/officeDocument/2006/relationships" xmlns:p="http://schemas.openxmlformats.org/presentationml/2006/main">
   <p:cSld>
     <p:spTree>
@@ -26298,7 +26497,7 @@
           <p:cNvPr id="7" name="Group 6">
             <a:extLst>
               <a:ext uri="{FF2B5EF4-FFF2-40B4-BE49-F238E27FC236}">
-                <a16:creationId xmlns="" xmlns:a16="http://schemas.microsoft.com/office/drawing/2014/main" id="{A8561038-DE88-4359-BE6C-A8A161683EA4}"/>
+                <a16:creationId xmlns:a16="http://schemas.microsoft.com/office/drawing/2014/main" id="{A8561038-DE88-4359-BE6C-A8A161683EA4}"/>
               </a:ext>
             </a:extLst>
           </p:cNvPr>
@@ -26318,7 +26517,7 @@
             <p:cNvPr id="16" name="Arrow: Circular 15">
               <a:extLst>
                 <a:ext uri="{FF2B5EF4-FFF2-40B4-BE49-F238E27FC236}">
-                  <a16:creationId xmlns="" xmlns:a16="http://schemas.microsoft.com/office/drawing/2014/main" id="{F284D861-CC57-434F-AE13-62D12C205157}"/>
+                  <a16:creationId xmlns:a16="http://schemas.microsoft.com/office/drawing/2014/main" id="{F284D861-CC57-434F-AE13-62D12C205157}"/>
                 </a:ext>
               </a:extLst>
             </p:cNvPr>
@@ -26381,7 +26580,7 @@
             <p:cNvPr id="21" name="Freeform: Shape 20">
               <a:extLst>
                 <a:ext uri="{FF2B5EF4-FFF2-40B4-BE49-F238E27FC236}">
-                  <a16:creationId xmlns="" xmlns:a16="http://schemas.microsoft.com/office/drawing/2014/main" id="{569B1660-42B8-47F7-8895-3F50C17724C8}"/>
+                  <a16:creationId xmlns:a16="http://schemas.microsoft.com/office/drawing/2014/main" id="{569B1660-42B8-47F7-8895-3F50C17724C8}"/>
                 </a:ext>
               </a:extLst>
             </p:cNvPr>
@@ -26512,7 +26711,7 @@
             <p:cNvPr id="22" name="Shape 21">
               <a:extLst>
                 <a:ext uri="{FF2B5EF4-FFF2-40B4-BE49-F238E27FC236}">
-                  <a16:creationId xmlns="" xmlns:a16="http://schemas.microsoft.com/office/drawing/2014/main" id="{1DFD1396-D97A-4438-96C5-867C86C04866}"/>
+                  <a16:creationId xmlns:a16="http://schemas.microsoft.com/office/drawing/2014/main" id="{1DFD1396-D97A-4438-96C5-867C86C04866}"/>
                 </a:ext>
               </a:extLst>
             </p:cNvPr>
@@ -26575,7 +26774,7 @@
             <p:cNvPr id="23" name="Freeform: Shape 22">
               <a:extLst>
                 <a:ext uri="{FF2B5EF4-FFF2-40B4-BE49-F238E27FC236}">
-                  <a16:creationId xmlns="" xmlns:a16="http://schemas.microsoft.com/office/drawing/2014/main" id="{7DFE206A-E4B7-424E-B634-62CBE811CC85}"/>
+                  <a16:creationId xmlns:a16="http://schemas.microsoft.com/office/drawing/2014/main" id="{7DFE206A-E4B7-424E-B634-62CBE811CC85}"/>
                 </a:ext>
               </a:extLst>
             </p:cNvPr>
@@ -26706,7 +26905,7 @@
             <p:cNvPr id="24" name="Block Arc 23">
               <a:extLst>
                 <a:ext uri="{FF2B5EF4-FFF2-40B4-BE49-F238E27FC236}">
-                  <a16:creationId xmlns="" xmlns:a16="http://schemas.microsoft.com/office/drawing/2014/main" id="{3617736B-EF56-44F0-89DD-052CDFB8A126}"/>
+                  <a16:creationId xmlns:a16="http://schemas.microsoft.com/office/drawing/2014/main" id="{3617736B-EF56-44F0-89DD-052CDFB8A126}"/>
                 </a:ext>
               </a:extLst>
             </p:cNvPr>
@@ -26767,7 +26966,7 @@
             <p:cNvPr id="25" name="Freeform: Shape 24">
               <a:extLst>
                 <a:ext uri="{FF2B5EF4-FFF2-40B4-BE49-F238E27FC236}">
-                  <a16:creationId xmlns="" xmlns:a16="http://schemas.microsoft.com/office/drawing/2014/main" id="{5F534E20-4911-4D0C-A42B-770F92F117B5}"/>
+                  <a16:creationId xmlns:a16="http://schemas.microsoft.com/office/drawing/2014/main" id="{5F534E20-4911-4D0C-A42B-770F92F117B5}"/>
                 </a:ext>
               </a:extLst>
             </p:cNvPr>
@@ -26899,7 +27098,7 @@
           <p:cNvPr id="40" name="Arrow: Right 39">
             <a:extLst>
               <a:ext uri="{FF2B5EF4-FFF2-40B4-BE49-F238E27FC236}">
-                <a16:creationId xmlns="" xmlns:a16="http://schemas.microsoft.com/office/drawing/2014/main" id="{AB7C45BA-0078-4BA1-A2B3-BC9A66ACD955}"/>
+                <a16:creationId xmlns:a16="http://schemas.microsoft.com/office/drawing/2014/main" id="{AB7C45BA-0078-4BA1-A2B3-BC9A66ACD955}"/>
               </a:ext>
             </a:extLst>
           </p:cNvPr>
@@ -26951,7 +27150,7 @@
           <p:cNvPr id="12" name="Picture 11" descr="A picture containing outdoor object&#10;&#10;Description generated with high confidence">
             <a:extLst>
               <a:ext uri="{FF2B5EF4-FFF2-40B4-BE49-F238E27FC236}">
-                <a16:creationId xmlns="" xmlns:a16="http://schemas.microsoft.com/office/drawing/2014/main" id="{684713F9-9ECF-4663-A027-A6113FA71893}"/>
+                <a16:creationId xmlns:a16="http://schemas.microsoft.com/office/drawing/2014/main" id="{684713F9-9ECF-4663-A027-A6113FA71893}"/>
               </a:ext>
             </a:extLst>
           </p:cNvPr>
@@ -26987,7 +27186,7 @@
           <p:cNvPr id="26" name="Rectangle 25">
             <a:extLst>
               <a:ext uri="{FF2B5EF4-FFF2-40B4-BE49-F238E27FC236}">
-                <a16:creationId xmlns="" xmlns:a16="http://schemas.microsoft.com/office/drawing/2014/main" id="{BB49DDA5-5677-40D8-B6EC-AF518F4EF4C9}"/>
+                <a16:creationId xmlns:a16="http://schemas.microsoft.com/office/drawing/2014/main" id="{BB49DDA5-5677-40D8-B6EC-AF518F4EF4C9}"/>
               </a:ext>
             </a:extLst>
           </p:cNvPr>
@@ -27045,7 +27244,7 @@
           <p:cNvPr id="57" name="Rectangle 56">
             <a:extLst>
               <a:ext uri="{FF2B5EF4-FFF2-40B4-BE49-F238E27FC236}">
-                <a16:creationId xmlns="" xmlns:a16="http://schemas.microsoft.com/office/drawing/2014/main" id="{48C55BC0-B2B6-499C-829C-664985214C5E}"/>
+                <a16:creationId xmlns:a16="http://schemas.microsoft.com/office/drawing/2014/main" id="{48C55BC0-B2B6-499C-829C-664985214C5E}"/>
               </a:ext>
             </a:extLst>
           </p:cNvPr>
@@ -27103,7 +27302,7 @@
           <p:cNvPr id="27" name="Rectangle 26">
             <a:extLst>
               <a:ext uri="{FF2B5EF4-FFF2-40B4-BE49-F238E27FC236}">
-                <a16:creationId xmlns="" xmlns:a16="http://schemas.microsoft.com/office/drawing/2014/main" id="{5A55CB4F-5432-46E9-93D9-15090BEF7BC3}"/>
+                <a16:creationId xmlns:a16="http://schemas.microsoft.com/office/drawing/2014/main" id="{5A55CB4F-5432-46E9-93D9-15090BEF7BC3}"/>
               </a:ext>
             </a:extLst>
           </p:cNvPr>
@@ -27155,7 +27354,7 @@
           <p:cNvPr id="59" name="Rectangle 58">
             <a:extLst>
               <a:ext uri="{FF2B5EF4-FFF2-40B4-BE49-F238E27FC236}">
-                <a16:creationId xmlns="" xmlns:a16="http://schemas.microsoft.com/office/drawing/2014/main" id="{82A87F86-E4B1-4EDF-A870-C3D51B76494E}"/>
+                <a16:creationId xmlns:a16="http://schemas.microsoft.com/office/drawing/2014/main" id="{82A87F86-E4B1-4EDF-A870-C3D51B76494E}"/>
               </a:ext>
             </a:extLst>
           </p:cNvPr>
@@ -27228,7 +27427,7 @@
           <p:cNvPr id="28" name="Rectangle 27">
             <a:extLst>
               <a:ext uri="{FF2B5EF4-FFF2-40B4-BE49-F238E27FC236}">
-                <a16:creationId xmlns="" xmlns:a16="http://schemas.microsoft.com/office/drawing/2014/main" id="{0C902A55-E171-462C-91BF-53B8EC2B1CED}"/>
+                <a16:creationId xmlns:a16="http://schemas.microsoft.com/office/drawing/2014/main" id="{0C902A55-E171-462C-91BF-53B8EC2B1CED}"/>
               </a:ext>
             </a:extLst>
           </p:cNvPr>
@@ -27269,7 +27468,7 @@
           <p:cNvPr id="61" name="Picture 9">
             <a:extLst>
               <a:ext uri="{FF2B5EF4-FFF2-40B4-BE49-F238E27FC236}">
-                <a16:creationId xmlns="" xmlns:a16="http://schemas.microsoft.com/office/drawing/2014/main" id="{7CA4DCD7-E1D7-43ED-A034-F7B8A33E4482}"/>
+                <a16:creationId xmlns:a16="http://schemas.microsoft.com/office/drawing/2014/main" id="{7CA4DCD7-E1D7-43ED-A034-F7B8A33E4482}"/>
               </a:ext>
             </a:extLst>
           </p:cNvPr>
@@ -27329,7 +27528,7 @@
           <p:cNvPr id="62" name="Picture 9">
             <a:extLst>
               <a:ext uri="{FF2B5EF4-FFF2-40B4-BE49-F238E27FC236}">
-                <a16:creationId xmlns="" xmlns:a16="http://schemas.microsoft.com/office/drawing/2014/main" id="{3E15DB23-C9A8-4D02-AED9-52AE9E42BC6F}"/>
+                <a16:creationId xmlns:a16="http://schemas.microsoft.com/office/drawing/2014/main" id="{3E15DB23-C9A8-4D02-AED9-52AE9E42BC6F}"/>
               </a:ext>
             </a:extLst>
           </p:cNvPr>
@@ -27389,7 +27588,7 @@
           <p:cNvPr id="63" name="Picture 9">
             <a:extLst>
               <a:ext uri="{FF2B5EF4-FFF2-40B4-BE49-F238E27FC236}">
-                <a16:creationId xmlns="" xmlns:a16="http://schemas.microsoft.com/office/drawing/2014/main" id="{F13E6F69-4653-4FC6-B420-2A3711660161}"/>
+                <a16:creationId xmlns:a16="http://schemas.microsoft.com/office/drawing/2014/main" id="{F13E6F69-4653-4FC6-B420-2A3711660161}"/>
               </a:ext>
             </a:extLst>
           </p:cNvPr>
@@ -27449,7 +27648,7 @@
           <p:cNvPr id="64" name="Picture 9">
             <a:extLst>
               <a:ext uri="{FF2B5EF4-FFF2-40B4-BE49-F238E27FC236}">
-                <a16:creationId xmlns="" xmlns:a16="http://schemas.microsoft.com/office/drawing/2014/main" id="{E58CD232-697B-4057-87B5-C852ACD14980}"/>
+                <a16:creationId xmlns:a16="http://schemas.microsoft.com/office/drawing/2014/main" id="{E58CD232-697B-4057-87B5-C852ACD14980}"/>
               </a:ext>
             </a:extLst>
           </p:cNvPr>
@@ -27509,7 +27708,7 @@
           <p:cNvPr id="65" name="Picture 9">
             <a:extLst>
               <a:ext uri="{FF2B5EF4-FFF2-40B4-BE49-F238E27FC236}">
-                <a16:creationId xmlns="" xmlns:a16="http://schemas.microsoft.com/office/drawing/2014/main" id="{55FA8B74-483B-4E18-A676-08845700F1B6}"/>
+                <a16:creationId xmlns:a16="http://schemas.microsoft.com/office/drawing/2014/main" id="{55FA8B74-483B-4E18-A676-08845700F1B6}"/>
               </a:ext>
             </a:extLst>
           </p:cNvPr>
@@ -27569,7 +27768,7 @@
           <p:cNvPr id="66" name="Picture 9">
             <a:extLst>
               <a:ext uri="{FF2B5EF4-FFF2-40B4-BE49-F238E27FC236}">
-                <a16:creationId xmlns="" xmlns:a16="http://schemas.microsoft.com/office/drawing/2014/main" id="{A6A6836D-4520-4E4E-8C8D-4E2DB3C2CF9F}"/>
+                <a16:creationId xmlns:a16="http://schemas.microsoft.com/office/drawing/2014/main" id="{A6A6836D-4520-4E4E-8C8D-4E2DB3C2CF9F}"/>
               </a:ext>
             </a:extLst>
           </p:cNvPr>
@@ -27629,7 +27828,7 @@
           <p:cNvPr id="73" name="Arrow: Right 72">
             <a:extLst>
               <a:ext uri="{FF2B5EF4-FFF2-40B4-BE49-F238E27FC236}">
-                <a16:creationId xmlns="" xmlns:a16="http://schemas.microsoft.com/office/drawing/2014/main" id="{8B51D19B-ED16-4D8F-91D9-264400D26995}"/>
+                <a16:creationId xmlns:a16="http://schemas.microsoft.com/office/drawing/2014/main" id="{8B51D19B-ED16-4D8F-91D9-264400D26995}"/>
               </a:ext>
             </a:extLst>
           </p:cNvPr>
@@ -27681,7 +27880,7 @@
           <p:cNvPr id="74" name="Rectangle 73">
             <a:extLst>
               <a:ext uri="{FF2B5EF4-FFF2-40B4-BE49-F238E27FC236}">
-                <a16:creationId xmlns="" xmlns:a16="http://schemas.microsoft.com/office/drawing/2014/main" id="{8C49519C-8ED0-42A2-827B-8EFE26EFEC6C}"/>
+                <a16:creationId xmlns:a16="http://schemas.microsoft.com/office/drawing/2014/main" id="{8C49519C-8ED0-42A2-827B-8EFE26EFEC6C}"/>
               </a:ext>
             </a:extLst>
           </p:cNvPr>
@@ -27739,7 +27938,7 @@
           <p:cNvPr id="41" name="Picture 40" descr="A close up of a logo&#10;&#10;Description generated with high confidence">
             <a:extLst>
               <a:ext uri="{FF2B5EF4-FFF2-40B4-BE49-F238E27FC236}">
-                <a16:creationId xmlns="" xmlns:a16="http://schemas.microsoft.com/office/drawing/2014/main" id="{1B1A1B10-88A1-4127-BDDC-654E374590CB}"/>
+                <a16:creationId xmlns:a16="http://schemas.microsoft.com/office/drawing/2014/main" id="{1B1A1B10-88A1-4127-BDDC-654E374590CB}"/>
               </a:ext>
             </a:extLst>
           </p:cNvPr>
@@ -27755,7 +27954,7 @@
                 <a14:useLocalDpi xmlns:a14="http://schemas.microsoft.com/office/drawing/2010/main" val="0"/>
               </a:ext>
               <a:ext uri="{837473B0-CC2E-450A-ABE3-18F120FF3D39}">
-                <a1611:picAttrSrcUrl xmlns="" xmlns:a1611="http://schemas.microsoft.com/office/drawing/2016/11/main" r:id="rId5"/>
+                <a1611:picAttrSrcUrl xmlns:a1611="http://schemas.microsoft.com/office/drawing/2016/11/main" r:id="rId5"/>
               </a:ext>
             </a:extLst>
           </a:blip>
@@ -27778,7 +27977,7 @@
           <p:cNvPr id="51" name="Picture 50" descr="A close up of a logo&#10;&#10;Description generated with very high confidence">
             <a:extLst>
               <a:ext uri="{FF2B5EF4-FFF2-40B4-BE49-F238E27FC236}">
-                <a16:creationId xmlns="" xmlns:a16="http://schemas.microsoft.com/office/drawing/2014/main" id="{12DB071B-9FE4-47F0-9242-7CA3AD89BA45}"/>
+                <a16:creationId xmlns:a16="http://schemas.microsoft.com/office/drawing/2014/main" id="{12DB071B-9FE4-47F0-9242-7CA3AD89BA45}"/>
               </a:ext>
             </a:extLst>
           </p:cNvPr>
@@ -27794,7 +27993,7 @@
                 <a14:useLocalDpi xmlns:a14="http://schemas.microsoft.com/office/drawing/2010/main" val="0"/>
               </a:ext>
               <a:ext uri="{837473B0-CC2E-450A-ABE3-18F120FF3D39}">
-                <a1611:picAttrSrcUrl xmlns="" xmlns:a1611="http://schemas.microsoft.com/office/drawing/2016/11/main" r:id="rId7"/>
+                <a1611:picAttrSrcUrl xmlns:a1611="http://schemas.microsoft.com/office/drawing/2016/11/main" r:id="rId7"/>
               </a:ext>
             </a:extLst>
           </a:blip>
@@ -27817,7 +28016,7 @@
           <p:cNvPr id="90" name="Rectangle 89">
             <a:extLst>
               <a:ext uri="{FF2B5EF4-FFF2-40B4-BE49-F238E27FC236}">
-                <a16:creationId xmlns="" xmlns:a16="http://schemas.microsoft.com/office/drawing/2014/main" id="{91289779-90EE-49B2-95D6-F41058463510}"/>
+                <a16:creationId xmlns:a16="http://schemas.microsoft.com/office/drawing/2014/main" id="{91289779-90EE-49B2-95D6-F41058463510}"/>
               </a:ext>
             </a:extLst>
           </p:cNvPr>
@@ -27859,7 +28058,7 @@
           <p:cNvPr id="91" name="Arrow: Right 90">
             <a:extLst>
               <a:ext uri="{FF2B5EF4-FFF2-40B4-BE49-F238E27FC236}">
-                <a16:creationId xmlns="" xmlns:a16="http://schemas.microsoft.com/office/drawing/2014/main" id="{3DBCC447-F731-44CE-896D-3CEE37C031A1}"/>
+                <a16:creationId xmlns:a16="http://schemas.microsoft.com/office/drawing/2014/main" id="{3DBCC447-F731-44CE-896D-3CEE37C031A1}"/>
               </a:ext>
             </a:extLst>
           </p:cNvPr>
@@ -27911,7 +28110,7 @@
           <p:cNvPr id="92" name="Rectangle 91">
             <a:extLst>
               <a:ext uri="{FF2B5EF4-FFF2-40B4-BE49-F238E27FC236}">
-                <a16:creationId xmlns="" xmlns:a16="http://schemas.microsoft.com/office/drawing/2014/main" id="{B3A00306-95B5-4F99-AAEA-74434B776B12}"/>
+                <a16:creationId xmlns:a16="http://schemas.microsoft.com/office/drawing/2014/main" id="{B3A00306-95B5-4F99-AAEA-74434B776B12}"/>
               </a:ext>
             </a:extLst>
           </p:cNvPr>
@@ -27969,7 +28168,7 @@
           <p:cNvPr id="53" name="Rectangle 52">
             <a:extLst>
               <a:ext uri="{FF2B5EF4-FFF2-40B4-BE49-F238E27FC236}">
-                <a16:creationId xmlns="" xmlns:a16="http://schemas.microsoft.com/office/drawing/2014/main" id="{388E73F8-63C8-46A9-B27C-C9211C204266}"/>
+                <a16:creationId xmlns:a16="http://schemas.microsoft.com/office/drawing/2014/main" id="{388E73F8-63C8-46A9-B27C-C9211C204266}"/>
               </a:ext>
             </a:extLst>
           </p:cNvPr>
@@ -28018,7 +28217,7 @@
           <p:cNvPr id="2" name="Rectangle 1">
             <a:extLst>
               <a:ext uri="{FF2B5EF4-FFF2-40B4-BE49-F238E27FC236}">
-                <a16:creationId xmlns="" xmlns:a16="http://schemas.microsoft.com/office/drawing/2014/main" id="{35B408D3-DC8D-4EBC-B037-59C4D3CD1A67}"/>
+                <a16:creationId xmlns:a16="http://schemas.microsoft.com/office/drawing/2014/main" id="{35B408D3-DC8D-4EBC-B037-59C4D3CD1A67}"/>
               </a:ext>
             </a:extLst>
           </p:cNvPr>
@@ -28064,7 +28263,7 @@
           <p:cNvPr id="31" name="Rectangle 30">
             <a:extLst>
               <a:ext uri="{FF2B5EF4-FFF2-40B4-BE49-F238E27FC236}">
-                <a16:creationId xmlns="" xmlns:a16="http://schemas.microsoft.com/office/drawing/2014/main" id="{837668D4-746D-44E8-9D48-A4F9B365EA7E}"/>
+                <a16:creationId xmlns:a16="http://schemas.microsoft.com/office/drawing/2014/main" id="{837668D4-746D-44E8-9D48-A4F9B365EA7E}"/>
               </a:ext>
             </a:extLst>
           </p:cNvPr>
@@ -28120,7 +28319,7 @@
           <p:cNvPr id="32" name="Rectangle 31">
             <a:extLst>
               <a:ext uri="{FF2B5EF4-FFF2-40B4-BE49-F238E27FC236}">
-                <a16:creationId xmlns="" xmlns:a16="http://schemas.microsoft.com/office/drawing/2014/main" id="{75D6D87D-383C-40BE-BD42-CBCEE986D241}"/>
+                <a16:creationId xmlns:a16="http://schemas.microsoft.com/office/drawing/2014/main" id="{75D6D87D-383C-40BE-BD42-CBCEE986D241}"/>
               </a:ext>
             </a:extLst>
           </p:cNvPr>
@@ -28188,7 +28387,7 @@
           <p:cNvPr id="4" name="Cloud 3">
             <a:extLst>
               <a:ext uri="{FF2B5EF4-FFF2-40B4-BE49-F238E27FC236}">
-                <a16:creationId xmlns="" xmlns:a16="http://schemas.microsoft.com/office/drawing/2014/main" id="{3141B1FA-0C65-4790-B026-C4DF262B0BD7}"/>
+                <a16:creationId xmlns:a16="http://schemas.microsoft.com/office/drawing/2014/main" id="{3141B1FA-0C65-4790-B026-C4DF262B0BD7}"/>
               </a:ext>
             </a:extLst>
           </p:cNvPr>
@@ -28299,7 +28498,7 @@
           <p:cNvPr id="12" name="Rectangle 11">
             <a:extLst>
               <a:ext uri="{FF2B5EF4-FFF2-40B4-BE49-F238E27FC236}">
-                <a16:creationId xmlns="" xmlns:a16="http://schemas.microsoft.com/office/drawing/2014/main" id="{1F37C778-DFF2-4C39-9755-E6BF0C148F35}"/>
+                <a16:creationId xmlns:a16="http://schemas.microsoft.com/office/drawing/2014/main" id="{1F37C778-DFF2-4C39-9755-E6BF0C148F35}"/>
               </a:ext>
             </a:extLst>
           </p:cNvPr>
@@ -28337,7 +28536,7 @@
           <p:cNvPr id="13" name="Rectangle 12">
             <a:extLst>
               <a:ext uri="{FF2B5EF4-FFF2-40B4-BE49-F238E27FC236}">
-                <a16:creationId xmlns="" xmlns:a16="http://schemas.microsoft.com/office/drawing/2014/main" id="{AD3DE133-097E-4D53-90A0-BDE00462AE50}"/>
+                <a16:creationId xmlns:a16="http://schemas.microsoft.com/office/drawing/2014/main" id="{AD3DE133-097E-4D53-90A0-BDE00462AE50}"/>
               </a:ext>
             </a:extLst>
           </p:cNvPr>
@@ -28375,7 +28574,7 @@
           <p:cNvPr id="14" name="Rectangle 13">
             <a:extLst>
               <a:ext uri="{FF2B5EF4-FFF2-40B4-BE49-F238E27FC236}">
-                <a16:creationId xmlns="" xmlns:a16="http://schemas.microsoft.com/office/drawing/2014/main" id="{92D4F564-9B8A-41F2-8344-AD34196FAFEF}"/>
+                <a16:creationId xmlns:a16="http://schemas.microsoft.com/office/drawing/2014/main" id="{92D4F564-9B8A-41F2-8344-AD34196FAFEF}"/>
               </a:ext>
             </a:extLst>
           </p:cNvPr>
@@ -28413,7 +28612,7 @@
           <p:cNvPr id="15" name="Rectangle 14">
             <a:extLst>
               <a:ext uri="{FF2B5EF4-FFF2-40B4-BE49-F238E27FC236}">
-                <a16:creationId xmlns="" xmlns:a16="http://schemas.microsoft.com/office/drawing/2014/main" id="{1116CA10-F054-4AF7-812F-2E14C3DB92A8}"/>
+                <a16:creationId xmlns:a16="http://schemas.microsoft.com/office/drawing/2014/main" id="{1116CA10-F054-4AF7-812F-2E14C3DB92A8}"/>
               </a:ext>
             </a:extLst>
           </p:cNvPr>
@@ -28451,7 +28650,7 @@
           <p:cNvPr id="16" name="Rectangle 15">
             <a:extLst>
               <a:ext uri="{FF2B5EF4-FFF2-40B4-BE49-F238E27FC236}">
-                <a16:creationId xmlns="" xmlns:a16="http://schemas.microsoft.com/office/drawing/2014/main" id="{63714086-3485-4087-A683-F1C203CF3F3A}"/>
+                <a16:creationId xmlns:a16="http://schemas.microsoft.com/office/drawing/2014/main" id="{63714086-3485-4087-A683-F1C203CF3F3A}"/>
               </a:ext>
             </a:extLst>
           </p:cNvPr>
@@ -28489,7 +28688,7 @@
           <p:cNvPr id="17" name="Rectangle 16">
             <a:extLst>
               <a:ext uri="{FF2B5EF4-FFF2-40B4-BE49-F238E27FC236}">
-                <a16:creationId xmlns="" xmlns:a16="http://schemas.microsoft.com/office/drawing/2014/main" id="{A871A22D-3138-4F20-953F-81B2D34BC353}"/>
+                <a16:creationId xmlns:a16="http://schemas.microsoft.com/office/drawing/2014/main" id="{A871A22D-3138-4F20-953F-81B2D34BC353}"/>
               </a:ext>
             </a:extLst>
           </p:cNvPr>
@@ -28516,26 +28715,19 @@
                 <a:latin typeface="Arial" panose="020B0604020202020204" pitchFamily="34" charset="0"/>
                 <a:cs typeface="Arial" panose="020B0604020202020204" pitchFamily="34" charset="0"/>
               </a:rPr>
-              <a:t>€</a:t>
-            </a:r>
-            <a:r>
-              <a:rPr lang="sv-SE" dirty="0" smtClean="0">
-                <a:latin typeface="Arial" panose="020B0604020202020204" pitchFamily="34" charset="0"/>
-                <a:cs typeface="Arial" panose="020B0604020202020204" pitchFamily="34" charset="0"/>
-              </a:rPr>
-              <a:t>20</a:t>
+              <a:t>€20</a:t>
             </a:r>
             <a:endParaRPr lang="en-US" dirty="0"/>
           </a:p>
           <a:p>
             <a:r>
-              <a:rPr lang="en-US" dirty="0" smtClean="0">
+              <a:rPr lang="en-US" dirty="0">
                 <a:latin typeface="Arial" panose="020B0604020202020204" pitchFamily="34" charset="0"/>
                 <a:cs typeface="Arial" panose="020B0604020202020204" pitchFamily="34" charset="0"/>
               </a:rPr>
               <a:t>€38 (2x)</a:t>
             </a:r>
-            <a:endParaRPr lang="sv-SE" dirty="0" smtClean="0">
+            <a:endParaRPr lang="sv-SE" dirty="0">
               <a:latin typeface="Arial" panose="020B0604020202020204" pitchFamily="34" charset="0"/>
               <a:cs typeface="Arial" panose="020B0604020202020204" pitchFamily="34" charset="0"/>
             </a:endParaRPr>
@@ -28547,7 +28739,7 @@
           <p:cNvPr id="18" name="Rectangle 17">
             <a:extLst>
               <a:ext uri="{FF2B5EF4-FFF2-40B4-BE49-F238E27FC236}">
-                <a16:creationId xmlns="" xmlns:a16="http://schemas.microsoft.com/office/drawing/2014/main" id="{35D06240-088C-41F7-9749-83216E384825}"/>
+                <a16:creationId xmlns:a16="http://schemas.microsoft.com/office/drawing/2014/main" id="{35D06240-088C-41F7-9749-83216E384825}"/>
               </a:ext>
             </a:extLst>
           </p:cNvPr>
@@ -28585,7 +28777,7 @@
           <p:cNvPr id="19" name="Rectangle 18">
             <a:extLst>
               <a:ext uri="{FF2B5EF4-FFF2-40B4-BE49-F238E27FC236}">
-                <a16:creationId xmlns="" xmlns:a16="http://schemas.microsoft.com/office/drawing/2014/main" id="{507C15F6-17F8-4344-860D-324D4C1B2851}"/>
+                <a16:creationId xmlns:a16="http://schemas.microsoft.com/office/drawing/2014/main" id="{507C15F6-17F8-4344-860D-324D4C1B2851}"/>
               </a:ext>
             </a:extLst>
           </p:cNvPr>
@@ -28623,7 +28815,7 @@
           <p:cNvPr id="20" name="Rectangle 19">
             <a:extLst>
               <a:ext uri="{FF2B5EF4-FFF2-40B4-BE49-F238E27FC236}">
-                <a16:creationId xmlns="" xmlns:a16="http://schemas.microsoft.com/office/drawing/2014/main" id="{C08A1ED6-5BE5-4CF2-BA4F-0BF592BA9433}"/>
+                <a16:creationId xmlns:a16="http://schemas.microsoft.com/office/drawing/2014/main" id="{C08A1ED6-5BE5-4CF2-BA4F-0BF592BA9433}"/>
               </a:ext>
             </a:extLst>
           </p:cNvPr>
@@ -28661,7 +28853,7 @@
           <p:cNvPr id="21" name="Rectangle 20">
             <a:extLst>
               <a:ext uri="{FF2B5EF4-FFF2-40B4-BE49-F238E27FC236}">
-                <a16:creationId xmlns="" xmlns:a16="http://schemas.microsoft.com/office/drawing/2014/main" id="{2CB84429-4C8B-4D28-B92A-683A872D3EF0}"/>
+                <a16:creationId xmlns:a16="http://schemas.microsoft.com/office/drawing/2014/main" id="{2CB84429-4C8B-4D28-B92A-683A872D3EF0}"/>
               </a:ext>
             </a:extLst>
           </p:cNvPr>
@@ -28699,7 +28891,7 @@
           <p:cNvPr id="23" name="Straight Arrow Connector 22">
             <a:extLst>
               <a:ext uri="{FF2B5EF4-FFF2-40B4-BE49-F238E27FC236}">
-                <a16:creationId xmlns="" xmlns:a16="http://schemas.microsoft.com/office/drawing/2014/main" id="{CF5BE959-978C-48AF-8508-DE76B7326356}"/>
+                <a16:creationId xmlns:a16="http://schemas.microsoft.com/office/drawing/2014/main" id="{CF5BE959-978C-48AF-8508-DE76B7326356}"/>
               </a:ext>
             </a:extLst>
           </p:cNvPr>
@@ -28746,7 +28938,7 @@
           <p:cNvPr id="24" name="Straight Arrow Connector 23">
             <a:extLst>
               <a:ext uri="{FF2B5EF4-FFF2-40B4-BE49-F238E27FC236}">
-                <a16:creationId xmlns="" xmlns:a16="http://schemas.microsoft.com/office/drawing/2014/main" id="{EA94AA31-2348-488D-AF95-C5BD4CD8C3FC}"/>
+                <a16:creationId xmlns:a16="http://schemas.microsoft.com/office/drawing/2014/main" id="{EA94AA31-2348-488D-AF95-C5BD4CD8C3FC}"/>
               </a:ext>
             </a:extLst>
           </p:cNvPr>
@@ -28790,7 +28982,7 @@
           <p:cNvPr id="28" name="Rectangle 27">
             <a:extLst>
               <a:ext uri="{FF2B5EF4-FFF2-40B4-BE49-F238E27FC236}">
-                <a16:creationId xmlns="" xmlns:a16="http://schemas.microsoft.com/office/drawing/2014/main" id="{FF0E0202-04C0-41BA-AD7D-C64268A08F36}"/>
+                <a16:creationId xmlns:a16="http://schemas.microsoft.com/office/drawing/2014/main" id="{FF0E0202-04C0-41BA-AD7D-C64268A08F36}"/>
               </a:ext>
             </a:extLst>
           </p:cNvPr>
@@ -28828,7 +29020,7 @@
           <p:cNvPr id="29" name="Straight Arrow Connector 28">
             <a:extLst>
               <a:ext uri="{FF2B5EF4-FFF2-40B4-BE49-F238E27FC236}">
-                <a16:creationId xmlns="" xmlns:a16="http://schemas.microsoft.com/office/drawing/2014/main" id="{AE1D563C-18F7-40C4-8C12-89E6F334705F}"/>
+                <a16:creationId xmlns:a16="http://schemas.microsoft.com/office/drawing/2014/main" id="{AE1D563C-18F7-40C4-8C12-89E6F334705F}"/>
               </a:ext>
             </a:extLst>
           </p:cNvPr>
@@ -28873,7 +29065,7 @@
           <p:cNvPr id="30" name="Rectangle 29">
             <a:extLst>
               <a:ext uri="{FF2B5EF4-FFF2-40B4-BE49-F238E27FC236}">
-                <a16:creationId xmlns="" xmlns:a16="http://schemas.microsoft.com/office/drawing/2014/main" id="{2AB490D3-2200-47DD-88EE-2B6DB3DFE0E5}"/>
+                <a16:creationId xmlns:a16="http://schemas.microsoft.com/office/drawing/2014/main" id="{2AB490D3-2200-47DD-88EE-2B6DB3DFE0E5}"/>
               </a:ext>
             </a:extLst>
           </p:cNvPr>
@@ -28925,7 +29117,7 @@
           <p:cNvPr id="31" name="Rectangle 30">
             <a:extLst>
               <a:ext uri="{FF2B5EF4-FFF2-40B4-BE49-F238E27FC236}">
-                <a16:creationId xmlns="" xmlns:a16="http://schemas.microsoft.com/office/drawing/2014/main" id="{A5AC5AEE-9CA9-4FBA-ABF1-040C70742F85}"/>
+                <a16:creationId xmlns:a16="http://schemas.microsoft.com/office/drawing/2014/main" id="{A5AC5AEE-9CA9-4FBA-ABF1-040C70742F85}"/>
               </a:ext>
             </a:extLst>
           </p:cNvPr>
@@ -28977,7 +29169,7 @@
           <p:cNvPr id="32" name="Oval 31">
             <a:extLst>
               <a:ext uri="{FF2B5EF4-FFF2-40B4-BE49-F238E27FC236}">
-                <a16:creationId xmlns="" xmlns:a16="http://schemas.microsoft.com/office/drawing/2014/main" id="{E3D788FF-545E-49BE-812A-B835E474F58E}"/>
+                <a16:creationId xmlns:a16="http://schemas.microsoft.com/office/drawing/2014/main" id="{E3D788FF-545E-49BE-812A-B835E474F58E}"/>
               </a:ext>
             </a:extLst>
           </p:cNvPr>
@@ -29029,7 +29221,7 @@
           <p:cNvPr id="33" name="Isosceles Triangle 32">
             <a:extLst>
               <a:ext uri="{FF2B5EF4-FFF2-40B4-BE49-F238E27FC236}">
-                <a16:creationId xmlns="" xmlns:a16="http://schemas.microsoft.com/office/drawing/2014/main" id="{3293596F-27FE-47F0-B885-CC2AE68D7DCA}"/>
+                <a16:creationId xmlns:a16="http://schemas.microsoft.com/office/drawing/2014/main" id="{3293596F-27FE-47F0-B885-CC2AE68D7DCA}"/>
               </a:ext>
             </a:extLst>
           </p:cNvPr>
@@ -29081,7 +29273,7 @@
           <p:cNvPr id="35" name="Rectangle 34">
             <a:extLst>
               <a:ext uri="{FF2B5EF4-FFF2-40B4-BE49-F238E27FC236}">
-                <a16:creationId xmlns="" xmlns:a16="http://schemas.microsoft.com/office/drawing/2014/main" id="{879F8447-5CD1-4C24-A2B0-C99C2D7F227E}"/>
+                <a16:creationId xmlns:a16="http://schemas.microsoft.com/office/drawing/2014/main" id="{879F8447-5CD1-4C24-A2B0-C99C2D7F227E}"/>
               </a:ext>
             </a:extLst>
           </p:cNvPr>
@@ -29135,7 +29327,7 @@
           <p:cNvPr id="36" name="Rectangle 35">
             <a:extLst>
               <a:ext uri="{FF2B5EF4-FFF2-40B4-BE49-F238E27FC236}">
-                <a16:creationId xmlns="" xmlns:a16="http://schemas.microsoft.com/office/drawing/2014/main" id="{5F4A4132-62A0-4359-A556-90169DF61140}"/>
+                <a16:creationId xmlns:a16="http://schemas.microsoft.com/office/drawing/2014/main" id="{5F4A4132-62A0-4359-A556-90169DF61140}"/>
               </a:ext>
             </a:extLst>
           </p:cNvPr>
@@ -29187,7 +29379,7 @@
           <p:cNvPr id="37" name="Rectangle 36">
             <a:extLst>
               <a:ext uri="{FF2B5EF4-FFF2-40B4-BE49-F238E27FC236}">
-                <a16:creationId xmlns="" xmlns:a16="http://schemas.microsoft.com/office/drawing/2014/main" id="{4B101870-D617-4B38-8C70-2394252B3323}"/>
+                <a16:creationId xmlns:a16="http://schemas.microsoft.com/office/drawing/2014/main" id="{4B101870-D617-4B38-8C70-2394252B3323}"/>
               </a:ext>
             </a:extLst>
           </p:cNvPr>
@@ -29243,7 +29435,7 @@
           <p:cNvPr id="38" name="Rectangle 37">
             <a:extLst>
               <a:ext uri="{FF2B5EF4-FFF2-40B4-BE49-F238E27FC236}">
-                <a16:creationId xmlns="" xmlns:a16="http://schemas.microsoft.com/office/drawing/2014/main" id="{C917C82C-58B7-4AA7-A94D-98D12F824498}"/>
+                <a16:creationId xmlns:a16="http://schemas.microsoft.com/office/drawing/2014/main" id="{C917C82C-58B7-4AA7-A94D-98D12F824498}"/>
               </a:ext>
             </a:extLst>
           </p:cNvPr>
@@ -29281,7 +29473,7 @@
           <p:cNvPr id="41" name="Rectangle 40">
             <a:extLst>
               <a:ext uri="{FF2B5EF4-FFF2-40B4-BE49-F238E27FC236}">
-                <a16:creationId xmlns="" xmlns:a16="http://schemas.microsoft.com/office/drawing/2014/main" id="{C96D5A3A-401E-4360-A926-9ADE459BBEF2}"/>
+                <a16:creationId xmlns:a16="http://schemas.microsoft.com/office/drawing/2014/main" id="{C96D5A3A-401E-4360-A926-9ADE459BBEF2}"/>
               </a:ext>
             </a:extLst>
           </p:cNvPr>
@@ -29337,7 +29529,7 @@
           <p:cNvPr id="42" name="Rectangle 41">
             <a:extLst>
               <a:ext uri="{FF2B5EF4-FFF2-40B4-BE49-F238E27FC236}">
-                <a16:creationId xmlns="" xmlns:a16="http://schemas.microsoft.com/office/drawing/2014/main" id="{2190B5B3-6D2B-4506-B8FE-FD7E6CB3E43D}"/>
+                <a16:creationId xmlns:a16="http://schemas.microsoft.com/office/drawing/2014/main" id="{2190B5B3-6D2B-4506-B8FE-FD7E6CB3E43D}"/>
               </a:ext>
             </a:extLst>
           </p:cNvPr>
@@ -29375,7 +29567,7 @@
           <p:cNvPr id="43" name="Oval 42">
             <a:extLst>
               <a:ext uri="{FF2B5EF4-FFF2-40B4-BE49-F238E27FC236}">
-                <a16:creationId xmlns="" xmlns:a16="http://schemas.microsoft.com/office/drawing/2014/main" id="{4D266B7E-018C-46ED-8D35-52F9E5B7E141}"/>
+                <a16:creationId xmlns:a16="http://schemas.microsoft.com/office/drawing/2014/main" id="{4D266B7E-018C-46ED-8D35-52F9E5B7E141}"/>
               </a:ext>
             </a:extLst>
           </p:cNvPr>
@@ -29427,7 +29619,7 @@
           <p:cNvPr id="44" name="Rectangle 43">
             <a:extLst>
               <a:ext uri="{FF2B5EF4-FFF2-40B4-BE49-F238E27FC236}">
-                <a16:creationId xmlns="" xmlns:a16="http://schemas.microsoft.com/office/drawing/2014/main" id="{7EE4F98B-E7AC-475C-9644-7DFFA759FB0B}"/>
+                <a16:creationId xmlns:a16="http://schemas.microsoft.com/office/drawing/2014/main" id="{7EE4F98B-E7AC-475C-9644-7DFFA759FB0B}"/>
               </a:ext>
             </a:extLst>
           </p:cNvPr>
@@ -29476,7 +29668,7 @@
           <p:cNvPr id="45" name="Rectangle 44">
             <a:extLst>
               <a:ext uri="{FF2B5EF4-FFF2-40B4-BE49-F238E27FC236}">
-                <a16:creationId xmlns="" xmlns:a16="http://schemas.microsoft.com/office/drawing/2014/main" id="{3317DF71-E5C0-4D1B-9FF7-14D271D9E7DA}"/>
+                <a16:creationId xmlns:a16="http://schemas.microsoft.com/office/drawing/2014/main" id="{3317DF71-E5C0-4D1B-9FF7-14D271D9E7DA}"/>
               </a:ext>
             </a:extLst>
           </p:cNvPr>
@@ -29514,7 +29706,7 @@
           <p:cNvPr id="47" name="Isosceles Triangle 46">
             <a:extLst>
               <a:ext uri="{FF2B5EF4-FFF2-40B4-BE49-F238E27FC236}">
-                <a16:creationId xmlns="" xmlns:a16="http://schemas.microsoft.com/office/drawing/2014/main" id="{365D57FF-0831-4183-8DC8-946B7A8F2BC8}"/>
+                <a16:creationId xmlns:a16="http://schemas.microsoft.com/office/drawing/2014/main" id="{365D57FF-0831-4183-8DC8-946B7A8F2BC8}"/>
               </a:ext>
             </a:extLst>
           </p:cNvPr>
@@ -29566,7 +29758,7 @@
           <p:cNvPr id="48" name="Rectangle 47">
             <a:extLst>
               <a:ext uri="{FF2B5EF4-FFF2-40B4-BE49-F238E27FC236}">
-                <a16:creationId xmlns="" xmlns:a16="http://schemas.microsoft.com/office/drawing/2014/main" id="{F5359955-D619-4358-950D-11FFC7F3CF9F}"/>
+                <a16:creationId xmlns:a16="http://schemas.microsoft.com/office/drawing/2014/main" id="{F5359955-D619-4358-950D-11FFC7F3CF9F}"/>
               </a:ext>
             </a:extLst>
           </p:cNvPr>
@@ -29618,7 +29810,7 @@
           <p:cNvPr id="49" name="Oval 48">
             <a:extLst>
               <a:ext uri="{FF2B5EF4-FFF2-40B4-BE49-F238E27FC236}">
-                <a16:creationId xmlns="" xmlns:a16="http://schemas.microsoft.com/office/drawing/2014/main" id="{C897382F-DB40-4D09-A46F-D78D8100EC22}"/>
+                <a16:creationId xmlns:a16="http://schemas.microsoft.com/office/drawing/2014/main" id="{C897382F-DB40-4D09-A46F-D78D8100EC22}"/>
               </a:ext>
             </a:extLst>
           </p:cNvPr>
@@ -29670,7 +29862,7 @@
           <p:cNvPr id="50" name="Isosceles Triangle 49">
             <a:extLst>
               <a:ext uri="{FF2B5EF4-FFF2-40B4-BE49-F238E27FC236}">
-                <a16:creationId xmlns="" xmlns:a16="http://schemas.microsoft.com/office/drawing/2014/main" id="{A701C5C9-AEA9-4193-9E85-0AB493C0BE10}"/>
+                <a16:creationId xmlns:a16="http://schemas.microsoft.com/office/drawing/2014/main" id="{A701C5C9-AEA9-4193-9E85-0AB493C0BE10}"/>
               </a:ext>
             </a:extLst>
           </p:cNvPr>
@@ -29722,7 +29914,7 @@
           <p:cNvPr id="51" name="Rectangle 50">
             <a:extLst>
               <a:ext uri="{FF2B5EF4-FFF2-40B4-BE49-F238E27FC236}">
-                <a16:creationId xmlns="" xmlns:a16="http://schemas.microsoft.com/office/drawing/2014/main" id="{0E76F026-2452-4896-A572-F7CE53C174A2}"/>
+                <a16:creationId xmlns:a16="http://schemas.microsoft.com/office/drawing/2014/main" id="{0E76F026-2452-4896-A572-F7CE53C174A2}"/>
               </a:ext>
             </a:extLst>
           </p:cNvPr>
@@ -29767,7 +29959,7 @@
           <p:cNvPr id="53" name="Rectangle 52">
             <a:extLst>
               <a:ext uri="{FF2B5EF4-FFF2-40B4-BE49-F238E27FC236}">
-                <a16:creationId xmlns="" xmlns:a16="http://schemas.microsoft.com/office/drawing/2014/main" id="{D5448F18-C362-4F8D-BDE9-67585A9F1232}"/>
+                <a16:creationId xmlns:a16="http://schemas.microsoft.com/office/drawing/2014/main" id="{D5448F18-C362-4F8D-BDE9-67585A9F1232}"/>
               </a:ext>
             </a:extLst>
           </p:cNvPr>
@@ -29790,7 +29982,7 @@
           <a:lstStyle/>
           <a:p>
             <a:r>
-              <a:rPr lang="sv-SE" dirty="0" smtClean="0">
+              <a:rPr lang="sv-SE" dirty="0">
                 <a:latin typeface="Arial" panose="020B0604020202020204" pitchFamily="34" charset="0"/>
                 <a:cs typeface="Arial" panose="020B0604020202020204" pitchFamily="34" charset="0"/>
               </a:rPr>
@@ -29805,7 +29997,7 @@
           <p:cNvPr id="54" name="Rectangle 53">
             <a:extLst>
               <a:ext uri="{FF2B5EF4-FFF2-40B4-BE49-F238E27FC236}">
-                <a16:creationId xmlns="" xmlns:a16="http://schemas.microsoft.com/office/drawing/2014/main" id="{CCB4F67D-B10C-40C9-BD04-30237B979029}"/>
+                <a16:creationId xmlns:a16="http://schemas.microsoft.com/office/drawing/2014/main" id="{CCB4F67D-B10C-40C9-BD04-30237B979029}"/>
               </a:ext>
             </a:extLst>
           </p:cNvPr>
@@ -29843,7 +30035,7 @@
           <p:cNvPr id="55" name="Rectangle 54">
             <a:extLst>
               <a:ext uri="{FF2B5EF4-FFF2-40B4-BE49-F238E27FC236}">
-                <a16:creationId xmlns="" xmlns:a16="http://schemas.microsoft.com/office/drawing/2014/main" id="{9BE72583-89CE-4A5E-BE1B-80DC1EEDC4BD}"/>
+                <a16:creationId xmlns:a16="http://schemas.microsoft.com/office/drawing/2014/main" id="{9BE72583-89CE-4A5E-BE1B-80DC1EEDC4BD}"/>
               </a:ext>
             </a:extLst>
           </p:cNvPr>
@@ -29895,7 +30087,7 @@
           <p:cNvPr id="58" name="Rectangle 57">
             <a:extLst>
               <a:ext uri="{FF2B5EF4-FFF2-40B4-BE49-F238E27FC236}">
-                <a16:creationId xmlns="" xmlns:a16="http://schemas.microsoft.com/office/drawing/2014/main" id="{008A882D-E05D-4360-9FE0-EAC6BFDC9DC1}"/>
+                <a16:creationId xmlns:a16="http://schemas.microsoft.com/office/drawing/2014/main" id="{008A882D-E05D-4360-9FE0-EAC6BFDC9DC1}"/>
               </a:ext>
             </a:extLst>
           </p:cNvPr>
@@ -29922,19 +30114,8 @@
                 <a:latin typeface="Arial" panose="020B0604020202020204" pitchFamily="34" charset="0"/>
                 <a:cs typeface="Arial" panose="020B0604020202020204" pitchFamily="34" charset="0"/>
               </a:rPr>
-              <a:t>Robot </a:t>
-            </a:r>
-            <a:r>
-              <a:rPr lang="sv-SE" b="1" dirty="0" smtClean="0">
-                <a:latin typeface="Arial" panose="020B0604020202020204" pitchFamily="34" charset="0"/>
-                <a:cs typeface="Arial" panose="020B0604020202020204" pitchFamily="34" charset="0"/>
-              </a:rPr>
-              <a:t>C</a:t>
-            </a:r>
-            <a:endParaRPr lang="sv-SE" b="1" dirty="0">
-              <a:latin typeface="Arial" panose="020B0604020202020204" pitchFamily="34" charset="0"/>
-              <a:cs typeface="Arial" panose="020B0604020202020204" pitchFamily="34" charset="0"/>
-            </a:endParaRPr>
+              <a:t>Robot C</a:t>
+            </a:r>
           </a:p>
           <a:p>
             <a:r>
@@ -29952,14 +30133,7 @@
                 <a:latin typeface="Arial" panose="020B0604020202020204" pitchFamily="34" charset="0"/>
                 <a:cs typeface="Arial" panose="020B0604020202020204" pitchFamily="34" charset="0"/>
               </a:rPr>
-              <a:t>= €</a:t>
-            </a:r>
-            <a:r>
-              <a:rPr lang="sv-SE" dirty="0" smtClean="0">
-                <a:latin typeface="Arial" panose="020B0604020202020204" pitchFamily="34" charset="0"/>
-                <a:cs typeface="Arial" panose="020B0604020202020204" pitchFamily="34" charset="0"/>
-              </a:rPr>
-              <a:t>93</a:t>
+              <a:t>= €93</a:t>
             </a:r>
             <a:endParaRPr lang="en-US" dirty="0"/>
           </a:p>
@@ -29970,7 +30144,7 @@
           <p:cNvPr id="59" name="Rectangle 58">
             <a:extLst>
               <a:ext uri="{FF2B5EF4-FFF2-40B4-BE49-F238E27FC236}">
-                <a16:creationId xmlns="" xmlns:a16="http://schemas.microsoft.com/office/drawing/2014/main" id="{056EDE35-63CE-478C-8ED2-7E7F75128045}"/>
+                <a16:creationId xmlns:a16="http://schemas.microsoft.com/office/drawing/2014/main" id="{056EDE35-63CE-478C-8ED2-7E7F75128045}"/>
               </a:ext>
             </a:extLst>
           </p:cNvPr>
@@ -29993,7 +30167,7 @@
           <a:lstStyle/>
           <a:p>
             <a:r>
-              <a:rPr lang="sv-SE" b="1" dirty="0" smtClean="0">
+              <a:rPr lang="sv-SE" b="1" dirty="0">
                 <a:latin typeface="Arial" panose="020B0604020202020204" pitchFamily="34" charset="0"/>
                 <a:cs typeface="Arial" panose="020B0604020202020204" pitchFamily="34" charset="0"/>
               </a:rPr>
@@ -30002,7 +30176,7 @@
           </a:p>
           <a:p>
             <a:r>
-              <a:rPr lang="sv-SE" dirty="0" smtClean="0">
+              <a:rPr lang="sv-SE" dirty="0">
                 <a:latin typeface="Arial" panose="020B0604020202020204" pitchFamily="34" charset="0"/>
                 <a:cs typeface="Arial" panose="020B0604020202020204" pitchFamily="34" charset="0"/>
               </a:rPr>
@@ -30020,18 +30194,11 @@
           </a:p>
           <a:p>
             <a:r>
-              <a:rPr lang="sv-SE" dirty="0" smtClean="0">
-                <a:latin typeface="Arial" panose="020B0604020202020204" pitchFamily="34" charset="0"/>
-                <a:cs typeface="Arial" panose="020B0604020202020204" pitchFamily="34" charset="0"/>
-              </a:rPr>
-              <a:t>Basic </a:t>
-            </a:r>
-            <a:r>
               <a:rPr lang="sv-SE" dirty="0">
                 <a:latin typeface="Arial" panose="020B0604020202020204" pitchFamily="34" charset="0"/>
                 <a:cs typeface="Arial" panose="020B0604020202020204" pitchFamily="34" charset="0"/>
               </a:rPr>
-              <a:t>Melee Bot</a:t>
+              <a:t>Basic Melee Bot</a:t>
             </a:r>
           </a:p>
           <a:p>
@@ -30041,14 +30208,7 @@
                 <a:latin typeface="Arial" panose="020B0604020202020204" pitchFamily="34" charset="0"/>
                 <a:cs typeface="Arial" panose="020B0604020202020204" pitchFamily="34" charset="0"/>
               </a:rPr>
-              <a:t>= €</a:t>
-            </a:r>
-            <a:r>
-              <a:rPr lang="sv-SE" dirty="0" smtClean="0">
-                <a:latin typeface="Arial" panose="020B0604020202020204" pitchFamily="34" charset="0"/>
-                <a:cs typeface="Arial" panose="020B0604020202020204" pitchFamily="34" charset="0"/>
-              </a:rPr>
-              <a:t>93</a:t>
+              <a:t>= €93</a:t>
             </a:r>
             <a:endParaRPr lang="en-US" dirty="0"/>
           </a:p>
@@ -30059,7 +30219,7 @@
           <p:cNvPr id="61" name="Rectangle 60">
             <a:extLst>
               <a:ext uri="{FF2B5EF4-FFF2-40B4-BE49-F238E27FC236}">
-                <a16:creationId xmlns="" xmlns:a16="http://schemas.microsoft.com/office/drawing/2014/main" id="{2555CB7B-E89E-4FAA-90C1-77E7EDE66192}"/>
+                <a16:creationId xmlns:a16="http://schemas.microsoft.com/office/drawing/2014/main" id="{2555CB7B-E89E-4FAA-90C1-77E7EDE66192}"/>
               </a:ext>
             </a:extLst>
           </p:cNvPr>
@@ -30097,7 +30257,7 @@
           <p:cNvPr id="62" name="Straight Arrow Connector 61">
             <a:extLst>
               <a:ext uri="{FF2B5EF4-FFF2-40B4-BE49-F238E27FC236}">
-                <a16:creationId xmlns="" xmlns:a16="http://schemas.microsoft.com/office/drawing/2014/main" id="{CD0D2D9E-BF44-4F05-8A34-7D366C108330}"/>
+                <a16:creationId xmlns:a16="http://schemas.microsoft.com/office/drawing/2014/main" id="{CD0D2D9E-BF44-4F05-8A34-7D366C108330}"/>
               </a:ext>
             </a:extLst>
           </p:cNvPr>
@@ -30143,7 +30303,7 @@
           <p:cNvPr id="65" name="Straight Arrow Connector 64">
             <a:extLst>
               <a:ext uri="{FF2B5EF4-FFF2-40B4-BE49-F238E27FC236}">
-                <a16:creationId xmlns="" xmlns:a16="http://schemas.microsoft.com/office/drawing/2014/main" id="{246C7C9F-0B2A-4180-BBF3-91835824417D}"/>
+                <a16:creationId xmlns:a16="http://schemas.microsoft.com/office/drawing/2014/main" id="{246C7C9F-0B2A-4180-BBF3-91835824417D}"/>
               </a:ext>
             </a:extLst>
           </p:cNvPr>
@@ -30188,7 +30348,7 @@
           <p:cNvPr id="69" name="Rectangle 68">
             <a:extLst>
               <a:ext uri="{FF2B5EF4-FFF2-40B4-BE49-F238E27FC236}">
-                <a16:creationId xmlns="" xmlns:a16="http://schemas.microsoft.com/office/drawing/2014/main" id="{C83A164E-C563-4661-88E8-6ECF4A2EFD91}"/>
+                <a16:creationId xmlns:a16="http://schemas.microsoft.com/office/drawing/2014/main" id="{C83A164E-C563-4661-88E8-6ECF4A2EFD91}"/>
               </a:ext>
             </a:extLst>
           </p:cNvPr>
@@ -30240,7 +30400,7 @@
           <p:cNvPr id="70" name="Rectangle 69">
             <a:extLst>
               <a:ext uri="{FF2B5EF4-FFF2-40B4-BE49-F238E27FC236}">
-                <a16:creationId xmlns="" xmlns:a16="http://schemas.microsoft.com/office/drawing/2014/main" id="{63126789-69EB-4A05-B3F1-9FBBE1870485}"/>
+                <a16:creationId xmlns:a16="http://schemas.microsoft.com/office/drawing/2014/main" id="{63126789-69EB-4A05-B3F1-9FBBE1870485}"/>
               </a:ext>
             </a:extLst>
           </p:cNvPr>
@@ -30286,7 +30446,7 @@
           <p:cNvPr id="71" name="Rectangle 70">
             <a:extLst>
               <a:ext uri="{FF2B5EF4-FFF2-40B4-BE49-F238E27FC236}">
-                <a16:creationId xmlns="" xmlns:a16="http://schemas.microsoft.com/office/drawing/2014/main" id="{344B0749-0CB8-4421-876A-8DFE0A980333}"/>
+                <a16:creationId xmlns:a16="http://schemas.microsoft.com/office/drawing/2014/main" id="{344B0749-0CB8-4421-876A-8DFE0A980333}"/>
               </a:ext>
             </a:extLst>
           </p:cNvPr>
@@ -30325,7 +30485,7 @@
           <p:cNvPr id="72" name="Straight Arrow Connector 71">
             <a:extLst>
               <a:ext uri="{FF2B5EF4-FFF2-40B4-BE49-F238E27FC236}">
-                <a16:creationId xmlns="" xmlns:a16="http://schemas.microsoft.com/office/drawing/2014/main" id="{ED92BC3B-9A65-49BB-A725-60214763FBDC}"/>
+                <a16:creationId xmlns:a16="http://schemas.microsoft.com/office/drawing/2014/main" id="{ED92BC3B-9A65-49BB-A725-60214763FBDC}"/>
               </a:ext>
             </a:extLst>
           </p:cNvPr>
@@ -30369,7 +30529,7 @@
           <p:cNvPr id="75" name="Straight Arrow Connector 74">
             <a:extLst>
               <a:ext uri="{FF2B5EF4-FFF2-40B4-BE49-F238E27FC236}">
-                <a16:creationId xmlns="" xmlns:a16="http://schemas.microsoft.com/office/drawing/2014/main" id="{2077B21C-FF58-4DD2-A484-CB04AB2993AE}"/>
+                <a16:creationId xmlns:a16="http://schemas.microsoft.com/office/drawing/2014/main" id="{2077B21C-FF58-4DD2-A484-CB04AB2993AE}"/>
               </a:ext>
             </a:extLst>
           </p:cNvPr>
@@ -30413,7 +30573,7 @@
           <p:cNvPr id="77" name="Rectangle 76">
             <a:extLst>
               <a:ext uri="{FF2B5EF4-FFF2-40B4-BE49-F238E27FC236}">
-                <a16:creationId xmlns="" xmlns:a16="http://schemas.microsoft.com/office/drawing/2014/main" id="{B88EADB8-1203-446F-A495-2DCA82F847EF}"/>
+                <a16:creationId xmlns:a16="http://schemas.microsoft.com/office/drawing/2014/main" id="{B88EADB8-1203-446F-A495-2DCA82F847EF}"/>
               </a:ext>
             </a:extLst>
           </p:cNvPr>
@@ -30451,7 +30611,7 @@
           <p:cNvPr id="78" name="Straight Arrow Connector 77">
             <a:extLst>
               <a:ext uri="{FF2B5EF4-FFF2-40B4-BE49-F238E27FC236}">
-                <a16:creationId xmlns="" xmlns:a16="http://schemas.microsoft.com/office/drawing/2014/main" id="{396437B9-EEFB-4A03-B933-1CDFB1C8BC64}"/>
+                <a16:creationId xmlns:a16="http://schemas.microsoft.com/office/drawing/2014/main" id="{396437B9-EEFB-4A03-B933-1CDFB1C8BC64}"/>
               </a:ext>
             </a:extLst>
           </p:cNvPr>
@@ -30496,7 +30656,7 @@
           <p:cNvPr id="79" name="Rectangle 78">
             <a:extLst>
               <a:ext uri="{FF2B5EF4-FFF2-40B4-BE49-F238E27FC236}">
-                <a16:creationId xmlns="" xmlns:a16="http://schemas.microsoft.com/office/drawing/2014/main" id="{48CD2476-701A-4C45-9F84-14B0B78541D7}"/>
+                <a16:creationId xmlns:a16="http://schemas.microsoft.com/office/drawing/2014/main" id="{48CD2476-701A-4C45-9F84-14B0B78541D7}"/>
               </a:ext>
             </a:extLst>
           </p:cNvPr>
@@ -30568,10 +30728,2359 @@
       </p:grpSpPr>
       <p:sp>
         <p:nvSpPr>
+          <p:cNvPr id="4" name="Cloud 3">
+            <a:extLst>
+              <a:ext uri="{FF2B5EF4-FFF2-40B4-BE49-F238E27FC236}">
+                <a16:creationId xmlns:a16="http://schemas.microsoft.com/office/drawing/2014/main" id="{3141B1FA-0C65-4790-B026-C4DF262B0BD7}"/>
+              </a:ext>
+            </a:extLst>
+          </p:cNvPr>
+          <p:cNvSpPr/>
+          <p:nvPr/>
+        </p:nvSpPr>
+        <p:spPr>
+          <a:xfrm>
+            <a:off x="78658" y="285137"/>
+            <a:ext cx="9910916" cy="4119716"/>
+          </a:xfrm>
+          <a:prstGeom prst="cloud">
+            <a:avLst/>
+          </a:prstGeom>
+          <a:noFill/>
+          <a:ln>
+            <a:solidFill>
+              <a:schemeClr val="tx1"/>
+            </a:solidFill>
+          </a:ln>
+        </p:spPr>
+        <p:style>
+          <a:lnRef idx="2">
+            <a:schemeClr val="accent1">
+              <a:shade val="50000"/>
+            </a:schemeClr>
+          </a:lnRef>
+          <a:fillRef idx="1">
+            <a:schemeClr val="accent1"/>
+          </a:fillRef>
+          <a:effectRef idx="0">
+            <a:schemeClr val="accent1"/>
+          </a:effectRef>
+          <a:fontRef idx="minor">
+            <a:schemeClr val="lt1"/>
+          </a:fontRef>
+        </p:style>
+        <p:txBody>
+          <a:bodyPr rtlCol="0" anchor="ctr"/>
+          <a:lstStyle/>
+          <a:p>
+            <a:pPr algn="ctr"/>
+            <a:r>
+              <a:rPr lang="sv-SE" sz="2800" dirty="0">
+                <a:solidFill>
+                  <a:schemeClr val="tx1"/>
+                </a:solidFill>
+                <a:latin typeface="Arial" panose="020B0604020202020204" pitchFamily="34" charset="0"/>
+                <a:cs typeface="Arial" panose="020B0604020202020204" pitchFamily="34" charset="0"/>
+              </a:rPr>
+              <a:t>Robot Market</a:t>
+            </a:r>
+          </a:p>
+          <a:p>
+            <a:pPr algn="ctr"/>
+            <a:endParaRPr lang="sv-SE" sz="2800" dirty="0">
+              <a:solidFill>
+                <a:schemeClr val="tx1"/>
+              </a:solidFill>
+              <a:latin typeface="Arial" panose="020B0604020202020204" pitchFamily="34" charset="0"/>
+              <a:cs typeface="Arial" panose="020B0604020202020204" pitchFamily="34" charset="0"/>
+            </a:endParaRPr>
+          </a:p>
+          <a:p>
+            <a:pPr algn="ctr"/>
+            <a:endParaRPr lang="sv-SE" sz="2800" dirty="0">
+              <a:solidFill>
+                <a:schemeClr val="tx1"/>
+              </a:solidFill>
+              <a:latin typeface="Arial" panose="020B0604020202020204" pitchFamily="34" charset="0"/>
+              <a:cs typeface="Arial" panose="020B0604020202020204" pitchFamily="34" charset="0"/>
+            </a:endParaRPr>
+          </a:p>
+          <a:p>
+            <a:pPr algn="ctr"/>
+            <a:endParaRPr lang="sv-SE" sz="2800" dirty="0">
+              <a:solidFill>
+                <a:schemeClr val="tx1"/>
+              </a:solidFill>
+              <a:latin typeface="Arial" panose="020B0604020202020204" pitchFamily="34" charset="0"/>
+              <a:cs typeface="Arial" panose="020B0604020202020204" pitchFamily="34" charset="0"/>
+            </a:endParaRPr>
+          </a:p>
+          <a:p>
+            <a:pPr algn="ctr"/>
+            <a:endParaRPr lang="sv-SE" sz="2800" dirty="0">
+              <a:solidFill>
+                <a:schemeClr val="tx1"/>
+              </a:solidFill>
+              <a:latin typeface="Arial" panose="020B0604020202020204" pitchFamily="34" charset="0"/>
+              <a:cs typeface="Arial" panose="020B0604020202020204" pitchFamily="34" charset="0"/>
+            </a:endParaRPr>
+          </a:p>
+          <a:p>
+            <a:pPr algn="ctr"/>
+            <a:endParaRPr lang="en-US" sz="2800" dirty="0">
+              <a:solidFill>
+                <a:schemeClr val="tx1"/>
+              </a:solidFill>
+              <a:latin typeface="Arial" panose="020B0604020202020204" pitchFamily="34" charset="0"/>
+              <a:cs typeface="Arial" panose="020B0604020202020204" pitchFamily="34" charset="0"/>
+            </a:endParaRPr>
+          </a:p>
+        </p:txBody>
+      </p:sp>
+      <p:sp>
+        <p:nvSpPr>
+          <p:cNvPr id="12" name="Rectangle 11">
+            <a:extLst>
+              <a:ext uri="{FF2B5EF4-FFF2-40B4-BE49-F238E27FC236}">
+                <a16:creationId xmlns:a16="http://schemas.microsoft.com/office/drawing/2014/main" id="{1F37C778-DFF2-4C39-9755-E6BF0C148F35}"/>
+              </a:ext>
+            </a:extLst>
+          </p:cNvPr>
+          <p:cNvSpPr/>
+          <p:nvPr/>
+        </p:nvSpPr>
+        <p:spPr>
+          <a:xfrm>
+            <a:off x="1100336" y="2821837"/>
+            <a:ext cx="1005468" cy="369332"/>
+          </a:xfrm>
+          <a:prstGeom prst="rect">
+            <a:avLst/>
+          </a:prstGeom>
+        </p:spPr>
+        <p:txBody>
+          <a:bodyPr wrap="none">
+            <a:spAutoFit/>
+          </a:bodyPr>
+          <a:lstStyle/>
+          <a:p>
+            <a:r>
+              <a:rPr lang="sv-SE" dirty="0">
+                <a:latin typeface="Arial" panose="020B0604020202020204" pitchFamily="34" charset="0"/>
+                <a:cs typeface="Arial" panose="020B0604020202020204" pitchFamily="34" charset="0"/>
+              </a:rPr>
+              <a:t>Robot A</a:t>
+            </a:r>
+            <a:endParaRPr lang="en-US" dirty="0"/>
+          </a:p>
+        </p:txBody>
+      </p:sp>
+      <p:sp>
+        <p:nvSpPr>
+          <p:cNvPr id="13" name="Rectangle 12">
+            <a:extLst>
+              <a:ext uri="{FF2B5EF4-FFF2-40B4-BE49-F238E27FC236}">
+                <a16:creationId xmlns:a16="http://schemas.microsoft.com/office/drawing/2014/main" id="{AD3DE133-097E-4D53-90A0-BDE00462AE50}"/>
+              </a:ext>
+            </a:extLst>
+          </p:cNvPr>
+          <p:cNvSpPr/>
+          <p:nvPr/>
+        </p:nvSpPr>
+        <p:spPr>
+          <a:xfrm>
+            <a:off x="2131268" y="3302104"/>
+            <a:ext cx="1018227" cy="369332"/>
+          </a:xfrm>
+          <a:prstGeom prst="rect">
+            <a:avLst/>
+          </a:prstGeom>
+        </p:spPr>
+        <p:txBody>
+          <a:bodyPr wrap="none">
+            <a:spAutoFit/>
+          </a:bodyPr>
+          <a:lstStyle/>
+          <a:p>
+            <a:r>
+              <a:rPr lang="sv-SE" dirty="0">
+                <a:latin typeface="Arial" panose="020B0604020202020204" pitchFamily="34" charset="0"/>
+                <a:cs typeface="Arial" panose="020B0604020202020204" pitchFamily="34" charset="0"/>
+              </a:rPr>
+              <a:t>Robot B</a:t>
+            </a:r>
+            <a:endParaRPr lang="en-US" dirty="0"/>
+          </a:p>
+        </p:txBody>
+      </p:sp>
+      <p:sp>
+        <p:nvSpPr>
+          <p:cNvPr id="14" name="Rectangle 13">
+            <a:extLst>
+              <a:ext uri="{FF2B5EF4-FFF2-40B4-BE49-F238E27FC236}">
+                <a16:creationId xmlns:a16="http://schemas.microsoft.com/office/drawing/2014/main" id="{92D4F564-9B8A-41F2-8344-AD34196FAFEF}"/>
+              </a:ext>
+            </a:extLst>
+          </p:cNvPr>
+          <p:cNvSpPr/>
+          <p:nvPr/>
+        </p:nvSpPr>
+        <p:spPr>
+          <a:xfrm>
+            <a:off x="3322308" y="2748535"/>
+            <a:ext cx="1031051" cy="369332"/>
+          </a:xfrm>
+          <a:prstGeom prst="rect">
+            <a:avLst/>
+          </a:prstGeom>
+        </p:spPr>
+        <p:txBody>
+          <a:bodyPr wrap="none">
+            <a:spAutoFit/>
+          </a:bodyPr>
+          <a:lstStyle/>
+          <a:p>
+            <a:r>
+              <a:rPr lang="sv-SE" dirty="0">
+                <a:latin typeface="Arial" panose="020B0604020202020204" pitchFamily="34" charset="0"/>
+                <a:cs typeface="Arial" panose="020B0604020202020204" pitchFamily="34" charset="0"/>
+              </a:rPr>
+              <a:t>Robot C</a:t>
+            </a:r>
+            <a:endParaRPr lang="en-US" dirty="0"/>
+          </a:p>
+        </p:txBody>
+      </p:sp>
+      <p:sp>
+        <p:nvSpPr>
+          <p:cNvPr id="15" name="Rectangle 14">
+            <a:extLst>
+              <a:ext uri="{FF2B5EF4-FFF2-40B4-BE49-F238E27FC236}">
+                <a16:creationId xmlns:a16="http://schemas.microsoft.com/office/drawing/2014/main" id="{1116CA10-F054-4AF7-812F-2E14C3DB92A8}"/>
+              </a:ext>
+            </a:extLst>
+          </p:cNvPr>
+          <p:cNvSpPr/>
+          <p:nvPr/>
+        </p:nvSpPr>
+        <p:spPr>
+          <a:xfrm>
+            <a:off x="4581462" y="2724948"/>
+            <a:ext cx="1031051" cy="369332"/>
+          </a:xfrm>
+          <a:prstGeom prst="rect">
+            <a:avLst/>
+          </a:prstGeom>
+        </p:spPr>
+        <p:txBody>
+          <a:bodyPr wrap="none">
+            <a:spAutoFit/>
+          </a:bodyPr>
+          <a:lstStyle/>
+          <a:p>
+            <a:r>
+              <a:rPr lang="sv-SE" dirty="0">
+                <a:latin typeface="Arial" panose="020B0604020202020204" pitchFamily="34" charset="0"/>
+                <a:cs typeface="Arial" panose="020B0604020202020204" pitchFamily="34" charset="0"/>
+              </a:rPr>
+              <a:t>Robot D</a:t>
+            </a:r>
+            <a:endParaRPr lang="en-US" dirty="0"/>
+          </a:p>
+        </p:txBody>
+      </p:sp>
+      <p:sp>
+        <p:nvSpPr>
+          <p:cNvPr id="16" name="Rectangle 15">
+            <a:extLst>
+              <a:ext uri="{FF2B5EF4-FFF2-40B4-BE49-F238E27FC236}">
+                <a16:creationId xmlns:a16="http://schemas.microsoft.com/office/drawing/2014/main" id="{63714086-3485-4087-A683-F1C203CF3F3A}"/>
+              </a:ext>
+            </a:extLst>
+          </p:cNvPr>
+          <p:cNvSpPr/>
+          <p:nvPr/>
+        </p:nvSpPr>
+        <p:spPr>
+          <a:xfrm>
+            <a:off x="1301325" y="1834009"/>
+            <a:ext cx="569387" cy="369332"/>
+          </a:xfrm>
+          <a:prstGeom prst="rect">
+            <a:avLst/>
+          </a:prstGeom>
+        </p:spPr>
+        <p:txBody>
+          <a:bodyPr wrap="none">
+            <a:spAutoFit/>
+          </a:bodyPr>
+          <a:lstStyle/>
+          <a:p>
+            <a:r>
+              <a:rPr lang="sv-SE" dirty="0">
+                <a:latin typeface="Arial" panose="020B0604020202020204" pitchFamily="34" charset="0"/>
+                <a:cs typeface="Arial" panose="020B0604020202020204" pitchFamily="34" charset="0"/>
+              </a:rPr>
+              <a:t>€40</a:t>
+            </a:r>
+            <a:endParaRPr lang="en-US" dirty="0"/>
+          </a:p>
+        </p:txBody>
+      </p:sp>
+      <p:sp>
+        <p:nvSpPr>
+          <p:cNvPr id="17" name="Rectangle 16">
+            <a:extLst>
+              <a:ext uri="{FF2B5EF4-FFF2-40B4-BE49-F238E27FC236}">
+                <a16:creationId xmlns:a16="http://schemas.microsoft.com/office/drawing/2014/main" id="{A871A22D-3138-4F20-953F-81B2D34BC353}"/>
+              </a:ext>
+            </a:extLst>
+          </p:cNvPr>
+          <p:cNvSpPr/>
+          <p:nvPr/>
+        </p:nvSpPr>
+        <p:spPr>
+          <a:xfrm>
+            <a:off x="2185208" y="1777202"/>
+            <a:ext cx="1031051" cy="923330"/>
+          </a:xfrm>
+          <a:prstGeom prst="rect">
+            <a:avLst/>
+          </a:prstGeom>
+        </p:spPr>
+        <p:txBody>
+          <a:bodyPr wrap="none">
+            <a:spAutoFit/>
+          </a:bodyPr>
+          <a:lstStyle/>
+          <a:p>
+            <a:r>
+              <a:rPr lang="sv-SE" dirty="0">
+                <a:latin typeface="Arial" panose="020B0604020202020204" pitchFamily="34" charset="0"/>
+                <a:cs typeface="Arial" panose="020B0604020202020204" pitchFamily="34" charset="0"/>
+              </a:rPr>
+              <a:t>€20</a:t>
+            </a:r>
+            <a:endParaRPr lang="en-US" dirty="0"/>
+          </a:p>
+          <a:p>
+            <a:r>
+              <a:rPr lang="en-US" dirty="0">
+                <a:latin typeface="Arial" panose="020B0604020202020204" pitchFamily="34" charset="0"/>
+                <a:cs typeface="Arial" panose="020B0604020202020204" pitchFamily="34" charset="0"/>
+              </a:rPr>
+              <a:t>€38 (2x)</a:t>
+            </a:r>
+          </a:p>
+          <a:p>
+            <a:r>
+              <a:rPr lang="sv-SE" dirty="0">
+                <a:latin typeface="Arial" panose="020B0604020202020204" pitchFamily="34" charset="0"/>
+                <a:cs typeface="Arial" panose="020B0604020202020204" pitchFamily="34" charset="0"/>
+              </a:rPr>
+              <a:t>€56 (3x)</a:t>
+            </a:r>
+          </a:p>
+        </p:txBody>
+      </p:sp>
+      <p:sp>
+        <p:nvSpPr>
+          <p:cNvPr id="18" name="Rectangle 17">
+            <a:extLst>
+              <a:ext uri="{FF2B5EF4-FFF2-40B4-BE49-F238E27FC236}">
+                <a16:creationId xmlns:a16="http://schemas.microsoft.com/office/drawing/2014/main" id="{35D06240-088C-41F7-9749-83216E384825}"/>
+              </a:ext>
+            </a:extLst>
+          </p:cNvPr>
+          <p:cNvSpPr/>
+          <p:nvPr/>
+        </p:nvSpPr>
+        <p:spPr>
+          <a:xfrm>
+            <a:off x="3549744" y="1795901"/>
+            <a:ext cx="569387" cy="369332"/>
+          </a:xfrm>
+          <a:prstGeom prst="rect">
+            <a:avLst/>
+          </a:prstGeom>
+        </p:spPr>
+        <p:txBody>
+          <a:bodyPr wrap="none">
+            <a:spAutoFit/>
+          </a:bodyPr>
+          <a:lstStyle/>
+          <a:p>
+            <a:r>
+              <a:rPr lang="sv-SE" dirty="0">
+                <a:latin typeface="Arial" panose="020B0604020202020204" pitchFamily="34" charset="0"/>
+                <a:cs typeface="Arial" panose="020B0604020202020204" pitchFamily="34" charset="0"/>
+              </a:rPr>
+              <a:t>€55</a:t>
+            </a:r>
+            <a:endParaRPr lang="en-US" dirty="0"/>
+          </a:p>
+        </p:txBody>
+      </p:sp>
+      <p:sp>
+        <p:nvSpPr>
+          <p:cNvPr id="19" name="Rectangle 18">
+            <a:extLst>
+              <a:ext uri="{FF2B5EF4-FFF2-40B4-BE49-F238E27FC236}">
+                <a16:creationId xmlns:a16="http://schemas.microsoft.com/office/drawing/2014/main" id="{507C15F6-17F8-4344-860D-324D4C1B2851}"/>
+              </a:ext>
+            </a:extLst>
+          </p:cNvPr>
+          <p:cNvSpPr/>
+          <p:nvPr/>
+        </p:nvSpPr>
+        <p:spPr>
+          <a:xfrm>
+            <a:off x="4812293" y="1769119"/>
+            <a:ext cx="569387" cy="369332"/>
+          </a:xfrm>
+          <a:prstGeom prst="rect">
+            <a:avLst/>
+          </a:prstGeom>
+        </p:spPr>
+        <p:txBody>
+          <a:bodyPr wrap="none">
+            <a:spAutoFit/>
+          </a:bodyPr>
+          <a:lstStyle/>
+          <a:p>
+            <a:r>
+              <a:rPr lang="sv-SE" dirty="0">
+                <a:latin typeface="Arial" panose="020B0604020202020204" pitchFamily="34" charset="0"/>
+                <a:cs typeface="Arial" panose="020B0604020202020204" pitchFamily="34" charset="0"/>
+              </a:rPr>
+              <a:t>€30</a:t>
+            </a:r>
+            <a:endParaRPr lang="en-US" dirty="0"/>
+          </a:p>
+        </p:txBody>
+      </p:sp>
+      <p:sp>
+        <p:nvSpPr>
+          <p:cNvPr id="20" name="Rectangle 19">
+            <a:extLst>
+              <a:ext uri="{FF2B5EF4-FFF2-40B4-BE49-F238E27FC236}">
+                <a16:creationId xmlns:a16="http://schemas.microsoft.com/office/drawing/2014/main" id="{C08A1ED6-5BE5-4CF2-BA4F-0BF592BA9433}"/>
+              </a:ext>
+            </a:extLst>
+          </p:cNvPr>
+          <p:cNvSpPr/>
+          <p:nvPr/>
+        </p:nvSpPr>
+        <p:spPr>
+          <a:xfrm>
+            <a:off x="4317861" y="4988154"/>
+            <a:ext cx="1031116" cy="369332"/>
+          </a:xfrm>
+          <a:prstGeom prst="rect">
+            <a:avLst/>
+          </a:prstGeom>
+        </p:spPr>
+        <p:txBody>
+          <a:bodyPr wrap="none">
+            <a:spAutoFit/>
+          </a:bodyPr>
+          <a:lstStyle/>
+          <a:p>
+            <a:r>
+              <a:rPr lang="sv-SE" u="sng" dirty="0">
+                <a:latin typeface="Arial" panose="020B0604020202020204" pitchFamily="34" charset="0"/>
+                <a:cs typeface="Arial" panose="020B0604020202020204" pitchFamily="34" charset="0"/>
+              </a:rPr>
+              <a:t>Group A</a:t>
+            </a:r>
+            <a:endParaRPr lang="en-US" u="sng" dirty="0"/>
+          </a:p>
+        </p:txBody>
+      </p:sp>
+      <p:sp>
+        <p:nvSpPr>
+          <p:cNvPr id="21" name="Rectangle 20">
+            <a:extLst>
+              <a:ext uri="{FF2B5EF4-FFF2-40B4-BE49-F238E27FC236}">
+                <a16:creationId xmlns:a16="http://schemas.microsoft.com/office/drawing/2014/main" id="{2CB84429-4C8B-4D28-B92A-683A872D3EF0}"/>
+              </a:ext>
+            </a:extLst>
+          </p:cNvPr>
+          <p:cNvSpPr/>
+          <p:nvPr/>
+        </p:nvSpPr>
+        <p:spPr>
+          <a:xfrm>
+            <a:off x="6099994" y="4552218"/>
+            <a:ext cx="1056700" cy="369332"/>
+          </a:xfrm>
+          <a:prstGeom prst="rect">
+            <a:avLst/>
+          </a:prstGeom>
+        </p:spPr>
+        <p:txBody>
+          <a:bodyPr wrap="none">
+            <a:spAutoFit/>
+          </a:bodyPr>
+          <a:lstStyle/>
+          <a:p>
+            <a:r>
+              <a:rPr lang="sv-SE" u="sng" dirty="0">
+                <a:latin typeface="Arial" panose="020B0604020202020204" pitchFamily="34" charset="0"/>
+                <a:cs typeface="Arial" panose="020B0604020202020204" pitchFamily="34" charset="0"/>
+              </a:rPr>
+              <a:t>Group C</a:t>
+            </a:r>
+            <a:endParaRPr lang="en-US" u="sng" dirty="0"/>
+          </a:p>
+        </p:txBody>
+      </p:sp>
+      <p:cxnSp>
+        <p:nvCxnSpPr>
+          <p:cNvPr id="23" name="Straight Arrow Connector 22">
+            <a:extLst>
+              <a:ext uri="{FF2B5EF4-FFF2-40B4-BE49-F238E27FC236}">
+                <a16:creationId xmlns:a16="http://schemas.microsoft.com/office/drawing/2014/main" id="{CF5BE959-978C-48AF-8508-DE76B7326356}"/>
+              </a:ext>
+            </a:extLst>
+          </p:cNvPr>
+          <p:cNvCxnSpPr>
+            <a:cxnSpLocks/>
+            <a:stCxn id="20" idx="0"/>
+            <a:endCxn id="13" idx="2"/>
+          </p:cNvCxnSpPr>
+          <p:nvPr/>
+        </p:nvCxnSpPr>
+        <p:spPr>
+          <a:xfrm flipH="1" flipV="1">
+            <a:off x="2640382" y="3671436"/>
+            <a:ext cx="2193037" cy="1316718"/>
+          </a:xfrm>
+          <a:prstGeom prst="straightConnector1">
+            <a:avLst/>
+          </a:prstGeom>
+          <a:ln w="38100">
+            <a:solidFill>
+              <a:schemeClr val="tx1"/>
+            </a:solidFill>
+            <a:prstDash val="dash"/>
+            <a:tailEnd type="triangle"/>
+          </a:ln>
+        </p:spPr>
+        <p:style>
+          <a:lnRef idx="1">
+            <a:schemeClr val="accent1"/>
+          </a:lnRef>
+          <a:fillRef idx="0">
+            <a:schemeClr val="accent1"/>
+          </a:fillRef>
+          <a:effectRef idx="0">
+            <a:schemeClr val="accent1"/>
+          </a:effectRef>
+          <a:fontRef idx="minor">
+            <a:schemeClr val="tx1"/>
+          </a:fontRef>
+        </p:style>
+      </p:cxnSp>
+      <p:cxnSp>
+        <p:nvCxnSpPr>
+          <p:cNvPr id="24" name="Straight Arrow Connector 23">
+            <a:extLst>
+              <a:ext uri="{FF2B5EF4-FFF2-40B4-BE49-F238E27FC236}">
+                <a16:creationId xmlns:a16="http://schemas.microsoft.com/office/drawing/2014/main" id="{EA94AA31-2348-488D-AF95-C5BD4CD8C3FC}"/>
+              </a:ext>
+            </a:extLst>
+          </p:cNvPr>
+          <p:cNvCxnSpPr>
+            <a:cxnSpLocks/>
+          </p:cNvCxnSpPr>
+          <p:nvPr/>
+        </p:nvCxnSpPr>
+        <p:spPr>
+          <a:xfrm flipH="1" flipV="1">
+            <a:off x="3920340" y="3094280"/>
+            <a:ext cx="1044946" cy="1893874"/>
+          </a:xfrm>
+          <a:prstGeom prst="straightConnector1">
+            <a:avLst/>
+          </a:prstGeom>
+          <a:ln w="38100">
+            <a:solidFill>
+              <a:schemeClr val="tx1"/>
+            </a:solidFill>
+            <a:tailEnd type="triangle"/>
+          </a:ln>
+        </p:spPr>
+        <p:style>
+          <a:lnRef idx="1">
+            <a:schemeClr val="accent1"/>
+          </a:lnRef>
+          <a:fillRef idx="0">
+            <a:schemeClr val="accent1"/>
+          </a:fillRef>
+          <a:effectRef idx="0">
+            <a:schemeClr val="accent1"/>
+          </a:effectRef>
+          <a:fontRef idx="minor">
+            <a:schemeClr val="tx1"/>
+          </a:fontRef>
+        </p:style>
+      </p:cxnSp>
+      <p:sp>
+        <p:nvSpPr>
+          <p:cNvPr id="28" name="Rectangle 27">
+            <a:extLst>
+              <a:ext uri="{FF2B5EF4-FFF2-40B4-BE49-F238E27FC236}">
+                <a16:creationId xmlns:a16="http://schemas.microsoft.com/office/drawing/2014/main" id="{FF0E0202-04C0-41BA-AD7D-C64268A08F36}"/>
+              </a:ext>
+            </a:extLst>
+          </p:cNvPr>
+          <p:cNvSpPr/>
+          <p:nvPr/>
+        </p:nvSpPr>
+        <p:spPr>
+          <a:xfrm>
+            <a:off x="3483983" y="4367552"/>
+            <a:ext cx="428322" cy="369332"/>
+          </a:xfrm>
+          <a:prstGeom prst="rect">
+            <a:avLst/>
+          </a:prstGeom>
+        </p:spPr>
+        <p:txBody>
+          <a:bodyPr wrap="none">
+            <a:spAutoFit/>
+          </a:bodyPr>
+          <a:lstStyle/>
+          <a:p>
+            <a:r>
+              <a:rPr lang="sv-SE" dirty="0">
+                <a:latin typeface="Arial" panose="020B0604020202020204" pitchFamily="34" charset="0"/>
+                <a:cs typeface="Arial" panose="020B0604020202020204" pitchFamily="34" charset="0"/>
+              </a:rPr>
+              <a:t>2x</a:t>
+            </a:r>
+            <a:endParaRPr lang="en-US" dirty="0"/>
+          </a:p>
+        </p:txBody>
+      </p:sp>
+      <p:cxnSp>
+        <p:nvCxnSpPr>
+          <p:cNvPr id="29" name="Straight Arrow Connector 28">
+            <a:extLst>
+              <a:ext uri="{FF2B5EF4-FFF2-40B4-BE49-F238E27FC236}">
+                <a16:creationId xmlns:a16="http://schemas.microsoft.com/office/drawing/2014/main" id="{AE1D563C-18F7-40C4-8C12-89E6F334705F}"/>
+              </a:ext>
+            </a:extLst>
+          </p:cNvPr>
+          <p:cNvCxnSpPr>
+            <a:cxnSpLocks/>
+          </p:cNvCxnSpPr>
+          <p:nvPr/>
+        </p:nvCxnSpPr>
+        <p:spPr>
+          <a:xfrm flipH="1" flipV="1">
+            <a:off x="3149495" y="3151369"/>
+            <a:ext cx="3455078" cy="1415561"/>
+          </a:xfrm>
+          <a:prstGeom prst="straightConnector1">
+            <a:avLst/>
+          </a:prstGeom>
+          <a:ln w="38100">
+            <a:solidFill>
+              <a:schemeClr val="tx1"/>
+            </a:solidFill>
+            <a:prstDash val="dash"/>
+            <a:tailEnd type="triangle"/>
+          </a:ln>
+        </p:spPr>
+        <p:style>
+          <a:lnRef idx="1">
+            <a:schemeClr val="accent1"/>
+          </a:lnRef>
+          <a:fillRef idx="0">
+            <a:schemeClr val="accent1"/>
+          </a:fillRef>
+          <a:effectRef idx="0">
+            <a:schemeClr val="accent1"/>
+          </a:effectRef>
+          <a:fontRef idx="minor">
+            <a:schemeClr val="tx1"/>
+          </a:fontRef>
+        </p:style>
+      </p:cxnSp>
+      <p:sp>
+        <p:nvSpPr>
+          <p:cNvPr id="30" name="Rectangle 29">
+            <a:extLst>
+              <a:ext uri="{FF2B5EF4-FFF2-40B4-BE49-F238E27FC236}">
+                <a16:creationId xmlns:a16="http://schemas.microsoft.com/office/drawing/2014/main" id="{2AB490D3-2200-47DD-88EE-2B6DB3DFE0E5}"/>
+              </a:ext>
+            </a:extLst>
+          </p:cNvPr>
+          <p:cNvSpPr/>
+          <p:nvPr/>
+        </p:nvSpPr>
+        <p:spPr>
+          <a:xfrm>
+            <a:off x="3537308" y="2200270"/>
+            <a:ext cx="589707" cy="548265"/>
+          </a:xfrm>
+          <a:prstGeom prst="rect">
+            <a:avLst/>
+          </a:prstGeom>
+          <a:noFill/>
+          <a:ln>
+            <a:solidFill>
+              <a:schemeClr val="tx1"/>
+            </a:solidFill>
+          </a:ln>
+        </p:spPr>
+        <p:style>
+          <a:lnRef idx="2">
+            <a:schemeClr val="accent1">
+              <a:shade val="50000"/>
+            </a:schemeClr>
+          </a:lnRef>
+          <a:fillRef idx="1">
+            <a:schemeClr val="accent1"/>
+          </a:fillRef>
+          <a:effectRef idx="0">
+            <a:schemeClr val="accent1"/>
+          </a:effectRef>
+          <a:fontRef idx="minor">
+            <a:schemeClr val="lt1"/>
+          </a:fontRef>
+        </p:style>
+        <p:txBody>
+          <a:bodyPr rtlCol="0" anchor="ctr"/>
+          <a:lstStyle/>
+          <a:p>
+            <a:pPr algn="ctr"/>
+            <a:endParaRPr lang="en-US"/>
+          </a:p>
+        </p:txBody>
+      </p:sp>
+      <p:sp>
+        <p:nvSpPr>
+          <p:cNvPr id="31" name="Rectangle 30">
+            <a:extLst>
+              <a:ext uri="{FF2B5EF4-FFF2-40B4-BE49-F238E27FC236}">
+                <a16:creationId xmlns:a16="http://schemas.microsoft.com/office/drawing/2014/main" id="{A5AC5AEE-9CA9-4FBA-ABF1-040C70742F85}"/>
+              </a:ext>
+            </a:extLst>
+          </p:cNvPr>
+          <p:cNvSpPr/>
+          <p:nvPr/>
+        </p:nvSpPr>
+        <p:spPr>
+          <a:xfrm>
+            <a:off x="1272965" y="2207848"/>
+            <a:ext cx="589707" cy="548265"/>
+          </a:xfrm>
+          <a:prstGeom prst="rect">
+            <a:avLst/>
+          </a:prstGeom>
+          <a:noFill/>
+          <a:ln>
+            <a:solidFill>
+              <a:schemeClr val="tx1"/>
+            </a:solidFill>
+          </a:ln>
+        </p:spPr>
+        <p:style>
+          <a:lnRef idx="2">
+            <a:schemeClr val="accent1">
+              <a:shade val="50000"/>
+            </a:schemeClr>
+          </a:lnRef>
+          <a:fillRef idx="1">
+            <a:schemeClr val="accent1"/>
+          </a:fillRef>
+          <a:effectRef idx="0">
+            <a:schemeClr val="accent1"/>
+          </a:effectRef>
+          <a:fontRef idx="minor">
+            <a:schemeClr val="lt1"/>
+          </a:fontRef>
+        </p:style>
+        <p:txBody>
+          <a:bodyPr rtlCol="0" anchor="ctr"/>
+          <a:lstStyle/>
+          <a:p>
+            <a:pPr algn="ctr"/>
+            <a:endParaRPr lang="en-US"/>
+          </a:p>
+        </p:txBody>
+      </p:sp>
+      <p:sp>
+        <p:nvSpPr>
+          <p:cNvPr id="32" name="Oval 31">
+            <a:extLst>
+              <a:ext uri="{FF2B5EF4-FFF2-40B4-BE49-F238E27FC236}">
+                <a16:creationId xmlns:a16="http://schemas.microsoft.com/office/drawing/2014/main" id="{E3D788FF-545E-49BE-812A-B835E474F58E}"/>
+              </a:ext>
+            </a:extLst>
+          </p:cNvPr>
+          <p:cNvSpPr/>
+          <p:nvPr/>
+        </p:nvSpPr>
+        <p:spPr>
+          <a:xfrm>
+            <a:off x="4782447" y="2128967"/>
+            <a:ext cx="608889" cy="595981"/>
+          </a:xfrm>
+          <a:prstGeom prst="ellipse">
+            <a:avLst/>
+          </a:prstGeom>
+          <a:noFill/>
+          <a:ln>
+            <a:solidFill>
+              <a:schemeClr val="tx1"/>
+            </a:solidFill>
+          </a:ln>
+        </p:spPr>
+        <p:style>
+          <a:lnRef idx="2">
+            <a:schemeClr val="accent1">
+              <a:shade val="50000"/>
+            </a:schemeClr>
+          </a:lnRef>
+          <a:fillRef idx="1">
+            <a:schemeClr val="accent1"/>
+          </a:fillRef>
+          <a:effectRef idx="0">
+            <a:schemeClr val="accent1"/>
+          </a:effectRef>
+          <a:fontRef idx="minor">
+            <a:schemeClr val="lt1"/>
+          </a:fontRef>
+        </p:style>
+        <p:txBody>
+          <a:bodyPr rtlCol="0" anchor="ctr"/>
+          <a:lstStyle/>
+          <a:p>
+            <a:pPr algn="ctr"/>
+            <a:endParaRPr lang="en-US"/>
+          </a:p>
+        </p:txBody>
+      </p:sp>
+      <p:sp>
+        <p:nvSpPr>
+          <p:cNvPr id="33" name="Isosceles Triangle 32">
+            <a:extLst>
+              <a:ext uri="{FF2B5EF4-FFF2-40B4-BE49-F238E27FC236}">
+                <a16:creationId xmlns:a16="http://schemas.microsoft.com/office/drawing/2014/main" id="{3293596F-27FE-47F0-B885-CC2AE68D7DCA}"/>
+              </a:ext>
+            </a:extLst>
+          </p:cNvPr>
+          <p:cNvSpPr/>
+          <p:nvPr/>
+        </p:nvSpPr>
+        <p:spPr>
+          <a:xfrm>
+            <a:off x="2315070" y="2640380"/>
+            <a:ext cx="660938" cy="584783"/>
+          </a:xfrm>
+          <a:prstGeom prst="triangle">
+            <a:avLst/>
+          </a:prstGeom>
+          <a:noFill/>
+          <a:ln>
+            <a:solidFill>
+              <a:schemeClr val="tx1"/>
+            </a:solidFill>
+          </a:ln>
+        </p:spPr>
+        <p:style>
+          <a:lnRef idx="2">
+            <a:schemeClr val="accent1">
+              <a:shade val="50000"/>
+            </a:schemeClr>
+          </a:lnRef>
+          <a:fillRef idx="1">
+            <a:schemeClr val="accent1"/>
+          </a:fillRef>
+          <a:effectRef idx="0">
+            <a:schemeClr val="accent1"/>
+          </a:effectRef>
+          <a:fontRef idx="minor">
+            <a:schemeClr val="lt1"/>
+          </a:fontRef>
+        </p:style>
+        <p:txBody>
+          <a:bodyPr rtlCol="0" anchor="ctr"/>
+          <a:lstStyle/>
+          <a:p>
+            <a:pPr algn="ctr"/>
+            <a:endParaRPr lang="en-US"/>
+          </a:p>
+        </p:txBody>
+      </p:sp>
+      <p:sp>
+        <p:nvSpPr>
+          <p:cNvPr id="35" name="Rectangle 34">
+            <a:extLst>
+              <a:ext uri="{FF2B5EF4-FFF2-40B4-BE49-F238E27FC236}">
+                <a16:creationId xmlns:a16="http://schemas.microsoft.com/office/drawing/2014/main" id="{879F8447-5CD1-4C24-A2B0-C99C2D7F227E}"/>
+              </a:ext>
+            </a:extLst>
+          </p:cNvPr>
+          <p:cNvSpPr/>
+          <p:nvPr/>
+        </p:nvSpPr>
+        <p:spPr>
+          <a:xfrm>
+            <a:off x="6019955" y="1061760"/>
+            <a:ext cx="3251863" cy="1784050"/>
+          </a:xfrm>
+          <a:prstGeom prst="rect">
+            <a:avLst/>
+          </a:prstGeom>
+          <a:solidFill>
+            <a:schemeClr val="bg1">
+              <a:lumMod val="85000"/>
+            </a:schemeClr>
+          </a:solidFill>
+          <a:ln>
+            <a:noFill/>
+          </a:ln>
+        </p:spPr>
+        <p:style>
+          <a:lnRef idx="2">
+            <a:schemeClr val="accent1">
+              <a:shade val="50000"/>
+            </a:schemeClr>
+          </a:lnRef>
+          <a:fillRef idx="1">
+            <a:schemeClr val="accent1"/>
+          </a:fillRef>
+          <a:effectRef idx="0">
+            <a:schemeClr val="accent1"/>
+          </a:effectRef>
+          <a:fontRef idx="minor">
+            <a:schemeClr val="lt1"/>
+          </a:fontRef>
+        </p:style>
+        <p:txBody>
+          <a:bodyPr rtlCol="0" anchor="ctr"/>
+          <a:lstStyle/>
+          <a:p>
+            <a:pPr algn="ctr"/>
+            <a:endParaRPr lang="en-US"/>
+          </a:p>
+        </p:txBody>
+      </p:sp>
+      <p:sp>
+        <p:nvSpPr>
+          <p:cNvPr id="36" name="Rectangle 35">
+            <a:extLst>
+              <a:ext uri="{FF2B5EF4-FFF2-40B4-BE49-F238E27FC236}">
+                <a16:creationId xmlns:a16="http://schemas.microsoft.com/office/drawing/2014/main" id="{5F4A4132-62A0-4359-A556-90169DF61140}"/>
+              </a:ext>
+            </a:extLst>
+          </p:cNvPr>
+          <p:cNvSpPr/>
+          <p:nvPr/>
+        </p:nvSpPr>
+        <p:spPr>
+          <a:xfrm>
+            <a:off x="6354226" y="1520514"/>
+            <a:ext cx="589707" cy="548265"/>
+          </a:xfrm>
+          <a:prstGeom prst="rect">
+            <a:avLst/>
+          </a:prstGeom>
+          <a:noFill/>
+          <a:ln>
+            <a:solidFill>
+              <a:schemeClr val="tx1"/>
+            </a:solidFill>
+          </a:ln>
+        </p:spPr>
+        <p:style>
+          <a:lnRef idx="2">
+            <a:schemeClr val="accent1">
+              <a:shade val="50000"/>
+            </a:schemeClr>
+          </a:lnRef>
+          <a:fillRef idx="1">
+            <a:schemeClr val="accent1"/>
+          </a:fillRef>
+          <a:effectRef idx="0">
+            <a:schemeClr val="accent1"/>
+          </a:effectRef>
+          <a:fontRef idx="minor">
+            <a:schemeClr val="lt1"/>
+          </a:fontRef>
+        </p:style>
+        <p:txBody>
+          <a:bodyPr rtlCol="0" anchor="ctr"/>
+          <a:lstStyle/>
+          <a:p>
+            <a:pPr algn="ctr"/>
+            <a:endParaRPr lang="en-US"/>
+          </a:p>
+        </p:txBody>
+      </p:sp>
+      <p:sp>
+        <p:nvSpPr>
+          <p:cNvPr id="37" name="Rectangle 36">
+            <a:extLst>
+              <a:ext uri="{FF2B5EF4-FFF2-40B4-BE49-F238E27FC236}">
+                <a16:creationId xmlns:a16="http://schemas.microsoft.com/office/drawing/2014/main" id="{4B101870-D617-4B38-8C70-2394252B3323}"/>
+              </a:ext>
+            </a:extLst>
+          </p:cNvPr>
+          <p:cNvSpPr/>
+          <p:nvPr/>
+        </p:nvSpPr>
+        <p:spPr>
+          <a:xfrm>
+            <a:off x="5994628" y="2085562"/>
+            <a:ext cx="1313180" cy="646331"/>
+          </a:xfrm>
+          <a:prstGeom prst="rect">
+            <a:avLst/>
+          </a:prstGeom>
+        </p:spPr>
+        <p:txBody>
+          <a:bodyPr wrap="none">
+            <a:spAutoFit/>
+          </a:bodyPr>
+          <a:lstStyle/>
+          <a:p>
+            <a:pPr algn="ctr"/>
+            <a:r>
+              <a:rPr lang="sv-SE" dirty="0">
+                <a:latin typeface="Arial" panose="020B0604020202020204" pitchFamily="34" charset="0"/>
+                <a:cs typeface="Arial" panose="020B0604020202020204" pitchFamily="34" charset="0"/>
+              </a:rPr>
+              <a:t>Basic</a:t>
+            </a:r>
+          </a:p>
+          <a:p>
+            <a:pPr algn="ctr"/>
+            <a:r>
+              <a:rPr lang="sv-SE" dirty="0" err="1">
+                <a:latin typeface="Arial" panose="020B0604020202020204" pitchFamily="34" charset="0"/>
+                <a:cs typeface="Arial" panose="020B0604020202020204" pitchFamily="34" charset="0"/>
+              </a:rPr>
+              <a:t>Leader</a:t>
+            </a:r>
+            <a:r>
+              <a:rPr lang="sv-SE" dirty="0">
+                <a:latin typeface="Arial" panose="020B0604020202020204" pitchFamily="34" charset="0"/>
+                <a:cs typeface="Arial" panose="020B0604020202020204" pitchFamily="34" charset="0"/>
+              </a:rPr>
+              <a:t> Bot</a:t>
+            </a:r>
+            <a:endParaRPr lang="en-US" dirty="0"/>
+          </a:p>
+        </p:txBody>
+      </p:sp>
+      <p:sp>
+        <p:nvSpPr>
+          <p:cNvPr id="38" name="Rectangle 37">
+            <a:extLst>
+              <a:ext uri="{FF2B5EF4-FFF2-40B4-BE49-F238E27FC236}">
+                <a16:creationId xmlns:a16="http://schemas.microsoft.com/office/drawing/2014/main" id="{C917C82C-58B7-4AA7-A94D-98D12F824498}"/>
+              </a:ext>
+            </a:extLst>
+          </p:cNvPr>
+          <p:cNvSpPr/>
+          <p:nvPr/>
+        </p:nvSpPr>
+        <p:spPr>
+          <a:xfrm>
+            <a:off x="6362998" y="1159288"/>
+            <a:ext cx="569387" cy="369332"/>
+          </a:xfrm>
+          <a:prstGeom prst="rect">
+            <a:avLst/>
+          </a:prstGeom>
+        </p:spPr>
+        <p:txBody>
+          <a:bodyPr wrap="none">
+            <a:spAutoFit/>
+          </a:bodyPr>
+          <a:lstStyle/>
+          <a:p>
+            <a:r>
+              <a:rPr lang="sv-SE" dirty="0">
+                <a:latin typeface="Arial" panose="020B0604020202020204" pitchFamily="34" charset="0"/>
+                <a:cs typeface="Arial" panose="020B0604020202020204" pitchFamily="34" charset="0"/>
+              </a:rPr>
+              <a:t>€20</a:t>
+            </a:r>
+            <a:endParaRPr lang="en-US" dirty="0"/>
+          </a:p>
+        </p:txBody>
+      </p:sp>
+      <p:sp>
+        <p:nvSpPr>
+          <p:cNvPr id="41" name="Rectangle 40">
+            <a:extLst>
+              <a:ext uri="{FF2B5EF4-FFF2-40B4-BE49-F238E27FC236}">
+                <a16:creationId xmlns:a16="http://schemas.microsoft.com/office/drawing/2014/main" id="{C96D5A3A-401E-4360-A926-9ADE459BBEF2}"/>
+              </a:ext>
+            </a:extLst>
+          </p:cNvPr>
+          <p:cNvSpPr/>
+          <p:nvPr/>
+        </p:nvSpPr>
+        <p:spPr>
+          <a:xfrm>
+            <a:off x="7203903" y="2085562"/>
+            <a:ext cx="1223412" cy="646331"/>
+          </a:xfrm>
+          <a:prstGeom prst="rect">
+            <a:avLst/>
+          </a:prstGeom>
+        </p:spPr>
+        <p:txBody>
+          <a:bodyPr wrap="none">
+            <a:spAutoFit/>
+          </a:bodyPr>
+          <a:lstStyle/>
+          <a:p>
+            <a:pPr algn="ctr"/>
+            <a:r>
+              <a:rPr lang="sv-SE" dirty="0">
+                <a:latin typeface="Arial" panose="020B0604020202020204" pitchFamily="34" charset="0"/>
+                <a:cs typeface="Arial" panose="020B0604020202020204" pitchFamily="34" charset="0"/>
+              </a:rPr>
+              <a:t>Basic</a:t>
+            </a:r>
+          </a:p>
+          <a:p>
+            <a:pPr algn="ctr"/>
+            <a:r>
+              <a:rPr lang="sv-SE" dirty="0" err="1">
+                <a:latin typeface="Arial" panose="020B0604020202020204" pitchFamily="34" charset="0"/>
+                <a:cs typeface="Arial" panose="020B0604020202020204" pitchFamily="34" charset="0"/>
+              </a:rPr>
+              <a:t>Melee</a:t>
+            </a:r>
+            <a:r>
+              <a:rPr lang="sv-SE" dirty="0">
+                <a:latin typeface="Arial" panose="020B0604020202020204" pitchFamily="34" charset="0"/>
+                <a:cs typeface="Arial" panose="020B0604020202020204" pitchFamily="34" charset="0"/>
+              </a:rPr>
+              <a:t> Bot</a:t>
+            </a:r>
+            <a:endParaRPr lang="en-US" dirty="0"/>
+          </a:p>
+        </p:txBody>
+      </p:sp>
+      <p:sp>
+        <p:nvSpPr>
+          <p:cNvPr id="42" name="Rectangle 41">
+            <a:extLst>
+              <a:ext uri="{FF2B5EF4-FFF2-40B4-BE49-F238E27FC236}">
+                <a16:creationId xmlns:a16="http://schemas.microsoft.com/office/drawing/2014/main" id="{2190B5B3-6D2B-4506-B8FE-FD7E6CB3E43D}"/>
+              </a:ext>
+            </a:extLst>
+          </p:cNvPr>
+          <p:cNvSpPr/>
+          <p:nvPr/>
+        </p:nvSpPr>
+        <p:spPr>
+          <a:xfrm>
+            <a:off x="7527388" y="1159288"/>
+            <a:ext cx="569387" cy="369332"/>
+          </a:xfrm>
+          <a:prstGeom prst="rect">
+            <a:avLst/>
+          </a:prstGeom>
+        </p:spPr>
+        <p:txBody>
+          <a:bodyPr wrap="none">
+            <a:spAutoFit/>
+          </a:bodyPr>
+          <a:lstStyle/>
+          <a:p>
+            <a:r>
+              <a:rPr lang="sv-SE" dirty="0">
+                <a:latin typeface="Arial" panose="020B0604020202020204" pitchFamily="34" charset="0"/>
+                <a:cs typeface="Arial" panose="020B0604020202020204" pitchFamily="34" charset="0"/>
+              </a:rPr>
+              <a:t>€15</a:t>
+            </a:r>
+            <a:endParaRPr lang="en-US" dirty="0"/>
+          </a:p>
+        </p:txBody>
+      </p:sp>
+      <p:sp>
+        <p:nvSpPr>
+          <p:cNvPr id="43" name="Oval 42">
+            <a:extLst>
+              <a:ext uri="{FF2B5EF4-FFF2-40B4-BE49-F238E27FC236}">
+                <a16:creationId xmlns:a16="http://schemas.microsoft.com/office/drawing/2014/main" id="{4D266B7E-018C-46ED-8D35-52F9E5B7E141}"/>
+              </a:ext>
+            </a:extLst>
+          </p:cNvPr>
+          <p:cNvSpPr/>
+          <p:nvPr/>
+        </p:nvSpPr>
+        <p:spPr>
+          <a:xfrm>
+            <a:off x="7507636" y="1514589"/>
+            <a:ext cx="608889" cy="595981"/>
+          </a:xfrm>
+          <a:prstGeom prst="ellipse">
+            <a:avLst/>
+          </a:prstGeom>
+          <a:noFill/>
+          <a:ln>
+            <a:solidFill>
+              <a:schemeClr val="tx1"/>
+            </a:solidFill>
+          </a:ln>
+        </p:spPr>
+        <p:style>
+          <a:lnRef idx="2">
+            <a:schemeClr val="accent1">
+              <a:shade val="50000"/>
+            </a:schemeClr>
+          </a:lnRef>
+          <a:fillRef idx="1">
+            <a:schemeClr val="accent1"/>
+          </a:fillRef>
+          <a:effectRef idx="0">
+            <a:schemeClr val="accent1"/>
+          </a:effectRef>
+          <a:fontRef idx="minor">
+            <a:schemeClr val="lt1"/>
+          </a:fontRef>
+        </p:style>
+        <p:txBody>
+          <a:bodyPr rtlCol="0" anchor="ctr"/>
+          <a:lstStyle/>
+          <a:p>
+            <a:pPr algn="ctr"/>
+            <a:endParaRPr lang="en-US"/>
+          </a:p>
+        </p:txBody>
+      </p:sp>
+      <p:sp>
+        <p:nvSpPr>
+          <p:cNvPr id="44" name="Rectangle 43">
+            <a:extLst>
+              <a:ext uri="{FF2B5EF4-FFF2-40B4-BE49-F238E27FC236}">
+                <a16:creationId xmlns:a16="http://schemas.microsoft.com/office/drawing/2014/main" id="{7EE4F98B-E7AC-475C-9644-7DFFA759FB0B}"/>
+              </a:ext>
+            </a:extLst>
+          </p:cNvPr>
+          <p:cNvSpPr/>
+          <p:nvPr/>
+        </p:nvSpPr>
+        <p:spPr>
+          <a:xfrm>
+            <a:off x="8370000" y="2084158"/>
+            <a:ext cx="748923" cy="646331"/>
+          </a:xfrm>
+          <a:prstGeom prst="rect">
+            <a:avLst/>
+          </a:prstGeom>
+        </p:spPr>
+        <p:txBody>
+          <a:bodyPr wrap="none">
+            <a:spAutoFit/>
+          </a:bodyPr>
+          <a:lstStyle/>
+          <a:p>
+            <a:pPr algn="ctr"/>
+            <a:r>
+              <a:rPr lang="sv-SE" dirty="0">
+                <a:latin typeface="Arial" panose="020B0604020202020204" pitchFamily="34" charset="0"/>
+                <a:cs typeface="Arial" panose="020B0604020202020204" pitchFamily="34" charset="0"/>
+              </a:rPr>
+              <a:t>Basic</a:t>
+            </a:r>
+          </a:p>
+          <a:p>
+            <a:pPr algn="ctr"/>
+            <a:r>
+              <a:rPr lang="sv-SE" dirty="0" err="1">
+                <a:latin typeface="Arial" panose="020B0604020202020204" pitchFamily="34" charset="0"/>
+                <a:cs typeface="Arial" panose="020B0604020202020204" pitchFamily="34" charset="0"/>
+              </a:rPr>
+              <a:t>Droid</a:t>
+            </a:r>
+            <a:endParaRPr lang="en-US" dirty="0"/>
+          </a:p>
+        </p:txBody>
+      </p:sp>
+      <p:sp>
+        <p:nvSpPr>
+          <p:cNvPr id="45" name="Rectangle 44">
+            <a:extLst>
+              <a:ext uri="{FF2B5EF4-FFF2-40B4-BE49-F238E27FC236}">
+                <a16:creationId xmlns:a16="http://schemas.microsoft.com/office/drawing/2014/main" id="{3317DF71-E5C0-4D1B-9FF7-14D271D9E7DA}"/>
+              </a:ext>
+            </a:extLst>
+          </p:cNvPr>
+          <p:cNvSpPr/>
+          <p:nvPr/>
+        </p:nvSpPr>
+        <p:spPr>
+          <a:xfrm>
+            <a:off x="8456242" y="1167716"/>
+            <a:ext cx="569387" cy="369332"/>
+          </a:xfrm>
+          <a:prstGeom prst="rect">
+            <a:avLst/>
+          </a:prstGeom>
+        </p:spPr>
+        <p:txBody>
+          <a:bodyPr wrap="none">
+            <a:spAutoFit/>
+          </a:bodyPr>
+          <a:lstStyle/>
+          <a:p>
+            <a:r>
+              <a:rPr lang="sv-SE" dirty="0">
+                <a:latin typeface="Arial" panose="020B0604020202020204" pitchFamily="34" charset="0"/>
+                <a:cs typeface="Arial" panose="020B0604020202020204" pitchFamily="34" charset="0"/>
+              </a:rPr>
+              <a:t>€10</a:t>
+            </a:r>
+            <a:endParaRPr lang="en-US" dirty="0"/>
+          </a:p>
+        </p:txBody>
+      </p:sp>
+      <p:sp>
+        <p:nvSpPr>
+          <p:cNvPr id="47" name="Isosceles Triangle 46">
+            <a:extLst>
+              <a:ext uri="{FF2B5EF4-FFF2-40B4-BE49-F238E27FC236}">
+                <a16:creationId xmlns:a16="http://schemas.microsoft.com/office/drawing/2014/main" id="{365D57FF-0831-4183-8DC8-946B7A8F2BC8}"/>
+              </a:ext>
+            </a:extLst>
+          </p:cNvPr>
+          <p:cNvSpPr/>
+          <p:nvPr/>
+        </p:nvSpPr>
+        <p:spPr>
+          <a:xfrm>
+            <a:off x="8428556" y="1520187"/>
+            <a:ext cx="660938" cy="584783"/>
+          </a:xfrm>
+          <a:prstGeom prst="triangle">
+            <a:avLst/>
+          </a:prstGeom>
+          <a:noFill/>
+          <a:ln>
+            <a:solidFill>
+              <a:schemeClr val="tx1"/>
+            </a:solidFill>
+          </a:ln>
+        </p:spPr>
+        <p:style>
+          <a:lnRef idx="2">
+            <a:schemeClr val="accent1">
+              <a:shade val="50000"/>
+            </a:schemeClr>
+          </a:lnRef>
+          <a:fillRef idx="1">
+            <a:schemeClr val="accent1"/>
+          </a:fillRef>
+          <a:effectRef idx="0">
+            <a:schemeClr val="accent1"/>
+          </a:effectRef>
+          <a:fontRef idx="minor">
+            <a:schemeClr val="lt1"/>
+          </a:fontRef>
+        </p:style>
+        <p:txBody>
+          <a:bodyPr rtlCol="0" anchor="ctr"/>
+          <a:lstStyle/>
+          <a:p>
+            <a:pPr algn="ctr"/>
+            <a:endParaRPr lang="en-US"/>
+          </a:p>
+        </p:txBody>
+      </p:sp>
+      <p:sp>
+        <p:nvSpPr>
+          <p:cNvPr id="48" name="Rectangle 47">
+            <a:extLst>
+              <a:ext uri="{FF2B5EF4-FFF2-40B4-BE49-F238E27FC236}">
+                <a16:creationId xmlns:a16="http://schemas.microsoft.com/office/drawing/2014/main" id="{F5359955-D619-4358-950D-11FFC7F3CF9F}"/>
+              </a:ext>
+            </a:extLst>
+          </p:cNvPr>
+          <p:cNvSpPr/>
+          <p:nvPr/>
+        </p:nvSpPr>
+        <p:spPr>
+          <a:xfrm>
+            <a:off x="8469079" y="4150535"/>
+            <a:ext cx="589707" cy="548265"/>
+          </a:xfrm>
+          <a:prstGeom prst="rect">
+            <a:avLst/>
+          </a:prstGeom>
+          <a:noFill/>
+          <a:ln>
+            <a:solidFill>
+              <a:schemeClr val="tx1"/>
+            </a:solidFill>
+          </a:ln>
+        </p:spPr>
+        <p:style>
+          <a:lnRef idx="2">
+            <a:schemeClr val="accent1">
+              <a:shade val="50000"/>
+            </a:schemeClr>
+          </a:lnRef>
+          <a:fillRef idx="1">
+            <a:schemeClr val="accent1"/>
+          </a:fillRef>
+          <a:effectRef idx="0">
+            <a:schemeClr val="accent1"/>
+          </a:effectRef>
+          <a:fontRef idx="minor">
+            <a:schemeClr val="lt1"/>
+          </a:fontRef>
+        </p:style>
+        <p:txBody>
+          <a:bodyPr rtlCol="0" anchor="ctr"/>
+          <a:lstStyle/>
+          <a:p>
+            <a:pPr algn="ctr"/>
+            <a:endParaRPr lang="en-US"/>
+          </a:p>
+        </p:txBody>
+      </p:sp>
+      <p:sp>
+        <p:nvSpPr>
+          <p:cNvPr id="49" name="Oval 48">
+            <a:extLst>
+              <a:ext uri="{FF2B5EF4-FFF2-40B4-BE49-F238E27FC236}">
+                <a16:creationId xmlns:a16="http://schemas.microsoft.com/office/drawing/2014/main" id="{C897382F-DB40-4D09-A46F-D78D8100EC22}"/>
+              </a:ext>
+            </a:extLst>
+          </p:cNvPr>
+          <p:cNvSpPr/>
+          <p:nvPr/>
+        </p:nvSpPr>
+        <p:spPr>
+          <a:xfrm>
+            <a:off x="8459487" y="4890689"/>
+            <a:ext cx="608889" cy="595981"/>
+          </a:xfrm>
+          <a:prstGeom prst="ellipse">
+            <a:avLst/>
+          </a:prstGeom>
+          <a:noFill/>
+          <a:ln>
+            <a:solidFill>
+              <a:schemeClr val="tx1"/>
+            </a:solidFill>
+          </a:ln>
+        </p:spPr>
+        <p:style>
+          <a:lnRef idx="2">
+            <a:schemeClr val="accent1">
+              <a:shade val="50000"/>
+            </a:schemeClr>
+          </a:lnRef>
+          <a:fillRef idx="1">
+            <a:schemeClr val="accent1"/>
+          </a:fillRef>
+          <a:effectRef idx="0">
+            <a:schemeClr val="accent1"/>
+          </a:effectRef>
+          <a:fontRef idx="minor">
+            <a:schemeClr val="lt1"/>
+          </a:fontRef>
+        </p:style>
+        <p:txBody>
+          <a:bodyPr rtlCol="0" anchor="ctr"/>
+          <a:lstStyle/>
+          <a:p>
+            <a:pPr algn="ctr"/>
+            <a:endParaRPr lang="en-US"/>
+          </a:p>
+        </p:txBody>
+      </p:sp>
+      <p:sp>
+        <p:nvSpPr>
+          <p:cNvPr id="50" name="Isosceles Triangle 49">
+            <a:extLst>
+              <a:ext uri="{FF2B5EF4-FFF2-40B4-BE49-F238E27FC236}">
+                <a16:creationId xmlns:a16="http://schemas.microsoft.com/office/drawing/2014/main" id="{A701C5C9-AEA9-4193-9E85-0AB493C0BE10}"/>
+              </a:ext>
+            </a:extLst>
+          </p:cNvPr>
+          <p:cNvSpPr/>
+          <p:nvPr/>
+        </p:nvSpPr>
+        <p:spPr>
+          <a:xfrm>
+            <a:off x="8433424" y="5678559"/>
+            <a:ext cx="660938" cy="584783"/>
+          </a:xfrm>
+          <a:prstGeom prst="triangle">
+            <a:avLst/>
+          </a:prstGeom>
+          <a:noFill/>
+          <a:ln>
+            <a:solidFill>
+              <a:schemeClr val="tx1"/>
+            </a:solidFill>
+          </a:ln>
+        </p:spPr>
+        <p:style>
+          <a:lnRef idx="2">
+            <a:schemeClr val="accent1">
+              <a:shade val="50000"/>
+            </a:schemeClr>
+          </a:lnRef>
+          <a:fillRef idx="1">
+            <a:schemeClr val="accent1"/>
+          </a:fillRef>
+          <a:effectRef idx="0">
+            <a:schemeClr val="accent1"/>
+          </a:effectRef>
+          <a:fontRef idx="minor">
+            <a:schemeClr val="lt1"/>
+          </a:fontRef>
+        </p:style>
+        <p:txBody>
+          <a:bodyPr rtlCol="0" anchor="ctr"/>
+          <a:lstStyle/>
+          <a:p>
+            <a:pPr algn="ctr"/>
+            <a:endParaRPr lang="en-US"/>
+          </a:p>
+        </p:txBody>
+      </p:sp>
+      <p:sp>
+        <p:nvSpPr>
+          <p:cNvPr id="51" name="Rectangle 50">
+            <a:extLst>
+              <a:ext uri="{FF2B5EF4-FFF2-40B4-BE49-F238E27FC236}">
+                <a16:creationId xmlns:a16="http://schemas.microsoft.com/office/drawing/2014/main" id="{0E76F026-2452-4896-A572-F7CE53C174A2}"/>
+              </a:ext>
+            </a:extLst>
+          </p:cNvPr>
+          <p:cNvSpPr/>
+          <p:nvPr/>
+        </p:nvSpPr>
+        <p:spPr>
+          <a:xfrm>
+            <a:off x="9148720" y="4236196"/>
+            <a:ext cx="1492716" cy="369332"/>
+          </a:xfrm>
+          <a:prstGeom prst="rect">
+            <a:avLst/>
+          </a:prstGeom>
+        </p:spPr>
+        <p:txBody>
+          <a:bodyPr wrap="none">
+            <a:spAutoFit/>
+          </a:bodyPr>
+          <a:lstStyle/>
+          <a:p>
+            <a:r>
+              <a:rPr lang="sv-SE" dirty="0" err="1">
+                <a:latin typeface="Arial" panose="020B0604020202020204" pitchFamily="34" charset="0"/>
+                <a:cs typeface="Arial" panose="020B0604020202020204" pitchFamily="34" charset="0"/>
+              </a:rPr>
+              <a:t>Leader</a:t>
+            </a:r>
+            <a:r>
+              <a:rPr lang="sv-SE" dirty="0">
+                <a:latin typeface="Arial" panose="020B0604020202020204" pitchFamily="34" charset="0"/>
+                <a:cs typeface="Arial" panose="020B0604020202020204" pitchFamily="34" charset="0"/>
+              </a:rPr>
+              <a:t> robot</a:t>
+            </a:r>
+            <a:endParaRPr lang="en-US" dirty="0"/>
+          </a:p>
+        </p:txBody>
+      </p:sp>
+      <p:sp>
+        <p:nvSpPr>
+          <p:cNvPr id="53" name="Rectangle 52">
+            <a:extLst>
+              <a:ext uri="{FF2B5EF4-FFF2-40B4-BE49-F238E27FC236}">
+                <a16:creationId xmlns:a16="http://schemas.microsoft.com/office/drawing/2014/main" id="{D5448F18-C362-4F8D-BDE9-67585A9F1232}"/>
+              </a:ext>
+            </a:extLst>
+          </p:cNvPr>
+          <p:cNvSpPr/>
+          <p:nvPr/>
+        </p:nvSpPr>
+        <p:spPr>
+          <a:xfrm>
+            <a:off x="9149184" y="5004013"/>
+            <a:ext cx="1518364" cy="369332"/>
+          </a:xfrm>
+          <a:prstGeom prst="rect">
+            <a:avLst/>
+          </a:prstGeom>
+        </p:spPr>
+        <p:txBody>
+          <a:bodyPr wrap="none">
+            <a:spAutoFit/>
+          </a:bodyPr>
+          <a:lstStyle/>
+          <a:p>
+            <a:r>
+              <a:rPr lang="sv-SE" dirty="0">
+                <a:latin typeface="Arial" panose="020B0604020202020204" pitchFamily="34" charset="0"/>
+                <a:cs typeface="Arial" panose="020B0604020202020204" pitchFamily="34" charset="0"/>
+              </a:rPr>
+              <a:t>Normal robot</a:t>
+            </a:r>
+            <a:endParaRPr lang="en-US" dirty="0"/>
+          </a:p>
+        </p:txBody>
+      </p:sp>
+      <p:sp>
+        <p:nvSpPr>
+          <p:cNvPr id="54" name="Rectangle 53">
+            <a:extLst>
+              <a:ext uri="{FF2B5EF4-FFF2-40B4-BE49-F238E27FC236}">
+                <a16:creationId xmlns:a16="http://schemas.microsoft.com/office/drawing/2014/main" id="{CCB4F67D-B10C-40C9-BD04-30237B979029}"/>
+              </a:ext>
+            </a:extLst>
+          </p:cNvPr>
+          <p:cNvSpPr/>
+          <p:nvPr/>
+        </p:nvSpPr>
+        <p:spPr>
+          <a:xfrm>
+            <a:off x="9142524" y="5786284"/>
+            <a:ext cx="736099" cy="369332"/>
+          </a:xfrm>
+          <a:prstGeom prst="rect">
+            <a:avLst/>
+          </a:prstGeom>
+        </p:spPr>
+        <p:txBody>
+          <a:bodyPr wrap="none">
+            <a:spAutoFit/>
+          </a:bodyPr>
+          <a:lstStyle/>
+          <a:p>
+            <a:r>
+              <a:rPr lang="sv-SE" dirty="0" err="1">
+                <a:latin typeface="Arial" panose="020B0604020202020204" pitchFamily="34" charset="0"/>
+                <a:cs typeface="Arial" panose="020B0604020202020204" pitchFamily="34" charset="0"/>
+              </a:rPr>
+              <a:t>Droid</a:t>
+            </a:r>
+            <a:endParaRPr lang="en-US" dirty="0"/>
+          </a:p>
+        </p:txBody>
+      </p:sp>
+      <p:sp>
+        <p:nvSpPr>
+          <p:cNvPr id="55" name="Rectangle 54">
+            <a:extLst>
+              <a:ext uri="{FF2B5EF4-FFF2-40B4-BE49-F238E27FC236}">
+                <a16:creationId xmlns:a16="http://schemas.microsoft.com/office/drawing/2014/main" id="{9BE72583-89CE-4A5E-BE1B-80DC1EEDC4BD}"/>
+              </a:ext>
+            </a:extLst>
+          </p:cNvPr>
+          <p:cNvSpPr/>
+          <p:nvPr/>
+        </p:nvSpPr>
+        <p:spPr>
+          <a:xfrm>
+            <a:off x="8298406" y="4014138"/>
+            <a:ext cx="2369142" cy="2399071"/>
+          </a:xfrm>
+          <a:prstGeom prst="rect">
+            <a:avLst/>
+          </a:prstGeom>
+          <a:noFill/>
+          <a:ln w="38100">
+            <a:solidFill>
+              <a:schemeClr val="tx1"/>
+            </a:solidFill>
+          </a:ln>
+        </p:spPr>
+        <p:style>
+          <a:lnRef idx="2">
+            <a:schemeClr val="accent1">
+              <a:shade val="50000"/>
+            </a:schemeClr>
+          </a:lnRef>
+          <a:fillRef idx="1">
+            <a:schemeClr val="accent1"/>
+          </a:fillRef>
+          <a:effectRef idx="0">
+            <a:schemeClr val="accent1"/>
+          </a:effectRef>
+          <a:fontRef idx="minor">
+            <a:schemeClr val="lt1"/>
+          </a:fontRef>
+        </p:style>
+        <p:txBody>
+          <a:bodyPr rtlCol="0" anchor="ctr"/>
+          <a:lstStyle/>
+          <a:p>
+            <a:pPr algn="ctr"/>
+            <a:endParaRPr lang="en-US"/>
+          </a:p>
+        </p:txBody>
+      </p:sp>
+      <p:sp>
+        <p:nvSpPr>
+          <p:cNvPr id="58" name="Rectangle 57">
+            <a:extLst>
+              <a:ext uri="{FF2B5EF4-FFF2-40B4-BE49-F238E27FC236}">
+                <a16:creationId xmlns:a16="http://schemas.microsoft.com/office/drawing/2014/main" id="{008A882D-E05D-4360-9FE0-EAC6BFDC9DC1}"/>
+              </a:ext>
+            </a:extLst>
+          </p:cNvPr>
+          <p:cNvSpPr/>
+          <p:nvPr/>
+        </p:nvSpPr>
+        <p:spPr>
+          <a:xfrm>
+            <a:off x="4317861" y="5282278"/>
+            <a:ext cx="1338828" cy="923330"/>
+          </a:xfrm>
+          <a:prstGeom prst="rect">
+            <a:avLst/>
+          </a:prstGeom>
+        </p:spPr>
+        <p:txBody>
+          <a:bodyPr wrap="none">
+            <a:spAutoFit/>
+          </a:bodyPr>
+          <a:lstStyle/>
+          <a:p>
+            <a:r>
+              <a:rPr lang="sv-SE" b="1" dirty="0">
+                <a:latin typeface="Arial" panose="020B0604020202020204" pitchFamily="34" charset="0"/>
+                <a:cs typeface="Arial" panose="020B0604020202020204" pitchFamily="34" charset="0"/>
+              </a:rPr>
+              <a:t>Robot C</a:t>
+            </a:r>
+          </a:p>
+          <a:p>
+            <a:r>
+              <a:rPr lang="sv-SE" dirty="0">
+                <a:latin typeface="Arial" panose="020B0604020202020204" pitchFamily="34" charset="0"/>
+                <a:cs typeface="Arial" panose="020B0604020202020204" pitchFamily="34" charset="0"/>
+              </a:rPr>
+              <a:t>2x Robot B</a:t>
+            </a:r>
+          </a:p>
+          <a:p>
+            <a:pPr algn="r"/>
+            <a:r>
+              <a:rPr lang="sv-SE" dirty="0">
+                <a:latin typeface="Arial" panose="020B0604020202020204" pitchFamily="34" charset="0"/>
+                <a:cs typeface="Arial" panose="020B0604020202020204" pitchFamily="34" charset="0"/>
+              </a:rPr>
+              <a:t>= €93</a:t>
+            </a:r>
+            <a:endParaRPr lang="en-US" dirty="0"/>
+          </a:p>
+        </p:txBody>
+      </p:sp>
+      <p:sp>
+        <p:nvSpPr>
+          <p:cNvPr id="59" name="Rectangle 58">
+            <a:extLst>
+              <a:ext uri="{FF2B5EF4-FFF2-40B4-BE49-F238E27FC236}">
+                <a16:creationId xmlns:a16="http://schemas.microsoft.com/office/drawing/2014/main" id="{056EDE35-63CE-478C-8ED2-7E7F75128045}"/>
+              </a:ext>
+            </a:extLst>
+          </p:cNvPr>
+          <p:cNvSpPr/>
+          <p:nvPr/>
+        </p:nvSpPr>
+        <p:spPr>
+          <a:xfrm>
+            <a:off x="6119822" y="4831274"/>
+            <a:ext cx="2053767" cy="1477328"/>
+          </a:xfrm>
+          <a:prstGeom prst="rect">
+            <a:avLst/>
+          </a:prstGeom>
+        </p:spPr>
+        <p:txBody>
+          <a:bodyPr wrap="none">
+            <a:spAutoFit/>
+          </a:bodyPr>
+          <a:lstStyle/>
+          <a:p>
+            <a:r>
+              <a:rPr lang="sv-SE" b="1" dirty="0">
+                <a:latin typeface="Arial" panose="020B0604020202020204" pitchFamily="34" charset="0"/>
+                <a:cs typeface="Arial" panose="020B0604020202020204" pitchFamily="34" charset="0"/>
+              </a:rPr>
+              <a:t>Robot B</a:t>
+            </a:r>
+          </a:p>
+          <a:p>
+            <a:r>
+              <a:rPr lang="sv-SE" i="1" dirty="0">
+                <a:latin typeface="Arial" panose="020B0604020202020204" pitchFamily="34" charset="0"/>
+                <a:cs typeface="Arial" panose="020B0604020202020204" pitchFamily="34" charset="0"/>
+              </a:rPr>
+              <a:t>2x Robot B</a:t>
+            </a:r>
+          </a:p>
+          <a:p>
+            <a:r>
+              <a:rPr lang="sv-SE" dirty="0">
+                <a:latin typeface="Arial" panose="020B0604020202020204" pitchFamily="34" charset="0"/>
+                <a:cs typeface="Arial" panose="020B0604020202020204" pitchFamily="34" charset="0"/>
+              </a:rPr>
+              <a:t>Basic Leader Bot</a:t>
+            </a:r>
+          </a:p>
+          <a:p>
+            <a:r>
+              <a:rPr lang="sv-SE" dirty="0">
+                <a:latin typeface="Arial" panose="020B0604020202020204" pitchFamily="34" charset="0"/>
+                <a:cs typeface="Arial" panose="020B0604020202020204" pitchFamily="34" charset="0"/>
+              </a:rPr>
+              <a:t>Basic Melee Bot</a:t>
+            </a:r>
+          </a:p>
+          <a:p>
+            <a:pPr algn="r"/>
+            <a:r>
+              <a:rPr lang="sv-SE" dirty="0">
+                <a:latin typeface="Arial" panose="020B0604020202020204" pitchFamily="34" charset="0"/>
+                <a:cs typeface="Arial" panose="020B0604020202020204" pitchFamily="34" charset="0"/>
+              </a:rPr>
+              <a:t>= €91</a:t>
+            </a:r>
+            <a:endParaRPr lang="en-US" dirty="0"/>
+          </a:p>
+        </p:txBody>
+      </p:sp>
+      <p:sp>
+        <p:nvSpPr>
+          <p:cNvPr id="61" name="Rectangle 60">
+            <a:extLst>
+              <a:ext uri="{FF2B5EF4-FFF2-40B4-BE49-F238E27FC236}">
+                <a16:creationId xmlns:a16="http://schemas.microsoft.com/office/drawing/2014/main" id="{2555CB7B-E89E-4FAA-90C1-77E7EDE66192}"/>
+              </a:ext>
+            </a:extLst>
+          </p:cNvPr>
+          <p:cNvSpPr/>
+          <p:nvPr/>
+        </p:nvSpPr>
+        <p:spPr>
+          <a:xfrm>
+            <a:off x="5133824" y="3671436"/>
+            <a:ext cx="428322" cy="369332"/>
+          </a:xfrm>
+          <a:prstGeom prst="rect">
+            <a:avLst/>
+          </a:prstGeom>
+        </p:spPr>
+        <p:txBody>
+          <a:bodyPr wrap="none">
+            <a:spAutoFit/>
+          </a:bodyPr>
+          <a:lstStyle/>
+          <a:p>
+            <a:r>
+              <a:rPr lang="sv-SE" dirty="0">
+                <a:latin typeface="Arial" panose="020B0604020202020204" pitchFamily="34" charset="0"/>
+                <a:cs typeface="Arial" panose="020B0604020202020204" pitchFamily="34" charset="0"/>
+              </a:rPr>
+              <a:t>2x</a:t>
+            </a:r>
+            <a:endParaRPr lang="en-US" dirty="0"/>
+          </a:p>
+        </p:txBody>
+      </p:sp>
+      <p:cxnSp>
+        <p:nvCxnSpPr>
+          <p:cNvPr id="62" name="Straight Arrow Connector 61">
+            <a:extLst>
+              <a:ext uri="{FF2B5EF4-FFF2-40B4-BE49-F238E27FC236}">
+                <a16:creationId xmlns:a16="http://schemas.microsoft.com/office/drawing/2014/main" id="{CD0D2D9E-BF44-4F05-8A34-7D366C108330}"/>
+              </a:ext>
+            </a:extLst>
+          </p:cNvPr>
+          <p:cNvCxnSpPr>
+            <a:cxnSpLocks/>
+            <a:stCxn id="21" idx="0"/>
+          </p:cNvCxnSpPr>
+          <p:nvPr/>
+        </p:nvCxnSpPr>
+        <p:spPr>
+          <a:xfrm flipV="1">
+            <a:off x="6628344" y="2736078"/>
+            <a:ext cx="145195" cy="1816140"/>
+          </a:xfrm>
+          <a:prstGeom prst="straightConnector1">
+            <a:avLst/>
+          </a:prstGeom>
+          <a:ln w="38100">
+            <a:solidFill>
+              <a:schemeClr val="tx1"/>
+            </a:solidFill>
+            <a:prstDash val="dash"/>
+            <a:tailEnd type="triangle"/>
+          </a:ln>
+        </p:spPr>
+        <p:style>
+          <a:lnRef idx="1">
+            <a:schemeClr val="accent1"/>
+          </a:lnRef>
+          <a:fillRef idx="0">
+            <a:schemeClr val="accent1"/>
+          </a:fillRef>
+          <a:effectRef idx="0">
+            <a:schemeClr val="accent1"/>
+          </a:effectRef>
+          <a:fontRef idx="minor">
+            <a:schemeClr val="tx1"/>
+          </a:fontRef>
+        </p:style>
+      </p:cxnSp>
+      <p:cxnSp>
+        <p:nvCxnSpPr>
+          <p:cNvPr id="65" name="Straight Arrow Connector 64">
+            <a:extLst>
+              <a:ext uri="{FF2B5EF4-FFF2-40B4-BE49-F238E27FC236}">
+                <a16:creationId xmlns:a16="http://schemas.microsoft.com/office/drawing/2014/main" id="{246C7C9F-0B2A-4180-BBF3-91835824417D}"/>
+              </a:ext>
+            </a:extLst>
+          </p:cNvPr>
+          <p:cNvCxnSpPr>
+            <a:cxnSpLocks/>
+          </p:cNvCxnSpPr>
+          <p:nvPr/>
+        </p:nvCxnSpPr>
+        <p:spPr>
+          <a:xfrm flipV="1">
+            <a:off x="6749323" y="2722061"/>
+            <a:ext cx="951463" cy="1780321"/>
+          </a:xfrm>
+          <a:prstGeom prst="straightConnector1">
+            <a:avLst/>
+          </a:prstGeom>
+          <a:ln w="38100">
+            <a:solidFill>
+              <a:schemeClr val="tx1"/>
+            </a:solidFill>
+            <a:prstDash val="dash"/>
+            <a:tailEnd type="triangle"/>
+          </a:ln>
+        </p:spPr>
+        <p:style>
+          <a:lnRef idx="1">
+            <a:schemeClr val="accent1"/>
+          </a:lnRef>
+          <a:fillRef idx="0">
+            <a:schemeClr val="accent1"/>
+          </a:fillRef>
+          <a:effectRef idx="0">
+            <a:schemeClr val="accent1"/>
+          </a:effectRef>
+          <a:fontRef idx="minor">
+            <a:schemeClr val="tx1"/>
+          </a:fontRef>
+        </p:style>
+      </p:cxnSp>
+      <p:sp>
+        <p:nvSpPr>
+          <p:cNvPr id="69" name="Rectangle 68">
+            <a:extLst>
+              <a:ext uri="{FF2B5EF4-FFF2-40B4-BE49-F238E27FC236}">
+                <a16:creationId xmlns:a16="http://schemas.microsoft.com/office/drawing/2014/main" id="{C83A164E-C563-4661-88E8-6ECF4A2EFD91}"/>
+              </a:ext>
+            </a:extLst>
+          </p:cNvPr>
+          <p:cNvSpPr/>
+          <p:nvPr/>
+        </p:nvSpPr>
+        <p:spPr>
+          <a:xfrm>
+            <a:off x="565666" y="5096491"/>
+            <a:ext cx="2807278" cy="1316718"/>
+          </a:xfrm>
+          <a:prstGeom prst="rect">
+            <a:avLst/>
+          </a:prstGeom>
+          <a:noFill/>
+          <a:ln w="38100">
+            <a:solidFill>
+              <a:schemeClr val="tx1"/>
+            </a:solidFill>
+          </a:ln>
+        </p:spPr>
+        <p:style>
+          <a:lnRef idx="2">
+            <a:schemeClr val="accent1">
+              <a:shade val="50000"/>
+            </a:schemeClr>
+          </a:lnRef>
+          <a:fillRef idx="1">
+            <a:schemeClr val="accent1"/>
+          </a:fillRef>
+          <a:effectRef idx="0">
+            <a:schemeClr val="accent1"/>
+          </a:effectRef>
+          <a:fontRef idx="minor">
+            <a:schemeClr val="lt1"/>
+          </a:fontRef>
+        </p:style>
+        <p:txBody>
+          <a:bodyPr rtlCol="0" anchor="ctr"/>
+          <a:lstStyle/>
+          <a:p>
+            <a:pPr algn="ctr"/>
+            <a:endParaRPr lang="en-US"/>
+          </a:p>
+        </p:txBody>
+      </p:sp>
+      <p:sp>
+        <p:nvSpPr>
+          <p:cNvPr id="70" name="Rectangle 69">
+            <a:extLst>
+              <a:ext uri="{FF2B5EF4-FFF2-40B4-BE49-F238E27FC236}">
+                <a16:creationId xmlns:a16="http://schemas.microsoft.com/office/drawing/2014/main" id="{63126789-69EB-4A05-B3F1-9FBBE1870485}"/>
+              </a:ext>
+            </a:extLst>
+          </p:cNvPr>
+          <p:cNvSpPr/>
+          <p:nvPr/>
+        </p:nvSpPr>
+        <p:spPr>
+          <a:xfrm>
+            <a:off x="8775091" y="3557278"/>
+            <a:ext cx="1415772" cy="369332"/>
+          </a:xfrm>
+          <a:prstGeom prst="rect">
+            <a:avLst/>
+          </a:prstGeom>
+        </p:spPr>
+        <p:txBody>
+          <a:bodyPr wrap="none">
+            <a:spAutoFit/>
+          </a:bodyPr>
+          <a:lstStyle/>
+          <a:p>
+            <a:pPr algn="ctr"/>
+            <a:r>
+              <a:rPr lang="sv-SE" dirty="0">
+                <a:latin typeface="Arial" panose="020B0604020202020204" pitchFamily="34" charset="0"/>
+                <a:cs typeface="Arial" panose="020B0604020202020204" pitchFamily="34" charset="0"/>
+              </a:rPr>
+              <a:t>Robot </a:t>
+            </a:r>
+            <a:r>
+              <a:rPr lang="sv-SE" dirty="0" err="1">
+                <a:latin typeface="Arial" panose="020B0604020202020204" pitchFamily="34" charset="0"/>
+                <a:cs typeface="Arial" panose="020B0604020202020204" pitchFamily="34" charset="0"/>
+              </a:rPr>
+              <a:t>types</a:t>
+            </a:r>
+            <a:endParaRPr lang="en-US" dirty="0"/>
+          </a:p>
+        </p:txBody>
+      </p:sp>
+      <p:sp>
+        <p:nvSpPr>
+          <p:cNvPr id="71" name="Rectangle 70">
+            <a:extLst>
+              <a:ext uri="{FF2B5EF4-FFF2-40B4-BE49-F238E27FC236}">
+                <a16:creationId xmlns:a16="http://schemas.microsoft.com/office/drawing/2014/main" id="{344B0749-0CB8-4421-876A-8DFE0A980333}"/>
+              </a:ext>
+            </a:extLst>
+          </p:cNvPr>
+          <p:cNvSpPr/>
+          <p:nvPr/>
+        </p:nvSpPr>
+        <p:spPr>
+          <a:xfrm>
+            <a:off x="940818" y="4665644"/>
+            <a:ext cx="2056973" cy="369332"/>
+          </a:xfrm>
+          <a:prstGeom prst="rect">
+            <a:avLst/>
+          </a:prstGeom>
+        </p:spPr>
+        <p:txBody>
+          <a:bodyPr wrap="none">
+            <a:spAutoFit/>
+          </a:bodyPr>
+          <a:lstStyle/>
+          <a:p>
+            <a:pPr algn="ctr"/>
+            <a:r>
+              <a:rPr lang="sv-SE" dirty="0">
+                <a:latin typeface="Arial" panose="020B0604020202020204" pitchFamily="34" charset="0"/>
+                <a:cs typeface="Arial" panose="020B0604020202020204" pitchFamily="34" charset="0"/>
+              </a:rPr>
+              <a:t>Business relations</a:t>
+            </a:r>
+            <a:endParaRPr lang="en-US" dirty="0"/>
+          </a:p>
+        </p:txBody>
+      </p:sp>
+      <p:cxnSp>
+        <p:nvCxnSpPr>
+          <p:cNvPr id="72" name="Straight Arrow Connector 71">
+            <a:extLst>
+              <a:ext uri="{FF2B5EF4-FFF2-40B4-BE49-F238E27FC236}">
+                <a16:creationId xmlns:a16="http://schemas.microsoft.com/office/drawing/2014/main" id="{ED92BC3B-9A65-49BB-A725-60214763FBDC}"/>
+              </a:ext>
+            </a:extLst>
+          </p:cNvPr>
+          <p:cNvCxnSpPr>
+            <a:cxnSpLocks/>
+          </p:cNvCxnSpPr>
+          <p:nvPr/>
+        </p:nvCxnSpPr>
+        <p:spPr>
+          <a:xfrm>
+            <a:off x="777313" y="5467099"/>
+            <a:ext cx="767826" cy="0"/>
+          </a:xfrm>
+          <a:prstGeom prst="straightConnector1">
+            <a:avLst/>
+          </a:prstGeom>
+          <a:ln w="38100">
+            <a:solidFill>
+              <a:schemeClr val="tx1"/>
+            </a:solidFill>
+            <a:tailEnd type="triangle"/>
+          </a:ln>
+        </p:spPr>
+        <p:style>
+          <a:lnRef idx="1">
+            <a:schemeClr val="accent1"/>
+          </a:lnRef>
+          <a:fillRef idx="0">
+            <a:schemeClr val="accent1"/>
+          </a:fillRef>
+          <a:effectRef idx="0">
+            <a:schemeClr val="accent1"/>
+          </a:effectRef>
+          <a:fontRef idx="minor">
+            <a:schemeClr val="tx1"/>
+          </a:fontRef>
+        </p:style>
+      </p:cxnSp>
+      <p:cxnSp>
+        <p:nvCxnSpPr>
+          <p:cNvPr id="75" name="Straight Arrow Connector 74">
+            <a:extLst>
+              <a:ext uri="{FF2B5EF4-FFF2-40B4-BE49-F238E27FC236}">
+                <a16:creationId xmlns:a16="http://schemas.microsoft.com/office/drawing/2014/main" id="{2077B21C-FF58-4DD2-A484-CB04AB2993AE}"/>
+              </a:ext>
+            </a:extLst>
+          </p:cNvPr>
+          <p:cNvCxnSpPr>
+            <a:cxnSpLocks/>
+          </p:cNvCxnSpPr>
+          <p:nvPr/>
+        </p:nvCxnSpPr>
+        <p:spPr>
+          <a:xfrm flipH="1" flipV="1">
+            <a:off x="3071167" y="3282847"/>
+            <a:ext cx="3195504" cy="1288394"/>
+          </a:xfrm>
+          <a:prstGeom prst="straightConnector1">
+            <a:avLst/>
+          </a:prstGeom>
+          <a:ln w="38100">
+            <a:solidFill>
+              <a:schemeClr val="tx1"/>
+            </a:solidFill>
+            <a:tailEnd type="triangle"/>
+          </a:ln>
+        </p:spPr>
+        <p:style>
+          <a:lnRef idx="1">
+            <a:schemeClr val="accent1"/>
+          </a:lnRef>
+          <a:fillRef idx="0">
+            <a:schemeClr val="accent1"/>
+          </a:fillRef>
+          <a:effectRef idx="0">
+            <a:schemeClr val="accent1"/>
+          </a:effectRef>
+          <a:fontRef idx="minor">
+            <a:schemeClr val="tx1"/>
+          </a:fontRef>
+        </p:style>
+      </p:cxnSp>
+      <p:sp>
+        <p:nvSpPr>
+          <p:cNvPr id="77" name="Rectangle 76">
+            <a:extLst>
+              <a:ext uri="{FF2B5EF4-FFF2-40B4-BE49-F238E27FC236}">
+                <a16:creationId xmlns:a16="http://schemas.microsoft.com/office/drawing/2014/main" id="{B88EADB8-1203-446F-A495-2DCA82F847EF}"/>
+              </a:ext>
+            </a:extLst>
+          </p:cNvPr>
+          <p:cNvSpPr/>
+          <p:nvPr/>
+        </p:nvSpPr>
+        <p:spPr>
+          <a:xfrm>
+            <a:off x="1626330" y="5274371"/>
+            <a:ext cx="1146468" cy="369332"/>
+          </a:xfrm>
+          <a:prstGeom prst="rect">
+            <a:avLst/>
+          </a:prstGeom>
+        </p:spPr>
+        <p:txBody>
+          <a:bodyPr wrap="none">
+            <a:spAutoFit/>
+          </a:bodyPr>
+          <a:lstStyle/>
+          <a:p>
+            <a:r>
+              <a:rPr lang="sv-SE" b="1" dirty="0" err="1">
+                <a:latin typeface="Arial" panose="020B0604020202020204" pitchFamily="34" charset="0"/>
+                <a:cs typeface="Arial" panose="020B0604020202020204" pitchFamily="34" charset="0"/>
+              </a:rPr>
+              <a:t>Bespoke</a:t>
+            </a:r>
+            <a:endParaRPr lang="en-US" b="1" dirty="0"/>
+          </a:p>
+        </p:txBody>
+      </p:sp>
+      <p:cxnSp>
+        <p:nvCxnSpPr>
+          <p:cNvPr id="78" name="Straight Arrow Connector 77">
+            <a:extLst>
+              <a:ext uri="{FF2B5EF4-FFF2-40B4-BE49-F238E27FC236}">
+                <a16:creationId xmlns:a16="http://schemas.microsoft.com/office/drawing/2014/main" id="{396437B9-EEFB-4A03-B933-1CDFB1C8BC64}"/>
+              </a:ext>
+            </a:extLst>
+          </p:cNvPr>
+          <p:cNvCxnSpPr>
+            <a:cxnSpLocks/>
+          </p:cNvCxnSpPr>
+          <p:nvPr/>
+        </p:nvCxnSpPr>
+        <p:spPr>
+          <a:xfrm>
+            <a:off x="777313" y="6031334"/>
+            <a:ext cx="767826" cy="0"/>
+          </a:xfrm>
+          <a:prstGeom prst="straightConnector1">
+            <a:avLst/>
+          </a:prstGeom>
+          <a:ln w="38100">
+            <a:solidFill>
+              <a:schemeClr val="tx1"/>
+            </a:solidFill>
+            <a:prstDash val="dash"/>
+            <a:tailEnd type="triangle"/>
+          </a:ln>
+        </p:spPr>
+        <p:style>
+          <a:lnRef idx="1">
+            <a:schemeClr val="accent1"/>
+          </a:lnRef>
+          <a:fillRef idx="0">
+            <a:schemeClr val="accent1"/>
+          </a:fillRef>
+          <a:effectRef idx="0">
+            <a:schemeClr val="accent1"/>
+          </a:effectRef>
+          <a:fontRef idx="minor">
+            <a:schemeClr val="tx1"/>
+          </a:fontRef>
+        </p:style>
+      </p:cxnSp>
+      <p:sp>
+        <p:nvSpPr>
+          <p:cNvPr id="79" name="Rectangle 78">
+            <a:extLst>
+              <a:ext uri="{FF2B5EF4-FFF2-40B4-BE49-F238E27FC236}">
+                <a16:creationId xmlns:a16="http://schemas.microsoft.com/office/drawing/2014/main" id="{48CD2476-701A-4C45-9F84-14B0B78541D7}"/>
+              </a:ext>
+            </a:extLst>
+          </p:cNvPr>
+          <p:cNvSpPr/>
+          <p:nvPr/>
+        </p:nvSpPr>
+        <p:spPr>
+          <a:xfrm>
+            <a:off x="1638459" y="5846668"/>
+            <a:ext cx="1518364" cy="369332"/>
+          </a:xfrm>
+          <a:prstGeom prst="rect">
+            <a:avLst/>
+          </a:prstGeom>
+        </p:spPr>
+        <p:txBody>
+          <a:bodyPr wrap="none">
+            <a:spAutoFit/>
+          </a:bodyPr>
+          <a:lstStyle/>
+          <a:p>
+            <a:r>
+              <a:rPr lang="sv-SE" dirty="0" err="1">
+                <a:latin typeface="Arial" panose="020B0604020202020204" pitchFamily="34" charset="0"/>
+                <a:cs typeface="Arial" panose="020B0604020202020204" pitchFamily="34" charset="0"/>
+              </a:rPr>
+              <a:t>Open</a:t>
+            </a:r>
+            <a:r>
+              <a:rPr lang="sv-SE" dirty="0">
+                <a:latin typeface="Arial" panose="020B0604020202020204" pitchFamily="34" charset="0"/>
+                <a:cs typeface="Arial" panose="020B0604020202020204" pitchFamily="34" charset="0"/>
+              </a:rPr>
+              <a:t> market</a:t>
+            </a:r>
+            <a:endParaRPr lang="en-US" dirty="0"/>
+          </a:p>
+        </p:txBody>
+      </p:sp>
+    </p:spTree>
+    <p:extLst>
+      <p:ext uri="{BB962C8B-B14F-4D97-AF65-F5344CB8AC3E}">
+        <p14:creationId xmlns:p14="http://schemas.microsoft.com/office/powerpoint/2010/main" val="2592589443"/>
+      </p:ext>
+    </p:extLst>
+  </p:cSld>
+  <p:clrMapOvr>
+    <a:masterClrMapping/>
+  </p:clrMapOvr>
+</p:sld>
+</file>
+
+<file path=ppt/slides/slide5.xml><?xml version="1.0" encoding="utf-8"?>
+<p:sld xmlns:a="http://schemas.openxmlformats.org/drawingml/2006/main" xmlns:r="http://schemas.openxmlformats.org/officeDocument/2006/relationships" xmlns:p="http://schemas.openxmlformats.org/presentationml/2006/main">
+  <p:cSld>
+    <p:spTree>
+      <p:nvGrpSpPr>
+        <p:cNvPr id="1" name=""/>
+        <p:cNvGrpSpPr/>
+        <p:nvPr/>
+      </p:nvGrpSpPr>
+      <p:grpSpPr>
+        <a:xfrm>
+          <a:off x="0" y="0"/>
+          <a:ext cx="0" cy="0"/>
+          <a:chOff x="0" y="0"/>
+          <a:chExt cx="0" cy="0"/>
+        </a:xfrm>
+      </p:grpSpPr>
+      <p:sp>
+        <p:nvSpPr>
           <p:cNvPr id="175" name="Folded Corner 14">
             <a:extLst>
               <a:ext uri="{FF2B5EF4-FFF2-40B4-BE49-F238E27FC236}">
-                <a16:creationId xmlns="" xmlns:a16="http://schemas.microsoft.com/office/drawing/2014/main" id="{D7925C44-E3E5-47AF-9CC8-BF6471802A70}"/>
+                <a16:creationId xmlns:a16="http://schemas.microsoft.com/office/drawing/2014/main" id="{D7925C44-E3E5-47AF-9CC8-BF6471802A70}"/>
               </a:ext>
             </a:extLst>
           </p:cNvPr>
@@ -30620,7 +33129,7 @@
           <p:cNvPr id="2" name="Diagram 1">
             <a:extLst>
               <a:ext uri="{FF2B5EF4-FFF2-40B4-BE49-F238E27FC236}">
-                <a16:creationId xmlns="" xmlns:a16="http://schemas.microsoft.com/office/drawing/2014/main" id="{214EDC3A-CB98-4BD4-86CB-C3DE5CC0A317}"/>
+                <a16:creationId xmlns:a16="http://schemas.microsoft.com/office/drawing/2014/main" id="{214EDC3A-CB98-4BD4-86CB-C3DE5CC0A317}"/>
               </a:ext>
             </a:extLst>
           </p:cNvPr>
@@ -30648,7 +33157,7 @@
           <p:cNvPr id="3" name="Rectangle 2">
             <a:extLst>
               <a:ext uri="{FF2B5EF4-FFF2-40B4-BE49-F238E27FC236}">
-                <a16:creationId xmlns="" xmlns:a16="http://schemas.microsoft.com/office/drawing/2014/main" id="{8D715EE1-32F0-4BAE-86BD-83B54B3137EB}"/>
+                <a16:creationId xmlns:a16="http://schemas.microsoft.com/office/drawing/2014/main" id="{8D715EE1-32F0-4BAE-86BD-83B54B3137EB}"/>
               </a:ext>
             </a:extLst>
           </p:cNvPr>
@@ -30743,7 +33252,7 @@
           <p:cNvPr id="4" name="Rectangle 3">
             <a:extLst>
               <a:ext uri="{FF2B5EF4-FFF2-40B4-BE49-F238E27FC236}">
-                <a16:creationId xmlns="" xmlns:a16="http://schemas.microsoft.com/office/drawing/2014/main" id="{2CBF344E-950A-4767-97FA-13FFE695BBC3}"/>
+                <a16:creationId xmlns:a16="http://schemas.microsoft.com/office/drawing/2014/main" id="{2CBF344E-950A-4767-97FA-13FFE695BBC3}"/>
               </a:ext>
             </a:extLst>
           </p:cNvPr>
@@ -30784,7 +33293,7 @@
           <p:cNvPr id="126" name="Rectangle 125">
             <a:extLst>
               <a:ext uri="{FF2B5EF4-FFF2-40B4-BE49-F238E27FC236}">
-                <a16:creationId xmlns="" xmlns:a16="http://schemas.microsoft.com/office/drawing/2014/main" id="{AFE62E66-21DE-45BB-AB76-2BCE8E9BEC95}"/>
+                <a16:creationId xmlns:a16="http://schemas.microsoft.com/office/drawing/2014/main" id="{AFE62E66-21DE-45BB-AB76-2BCE8E9BEC95}"/>
               </a:ext>
             </a:extLst>
           </p:cNvPr>
@@ -30910,7 +33419,7 @@
           <p:cNvPr id="128" name="Rectangle 127">
             <a:extLst>
               <a:ext uri="{FF2B5EF4-FFF2-40B4-BE49-F238E27FC236}">
-                <a16:creationId xmlns="" xmlns:a16="http://schemas.microsoft.com/office/drawing/2014/main" id="{57B25911-E59E-4329-B921-A0EBAE8F9C7E}"/>
+                <a16:creationId xmlns:a16="http://schemas.microsoft.com/office/drawing/2014/main" id="{57B25911-E59E-4329-B921-A0EBAE8F9C7E}"/>
               </a:ext>
             </a:extLst>
           </p:cNvPr>
@@ -31064,7 +33573,7 @@
           <p:cNvPr id="5" name="Rectangle 4">
             <a:extLst>
               <a:ext uri="{FF2B5EF4-FFF2-40B4-BE49-F238E27FC236}">
-                <a16:creationId xmlns="" xmlns:a16="http://schemas.microsoft.com/office/drawing/2014/main" id="{798B0573-B3AD-48CB-9F8F-13EC6567D0D3}"/>
+                <a16:creationId xmlns:a16="http://schemas.microsoft.com/office/drawing/2014/main" id="{798B0573-B3AD-48CB-9F8F-13EC6567D0D3}"/>
               </a:ext>
             </a:extLst>
           </p:cNvPr>
@@ -31159,7 +33668,7 @@
           <p:cNvPr id="6" name="Rectangle 5">
             <a:extLst>
               <a:ext uri="{FF2B5EF4-FFF2-40B4-BE49-F238E27FC236}">
-                <a16:creationId xmlns="" xmlns:a16="http://schemas.microsoft.com/office/drawing/2014/main" id="{2B5D63EA-C9C9-4E25-A071-89FBDD4231BE}"/>
+                <a16:creationId xmlns:a16="http://schemas.microsoft.com/office/drawing/2014/main" id="{2B5D63EA-C9C9-4E25-A071-89FBDD4231BE}"/>
               </a:ext>
             </a:extLst>
           </p:cNvPr>
@@ -31197,7 +33706,7 @@
           <p:cNvPr id="8" name="Rectangle 7">
             <a:extLst>
               <a:ext uri="{FF2B5EF4-FFF2-40B4-BE49-F238E27FC236}">
-                <a16:creationId xmlns="" xmlns:a16="http://schemas.microsoft.com/office/drawing/2014/main" id="{BE0255C1-0F86-4BC8-84D8-4B76F00785A9}"/>
+                <a16:creationId xmlns:a16="http://schemas.microsoft.com/office/drawing/2014/main" id="{BE0255C1-0F86-4BC8-84D8-4B76F00785A9}"/>
               </a:ext>
             </a:extLst>
           </p:cNvPr>
@@ -31238,7 +33747,7 @@
           <p:cNvPr id="9" name="Rectangle 8">
             <a:extLst>
               <a:ext uri="{FF2B5EF4-FFF2-40B4-BE49-F238E27FC236}">
-                <a16:creationId xmlns="" xmlns:a16="http://schemas.microsoft.com/office/drawing/2014/main" id="{CFD7F599-A36B-4AA7-86FA-23355394169C}"/>
+                <a16:creationId xmlns:a16="http://schemas.microsoft.com/office/drawing/2014/main" id="{CFD7F599-A36B-4AA7-86FA-23355394169C}"/>
               </a:ext>
             </a:extLst>
           </p:cNvPr>
@@ -31279,7 +33788,7 @@
           <p:cNvPr id="130" name="Rectangle 129">
             <a:extLst>
               <a:ext uri="{FF2B5EF4-FFF2-40B4-BE49-F238E27FC236}">
-                <a16:creationId xmlns="" xmlns:a16="http://schemas.microsoft.com/office/drawing/2014/main" id="{F21A4D44-CAD2-400B-8E2D-F8B1FEA0E5B6}"/>
+                <a16:creationId xmlns:a16="http://schemas.microsoft.com/office/drawing/2014/main" id="{F21A4D44-CAD2-400B-8E2D-F8B1FEA0E5B6}"/>
               </a:ext>
             </a:extLst>
           </p:cNvPr>
@@ -31320,7 +33829,7 @@
           <p:cNvPr id="131" name="Rectangle 130">
             <a:extLst>
               <a:ext uri="{FF2B5EF4-FFF2-40B4-BE49-F238E27FC236}">
-                <a16:creationId xmlns="" xmlns:a16="http://schemas.microsoft.com/office/drawing/2014/main" id="{7ECE62BA-C5A0-4279-B504-BAC3C2C73E71}"/>
+                <a16:creationId xmlns:a16="http://schemas.microsoft.com/office/drawing/2014/main" id="{7ECE62BA-C5A0-4279-B504-BAC3C2C73E71}"/>
               </a:ext>
             </a:extLst>
           </p:cNvPr>
@@ -31372,7 +33881,7 @@
           <p:cNvPr id="10" name="Cube 9">
             <a:extLst>
               <a:ext uri="{FF2B5EF4-FFF2-40B4-BE49-F238E27FC236}">
-                <a16:creationId xmlns="" xmlns:a16="http://schemas.microsoft.com/office/drawing/2014/main" id="{F871D032-A4AE-406F-A80A-38A8B0BED40E}"/>
+                <a16:creationId xmlns:a16="http://schemas.microsoft.com/office/drawing/2014/main" id="{F871D032-A4AE-406F-A80A-38A8B0BED40E}"/>
               </a:ext>
             </a:extLst>
           </p:cNvPr>
@@ -31432,7 +33941,7 @@
           <p:cNvPr id="133" name="Folded Corner 14">
             <a:extLst>
               <a:ext uri="{FF2B5EF4-FFF2-40B4-BE49-F238E27FC236}">
-                <a16:creationId xmlns="" xmlns:a16="http://schemas.microsoft.com/office/drawing/2014/main" id="{DDDEB2FA-CB2B-41A1-82A4-458F3DD3A4D7}"/>
+                <a16:creationId xmlns:a16="http://schemas.microsoft.com/office/drawing/2014/main" id="{DDDEB2FA-CB2B-41A1-82A4-458F3DD3A4D7}"/>
               </a:ext>
             </a:extLst>
           </p:cNvPr>
@@ -31481,7 +33990,7 @@
           <p:cNvPr id="11" name="Rectangle 10">
             <a:extLst>
               <a:ext uri="{FF2B5EF4-FFF2-40B4-BE49-F238E27FC236}">
-                <a16:creationId xmlns="" xmlns:a16="http://schemas.microsoft.com/office/drawing/2014/main" id="{F638F98D-376A-4707-AFEB-3116E75204BA}"/>
+                <a16:creationId xmlns:a16="http://schemas.microsoft.com/office/drawing/2014/main" id="{F638F98D-376A-4707-AFEB-3116E75204BA}"/>
               </a:ext>
             </a:extLst>
           </p:cNvPr>
@@ -31536,7 +34045,7 @@
           <p:cNvPr id="18" name="Picture 17" descr="A close up of an animal&#10;&#10;Description generated with high confidence">
             <a:extLst>
               <a:ext uri="{FF2B5EF4-FFF2-40B4-BE49-F238E27FC236}">
-                <a16:creationId xmlns="" xmlns:a16="http://schemas.microsoft.com/office/drawing/2014/main" id="{4132CF14-571D-4435-9A41-BF9FAEA4439C}"/>
+                <a16:creationId xmlns:a16="http://schemas.microsoft.com/office/drawing/2014/main" id="{4132CF14-571D-4435-9A41-BF9FAEA4439C}"/>
               </a:ext>
             </a:extLst>
           </p:cNvPr>
@@ -31572,7 +34081,7 @@
           <p:cNvPr id="19" name="Rectangle 18">
             <a:extLst>
               <a:ext uri="{FF2B5EF4-FFF2-40B4-BE49-F238E27FC236}">
-                <a16:creationId xmlns="" xmlns:a16="http://schemas.microsoft.com/office/drawing/2014/main" id="{1047E73B-15B2-47B6-9C78-BCDB588C3019}"/>
+                <a16:creationId xmlns:a16="http://schemas.microsoft.com/office/drawing/2014/main" id="{1047E73B-15B2-47B6-9C78-BCDB588C3019}"/>
               </a:ext>
             </a:extLst>
           </p:cNvPr>
@@ -31624,7 +34133,7 @@
           <p:cNvPr id="31" name="Straight Arrow Connector 30">
             <a:extLst>
               <a:ext uri="{FF2B5EF4-FFF2-40B4-BE49-F238E27FC236}">
-                <a16:creationId xmlns="" xmlns:a16="http://schemas.microsoft.com/office/drawing/2014/main" id="{E3ACBD9C-E946-4C83-82A0-7C79817A1EB9}"/>
+                <a16:creationId xmlns:a16="http://schemas.microsoft.com/office/drawing/2014/main" id="{E3ACBD9C-E946-4C83-82A0-7C79817A1EB9}"/>
               </a:ext>
             </a:extLst>
           </p:cNvPr>
@@ -31667,7 +34176,7 @@
           <p:cNvPr id="32" name="Rectangle 31">
             <a:extLst>
               <a:ext uri="{FF2B5EF4-FFF2-40B4-BE49-F238E27FC236}">
-                <a16:creationId xmlns="" xmlns:a16="http://schemas.microsoft.com/office/drawing/2014/main" id="{DAD5A302-C880-4E8C-9E1D-640CD5CF0CBE}"/>
+                <a16:creationId xmlns:a16="http://schemas.microsoft.com/office/drawing/2014/main" id="{DAD5A302-C880-4E8C-9E1D-640CD5CF0CBE}"/>
               </a:ext>
             </a:extLst>
           </p:cNvPr>
@@ -31705,7 +34214,7 @@
           <p:cNvPr id="135" name="Rectangle 134">
             <a:extLst>
               <a:ext uri="{FF2B5EF4-FFF2-40B4-BE49-F238E27FC236}">
-                <a16:creationId xmlns="" xmlns:a16="http://schemas.microsoft.com/office/drawing/2014/main" id="{9D239E65-7C2B-4AD5-A1F4-F716E33EF928}"/>
+                <a16:creationId xmlns:a16="http://schemas.microsoft.com/office/drawing/2014/main" id="{9D239E65-7C2B-4AD5-A1F4-F716E33EF928}"/>
               </a:ext>
             </a:extLst>
           </p:cNvPr>
@@ -31743,7 +34252,7 @@
           <p:cNvPr id="146" name="Rectangle 145">
             <a:extLst>
               <a:ext uri="{FF2B5EF4-FFF2-40B4-BE49-F238E27FC236}">
-                <a16:creationId xmlns="" xmlns:a16="http://schemas.microsoft.com/office/drawing/2014/main" id="{02CB9ACB-9175-4592-A0A2-5F6EBA3916AA}"/>
+                <a16:creationId xmlns:a16="http://schemas.microsoft.com/office/drawing/2014/main" id="{02CB9ACB-9175-4592-A0A2-5F6EBA3916AA}"/>
               </a:ext>
             </a:extLst>
           </p:cNvPr>
@@ -31781,7 +34290,7 @@
           <p:cNvPr id="33" name="Rectangle 32">
             <a:extLst>
               <a:ext uri="{FF2B5EF4-FFF2-40B4-BE49-F238E27FC236}">
-                <a16:creationId xmlns="" xmlns:a16="http://schemas.microsoft.com/office/drawing/2014/main" id="{A5445AD6-3298-4B4A-BFAA-36E271EE36D3}"/>
+                <a16:creationId xmlns:a16="http://schemas.microsoft.com/office/drawing/2014/main" id="{A5445AD6-3298-4B4A-BFAA-36E271EE36D3}"/>
               </a:ext>
             </a:extLst>
           </p:cNvPr>
@@ -31822,7 +34331,7 @@
           <p:cNvPr id="148" name="Cube 147">
             <a:extLst>
               <a:ext uri="{FF2B5EF4-FFF2-40B4-BE49-F238E27FC236}">
-                <a16:creationId xmlns="" xmlns:a16="http://schemas.microsoft.com/office/drawing/2014/main" id="{3C1DB64A-F95E-4BBA-AAB7-E382DEE6D3AD}"/>
+                <a16:creationId xmlns:a16="http://schemas.microsoft.com/office/drawing/2014/main" id="{3C1DB64A-F95E-4BBA-AAB7-E382DEE6D3AD}"/>
               </a:ext>
             </a:extLst>
           </p:cNvPr>
@@ -31882,7 +34391,7 @@
           <p:cNvPr id="149" name="Rectangle 148">
             <a:extLst>
               <a:ext uri="{FF2B5EF4-FFF2-40B4-BE49-F238E27FC236}">
-                <a16:creationId xmlns="" xmlns:a16="http://schemas.microsoft.com/office/drawing/2014/main" id="{8ADE2C1F-3705-4E1D-9D1A-CEFA5BBDC4AE}"/>
+                <a16:creationId xmlns:a16="http://schemas.microsoft.com/office/drawing/2014/main" id="{8ADE2C1F-3705-4E1D-9D1A-CEFA5BBDC4AE}"/>
               </a:ext>
             </a:extLst>
           </p:cNvPr>
@@ -31923,7 +34432,7 @@
           <p:cNvPr id="152" name="Folded Corner 14">
             <a:extLst>
               <a:ext uri="{FF2B5EF4-FFF2-40B4-BE49-F238E27FC236}">
-                <a16:creationId xmlns="" xmlns:a16="http://schemas.microsoft.com/office/drawing/2014/main" id="{E9E59862-8121-45E9-B034-254AA5F85A9E}"/>
+                <a16:creationId xmlns:a16="http://schemas.microsoft.com/office/drawing/2014/main" id="{E9E59862-8121-45E9-B034-254AA5F85A9E}"/>
               </a:ext>
             </a:extLst>
           </p:cNvPr>
@@ -31972,7 +34481,7 @@
           <p:cNvPr id="159" name="Rectangle 158">
             <a:extLst>
               <a:ext uri="{FF2B5EF4-FFF2-40B4-BE49-F238E27FC236}">
-                <a16:creationId xmlns="" xmlns:a16="http://schemas.microsoft.com/office/drawing/2014/main" id="{9189909A-C973-403D-AC10-F162C1C50251}"/>
+                <a16:creationId xmlns:a16="http://schemas.microsoft.com/office/drawing/2014/main" id="{9189909A-C973-403D-AC10-F162C1C50251}"/>
               </a:ext>
             </a:extLst>
           </p:cNvPr>
@@ -32027,7 +34536,7 @@
           <p:cNvPr id="160" name="Straight Arrow Connector 159">
             <a:extLst>
               <a:ext uri="{FF2B5EF4-FFF2-40B4-BE49-F238E27FC236}">
-                <a16:creationId xmlns="" xmlns:a16="http://schemas.microsoft.com/office/drawing/2014/main" id="{4104DBBE-32EA-425C-8DB2-CA3E800CA64E}"/>
+                <a16:creationId xmlns:a16="http://schemas.microsoft.com/office/drawing/2014/main" id="{4104DBBE-32EA-425C-8DB2-CA3E800CA64E}"/>
               </a:ext>
             </a:extLst>
           </p:cNvPr>
@@ -32072,7 +34581,7 @@
           <p:cNvPr id="163" name="Cube 162">
             <a:extLst>
               <a:ext uri="{FF2B5EF4-FFF2-40B4-BE49-F238E27FC236}">
-                <a16:creationId xmlns="" xmlns:a16="http://schemas.microsoft.com/office/drawing/2014/main" id="{DCC62459-FE7B-48A9-A2FB-D56CDC251746}"/>
+                <a16:creationId xmlns:a16="http://schemas.microsoft.com/office/drawing/2014/main" id="{DCC62459-FE7B-48A9-A2FB-D56CDC251746}"/>
               </a:ext>
             </a:extLst>
           </p:cNvPr>
@@ -32132,7 +34641,7 @@
           <p:cNvPr id="164" name="Rectangle 163">
             <a:extLst>
               <a:ext uri="{FF2B5EF4-FFF2-40B4-BE49-F238E27FC236}">
-                <a16:creationId xmlns="" xmlns:a16="http://schemas.microsoft.com/office/drawing/2014/main" id="{A17E061D-69B0-4C5E-9A8B-BA722BA64CA4}"/>
+                <a16:creationId xmlns:a16="http://schemas.microsoft.com/office/drawing/2014/main" id="{A17E061D-69B0-4C5E-9A8B-BA722BA64CA4}"/>
               </a:ext>
             </a:extLst>
           </p:cNvPr>
@@ -32173,7 +34682,7 @@
           <p:cNvPr id="165" name="Folded Corner 14">
             <a:extLst>
               <a:ext uri="{FF2B5EF4-FFF2-40B4-BE49-F238E27FC236}">
-                <a16:creationId xmlns="" xmlns:a16="http://schemas.microsoft.com/office/drawing/2014/main" id="{E1EF52F6-55FE-4BD8-A276-7961F4C14406}"/>
+                <a16:creationId xmlns:a16="http://schemas.microsoft.com/office/drawing/2014/main" id="{E1EF52F6-55FE-4BD8-A276-7961F4C14406}"/>
               </a:ext>
             </a:extLst>
           </p:cNvPr>
@@ -32222,7 +34731,7 @@
           <p:cNvPr id="170" name="Rectangle 169">
             <a:extLst>
               <a:ext uri="{FF2B5EF4-FFF2-40B4-BE49-F238E27FC236}">
-                <a16:creationId xmlns="" xmlns:a16="http://schemas.microsoft.com/office/drawing/2014/main" id="{CD422137-5DD0-430D-A335-3434D32EC278}"/>
+                <a16:creationId xmlns:a16="http://schemas.microsoft.com/office/drawing/2014/main" id="{CD422137-5DD0-430D-A335-3434D32EC278}"/>
               </a:ext>
             </a:extLst>
           </p:cNvPr>
@@ -32274,7 +34783,7 @@
           <p:cNvPr id="171" name="Straight Arrow Connector 170">
             <a:extLst>
               <a:ext uri="{FF2B5EF4-FFF2-40B4-BE49-F238E27FC236}">
-                <a16:creationId xmlns="" xmlns:a16="http://schemas.microsoft.com/office/drawing/2014/main" id="{26251F63-0F9B-46FC-B288-264E1954D111}"/>
+                <a16:creationId xmlns:a16="http://schemas.microsoft.com/office/drawing/2014/main" id="{26251F63-0F9B-46FC-B288-264E1954D111}"/>
               </a:ext>
             </a:extLst>
           </p:cNvPr>
@@ -32319,7 +34828,7 @@
           <p:cNvPr id="172" name="Folded Corner 14">
             <a:extLst>
               <a:ext uri="{FF2B5EF4-FFF2-40B4-BE49-F238E27FC236}">
-                <a16:creationId xmlns="" xmlns:a16="http://schemas.microsoft.com/office/drawing/2014/main" id="{2198A703-2FEE-48EA-B0B0-656B73C08CA7}"/>
+                <a16:creationId xmlns:a16="http://schemas.microsoft.com/office/drawing/2014/main" id="{2198A703-2FEE-48EA-B0B0-656B73C08CA7}"/>
               </a:ext>
             </a:extLst>
           </p:cNvPr>
@@ -32368,7 +34877,7 @@
           <p:cNvPr id="173" name="Rectangle 172">
             <a:extLst>
               <a:ext uri="{FF2B5EF4-FFF2-40B4-BE49-F238E27FC236}">
-                <a16:creationId xmlns="" xmlns:a16="http://schemas.microsoft.com/office/drawing/2014/main" id="{FCC85E64-312F-4851-B756-3019DD6FA99F}"/>
+                <a16:creationId xmlns:a16="http://schemas.microsoft.com/office/drawing/2014/main" id="{FCC85E64-312F-4851-B756-3019DD6FA99F}"/>
               </a:ext>
             </a:extLst>
           </p:cNvPr>
@@ -32420,7 +34929,7 @@
           <p:cNvPr id="174" name="Straight Arrow Connector 173">
             <a:extLst>
               <a:ext uri="{FF2B5EF4-FFF2-40B4-BE49-F238E27FC236}">
-                <a16:creationId xmlns="" xmlns:a16="http://schemas.microsoft.com/office/drawing/2014/main" id="{518C8625-6187-4D33-A1AC-9208CA68F263}"/>
+                <a16:creationId xmlns:a16="http://schemas.microsoft.com/office/drawing/2014/main" id="{518C8625-6187-4D33-A1AC-9208CA68F263}"/>
               </a:ext>
             </a:extLst>
           </p:cNvPr>
@@ -32465,7 +34974,7 @@
           <p:cNvPr id="39" name="Rectangle 38">
             <a:extLst>
               <a:ext uri="{FF2B5EF4-FFF2-40B4-BE49-F238E27FC236}">
-                <a16:creationId xmlns="" xmlns:a16="http://schemas.microsoft.com/office/drawing/2014/main" id="{D01A5617-56DC-4B84-AF69-7027F4C7E7B3}"/>
+                <a16:creationId xmlns:a16="http://schemas.microsoft.com/office/drawing/2014/main" id="{D01A5617-56DC-4B84-AF69-7027F4C7E7B3}"/>
               </a:ext>
             </a:extLst>
           </p:cNvPr>
@@ -32520,7 +35029,7 @@
           <p:cNvPr id="40" name="Arrow: Right 39">
             <a:extLst>
               <a:ext uri="{FF2B5EF4-FFF2-40B4-BE49-F238E27FC236}">
-                <a16:creationId xmlns="" xmlns:a16="http://schemas.microsoft.com/office/drawing/2014/main" id="{AB7C45BA-0078-4BA1-A2B3-BC9A66ACD955}"/>
+                <a16:creationId xmlns:a16="http://schemas.microsoft.com/office/drawing/2014/main" id="{AB7C45BA-0078-4BA1-A2B3-BC9A66ACD955}"/>
               </a:ext>
             </a:extLst>
           </p:cNvPr>
@@ -32572,7 +35081,7 @@
           <p:cNvPr id="12" name="Picture 11" descr="A picture containing outdoor object&#10;&#10;Description generated with high confidence">
             <a:extLst>
               <a:ext uri="{FF2B5EF4-FFF2-40B4-BE49-F238E27FC236}">
-                <a16:creationId xmlns="" xmlns:a16="http://schemas.microsoft.com/office/drawing/2014/main" id="{684713F9-9ECF-4663-A027-A6113FA71893}"/>
+                <a16:creationId xmlns:a16="http://schemas.microsoft.com/office/drawing/2014/main" id="{684713F9-9ECF-4663-A027-A6113FA71893}"/>
               </a:ext>
             </a:extLst>
           </p:cNvPr>
@@ -32608,7 +35117,7 @@
           <p:cNvPr id="42" name="Straight Arrow Connector 41">
             <a:extLst>
               <a:ext uri="{FF2B5EF4-FFF2-40B4-BE49-F238E27FC236}">
-                <a16:creationId xmlns="" xmlns:a16="http://schemas.microsoft.com/office/drawing/2014/main" id="{AE9F3928-6603-4F44-B87F-D5568E789A51}"/>
+                <a16:creationId xmlns:a16="http://schemas.microsoft.com/office/drawing/2014/main" id="{AE9F3928-6603-4F44-B87F-D5568E789A51}"/>
               </a:ext>
             </a:extLst>
           </p:cNvPr>
@@ -32653,7 +35162,7 @@
           <p:cNvPr id="13" name="Rectangle 12">
             <a:extLst>
               <a:ext uri="{FF2B5EF4-FFF2-40B4-BE49-F238E27FC236}">
-                <a16:creationId xmlns="" xmlns:a16="http://schemas.microsoft.com/office/drawing/2014/main" id="{BE9850A2-3BDB-4A68-BCBD-94C436747806}"/>
+                <a16:creationId xmlns:a16="http://schemas.microsoft.com/office/drawing/2014/main" id="{BE9850A2-3BDB-4A68-BCBD-94C436747806}"/>
               </a:ext>
             </a:extLst>
           </p:cNvPr>
@@ -32719,7 +35228,7 @@
           <p:cNvPr id="44" name="Folded Corner 14">
             <a:extLst>
               <a:ext uri="{FF2B5EF4-FFF2-40B4-BE49-F238E27FC236}">
-                <a16:creationId xmlns="" xmlns:a16="http://schemas.microsoft.com/office/drawing/2014/main" id="{048A78E4-38F4-403F-B262-3393CB25026A}"/>
+                <a16:creationId xmlns:a16="http://schemas.microsoft.com/office/drawing/2014/main" id="{048A78E4-38F4-403F-B262-3393CB25026A}"/>
               </a:ext>
             </a:extLst>
           </p:cNvPr>
@@ -32768,7 +35277,7 @@
           <p:cNvPr id="45" name="Rectangle 44">
             <a:extLst>
               <a:ext uri="{FF2B5EF4-FFF2-40B4-BE49-F238E27FC236}">
-                <a16:creationId xmlns="" xmlns:a16="http://schemas.microsoft.com/office/drawing/2014/main" id="{B6EF94B6-C2BD-4454-B081-DC4CDC0FA78B}"/>
+                <a16:creationId xmlns:a16="http://schemas.microsoft.com/office/drawing/2014/main" id="{B6EF94B6-C2BD-4454-B081-DC4CDC0FA78B}"/>
               </a:ext>
             </a:extLst>
           </p:cNvPr>
@@ -32820,7 +35329,7 @@
           <p:cNvPr id="14" name="Rectangle 13">
             <a:extLst>
               <a:ext uri="{FF2B5EF4-FFF2-40B4-BE49-F238E27FC236}">
-                <a16:creationId xmlns="" xmlns:a16="http://schemas.microsoft.com/office/drawing/2014/main" id="{9F89B982-51DA-4A7B-B50E-BA08031E2C12}"/>
+                <a16:creationId xmlns:a16="http://schemas.microsoft.com/office/drawing/2014/main" id="{9F89B982-51DA-4A7B-B50E-BA08031E2C12}"/>
               </a:ext>
             </a:extLst>
           </p:cNvPr>
@@ -32858,7 +35367,7 @@
           <p:cNvPr id="15" name="Rectangle 14">
             <a:extLst>
               <a:ext uri="{FF2B5EF4-FFF2-40B4-BE49-F238E27FC236}">
-                <a16:creationId xmlns="" xmlns:a16="http://schemas.microsoft.com/office/drawing/2014/main" id="{4F318F00-3DF3-4DD0-9F9C-3D2FB2746086}"/>
+                <a16:creationId xmlns:a16="http://schemas.microsoft.com/office/drawing/2014/main" id="{4F318F00-3DF3-4DD0-9F9C-3D2FB2746086}"/>
               </a:ext>
             </a:extLst>
           </p:cNvPr>
@@ -32896,7 +35405,7 @@
           <p:cNvPr id="48" name="Rectangle 47">
             <a:extLst>
               <a:ext uri="{FF2B5EF4-FFF2-40B4-BE49-F238E27FC236}">
-                <a16:creationId xmlns="" xmlns:a16="http://schemas.microsoft.com/office/drawing/2014/main" id="{4B4F362E-13BC-4500-8556-53A8FC39D0B9}"/>
+                <a16:creationId xmlns:a16="http://schemas.microsoft.com/office/drawing/2014/main" id="{4B4F362E-13BC-4500-8556-53A8FC39D0B9}"/>
               </a:ext>
             </a:extLst>
           </p:cNvPr>
@@ -32934,7 +35443,7 @@
           <p:cNvPr id="17" name="Rectangle 16">
             <a:extLst>
               <a:ext uri="{FF2B5EF4-FFF2-40B4-BE49-F238E27FC236}">
-                <a16:creationId xmlns="" xmlns:a16="http://schemas.microsoft.com/office/drawing/2014/main" id="{E971B6A2-9BA5-482C-991E-4489D5C190FD}"/>
+                <a16:creationId xmlns:a16="http://schemas.microsoft.com/office/drawing/2014/main" id="{E971B6A2-9BA5-482C-991E-4489D5C190FD}"/>
               </a:ext>
             </a:extLst>
           </p:cNvPr>
@@ -32972,7 +35481,7 @@
           <p:cNvPr id="20" name="Rectangle 19">
             <a:extLst>
               <a:ext uri="{FF2B5EF4-FFF2-40B4-BE49-F238E27FC236}">
-                <a16:creationId xmlns="" xmlns:a16="http://schemas.microsoft.com/office/drawing/2014/main" id="{99534692-59D2-4947-83E0-D4E8E4591FD6}"/>
+                <a16:creationId xmlns:a16="http://schemas.microsoft.com/office/drawing/2014/main" id="{99534692-59D2-4947-83E0-D4E8E4591FD6}"/>
               </a:ext>
             </a:extLst>
           </p:cNvPr>
@@ -33024,7 +35533,7 @@
           <p:cNvPr id="24" name="Group 23">
             <a:extLst>
               <a:ext uri="{FF2B5EF4-FFF2-40B4-BE49-F238E27FC236}">
-                <a16:creationId xmlns="" xmlns:a16="http://schemas.microsoft.com/office/drawing/2014/main" id="{7699AE6D-1948-48BD-9B9A-01A027DE7855}"/>
+                <a16:creationId xmlns:a16="http://schemas.microsoft.com/office/drawing/2014/main" id="{7699AE6D-1948-48BD-9B9A-01A027DE7855}"/>
               </a:ext>
             </a:extLst>
           </p:cNvPr>
@@ -33044,7 +35553,7 @@
             <p:cNvPr id="7" name="Rectangle 6">
               <a:extLst>
                 <a:ext uri="{FF2B5EF4-FFF2-40B4-BE49-F238E27FC236}">
-                  <a16:creationId xmlns="" xmlns:a16="http://schemas.microsoft.com/office/drawing/2014/main" id="{189D359D-1AC6-4393-97DC-53FE41DEBDF0}"/>
+                  <a16:creationId xmlns:a16="http://schemas.microsoft.com/office/drawing/2014/main" id="{189D359D-1AC6-4393-97DC-53FE41DEBDF0}"/>
                 </a:ext>
               </a:extLst>
             </p:cNvPr>
@@ -33096,7 +35605,7 @@
             <p:cNvPr id="21" name="Straight Connector 20">
               <a:extLst>
                 <a:ext uri="{FF2B5EF4-FFF2-40B4-BE49-F238E27FC236}">
-                  <a16:creationId xmlns="" xmlns:a16="http://schemas.microsoft.com/office/drawing/2014/main" id="{A026F547-ED59-4BA6-A6F0-5ADA14A10397}"/>
+                  <a16:creationId xmlns:a16="http://schemas.microsoft.com/office/drawing/2014/main" id="{A026F547-ED59-4BA6-A6F0-5ADA14A10397}"/>
                 </a:ext>
               </a:extLst>
             </p:cNvPr>
@@ -33137,7 +35646,7 @@
             <p:cNvPr id="53" name="Straight Connector 52">
               <a:extLst>
                 <a:ext uri="{FF2B5EF4-FFF2-40B4-BE49-F238E27FC236}">
-                  <a16:creationId xmlns="" xmlns:a16="http://schemas.microsoft.com/office/drawing/2014/main" id="{C8FADA43-96E3-4E47-BC30-249333EE0EF8}"/>
+                  <a16:creationId xmlns:a16="http://schemas.microsoft.com/office/drawing/2014/main" id="{C8FADA43-96E3-4E47-BC30-249333EE0EF8}"/>
                 </a:ext>
               </a:extLst>
             </p:cNvPr>
@@ -33178,7 +35687,7 @@
             <p:cNvPr id="54" name="Straight Connector 53">
               <a:extLst>
                 <a:ext uri="{FF2B5EF4-FFF2-40B4-BE49-F238E27FC236}">
-                  <a16:creationId xmlns="" xmlns:a16="http://schemas.microsoft.com/office/drawing/2014/main" id="{D4E823AD-D174-4FFC-97EF-E317B5DFE047}"/>
+                  <a16:creationId xmlns:a16="http://schemas.microsoft.com/office/drawing/2014/main" id="{D4E823AD-D174-4FFC-97EF-E317B5DFE047}"/>
                 </a:ext>
               </a:extLst>
             </p:cNvPr>
@@ -33222,7 +35731,7 @@
           <p:cNvPr id="58" name="Group 57">
             <a:extLst>
               <a:ext uri="{FF2B5EF4-FFF2-40B4-BE49-F238E27FC236}">
-                <a16:creationId xmlns="" xmlns:a16="http://schemas.microsoft.com/office/drawing/2014/main" id="{E96FD893-A606-443A-AD99-879A29B400AB}"/>
+                <a16:creationId xmlns:a16="http://schemas.microsoft.com/office/drawing/2014/main" id="{E96FD893-A606-443A-AD99-879A29B400AB}"/>
               </a:ext>
             </a:extLst>
           </p:cNvPr>
@@ -33242,7 +35751,7 @@
             <p:cNvPr id="59" name="Rectangle 58">
               <a:extLst>
                 <a:ext uri="{FF2B5EF4-FFF2-40B4-BE49-F238E27FC236}">
-                  <a16:creationId xmlns="" xmlns:a16="http://schemas.microsoft.com/office/drawing/2014/main" id="{E4437984-6A03-498C-978F-10F3124A023F}"/>
+                  <a16:creationId xmlns:a16="http://schemas.microsoft.com/office/drawing/2014/main" id="{E4437984-6A03-498C-978F-10F3124A023F}"/>
                 </a:ext>
               </a:extLst>
             </p:cNvPr>
@@ -33294,7 +35803,7 @@
             <p:cNvPr id="60" name="Straight Connector 59">
               <a:extLst>
                 <a:ext uri="{FF2B5EF4-FFF2-40B4-BE49-F238E27FC236}">
-                  <a16:creationId xmlns="" xmlns:a16="http://schemas.microsoft.com/office/drawing/2014/main" id="{DA5DBAEE-7702-4380-A965-233EB99E7884}"/>
+                  <a16:creationId xmlns:a16="http://schemas.microsoft.com/office/drawing/2014/main" id="{DA5DBAEE-7702-4380-A965-233EB99E7884}"/>
                 </a:ext>
               </a:extLst>
             </p:cNvPr>
@@ -33335,7 +35844,7 @@
             <p:cNvPr id="61" name="Straight Connector 60">
               <a:extLst>
                 <a:ext uri="{FF2B5EF4-FFF2-40B4-BE49-F238E27FC236}">
-                  <a16:creationId xmlns="" xmlns:a16="http://schemas.microsoft.com/office/drawing/2014/main" id="{D112CE0A-0115-4784-8974-A58C166D681A}"/>
+                  <a16:creationId xmlns:a16="http://schemas.microsoft.com/office/drawing/2014/main" id="{D112CE0A-0115-4784-8974-A58C166D681A}"/>
                 </a:ext>
               </a:extLst>
             </p:cNvPr>
@@ -33376,7 +35885,7 @@
             <p:cNvPr id="62" name="Straight Connector 61">
               <a:extLst>
                 <a:ext uri="{FF2B5EF4-FFF2-40B4-BE49-F238E27FC236}">
-                  <a16:creationId xmlns="" xmlns:a16="http://schemas.microsoft.com/office/drawing/2014/main" id="{2CA87DC1-B06E-4C51-BC06-0725BE88BE6D}"/>
+                  <a16:creationId xmlns:a16="http://schemas.microsoft.com/office/drawing/2014/main" id="{2CA87DC1-B06E-4C51-BC06-0725BE88BE6D}"/>
                 </a:ext>
               </a:extLst>
             </p:cNvPr>
@@ -33420,7 +35929,7 @@
           <p:cNvPr id="63" name="Group 62">
             <a:extLst>
               <a:ext uri="{FF2B5EF4-FFF2-40B4-BE49-F238E27FC236}">
-                <a16:creationId xmlns="" xmlns:a16="http://schemas.microsoft.com/office/drawing/2014/main" id="{59EA6294-D0E8-4E50-BA74-E7AD650BDB45}"/>
+                <a16:creationId xmlns:a16="http://schemas.microsoft.com/office/drawing/2014/main" id="{59EA6294-D0E8-4E50-BA74-E7AD650BDB45}"/>
               </a:ext>
             </a:extLst>
           </p:cNvPr>
@@ -33440,7 +35949,7 @@
             <p:cNvPr id="64" name="Rectangle 63">
               <a:extLst>
                 <a:ext uri="{FF2B5EF4-FFF2-40B4-BE49-F238E27FC236}">
-                  <a16:creationId xmlns="" xmlns:a16="http://schemas.microsoft.com/office/drawing/2014/main" id="{B1FB0AC2-6B76-46E3-9133-19318E67B6C4}"/>
+                  <a16:creationId xmlns:a16="http://schemas.microsoft.com/office/drawing/2014/main" id="{B1FB0AC2-6B76-46E3-9133-19318E67B6C4}"/>
                 </a:ext>
               </a:extLst>
             </p:cNvPr>
@@ -33492,7 +36001,7 @@
             <p:cNvPr id="65" name="Straight Connector 64">
               <a:extLst>
                 <a:ext uri="{FF2B5EF4-FFF2-40B4-BE49-F238E27FC236}">
-                  <a16:creationId xmlns="" xmlns:a16="http://schemas.microsoft.com/office/drawing/2014/main" id="{AAAD192D-83A3-4547-AC47-61BCCBCCD9AC}"/>
+                  <a16:creationId xmlns:a16="http://schemas.microsoft.com/office/drawing/2014/main" id="{AAAD192D-83A3-4547-AC47-61BCCBCCD9AC}"/>
                 </a:ext>
               </a:extLst>
             </p:cNvPr>
@@ -33533,7 +36042,7 @@
             <p:cNvPr id="66" name="Straight Connector 65">
               <a:extLst>
                 <a:ext uri="{FF2B5EF4-FFF2-40B4-BE49-F238E27FC236}">
-                  <a16:creationId xmlns="" xmlns:a16="http://schemas.microsoft.com/office/drawing/2014/main" id="{883D4DAB-A796-49E5-A7EA-C5FB2433FA65}"/>
+                  <a16:creationId xmlns:a16="http://schemas.microsoft.com/office/drawing/2014/main" id="{883D4DAB-A796-49E5-A7EA-C5FB2433FA65}"/>
                 </a:ext>
               </a:extLst>
             </p:cNvPr>
@@ -33574,7 +36083,7 @@
             <p:cNvPr id="67" name="Straight Connector 66">
               <a:extLst>
                 <a:ext uri="{FF2B5EF4-FFF2-40B4-BE49-F238E27FC236}">
-                  <a16:creationId xmlns="" xmlns:a16="http://schemas.microsoft.com/office/drawing/2014/main" id="{FCE4D7DC-CD15-4149-9513-729CE086EA3A}"/>
+                  <a16:creationId xmlns:a16="http://schemas.microsoft.com/office/drawing/2014/main" id="{FCE4D7DC-CD15-4149-9513-729CE086EA3A}"/>
                 </a:ext>
               </a:extLst>
             </p:cNvPr>
@@ -33618,7 +36127,7 @@
           <p:cNvPr id="26" name="Rectangle 25">
             <a:extLst>
               <a:ext uri="{FF2B5EF4-FFF2-40B4-BE49-F238E27FC236}">
-                <a16:creationId xmlns="" xmlns:a16="http://schemas.microsoft.com/office/drawing/2014/main" id="{EDBB5F88-73B2-4586-921F-DF9089D985DE}"/>
+                <a16:creationId xmlns:a16="http://schemas.microsoft.com/office/drawing/2014/main" id="{EDBB5F88-73B2-4586-921F-DF9089D985DE}"/>
               </a:ext>
             </a:extLst>
           </p:cNvPr>
@@ -33656,7 +36165,7 @@
           <p:cNvPr id="70" name="Rectangle 69">
             <a:extLst>
               <a:ext uri="{FF2B5EF4-FFF2-40B4-BE49-F238E27FC236}">
-                <a16:creationId xmlns="" xmlns:a16="http://schemas.microsoft.com/office/drawing/2014/main" id="{4E1B358B-33FA-49E9-B22D-48D8ACA82FA7}"/>
+                <a16:creationId xmlns:a16="http://schemas.microsoft.com/office/drawing/2014/main" id="{4E1B358B-33FA-49E9-B22D-48D8ACA82FA7}"/>
               </a:ext>
             </a:extLst>
           </p:cNvPr>
@@ -33694,7 +36203,7 @@
           <p:cNvPr id="71" name="Rectangle 70">
             <a:extLst>
               <a:ext uri="{FF2B5EF4-FFF2-40B4-BE49-F238E27FC236}">
-                <a16:creationId xmlns="" xmlns:a16="http://schemas.microsoft.com/office/drawing/2014/main" id="{DE8A8FB8-D2B2-4EA8-984E-DC871D7C1E21}"/>
+                <a16:creationId xmlns:a16="http://schemas.microsoft.com/office/drawing/2014/main" id="{DE8A8FB8-D2B2-4EA8-984E-DC871D7C1E21}"/>
               </a:ext>
             </a:extLst>
           </p:cNvPr>
@@ -33732,7 +36241,7 @@
           <p:cNvPr id="68" name="Folded Corner 14">
             <a:extLst>
               <a:ext uri="{FF2B5EF4-FFF2-40B4-BE49-F238E27FC236}">
-                <a16:creationId xmlns="" xmlns:a16="http://schemas.microsoft.com/office/drawing/2014/main" id="{4851922D-6330-4AD5-B0C9-1171A3DC914D}"/>
+                <a16:creationId xmlns:a16="http://schemas.microsoft.com/office/drawing/2014/main" id="{4851922D-6330-4AD5-B0C9-1171A3DC914D}"/>
               </a:ext>
             </a:extLst>
           </p:cNvPr>
@@ -33781,7 +36290,7 @@
           <p:cNvPr id="69" name="Straight Arrow Connector 68">
             <a:extLst>
               <a:ext uri="{FF2B5EF4-FFF2-40B4-BE49-F238E27FC236}">
-                <a16:creationId xmlns="" xmlns:a16="http://schemas.microsoft.com/office/drawing/2014/main" id="{36CB2715-6B58-4602-89CE-B969E9C57AAC}"/>
+                <a16:creationId xmlns:a16="http://schemas.microsoft.com/office/drawing/2014/main" id="{36CB2715-6B58-4602-89CE-B969E9C57AAC}"/>
               </a:ext>
             </a:extLst>
           </p:cNvPr>
@@ -33826,7 +36335,7 @@
           <p:cNvPr id="72" name="Rectangle 71">
             <a:extLst>
               <a:ext uri="{FF2B5EF4-FFF2-40B4-BE49-F238E27FC236}">
-                <a16:creationId xmlns="" xmlns:a16="http://schemas.microsoft.com/office/drawing/2014/main" id="{60C5E4D9-52BD-4F41-9A0A-C1BE1ED4C80F}"/>
+                <a16:creationId xmlns:a16="http://schemas.microsoft.com/office/drawing/2014/main" id="{60C5E4D9-52BD-4F41-9A0A-C1BE1ED4C80F}"/>
               </a:ext>
             </a:extLst>
           </p:cNvPr>
@@ -33889,7 +36398,7 @@
 </p:sld>
 </file>
 
-<file path=ppt/slides/slide5.xml><?xml version="1.0" encoding="utf-8"?>
+<file path=ppt/slides/slide6.xml><?xml version="1.0" encoding="utf-8"?>
 <p:sld xmlns:a="http://schemas.openxmlformats.org/drawingml/2006/main" xmlns:r="http://schemas.openxmlformats.org/officeDocument/2006/relationships" xmlns:p="http://schemas.openxmlformats.org/presentationml/2006/main">
   <p:cSld>
     <p:spTree>
@@ -33911,7 +36420,7 @@
           <p:cNvPr id="175" name="Folded Corner 14">
             <a:extLst>
               <a:ext uri="{FF2B5EF4-FFF2-40B4-BE49-F238E27FC236}">
-                <a16:creationId xmlns="" xmlns:a16="http://schemas.microsoft.com/office/drawing/2014/main" id="{D7925C44-E3E5-47AF-9CC8-BF6471802A70}"/>
+                <a16:creationId xmlns:a16="http://schemas.microsoft.com/office/drawing/2014/main" id="{D7925C44-E3E5-47AF-9CC8-BF6471802A70}"/>
               </a:ext>
             </a:extLst>
           </p:cNvPr>
@@ -33960,7 +36469,7 @@
           <p:cNvPr id="2" name="Diagram 1">
             <a:extLst>
               <a:ext uri="{FF2B5EF4-FFF2-40B4-BE49-F238E27FC236}">
-                <a16:creationId xmlns="" xmlns:a16="http://schemas.microsoft.com/office/drawing/2014/main" id="{214EDC3A-CB98-4BD4-86CB-C3DE5CC0A317}"/>
+                <a16:creationId xmlns:a16="http://schemas.microsoft.com/office/drawing/2014/main" id="{214EDC3A-CB98-4BD4-86CB-C3DE5CC0A317}"/>
               </a:ext>
             </a:extLst>
           </p:cNvPr>
@@ -33988,7 +36497,7 @@
           <p:cNvPr id="3" name="Rectangle 2">
             <a:extLst>
               <a:ext uri="{FF2B5EF4-FFF2-40B4-BE49-F238E27FC236}">
-                <a16:creationId xmlns="" xmlns:a16="http://schemas.microsoft.com/office/drawing/2014/main" id="{8D715EE1-32F0-4BAE-86BD-83B54B3137EB}"/>
+                <a16:creationId xmlns:a16="http://schemas.microsoft.com/office/drawing/2014/main" id="{8D715EE1-32F0-4BAE-86BD-83B54B3137EB}"/>
               </a:ext>
             </a:extLst>
           </p:cNvPr>
@@ -34065,7 +36574,7 @@
           <p:cNvPr id="4" name="Rectangle 3">
             <a:extLst>
               <a:ext uri="{FF2B5EF4-FFF2-40B4-BE49-F238E27FC236}">
-                <a16:creationId xmlns="" xmlns:a16="http://schemas.microsoft.com/office/drawing/2014/main" id="{2CBF344E-950A-4767-97FA-13FFE695BBC3}"/>
+                <a16:creationId xmlns:a16="http://schemas.microsoft.com/office/drawing/2014/main" id="{2CBF344E-950A-4767-97FA-13FFE695BBC3}"/>
               </a:ext>
             </a:extLst>
           </p:cNvPr>
@@ -34106,7 +36615,7 @@
           <p:cNvPr id="126" name="Rectangle 125">
             <a:extLst>
               <a:ext uri="{FF2B5EF4-FFF2-40B4-BE49-F238E27FC236}">
-                <a16:creationId xmlns="" xmlns:a16="http://schemas.microsoft.com/office/drawing/2014/main" id="{AFE62E66-21DE-45BB-AB76-2BCE8E9BEC95}"/>
+                <a16:creationId xmlns:a16="http://schemas.microsoft.com/office/drawing/2014/main" id="{AFE62E66-21DE-45BB-AB76-2BCE8E9BEC95}"/>
               </a:ext>
             </a:extLst>
           </p:cNvPr>
@@ -34207,7 +36716,7 @@
           <p:cNvPr id="128" name="Rectangle 127">
             <a:extLst>
               <a:ext uri="{FF2B5EF4-FFF2-40B4-BE49-F238E27FC236}">
-                <a16:creationId xmlns="" xmlns:a16="http://schemas.microsoft.com/office/drawing/2014/main" id="{57B25911-E59E-4329-B921-A0EBAE8F9C7E}"/>
+                <a16:creationId xmlns:a16="http://schemas.microsoft.com/office/drawing/2014/main" id="{57B25911-E59E-4329-B921-A0EBAE8F9C7E}"/>
               </a:ext>
             </a:extLst>
           </p:cNvPr>
@@ -34284,7 +36793,7 @@
           <p:cNvPr id="5" name="Rectangle 4">
             <a:extLst>
               <a:ext uri="{FF2B5EF4-FFF2-40B4-BE49-F238E27FC236}">
-                <a16:creationId xmlns="" xmlns:a16="http://schemas.microsoft.com/office/drawing/2014/main" id="{798B0573-B3AD-48CB-9F8F-13EC6567D0D3}"/>
+                <a16:creationId xmlns:a16="http://schemas.microsoft.com/office/drawing/2014/main" id="{798B0573-B3AD-48CB-9F8F-13EC6567D0D3}"/>
               </a:ext>
             </a:extLst>
           </p:cNvPr>
@@ -34379,7 +36888,7 @@
           <p:cNvPr id="6" name="Rectangle 5">
             <a:extLst>
               <a:ext uri="{FF2B5EF4-FFF2-40B4-BE49-F238E27FC236}">
-                <a16:creationId xmlns="" xmlns:a16="http://schemas.microsoft.com/office/drawing/2014/main" id="{2B5D63EA-C9C9-4E25-A071-89FBDD4231BE}"/>
+                <a16:creationId xmlns:a16="http://schemas.microsoft.com/office/drawing/2014/main" id="{2B5D63EA-C9C9-4E25-A071-89FBDD4231BE}"/>
               </a:ext>
             </a:extLst>
           </p:cNvPr>
@@ -34417,7 +36926,7 @@
           <p:cNvPr id="8" name="Rectangle 7">
             <a:extLst>
               <a:ext uri="{FF2B5EF4-FFF2-40B4-BE49-F238E27FC236}">
-                <a16:creationId xmlns="" xmlns:a16="http://schemas.microsoft.com/office/drawing/2014/main" id="{BE0255C1-0F86-4BC8-84D8-4B76F00785A9}"/>
+                <a16:creationId xmlns:a16="http://schemas.microsoft.com/office/drawing/2014/main" id="{BE0255C1-0F86-4BC8-84D8-4B76F00785A9}"/>
               </a:ext>
             </a:extLst>
           </p:cNvPr>
@@ -34458,7 +36967,7 @@
           <p:cNvPr id="9" name="Rectangle 8">
             <a:extLst>
               <a:ext uri="{FF2B5EF4-FFF2-40B4-BE49-F238E27FC236}">
-                <a16:creationId xmlns="" xmlns:a16="http://schemas.microsoft.com/office/drawing/2014/main" id="{CFD7F599-A36B-4AA7-86FA-23355394169C}"/>
+                <a16:creationId xmlns:a16="http://schemas.microsoft.com/office/drawing/2014/main" id="{CFD7F599-A36B-4AA7-86FA-23355394169C}"/>
               </a:ext>
             </a:extLst>
           </p:cNvPr>
@@ -34499,7 +37008,7 @@
           <p:cNvPr id="130" name="Rectangle 129">
             <a:extLst>
               <a:ext uri="{FF2B5EF4-FFF2-40B4-BE49-F238E27FC236}">
-                <a16:creationId xmlns="" xmlns:a16="http://schemas.microsoft.com/office/drawing/2014/main" id="{F21A4D44-CAD2-400B-8E2D-F8B1FEA0E5B6}"/>
+                <a16:creationId xmlns:a16="http://schemas.microsoft.com/office/drawing/2014/main" id="{F21A4D44-CAD2-400B-8E2D-F8B1FEA0E5B6}"/>
               </a:ext>
             </a:extLst>
           </p:cNvPr>
@@ -34540,7 +37049,7 @@
           <p:cNvPr id="131" name="Rectangle 130">
             <a:extLst>
               <a:ext uri="{FF2B5EF4-FFF2-40B4-BE49-F238E27FC236}">
-                <a16:creationId xmlns="" xmlns:a16="http://schemas.microsoft.com/office/drawing/2014/main" id="{7ECE62BA-C5A0-4279-B504-BAC3C2C73E71}"/>
+                <a16:creationId xmlns:a16="http://schemas.microsoft.com/office/drawing/2014/main" id="{7ECE62BA-C5A0-4279-B504-BAC3C2C73E71}"/>
               </a:ext>
             </a:extLst>
           </p:cNvPr>
@@ -34592,7 +37101,7 @@
           <p:cNvPr id="10" name="Cube 9">
             <a:extLst>
               <a:ext uri="{FF2B5EF4-FFF2-40B4-BE49-F238E27FC236}">
-                <a16:creationId xmlns="" xmlns:a16="http://schemas.microsoft.com/office/drawing/2014/main" id="{F871D032-A4AE-406F-A80A-38A8B0BED40E}"/>
+                <a16:creationId xmlns:a16="http://schemas.microsoft.com/office/drawing/2014/main" id="{F871D032-A4AE-406F-A80A-38A8B0BED40E}"/>
               </a:ext>
             </a:extLst>
           </p:cNvPr>
@@ -34652,7 +37161,7 @@
           <p:cNvPr id="133" name="Folded Corner 14">
             <a:extLst>
               <a:ext uri="{FF2B5EF4-FFF2-40B4-BE49-F238E27FC236}">
-                <a16:creationId xmlns="" xmlns:a16="http://schemas.microsoft.com/office/drawing/2014/main" id="{DDDEB2FA-CB2B-41A1-82A4-458F3DD3A4D7}"/>
+                <a16:creationId xmlns:a16="http://schemas.microsoft.com/office/drawing/2014/main" id="{DDDEB2FA-CB2B-41A1-82A4-458F3DD3A4D7}"/>
               </a:ext>
             </a:extLst>
           </p:cNvPr>
@@ -34701,7 +37210,7 @@
           <p:cNvPr id="11" name="Rectangle 10">
             <a:extLst>
               <a:ext uri="{FF2B5EF4-FFF2-40B4-BE49-F238E27FC236}">
-                <a16:creationId xmlns="" xmlns:a16="http://schemas.microsoft.com/office/drawing/2014/main" id="{F638F98D-376A-4707-AFEB-3116E75204BA}"/>
+                <a16:creationId xmlns:a16="http://schemas.microsoft.com/office/drawing/2014/main" id="{F638F98D-376A-4707-AFEB-3116E75204BA}"/>
               </a:ext>
             </a:extLst>
           </p:cNvPr>
@@ -34756,7 +37265,7 @@
           <p:cNvPr id="18" name="Picture 17" descr="A close up of an animal&#10;&#10;Description generated with high confidence">
             <a:extLst>
               <a:ext uri="{FF2B5EF4-FFF2-40B4-BE49-F238E27FC236}">
-                <a16:creationId xmlns="" xmlns:a16="http://schemas.microsoft.com/office/drawing/2014/main" id="{4132CF14-571D-4435-9A41-BF9FAEA4439C}"/>
+                <a16:creationId xmlns:a16="http://schemas.microsoft.com/office/drawing/2014/main" id="{4132CF14-571D-4435-9A41-BF9FAEA4439C}"/>
               </a:ext>
             </a:extLst>
           </p:cNvPr>
@@ -34792,7 +37301,7 @@
           <p:cNvPr id="19" name="Rectangle 18">
             <a:extLst>
               <a:ext uri="{FF2B5EF4-FFF2-40B4-BE49-F238E27FC236}">
-                <a16:creationId xmlns="" xmlns:a16="http://schemas.microsoft.com/office/drawing/2014/main" id="{1047E73B-15B2-47B6-9C78-BCDB588C3019}"/>
+                <a16:creationId xmlns:a16="http://schemas.microsoft.com/office/drawing/2014/main" id="{1047E73B-15B2-47B6-9C78-BCDB588C3019}"/>
               </a:ext>
             </a:extLst>
           </p:cNvPr>
@@ -34834,7 +37343,7 @@
           <p:cNvPr id="31" name="Straight Arrow Connector 30">
             <a:extLst>
               <a:ext uri="{FF2B5EF4-FFF2-40B4-BE49-F238E27FC236}">
-                <a16:creationId xmlns="" xmlns:a16="http://schemas.microsoft.com/office/drawing/2014/main" id="{E3ACBD9C-E946-4C83-82A0-7C79817A1EB9}"/>
+                <a16:creationId xmlns:a16="http://schemas.microsoft.com/office/drawing/2014/main" id="{E3ACBD9C-E946-4C83-82A0-7C79817A1EB9}"/>
               </a:ext>
             </a:extLst>
           </p:cNvPr>
@@ -34877,7 +37386,7 @@
           <p:cNvPr id="32" name="Rectangle 31">
             <a:extLst>
               <a:ext uri="{FF2B5EF4-FFF2-40B4-BE49-F238E27FC236}">
-                <a16:creationId xmlns="" xmlns:a16="http://schemas.microsoft.com/office/drawing/2014/main" id="{DAD5A302-C880-4E8C-9E1D-640CD5CF0CBE}"/>
+                <a16:creationId xmlns:a16="http://schemas.microsoft.com/office/drawing/2014/main" id="{DAD5A302-C880-4E8C-9E1D-640CD5CF0CBE}"/>
               </a:ext>
             </a:extLst>
           </p:cNvPr>
@@ -34915,7 +37424,7 @@
           <p:cNvPr id="135" name="Rectangle 134">
             <a:extLst>
               <a:ext uri="{FF2B5EF4-FFF2-40B4-BE49-F238E27FC236}">
-                <a16:creationId xmlns="" xmlns:a16="http://schemas.microsoft.com/office/drawing/2014/main" id="{9D239E65-7C2B-4AD5-A1F4-F716E33EF928}"/>
+                <a16:creationId xmlns:a16="http://schemas.microsoft.com/office/drawing/2014/main" id="{9D239E65-7C2B-4AD5-A1F4-F716E33EF928}"/>
               </a:ext>
             </a:extLst>
           </p:cNvPr>
@@ -34953,7 +37462,7 @@
           <p:cNvPr id="146" name="Rectangle 145">
             <a:extLst>
               <a:ext uri="{FF2B5EF4-FFF2-40B4-BE49-F238E27FC236}">
-                <a16:creationId xmlns="" xmlns:a16="http://schemas.microsoft.com/office/drawing/2014/main" id="{02CB9ACB-9175-4592-A0A2-5F6EBA3916AA}"/>
+                <a16:creationId xmlns:a16="http://schemas.microsoft.com/office/drawing/2014/main" id="{02CB9ACB-9175-4592-A0A2-5F6EBA3916AA}"/>
               </a:ext>
             </a:extLst>
           </p:cNvPr>
@@ -34991,7 +37500,7 @@
           <p:cNvPr id="33" name="Rectangle 32">
             <a:extLst>
               <a:ext uri="{FF2B5EF4-FFF2-40B4-BE49-F238E27FC236}">
-                <a16:creationId xmlns="" xmlns:a16="http://schemas.microsoft.com/office/drawing/2014/main" id="{A5445AD6-3298-4B4A-BFAA-36E271EE36D3}"/>
+                <a16:creationId xmlns:a16="http://schemas.microsoft.com/office/drawing/2014/main" id="{A5445AD6-3298-4B4A-BFAA-36E271EE36D3}"/>
               </a:ext>
             </a:extLst>
           </p:cNvPr>
@@ -35032,7 +37541,7 @@
           <p:cNvPr id="148" name="Cube 147">
             <a:extLst>
               <a:ext uri="{FF2B5EF4-FFF2-40B4-BE49-F238E27FC236}">
-                <a16:creationId xmlns="" xmlns:a16="http://schemas.microsoft.com/office/drawing/2014/main" id="{3C1DB64A-F95E-4BBA-AAB7-E382DEE6D3AD}"/>
+                <a16:creationId xmlns:a16="http://schemas.microsoft.com/office/drawing/2014/main" id="{3C1DB64A-F95E-4BBA-AAB7-E382DEE6D3AD}"/>
               </a:ext>
             </a:extLst>
           </p:cNvPr>
@@ -35092,7 +37601,7 @@
           <p:cNvPr id="149" name="Rectangle 148">
             <a:extLst>
               <a:ext uri="{FF2B5EF4-FFF2-40B4-BE49-F238E27FC236}">
-                <a16:creationId xmlns="" xmlns:a16="http://schemas.microsoft.com/office/drawing/2014/main" id="{8ADE2C1F-3705-4E1D-9D1A-CEFA5BBDC4AE}"/>
+                <a16:creationId xmlns:a16="http://schemas.microsoft.com/office/drawing/2014/main" id="{8ADE2C1F-3705-4E1D-9D1A-CEFA5BBDC4AE}"/>
               </a:ext>
             </a:extLst>
           </p:cNvPr>
@@ -35133,7 +37642,7 @@
           <p:cNvPr id="152" name="Folded Corner 14">
             <a:extLst>
               <a:ext uri="{FF2B5EF4-FFF2-40B4-BE49-F238E27FC236}">
-                <a16:creationId xmlns="" xmlns:a16="http://schemas.microsoft.com/office/drawing/2014/main" id="{E9E59862-8121-45E9-B034-254AA5F85A9E}"/>
+                <a16:creationId xmlns:a16="http://schemas.microsoft.com/office/drawing/2014/main" id="{E9E59862-8121-45E9-B034-254AA5F85A9E}"/>
               </a:ext>
             </a:extLst>
           </p:cNvPr>
@@ -35182,7 +37691,7 @@
           <p:cNvPr id="159" name="Rectangle 158">
             <a:extLst>
               <a:ext uri="{FF2B5EF4-FFF2-40B4-BE49-F238E27FC236}">
-                <a16:creationId xmlns="" xmlns:a16="http://schemas.microsoft.com/office/drawing/2014/main" id="{9189909A-C973-403D-AC10-F162C1C50251}"/>
+                <a16:creationId xmlns:a16="http://schemas.microsoft.com/office/drawing/2014/main" id="{9189909A-C973-403D-AC10-F162C1C50251}"/>
               </a:ext>
             </a:extLst>
           </p:cNvPr>
@@ -35237,7 +37746,7 @@
           <p:cNvPr id="160" name="Straight Arrow Connector 159">
             <a:extLst>
               <a:ext uri="{FF2B5EF4-FFF2-40B4-BE49-F238E27FC236}">
-                <a16:creationId xmlns="" xmlns:a16="http://schemas.microsoft.com/office/drawing/2014/main" id="{4104DBBE-32EA-425C-8DB2-CA3E800CA64E}"/>
+                <a16:creationId xmlns:a16="http://schemas.microsoft.com/office/drawing/2014/main" id="{4104DBBE-32EA-425C-8DB2-CA3E800CA64E}"/>
               </a:ext>
             </a:extLst>
           </p:cNvPr>
@@ -35282,7 +37791,7 @@
           <p:cNvPr id="163" name="Cube 162">
             <a:extLst>
               <a:ext uri="{FF2B5EF4-FFF2-40B4-BE49-F238E27FC236}">
-                <a16:creationId xmlns="" xmlns:a16="http://schemas.microsoft.com/office/drawing/2014/main" id="{DCC62459-FE7B-48A9-A2FB-D56CDC251746}"/>
+                <a16:creationId xmlns:a16="http://schemas.microsoft.com/office/drawing/2014/main" id="{DCC62459-FE7B-48A9-A2FB-D56CDC251746}"/>
               </a:ext>
             </a:extLst>
           </p:cNvPr>
@@ -35342,7 +37851,7 @@
           <p:cNvPr id="164" name="Rectangle 163">
             <a:extLst>
               <a:ext uri="{FF2B5EF4-FFF2-40B4-BE49-F238E27FC236}">
-                <a16:creationId xmlns="" xmlns:a16="http://schemas.microsoft.com/office/drawing/2014/main" id="{A17E061D-69B0-4C5E-9A8B-BA722BA64CA4}"/>
+                <a16:creationId xmlns:a16="http://schemas.microsoft.com/office/drawing/2014/main" id="{A17E061D-69B0-4C5E-9A8B-BA722BA64CA4}"/>
               </a:ext>
             </a:extLst>
           </p:cNvPr>
@@ -35383,7 +37892,7 @@
           <p:cNvPr id="165" name="Folded Corner 14">
             <a:extLst>
               <a:ext uri="{FF2B5EF4-FFF2-40B4-BE49-F238E27FC236}">
-                <a16:creationId xmlns="" xmlns:a16="http://schemas.microsoft.com/office/drawing/2014/main" id="{E1EF52F6-55FE-4BD8-A276-7961F4C14406}"/>
+                <a16:creationId xmlns:a16="http://schemas.microsoft.com/office/drawing/2014/main" id="{E1EF52F6-55FE-4BD8-A276-7961F4C14406}"/>
               </a:ext>
             </a:extLst>
           </p:cNvPr>
@@ -35432,7 +37941,7 @@
           <p:cNvPr id="170" name="Rectangle 169">
             <a:extLst>
               <a:ext uri="{FF2B5EF4-FFF2-40B4-BE49-F238E27FC236}">
-                <a16:creationId xmlns="" xmlns:a16="http://schemas.microsoft.com/office/drawing/2014/main" id="{CD422137-5DD0-430D-A335-3434D32EC278}"/>
+                <a16:creationId xmlns:a16="http://schemas.microsoft.com/office/drawing/2014/main" id="{CD422137-5DD0-430D-A335-3434D32EC278}"/>
               </a:ext>
             </a:extLst>
           </p:cNvPr>
@@ -35484,7 +37993,7 @@
           <p:cNvPr id="171" name="Straight Arrow Connector 170">
             <a:extLst>
               <a:ext uri="{FF2B5EF4-FFF2-40B4-BE49-F238E27FC236}">
-                <a16:creationId xmlns="" xmlns:a16="http://schemas.microsoft.com/office/drawing/2014/main" id="{26251F63-0F9B-46FC-B288-264E1954D111}"/>
+                <a16:creationId xmlns:a16="http://schemas.microsoft.com/office/drawing/2014/main" id="{26251F63-0F9B-46FC-B288-264E1954D111}"/>
               </a:ext>
             </a:extLst>
           </p:cNvPr>
@@ -35529,7 +38038,7 @@
           <p:cNvPr id="172" name="Folded Corner 14">
             <a:extLst>
               <a:ext uri="{FF2B5EF4-FFF2-40B4-BE49-F238E27FC236}">
-                <a16:creationId xmlns="" xmlns:a16="http://schemas.microsoft.com/office/drawing/2014/main" id="{2198A703-2FEE-48EA-B0B0-656B73C08CA7}"/>
+                <a16:creationId xmlns:a16="http://schemas.microsoft.com/office/drawing/2014/main" id="{2198A703-2FEE-48EA-B0B0-656B73C08CA7}"/>
               </a:ext>
             </a:extLst>
           </p:cNvPr>
@@ -35578,7 +38087,7 @@
           <p:cNvPr id="173" name="Rectangle 172">
             <a:extLst>
               <a:ext uri="{FF2B5EF4-FFF2-40B4-BE49-F238E27FC236}">
-                <a16:creationId xmlns="" xmlns:a16="http://schemas.microsoft.com/office/drawing/2014/main" id="{FCC85E64-312F-4851-B756-3019DD6FA99F}"/>
+                <a16:creationId xmlns:a16="http://schemas.microsoft.com/office/drawing/2014/main" id="{FCC85E64-312F-4851-B756-3019DD6FA99F}"/>
               </a:ext>
             </a:extLst>
           </p:cNvPr>
@@ -35630,7 +38139,7 @@
           <p:cNvPr id="174" name="Straight Arrow Connector 173">
             <a:extLst>
               <a:ext uri="{FF2B5EF4-FFF2-40B4-BE49-F238E27FC236}">
-                <a16:creationId xmlns="" xmlns:a16="http://schemas.microsoft.com/office/drawing/2014/main" id="{518C8625-6187-4D33-A1AC-9208CA68F263}"/>
+                <a16:creationId xmlns:a16="http://schemas.microsoft.com/office/drawing/2014/main" id="{518C8625-6187-4D33-A1AC-9208CA68F263}"/>
               </a:ext>
             </a:extLst>
           </p:cNvPr>
@@ -35675,7 +38184,7 @@
           <p:cNvPr id="39" name="Rectangle 38">
             <a:extLst>
               <a:ext uri="{FF2B5EF4-FFF2-40B4-BE49-F238E27FC236}">
-                <a16:creationId xmlns="" xmlns:a16="http://schemas.microsoft.com/office/drawing/2014/main" id="{D01A5617-56DC-4B84-AF69-7027F4C7E7B3}"/>
+                <a16:creationId xmlns:a16="http://schemas.microsoft.com/office/drawing/2014/main" id="{D01A5617-56DC-4B84-AF69-7027F4C7E7B3}"/>
               </a:ext>
             </a:extLst>
           </p:cNvPr>
@@ -35730,7 +38239,7 @@
           <p:cNvPr id="40" name="Arrow: Right 39">
             <a:extLst>
               <a:ext uri="{FF2B5EF4-FFF2-40B4-BE49-F238E27FC236}">
-                <a16:creationId xmlns="" xmlns:a16="http://schemas.microsoft.com/office/drawing/2014/main" id="{AB7C45BA-0078-4BA1-A2B3-BC9A66ACD955}"/>
+                <a16:creationId xmlns:a16="http://schemas.microsoft.com/office/drawing/2014/main" id="{AB7C45BA-0078-4BA1-A2B3-BC9A66ACD955}"/>
               </a:ext>
             </a:extLst>
           </p:cNvPr>
@@ -35782,7 +38291,7 @@
           <p:cNvPr id="12" name="Picture 11" descr="A picture containing outdoor object&#10;&#10;Description generated with high confidence">
             <a:extLst>
               <a:ext uri="{FF2B5EF4-FFF2-40B4-BE49-F238E27FC236}">
-                <a16:creationId xmlns="" xmlns:a16="http://schemas.microsoft.com/office/drawing/2014/main" id="{684713F9-9ECF-4663-A027-A6113FA71893}"/>
+                <a16:creationId xmlns:a16="http://schemas.microsoft.com/office/drawing/2014/main" id="{684713F9-9ECF-4663-A027-A6113FA71893}"/>
               </a:ext>
             </a:extLst>
           </p:cNvPr>
@@ -35818,7 +38327,7 @@
           <p:cNvPr id="42" name="Straight Arrow Connector 41">
             <a:extLst>
               <a:ext uri="{FF2B5EF4-FFF2-40B4-BE49-F238E27FC236}">
-                <a16:creationId xmlns="" xmlns:a16="http://schemas.microsoft.com/office/drawing/2014/main" id="{AE9F3928-6603-4F44-B87F-D5568E789A51}"/>
+                <a16:creationId xmlns:a16="http://schemas.microsoft.com/office/drawing/2014/main" id="{AE9F3928-6603-4F44-B87F-D5568E789A51}"/>
               </a:ext>
             </a:extLst>
           </p:cNvPr>
@@ -35863,7 +38372,7 @@
           <p:cNvPr id="13" name="Rectangle 12">
             <a:extLst>
               <a:ext uri="{FF2B5EF4-FFF2-40B4-BE49-F238E27FC236}">
-                <a16:creationId xmlns="" xmlns:a16="http://schemas.microsoft.com/office/drawing/2014/main" id="{BE9850A2-3BDB-4A68-BCBD-94C436747806}"/>
+                <a16:creationId xmlns:a16="http://schemas.microsoft.com/office/drawing/2014/main" id="{BE9850A2-3BDB-4A68-BCBD-94C436747806}"/>
               </a:ext>
             </a:extLst>
           </p:cNvPr>
@@ -35929,7 +38438,7 @@
           <p:cNvPr id="44" name="Folded Corner 14">
             <a:extLst>
               <a:ext uri="{FF2B5EF4-FFF2-40B4-BE49-F238E27FC236}">
-                <a16:creationId xmlns="" xmlns:a16="http://schemas.microsoft.com/office/drawing/2014/main" id="{048A78E4-38F4-403F-B262-3393CB25026A}"/>
+                <a16:creationId xmlns:a16="http://schemas.microsoft.com/office/drawing/2014/main" id="{048A78E4-38F4-403F-B262-3393CB25026A}"/>
               </a:ext>
             </a:extLst>
           </p:cNvPr>
@@ -35978,7 +38487,7 @@
           <p:cNvPr id="45" name="Rectangle 44">
             <a:extLst>
               <a:ext uri="{FF2B5EF4-FFF2-40B4-BE49-F238E27FC236}">
-                <a16:creationId xmlns="" xmlns:a16="http://schemas.microsoft.com/office/drawing/2014/main" id="{B6EF94B6-C2BD-4454-B081-DC4CDC0FA78B}"/>
+                <a16:creationId xmlns:a16="http://schemas.microsoft.com/office/drawing/2014/main" id="{B6EF94B6-C2BD-4454-B081-DC4CDC0FA78B}"/>
               </a:ext>
             </a:extLst>
           </p:cNvPr>
@@ -36030,7 +38539,7 @@
           <p:cNvPr id="14" name="Rectangle 13">
             <a:extLst>
               <a:ext uri="{FF2B5EF4-FFF2-40B4-BE49-F238E27FC236}">
-                <a16:creationId xmlns="" xmlns:a16="http://schemas.microsoft.com/office/drawing/2014/main" id="{9F89B982-51DA-4A7B-B50E-BA08031E2C12}"/>
+                <a16:creationId xmlns:a16="http://schemas.microsoft.com/office/drawing/2014/main" id="{9F89B982-51DA-4A7B-B50E-BA08031E2C12}"/>
               </a:ext>
             </a:extLst>
           </p:cNvPr>
@@ -36068,7 +38577,7 @@
           <p:cNvPr id="15" name="Rectangle 14">
             <a:extLst>
               <a:ext uri="{FF2B5EF4-FFF2-40B4-BE49-F238E27FC236}">
-                <a16:creationId xmlns="" xmlns:a16="http://schemas.microsoft.com/office/drawing/2014/main" id="{4F318F00-3DF3-4DD0-9F9C-3D2FB2746086}"/>
+                <a16:creationId xmlns:a16="http://schemas.microsoft.com/office/drawing/2014/main" id="{4F318F00-3DF3-4DD0-9F9C-3D2FB2746086}"/>
               </a:ext>
             </a:extLst>
           </p:cNvPr>
@@ -36106,7 +38615,7 @@
           <p:cNvPr id="48" name="Rectangle 47">
             <a:extLst>
               <a:ext uri="{FF2B5EF4-FFF2-40B4-BE49-F238E27FC236}">
-                <a16:creationId xmlns="" xmlns:a16="http://schemas.microsoft.com/office/drawing/2014/main" id="{4B4F362E-13BC-4500-8556-53A8FC39D0B9}"/>
+                <a16:creationId xmlns:a16="http://schemas.microsoft.com/office/drawing/2014/main" id="{4B4F362E-13BC-4500-8556-53A8FC39D0B9}"/>
               </a:ext>
             </a:extLst>
           </p:cNvPr>
@@ -36144,7 +38653,7 @@
           <p:cNvPr id="17" name="Rectangle 16">
             <a:extLst>
               <a:ext uri="{FF2B5EF4-FFF2-40B4-BE49-F238E27FC236}">
-                <a16:creationId xmlns="" xmlns:a16="http://schemas.microsoft.com/office/drawing/2014/main" id="{E971B6A2-9BA5-482C-991E-4489D5C190FD}"/>
+                <a16:creationId xmlns:a16="http://schemas.microsoft.com/office/drawing/2014/main" id="{E971B6A2-9BA5-482C-991E-4489D5C190FD}"/>
               </a:ext>
             </a:extLst>
           </p:cNvPr>
@@ -36320,7 +38829,7 @@
           <p:cNvPr id="52" name="Rectangle 51">
             <a:extLst>
               <a:ext uri="{FF2B5EF4-FFF2-40B4-BE49-F238E27FC236}">
-                <a16:creationId xmlns="" xmlns:a16="http://schemas.microsoft.com/office/drawing/2014/main" id="{99534692-59D2-4947-83E0-D4E8E4591FD6}"/>
+                <a16:creationId xmlns:a16="http://schemas.microsoft.com/office/drawing/2014/main" id="{99534692-59D2-4947-83E0-D4E8E4591FD6}"/>
               </a:ext>
             </a:extLst>
           </p:cNvPr>
@@ -36380,7 +38889,7 @@
 </p:sld>
 </file>
 
-<file path=ppt/slides/slide6.xml><?xml version="1.0" encoding="utf-8"?>
+<file path=ppt/slides/slide7.xml><?xml version="1.0" encoding="utf-8"?>
 <p:sld xmlns:a="http://schemas.openxmlformats.org/drawingml/2006/main" xmlns:r="http://schemas.openxmlformats.org/officeDocument/2006/relationships" xmlns:p="http://schemas.openxmlformats.org/presentationml/2006/main">
   <p:cSld>
     <p:spTree>
@@ -36402,7 +38911,7 @@
           <p:cNvPr id="175" name="Folded Corner 14">
             <a:extLst>
               <a:ext uri="{FF2B5EF4-FFF2-40B4-BE49-F238E27FC236}">
-                <a16:creationId xmlns="" xmlns:a16="http://schemas.microsoft.com/office/drawing/2014/main" id="{D7925C44-E3E5-47AF-9CC8-BF6471802A70}"/>
+                <a16:creationId xmlns:a16="http://schemas.microsoft.com/office/drawing/2014/main" id="{D7925C44-E3E5-47AF-9CC8-BF6471802A70}"/>
               </a:ext>
             </a:extLst>
           </p:cNvPr>
@@ -36451,7 +38960,7 @@
           <p:cNvPr id="2" name="Diagram 1">
             <a:extLst>
               <a:ext uri="{FF2B5EF4-FFF2-40B4-BE49-F238E27FC236}">
-                <a16:creationId xmlns="" xmlns:a16="http://schemas.microsoft.com/office/drawing/2014/main" id="{214EDC3A-CB98-4BD4-86CB-C3DE5CC0A317}"/>
+                <a16:creationId xmlns:a16="http://schemas.microsoft.com/office/drawing/2014/main" id="{214EDC3A-CB98-4BD4-86CB-C3DE5CC0A317}"/>
               </a:ext>
             </a:extLst>
           </p:cNvPr>
@@ -36479,7 +38988,7 @@
           <p:cNvPr id="3" name="Rectangle 2">
             <a:extLst>
               <a:ext uri="{FF2B5EF4-FFF2-40B4-BE49-F238E27FC236}">
-                <a16:creationId xmlns="" xmlns:a16="http://schemas.microsoft.com/office/drawing/2014/main" id="{8D715EE1-32F0-4BAE-86BD-83B54B3137EB}"/>
+                <a16:creationId xmlns:a16="http://schemas.microsoft.com/office/drawing/2014/main" id="{8D715EE1-32F0-4BAE-86BD-83B54B3137EB}"/>
               </a:ext>
             </a:extLst>
           </p:cNvPr>
@@ -36534,7 +39043,7 @@
           <p:cNvPr id="4" name="Rectangle 3">
             <a:extLst>
               <a:ext uri="{FF2B5EF4-FFF2-40B4-BE49-F238E27FC236}">
-                <a16:creationId xmlns="" xmlns:a16="http://schemas.microsoft.com/office/drawing/2014/main" id="{2CBF344E-950A-4767-97FA-13FFE695BBC3}"/>
+                <a16:creationId xmlns:a16="http://schemas.microsoft.com/office/drawing/2014/main" id="{2CBF344E-950A-4767-97FA-13FFE695BBC3}"/>
               </a:ext>
             </a:extLst>
           </p:cNvPr>
@@ -36575,7 +39084,7 @@
           <p:cNvPr id="126" name="Rectangle 125">
             <a:extLst>
               <a:ext uri="{FF2B5EF4-FFF2-40B4-BE49-F238E27FC236}">
-                <a16:creationId xmlns="" xmlns:a16="http://schemas.microsoft.com/office/drawing/2014/main" id="{AFE62E66-21DE-45BB-AB76-2BCE8E9BEC95}"/>
+                <a16:creationId xmlns:a16="http://schemas.microsoft.com/office/drawing/2014/main" id="{AFE62E66-21DE-45BB-AB76-2BCE8E9BEC95}"/>
               </a:ext>
             </a:extLst>
           </p:cNvPr>
@@ -36623,7 +39132,7 @@
           <p:cNvPr id="128" name="Rectangle 127">
             <a:extLst>
               <a:ext uri="{FF2B5EF4-FFF2-40B4-BE49-F238E27FC236}">
-                <a16:creationId xmlns="" xmlns:a16="http://schemas.microsoft.com/office/drawing/2014/main" id="{57B25911-E59E-4329-B921-A0EBAE8F9C7E}"/>
+                <a16:creationId xmlns:a16="http://schemas.microsoft.com/office/drawing/2014/main" id="{57B25911-E59E-4329-B921-A0EBAE8F9C7E}"/>
               </a:ext>
             </a:extLst>
           </p:cNvPr>
@@ -36678,7 +39187,7 @@
           <p:cNvPr id="5" name="Rectangle 4">
             <a:extLst>
               <a:ext uri="{FF2B5EF4-FFF2-40B4-BE49-F238E27FC236}">
-                <a16:creationId xmlns="" xmlns:a16="http://schemas.microsoft.com/office/drawing/2014/main" id="{798B0573-B3AD-48CB-9F8F-13EC6567D0D3}"/>
+                <a16:creationId xmlns:a16="http://schemas.microsoft.com/office/drawing/2014/main" id="{798B0573-B3AD-48CB-9F8F-13EC6567D0D3}"/>
               </a:ext>
             </a:extLst>
           </p:cNvPr>
@@ -36773,7 +39282,7 @@
           <p:cNvPr id="6" name="Rectangle 5">
             <a:extLst>
               <a:ext uri="{FF2B5EF4-FFF2-40B4-BE49-F238E27FC236}">
-                <a16:creationId xmlns="" xmlns:a16="http://schemas.microsoft.com/office/drawing/2014/main" id="{2B5D63EA-C9C9-4E25-A071-89FBDD4231BE}"/>
+                <a16:creationId xmlns:a16="http://schemas.microsoft.com/office/drawing/2014/main" id="{2B5D63EA-C9C9-4E25-A071-89FBDD4231BE}"/>
               </a:ext>
             </a:extLst>
           </p:cNvPr>
@@ -36811,7 +39320,7 @@
           <p:cNvPr id="8" name="Rectangle 7">
             <a:extLst>
               <a:ext uri="{FF2B5EF4-FFF2-40B4-BE49-F238E27FC236}">
-                <a16:creationId xmlns="" xmlns:a16="http://schemas.microsoft.com/office/drawing/2014/main" id="{BE0255C1-0F86-4BC8-84D8-4B76F00785A9}"/>
+                <a16:creationId xmlns:a16="http://schemas.microsoft.com/office/drawing/2014/main" id="{BE0255C1-0F86-4BC8-84D8-4B76F00785A9}"/>
               </a:ext>
             </a:extLst>
           </p:cNvPr>
@@ -36852,7 +39361,7 @@
           <p:cNvPr id="9" name="Rectangle 8">
             <a:extLst>
               <a:ext uri="{FF2B5EF4-FFF2-40B4-BE49-F238E27FC236}">
-                <a16:creationId xmlns="" xmlns:a16="http://schemas.microsoft.com/office/drawing/2014/main" id="{CFD7F599-A36B-4AA7-86FA-23355394169C}"/>
+                <a16:creationId xmlns:a16="http://schemas.microsoft.com/office/drawing/2014/main" id="{CFD7F599-A36B-4AA7-86FA-23355394169C}"/>
               </a:ext>
             </a:extLst>
           </p:cNvPr>
@@ -36893,7 +39402,7 @@
           <p:cNvPr id="130" name="Rectangle 129">
             <a:extLst>
               <a:ext uri="{FF2B5EF4-FFF2-40B4-BE49-F238E27FC236}">
-                <a16:creationId xmlns="" xmlns:a16="http://schemas.microsoft.com/office/drawing/2014/main" id="{F21A4D44-CAD2-400B-8E2D-F8B1FEA0E5B6}"/>
+                <a16:creationId xmlns:a16="http://schemas.microsoft.com/office/drawing/2014/main" id="{F21A4D44-CAD2-400B-8E2D-F8B1FEA0E5B6}"/>
               </a:ext>
             </a:extLst>
           </p:cNvPr>
@@ -36934,7 +39443,7 @@
           <p:cNvPr id="131" name="Rectangle 130">
             <a:extLst>
               <a:ext uri="{FF2B5EF4-FFF2-40B4-BE49-F238E27FC236}">
-                <a16:creationId xmlns="" xmlns:a16="http://schemas.microsoft.com/office/drawing/2014/main" id="{7ECE62BA-C5A0-4279-B504-BAC3C2C73E71}"/>
+                <a16:creationId xmlns:a16="http://schemas.microsoft.com/office/drawing/2014/main" id="{7ECE62BA-C5A0-4279-B504-BAC3C2C73E71}"/>
               </a:ext>
             </a:extLst>
           </p:cNvPr>
@@ -36986,7 +39495,7 @@
           <p:cNvPr id="10" name="Cube 9">
             <a:extLst>
               <a:ext uri="{FF2B5EF4-FFF2-40B4-BE49-F238E27FC236}">
-                <a16:creationId xmlns="" xmlns:a16="http://schemas.microsoft.com/office/drawing/2014/main" id="{F871D032-A4AE-406F-A80A-38A8B0BED40E}"/>
+                <a16:creationId xmlns:a16="http://schemas.microsoft.com/office/drawing/2014/main" id="{F871D032-A4AE-406F-A80A-38A8B0BED40E}"/>
               </a:ext>
             </a:extLst>
           </p:cNvPr>
@@ -37046,7 +39555,7 @@
           <p:cNvPr id="133" name="Folded Corner 14">
             <a:extLst>
               <a:ext uri="{FF2B5EF4-FFF2-40B4-BE49-F238E27FC236}">
-                <a16:creationId xmlns="" xmlns:a16="http://schemas.microsoft.com/office/drawing/2014/main" id="{DDDEB2FA-CB2B-41A1-82A4-458F3DD3A4D7}"/>
+                <a16:creationId xmlns:a16="http://schemas.microsoft.com/office/drawing/2014/main" id="{DDDEB2FA-CB2B-41A1-82A4-458F3DD3A4D7}"/>
               </a:ext>
             </a:extLst>
           </p:cNvPr>
@@ -37095,7 +39604,7 @@
           <p:cNvPr id="11" name="Rectangle 10">
             <a:extLst>
               <a:ext uri="{FF2B5EF4-FFF2-40B4-BE49-F238E27FC236}">
-                <a16:creationId xmlns="" xmlns:a16="http://schemas.microsoft.com/office/drawing/2014/main" id="{F638F98D-376A-4707-AFEB-3116E75204BA}"/>
+                <a16:creationId xmlns:a16="http://schemas.microsoft.com/office/drawing/2014/main" id="{F638F98D-376A-4707-AFEB-3116E75204BA}"/>
               </a:ext>
             </a:extLst>
           </p:cNvPr>
@@ -37150,7 +39659,7 @@
           <p:cNvPr id="18" name="Picture 17" descr="A close up of an animal&#10;&#10;Description generated with high confidence">
             <a:extLst>
               <a:ext uri="{FF2B5EF4-FFF2-40B4-BE49-F238E27FC236}">
-                <a16:creationId xmlns="" xmlns:a16="http://schemas.microsoft.com/office/drawing/2014/main" id="{4132CF14-571D-4435-9A41-BF9FAEA4439C}"/>
+                <a16:creationId xmlns:a16="http://schemas.microsoft.com/office/drawing/2014/main" id="{4132CF14-571D-4435-9A41-BF9FAEA4439C}"/>
               </a:ext>
             </a:extLst>
           </p:cNvPr>
@@ -37186,7 +39695,7 @@
           <p:cNvPr id="19" name="Rectangle 18">
             <a:extLst>
               <a:ext uri="{FF2B5EF4-FFF2-40B4-BE49-F238E27FC236}">
-                <a16:creationId xmlns="" xmlns:a16="http://schemas.microsoft.com/office/drawing/2014/main" id="{1047E73B-15B2-47B6-9C78-BCDB588C3019}"/>
+                <a16:creationId xmlns:a16="http://schemas.microsoft.com/office/drawing/2014/main" id="{1047E73B-15B2-47B6-9C78-BCDB588C3019}"/>
               </a:ext>
             </a:extLst>
           </p:cNvPr>
@@ -37228,7 +39737,7 @@
           <p:cNvPr id="31" name="Straight Arrow Connector 30">
             <a:extLst>
               <a:ext uri="{FF2B5EF4-FFF2-40B4-BE49-F238E27FC236}">
-                <a16:creationId xmlns="" xmlns:a16="http://schemas.microsoft.com/office/drawing/2014/main" id="{E3ACBD9C-E946-4C83-82A0-7C79817A1EB9}"/>
+                <a16:creationId xmlns:a16="http://schemas.microsoft.com/office/drawing/2014/main" id="{E3ACBD9C-E946-4C83-82A0-7C79817A1EB9}"/>
               </a:ext>
             </a:extLst>
           </p:cNvPr>
@@ -37271,7 +39780,7 @@
           <p:cNvPr id="32" name="Rectangle 31">
             <a:extLst>
               <a:ext uri="{FF2B5EF4-FFF2-40B4-BE49-F238E27FC236}">
-                <a16:creationId xmlns="" xmlns:a16="http://schemas.microsoft.com/office/drawing/2014/main" id="{DAD5A302-C880-4E8C-9E1D-640CD5CF0CBE}"/>
+                <a16:creationId xmlns:a16="http://schemas.microsoft.com/office/drawing/2014/main" id="{DAD5A302-C880-4E8C-9E1D-640CD5CF0CBE}"/>
               </a:ext>
             </a:extLst>
           </p:cNvPr>
@@ -37309,7 +39818,7 @@
           <p:cNvPr id="135" name="Rectangle 134">
             <a:extLst>
               <a:ext uri="{FF2B5EF4-FFF2-40B4-BE49-F238E27FC236}">
-                <a16:creationId xmlns="" xmlns:a16="http://schemas.microsoft.com/office/drawing/2014/main" id="{9D239E65-7C2B-4AD5-A1F4-F716E33EF928}"/>
+                <a16:creationId xmlns:a16="http://schemas.microsoft.com/office/drawing/2014/main" id="{9D239E65-7C2B-4AD5-A1F4-F716E33EF928}"/>
               </a:ext>
             </a:extLst>
           </p:cNvPr>
@@ -37347,7 +39856,7 @@
           <p:cNvPr id="146" name="Rectangle 145">
             <a:extLst>
               <a:ext uri="{FF2B5EF4-FFF2-40B4-BE49-F238E27FC236}">
-                <a16:creationId xmlns="" xmlns:a16="http://schemas.microsoft.com/office/drawing/2014/main" id="{02CB9ACB-9175-4592-A0A2-5F6EBA3916AA}"/>
+                <a16:creationId xmlns:a16="http://schemas.microsoft.com/office/drawing/2014/main" id="{02CB9ACB-9175-4592-A0A2-5F6EBA3916AA}"/>
               </a:ext>
             </a:extLst>
           </p:cNvPr>
@@ -37385,7 +39894,7 @@
           <p:cNvPr id="33" name="Rectangle 32">
             <a:extLst>
               <a:ext uri="{FF2B5EF4-FFF2-40B4-BE49-F238E27FC236}">
-                <a16:creationId xmlns="" xmlns:a16="http://schemas.microsoft.com/office/drawing/2014/main" id="{A5445AD6-3298-4B4A-BFAA-36E271EE36D3}"/>
+                <a16:creationId xmlns:a16="http://schemas.microsoft.com/office/drawing/2014/main" id="{A5445AD6-3298-4B4A-BFAA-36E271EE36D3}"/>
               </a:ext>
             </a:extLst>
           </p:cNvPr>
@@ -37426,7 +39935,7 @@
           <p:cNvPr id="148" name="Cube 147">
             <a:extLst>
               <a:ext uri="{FF2B5EF4-FFF2-40B4-BE49-F238E27FC236}">
-                <a16:creationId xmlns="" xmlns:a16="http://schemas.microsoft.com/office/drawing/2014/main" id="{3C1DB64A-F95E-4BBA-AAB7-E382DEE6D3AD}"/>
+                <a16:creationId xmlns:a16="http://schemas.microsoft.com/office/drawing/2014/main" id="{3C1DB64A-F95E-4BBA-AAB7-E382DEE6D3AD}"/>
               </a:ext>
             </a:extLst>
           </p:cNvPr>
@@ -37486,7 +39995,7 @@
           <p:cNvPr id="149" name="Rectangle 148">
             <a:extLst>
               <a:ext uri="{FF2B5EF4-FFF2-40B4-BE49-F238E27FC236}">
-                <a16:creationId xmlns="" xmlns:a16="http://schemas.microsoft.com/office/drawing/2014/main" id="{8ADE2C1F-3705-4E1D-9D1A-CEFA5BBDC4AE}"/>
+                <a16:creationId xmlns:a16="http://schemas.microsoft.com/office/drawing/2014/main" id="{8ADE2C1F-3705-4E1D-9D1A-CEFA5BBDC4AE}"/>
               </a:ext>
             </a:extLst>
           </p:cNvPr>
@@ -37527,7 +40036,7 @@
           <p:cNvPr id="152" name="Folded Corner 14">
             <a:extLst>
               <a:ext uri="{FF2B5EF4-FFF2-40B4-BE49-F238E27FC236}">
-                <a16:creationId xmlns="" xmlns:a16="http://schemas.microsoft.com/office/drawing/2014/main" id="{E9E59862-8121-45E9-B034-254AA5F85A9E}"/>
+                <a16:creationId xmlns:a16="http://schemas.microsoft.com/office/drawing/2014/main" id="{E9E59862-8121-45E9-B034-254AA5F85A9E}"/>
               </a:ext>
             </a:extLst>
           </p:cNvPr>
@@ -37576,7 +40085,7 @@
           <p:cNvPr id="159" name="Rectangle 158">
             <a:extLst>
               <a:ext uri="{FF2B5EF4-FFF2-40B4-BE49-F238E27FC236}">
-                <a16:creationId xmlns="" xmlns:a16="http://schemas.microsoft.com/office/drawing/2014/main" id="{9189909A-C973-403D-AC10-F162C1C50251}"/>
+                <a16:creationId xmlns:a16="http://schemas.microsoft.com/office/drawing/2014/main" id="{9189909A-C973-403D-AC10-F162C1C50251}"/>
               </a:ext>
             </a:extLst>
           </p:cNvPr>
@@ -37631,7 +40140,7 @@
           <p:cNvPr id="160" name="Straight Arrow Connector 159">
             <a:extLst>
               <a:ext uri="{FF2B5EF4-FFF2-40B4-BE49-F238E27FC236}">
-                <a16:creationId xmlns="" xmlns:a16="http://schemas.microsoft.com/office/drawing/2014/main" id="{4104DBBE-32EA-425C-8DB2-CA3E800CA64E}"/>
+                <a16:creationId xmlns:a16="http://schemas.microsoft.com/office/drawing/2014/main" id="{4104DBBE-32EA-425C-8DB2-CA3E800CA64E}"/>
               </a:ext>
             </a:extLst>
           </p:cNvPr>
@@ -37676,7 +40185,7 @@
           <p:cNvPr id="163" name="Cube 162">
             <a:extLst>
               <a:ext uri="{FF2B5EF4-FFF2-40B4-BE49-F238E27FC236}">
-                <a16:creationId xmlns="" xmlns:a16="http://schemas.microsoft.com/office/drawing/2014/main" id="{DCC62459-FE7B-48A9-A2FB-D56CDC251746}"/>
+                <a16:creationId xmlns:a16="http://schemas.microsoft.com/office/drawing/2014/main" id="{DCC62459-FE7B-48A9-A2FB-D56CDC251746}"/>
               </a:ext>
             </a:extLst>
           </p:cNvPr>
@@ -37736,7 +40245,7 @@
           <p:cNvPr id="164" name="Rectangle 163">
             <a:extLst>
               <a:ext uri="{FF2B5EF4-FFF2-40B4-BE49-F238E27FC236}">
-                <a16:creationId xmlns="" xmlns:a16="http://schemas.microsoft.com/office/drawing/2014/main" id="{A17E061D-69B0-4C5E-9A8B-BA722BA64CA4}"/>
+                <a16:creationId xmlns:a16="http://schemas.microsoft.com/office/drawing/2014/main" id="{A17E061D-69B0-4C5E-9A8B-BA722BA64CA4}"/>
               </a:ext>
             </a:extLst>
           </p:cNvPr>
@@ -37777,7 +40286,7 @@
           <p:cNvPr id="165" name="Folded Corner 14">
             <a:extLst>
               <a:ext uri="{FF2B5EF4-FFF2-40B4-BE49-F238E27FC236}">
-                <a16:creationId xmlns="" xmlns:a16="http://schemas.microsoft.com/office/drawing/2014/main" id="{E1EF52F6-55FE-4BD8-A276-7961F4C14406}"/>
+                <a16:creationId xmlns:a16="http://schemas.microsoft.com/office/drawing/2014/main" id="{E1EF52F6-55FE-4BD8-A276-7961F4C14406}"/>
               </a:ext>
             </a:extLst>
           </p:cNvPr>
@@ -37826,7 +40335,7 @@
           <p:cNvPr id="170" name="Rectangle 169">
             <a:extLst>
               <a:ext uri="{FF2B5EF4-FFF2-40B4-BE49-F238E27FC236}">
-                <a16:creationId xmlns="" xmlns:a16="http://schemas.microsoft.com/office/drawing/2014/main" id="{CD422137-5DD0-430D-A335-3434D32EC278}"/>
+                <a16:creationId xmlns:a16="http://schemas.microsoft.com/office/drawing/2014/main" id="{CD422137-5DD0-430D-A335-3434D32EC278}"/>
               </a:ext>
             </a:extLst>
           </p:cNvPr>
@@ -37878,7 +40387,7 @@
           <p:cNvPr id="171" name="Straight Arrow Connector 170">
             <a:extLst>
               <a:ext uri="{FF2B5EF4-FFF2-40B4-BE49-F238E27FC236}">
-                <a16:creationId xmlns="" xmlns:a16="http://schemas.microsoft.com/office/drawing/2014/main" id="{26251F63-0F9B-46FC-B288-264E1954D111}"/>
+                <a16:creationId xmlns:a16="http://schemas.microsoft.com/office/drawing/2014/main" id="{26251F63-0F9B-46FC-B288-264E1954D111}"/>
               </a:ext>
             </a:extLst>
           </p:cNvPr>
@@ -37923,7 +40432,7 @@
           <p:cNvPr id="172" name="Folded Corner 14">
             <a:extLst>
               <a:ext uri="{FF2B5EF4-FFF2-40B4-BE49-F238E27FC236}">
-                <a16:creationId xmlns="" xmlns:a16="http://schemas.microsoft.com/office/drawing/2014/main" id="{2198A703-2FEE-48EA-B0B0-656B73C08CA7}"/>
+                <a16:creationId xmlns:a16="http://schemas.microsoft.com/office/drawing/2014/main" id="{2198A703-2FEE-48EA-B0B0-656B73C08CA7}"/>
               </a:ext>
             </a:extLst>
           </p:cNvPr>
@@ -37972,7 +40481,7 @@
           <p:cNvPr id="173" name="Rectangle 172">
             <a:extLst>
               <a:ext uri="{FF2B5EF4-FFF2-40B4-BE49-F238E27FC236}">
-                <a16:creationId xmlns="" xmlns:a16="http://schemas.microsoft.com/office/drawing/2014/main" id="{FCC85E64-312F-4851-B756-3019DD6FA99F}"/>
+                <a16:creationId xmlns:a16="http://schemas.microsoft.com/office/drawing/2014/main" id="{FCC85E64-312F-4851-B756-3019DD6FA99F}"/>
               </a:ext>
             </a:extLst>
           </p:cNvPr>
@@ -38024,7 +40533,7 @@
           <p:cNvPr id="174" name="Straight Arrow Connector 173">
             <a:extLst>
               <a:ext uri="{FF2B5EF4-FFF2-40B4-BE49-F238E27FC236}">
-                <a16:creationId xmlns="" xmlns:a16="http://schemas.microsoft.com/office/drawing/2014/main" id="{518C8625-6187-4D33-A1AC-9208CA68F263}"/>
+                <a16:creationId xmlns:a16="http://schemas.microsoft.com/office/drawing/2014/main" id="{518C8625-6187-4D33-A1AC-9208CA68F263}"/>
               </a:ext>
             </a:extLst>
           </p:cNvPr>
@@ -38069,7 +40578,7 @@
           <p:cNvPr id="39" name="Rectangle 38">
             <a:extLst>
               <a:ext uri="{FF2B5EF4-FFF2-40B4-BE49-F238E27FC236}">
-                <a16:creationId xmlns="" xmlns:a16="http://schemas.microsoft.com/office/drawing/2014/main" id="{D01A5617-56DC-4B84-AF69-7027F4C7E7B3}"/>
+                <a16:creationId xmlns:a16="http://schemas.microsoft.com/office/drawing/2014/main" id="{D01A5617-56DC-4B84-AF69-7027F4C7E7B3}"/>
               </a:ext>
             </a:extLst>
           </p:cNvPr>
@@ -38124,7 +40633,7 @@
           <p:cNvPr id="40" name="Arrow: Right 39">
             <a:extLst>
               <a:ext uri="{FF2B5EF4-FFF2-40B4-BE49-F238E27FC236}">
-                <a16:creationId xmlns="" xmlns:a16="http://schemas.microsoft.com/office/drawing/2014/main" id="{AB7C45BA-0078-4BA1-A2B3-BC9A66ACD955}"/>
+                <a16:creationId xmlns:a16="http://schemas.microsoft.com/office/drawing/2014/main" id="{AB7C45BA-0078-4BA1-A2B3-BC9A66ACD955}"/>
               </a:ext>
             </a:extLst>
           </p:cNvPr>
@@ -38176,7 +40685,7 @@
           <p:cNvPr id="12" name="Picture 11" descr="A picture containing outdoor object&#10;&#10;Description generated with high confidence">
             <a:extLst>
               <a:ext uri="{FF2B5EF4-FFF2-40B4-BE49-F238E27FC236}">
-                <a16:creationId xmlns="" xmlns:a16="http://schemas.microsoft.com/office/drawing/2014/main" id="{684713F9-9ECF-4663-A027-A6113FA71893}"/>
+                <a16:creationId xmlns:a16="http://schemas.microsoft.com/office/drawing/2014/main" id="{684713F9-9ECF-4663-A027-A6113FA71893}"/>
               </a:ext>
             </a:extLst>
           </p:cNvPr>
@@ -38212,7 +40721,7 @@
           <p:cNvPr id="42" name="Straight Arrow Connector 41">
             <a:extLst>
               <a:ext uri="{FF2B5EF4-FFF2-40B4-BE49-F238E27FC236}">
-                <a16:creationId xmlns="" xmlns:a16="http://schemas.microsoft.com/office/drawing/2014/main" id="{AE9F3928-6603-4F44-B87F-D5568E789A51}"/>
+                <a16:creationId xmlns:a16="http://schemas.microsoft.com/office/drawing/2014/main" id="{AE9F3928-6603-4F44-B87F-D5568E789A51}"/>
               </a:ext>
             </a:extLst>
           </p:cNvPr>
@@ -38257,7 +40766,7 @@
           <p:cNvPr id="13" name="Rectangle 12">
             <a:extLst>
               <a:ext uri="{FF2B5EF4-FFF2-40B4-BE49-F238E27FC236}">
-                <a16:creationId xmlns="" xmlns:a16="http://schemas.microsoft.com/office/drawing/2014/main" id="{BE9850A2-3BDB-4A68-BCBD-94C436747806}"/>
+                <a16:creationId xmlns:a16="http://schemas.microsoft.com/office/drawing/2014/main" id="{BE9850A2-3BDB-4A68-BCBD-94C436747806}"/>
               </a:ext>
             </a:extLst>
           </p:cNvPr>
@@ -38323,7 +40832,7 @@
           <p:cNvPr id="44" name="Folded Corner 14">
             <a:extLst>
               <a:ext uri="{FF2B5EF4-FFF2-40B4-BE49-F238E27FC236}">
-                <a16:creationId xmlns="" xmlns:a16="http://schemas.microsoft.com/office/drawing/2014/main" id="{048A78E4-38F4-403F-B262-3393CB25026A}"/>
+                <a16:creationId xmlns:a16="http://schemas.microsoft.com/office/drawing/2014/main" id="{048A78E4-38F4-403F-B262-3393CB25026A}"/>
               </a:ext>
             </a:extLst>
           </p:cNvPr>
@@ -38372,7 +40881,7 @@
           <p:cNvPr id="45" name="Rectangle 44">
             <a:extLst>
               <a:ext uri="{FF2B5EF4-FFF2-40B4-BE49-F238E27FC236}">
-                <a16:creationId xmlns="" xmlns:a16="http://schemas.microsoft.com/office/drawing/2014/main" id="{B6EF94B6-C2BD-4454-B081-DC4CDC0FA78B}"/>
+                <a16:creationId xmlns:a16="http://schemas.microsoft.com/office/drawing/2014/main" id="{B6EF94B6-C2BD-4454-B081-DC4CDC0FA78B}"/>
               </a:ext>
             </a:extLst>
           </p:cNvPr>
@@ -38424,7 +40933,7 @@
           <p:cNvPr id="14" name="Rectangle 13">
             <a:extLst>
               <a:ext uri="{FF2B5EF4-FFF2-40B4-BE49-F238E27FC236}">
-                <a16:creationId xmlns="" xmlns:a16="http://schemas.microsoft.com/office/drawing/2014/main" id="{9F89B982-51DA-4A7B-B50E-BA08031E2C12}"/>
+                <a16:creationId xmlns:a16="http://schemas.microsoft.com/office/drawing/2014/main" id="{9F89B982-51DA-4A7B-B50E-BA08031E2C12}"/>
               </a:ext>
             </a:extLst>
           </p:cNvPr>
@@ -38462,7 +40971,7 @@
           <p:cNvPr id="15" name="Rectangle 14">
             <a:extLst>
               <a:ext uri="{FF2B5EF4-FFF2-40B4-BE49-F238E27FC236}">
-                <a16:creationId xmlns="" xmlns:a16="http://schemas.microsoft.com/office/drawing/2014/main" id="{4F318F00-3DF3-4DD0-9F9C-3D2FB2746086}"/>
+                <a16:creationId xmlns:a16="http://schemas.microsoft.com/office/drawing/2014/main" id="{4F318F00-3DF3-4DD0-9F9C-3D2FB2746086}"/>
               </a:ext>
             </a:extLst>
           </p:cNvPr>
@@ -38500,7 +41009,7 @@
           <p:cNvPr id="48" name="Rectangle 47">
             <a:extLst>
               <a:ext uri="{FF2B5EF4-FFF2-40B4-BE49-F238E27FC236}">
-                <a16:creationId xmlns="" xmlns:a16="http://schemas.microsoft.com/office/drawing/2014/main" id="{4B4F362E-13BC-4500-8556-53A8FC39D0B9}"/>
+                <a16:creationId xmlns:a16="http://schemas.microsoft.com/office/drawing/2014/main" id="{4B4F362E-13BC-4500-8556-53A8FC39D0B9}"/>
               </a:ext>
             </a:extLst>
           </p:cNvPr>
@@ -38538,7 +41047,7 @@
           <p:cNvPr id="17" name="Rectangle 16">
             <a:extLst>
               <a:ext uri="{FF2B5EF4-FFF2-40B4-BE49-F238E27FC236}">
-                <a16:creationId xmlns="" xmlns:a16="http://schemas.microsoft.com/office/drawing/2014/main" id="{E971B6A2-9BA5-482C-991E-4489D5C190FD}"/>
+                <a16:creationId xmlns:a16="http://schemas.microsoft.com/office/drawing/2014/main" id="{E971B6A2-9BA5-482C-991E-4489D5C190FD}"/>
               </a:ext>
             </a:extLst>
           </p:cNvPr>
@@ -38622,7 +41131,7 @@
           <p:cNvPr id="52" name="Rectangle 51">
             <a:extLst>
               <a:ext uri="{FF2B5EF4-FFF2-40B4-BE49-F238E27FC236}">
-                <a16:creationId xmlns="" xmlns:a16="http://schemas.microsoft.com/office/drawing/2014/main" id="{99534692-59D2-4947-83E0-D4E8E4591FD6}"/>
+                <a16:creationId xmlns:a16="http://schemas.microsoft.com/office/drawing/2014/main" id="{99534692-59D2-4947-83E0-D4E8E4591FD6}"/>
               </a:ext>
             </a:extLst>
           </p:cNvPr>
@@ -38682,7 +41191,7 @@
 </p:sld>
 </file>
 
-<file path=ppt/slides/slide7.xml><?xml version="1.0" encoding="utf-8"?>
+<file path=ppt/slides/slide8.xml><?xml version="1.0" encoding="utf-8"?>
 <p:sld xmlns:a="http://schemas.openxmlformats.org/drawingml/2006/main" xmlns:r="http://schemas.openxmlformats.org/officeDocument/2006/relationships" xmlns:p="http://schemas.openxmlformats.org/presentationml/2006/main">
   <p:cSld>
     <p:spTree>
@@ -38704,7 +41213,7 @@
           <p:cNvPr id="175" name="Folded Corner 14">
             <a:extLst>
               <a:ext uri="{FF2B5EF4-FFF2-40B4-BE49-F238E27FC236}">
-                <a16:creationId xmlns="" xmlns:a16="http://schemas.microsoft.com/office/drawing/2014/main" id="{D7925C44-E3E5-47AF-9CC8-BF6471802A70}"/>
+                <a16:creationId xmlns:a16="http://schemas.microsoft.com/office/drawing/2014/main" id="{D7925C44-E3E5-47AF-9CC8-BF6471802A70}"/>
               </a:ext>
             </a:extLst>
           </p:cNvPr>
@@ -38753,7 +41262,7 @@
           <p:cNvPr id="2" name="Diagram 1">
             <a:extLst>
               <a:ext uri="{FF2B5EF4-FFF2-40B4-BE49-F238E27FC236}">
-                <a16:creationId xmlns="" xmlns:a16="http://schemas.microsoft.com/office/drawing/2014/main" id="{214EDC3A-CB98-4BD4-86CB-C3DE5CC0A317}"/>
+                <a16:creationId xmlns:a16="http://schemas.microsoft.com/office/drawing/2014/main" id="{214EDC3A-CB98-4BD4-86CB-C3DE5CC0A317}"/>
               </a:ext>
             </a:extLst>
           </p:cNvPr>
@@ -38781,7 +41290,7 @@
           <p:cNvPr id="3" name="Rectangle 2">
             <a:extLst>
               <a:ext uri="{FF2B5EF4-FFF2-40B4-BE49-F238E27FC236}">
-                <a16:creationId xmlns="" xmlns:a16="http://schemas.microsoft.com/office/drawing/2014/main" id="{8D715EE1-32F0-4BAE-86BD-83B54B3137EB}"/>
+                <a16:creationId xmlns:a16="http://schemas.microsoft.com/office/drawing/2014/main" id="{8D715EE1-32F0-4BAE-86BD-83B54B3137EB}"/>
               </a:ext>
             </a:extLst>
           </p:cNvPr>
@@ -38845,7 +41354,7 @@
           <p:cNvPr id="4" name="Rectangle 3">
             <a:extLst>
               <a:ext uri="{FF2B5EF4-FFF2-40B4-BE49-F238E27FC236}">
-                <a16:creationId xmlns="" xmlns:a16="http://schemas.microsoft.com/office/drawing/2014/main" id="{2CBF344E-950A-4767-97FA-13FFE695BBC3}"/>
+                <a16:creationId xmlns:a16="http://schemas.microsoft.com/office/drawing/2014/main" id="{2CBF344E-950A-4767-97FA-13FFE695BBC3}"/>
               </a:ext>
             </a:extLst>
           </p:cNvPr>
@@ -38886,7 +41395,7 @@
           <p:cNvPr id="126" name="Rectangle 125">
             <a:extLst>
               <a:ext uri="{FF2B5EF4-FFF2-40B4-BE49-F238E27FC236}">
-                <a16:creationId xmlns="" xmlns:a16="http://schemas.microsoft.com/office/drawing/2014/main" id="{AFE62E66-21DE-45BB-AB76-2BCE8E9BEC95}"/>
+                <a16:creationId xmlns:a16="http://schemas.microsoft.com/office/drawing/2014/main" id="{AFE62E66-21DE-45BB-AB76-2BCE8E9BEC95}"/>
               </a:ext>
             </a:extLst>
           </p:cNvPr>
@@ -38947,7 +41456,7 @@
           <p:cNvPr id="128" name="Rectangle 127">
             <a:extLst>
               <a:ext uri="{FF2B5EF4-FFF2-40B4-BE49-F238E27FC236}">
-                <a16:creationId xmlns="" xmlns:a16="http://schemas.microsoft.com/office/drawing/2014/main" id="{57B25911-E59E-4329-B921-A0EBAE8F9C7E}"/>
+                <a16:creationId xmlns:a16="http://schemas.microsoft.com/office/drawing/2014/main" id="{57B25911-E59E-4329-B921-A0EBAE8F9C7E}"/>
               </a:ext>
             </a:extLst>
           </p:cNvPr>
@@ -38998,7 +41507,7 @@
           <p:cNvPr id="5" name="Rectangle 4">
             <a:extLst>
               <a:ext uri="{FF2B5EF4-FFF2-40B4-BE49-F238E27FC236}">
-                <a16:creationId xmlns="" xmlns:a16="http://schemas.microsoft.com/office/drawing/2014/main" id="{798B0573-B3AD-48CB-9F8F-13EC6567D0D3}"/>
+                <a16:creationId xmlns:a16="http://schemas.microsoft.com/office/drawing/2014/main" id="{798B0573-B3AD-48CB-9F8F-13EC6567D0D3}"/>
               </a:ext>
             </a:extLst>
           </p:cNvPr>
@@ -39093,7 +41602,7 @@
           <p:cNvPr id="6" name="Rectangle 5">
             <a:extLst>
               <a:ext uri="{FF2B5EF4-FFF2-40B4-BE49-F238E27FC236}">
-                <a16:creationId xmlns="" xmlns:a16="http://schemas.microsoft.com/office/drawing/2014/main" id="{2B5D63EA-C9C9-4E25-A071-89FBDD4231BE}"/>
+                <a16:creationId xmlns:a16="http://schemas.microsoft.com/office/drawing/2014/main" id="{2B5D63EA-C9C9-4E25-A071-89FBDD4231BE}"/>
               </a:ext>
             </a:extLst>
           </p:cNvPr>
@@ -39131,7 +41640,7 @@
           <p:cNvPr id="8" name="Rectangle 7">
             <a:extLst>
               <a:ext uri="{FF2B5EF4-FFF2-40B4-BE49-F238E27FC236}">
-                <a16:creationId xmlns="" xmlns:a16="http://schemas.microsoft.com/office/drawing/2014/main" id="{BE0255C1-0F86-4BC8-84D8-4B76F00785A9}"/>
+                <a16:creationId xmlns:a16="http://schemas.microsoft.com/office/drawing/2014/main" id="{BE0255C1-0F86-4BC8-84D8-4B76F00785A9}"/>
               </a:ext>
             </a:extLst>
           </p:cNvPr>
@@ -39172,7 +41681,7 @@
           <p:cNvPr id="9" name="Rectangle 8">
             <a:extLst>
               <a:ext uri="{FF2B5EF4-FFF2-40B4-BE49-F238E27FC236}">
-                <a16:creationId xmlns="" xmlns:a16="http://schemas.microsoft.com/office/drawing/2014/main" id="{CFD7F599-A36B-4AA7-86FA-23355394169C}"/>
+                <a16:creationId xmlns:a16="http://schemas.microsoft.com/office/drawing/2014/main" id="{CFD7F599-A36B-4AA7-86FA-23355394169C}"/>
               </a:ext>
             </a:extLst>
           </p:cNvPr>
@@ -39213,7 +41722,7 @@
           <p:cNvPr id="130" name="Rectangle 129">
             <a:extLst>
               <a:ext uri="{FF2B5EF4-FFF2-40B4-BE49-F238E27FC236}">
-                <a16:creationId xmlns="" xmlns:a16="http://schemas.microsoft.com/office/drawing/2014/main" id="{F21A4D44-CAD2-400B-8E2D-F8B1FEA0E5B6}"/>
+                <a16:creationId xmlns:a16="http://schemas.microsoft.com/office/drawing/2014/main" id="{F21A4D44-CAD2-400B-8E2D-F8B1FEA0E5B6}"/>
               </a:ext>
             </a:extLst>
           </p:cNvPr>
@@ -39254,7 +41763,7 @@
           <p:cNvPr id="131" name="Rectangle 130">
             <a:extLst>
               <a:ext uri="{FF2B5EF4-FFF2-40B4-BE49-F238E27FC236}">
-                <a16:creationId xmlns="" xmlns:a16="http://schemas.microsoft.com/office/drawing/2014/main" id="{7ECE62BA-C5A0-4279-B504-BAC3C2C73E71}"/>
+                <a16:creationId xmlns:a16="http://schemas.microsoft.com/office/drawing/2014/main" id="{7ECE62BA-C5A0-4279-B504-BAC3C2C73E71}"/>
               </a:ext>
             </a:extLst>
           </p:cNvPr>
@@ -39306,7 +41815,7 @@
           <p:cNvPr id="10" name="Cube 9">
             <a:extLst>
               <a:ext uri="{FF2B5EF4-FFF2-40B4-BE49-F238E27FC236}">
-                <a16:creationId xmlns="" xmlns:a16="http://schemas.microsoft.com/office/drawing/2014/main" id="{F871D032-A4AE-406F-A80A-38A8B0BED40E}"/>
+                <a16:creationId xmlns:a16="http://schemas.microsoft.com/office/drawing/2014/main" id="{F871D032-A4AE-406F-A80A-38A8B0BED40E}"/>
               </a:ext>
             </a:extLst>
           </p:cNvPr>
@@ -39366,7 +41875,7 @@
           <p:cNvPr id="133" name="Folded Corner 14">
             <a:extLst>
               <a:ext uri="{FF2B5EF4-FFF2-40B4-BE49-F238E27FC236}">
-                <a16:creationId xmlns="" xmlns:a16="http://schemas.microsoft.com/office/drawing/2014/main" id="{DDDEB2FA-CB2B-41A1-82A4-458F3DD3A4D7}"/>
+                <a16:creationId xmlns:a16="http://schemas.microsoft.com/office/drawing/2014/main" id="{DDDEB2FA-CB2B-41A1-82A4-458F3DD3A4D7}"/>
               </a:ext>
             </a:extLst>
           </p:cNvPr>
@@ -39415,7 +41924,7 @@
           <p:cNvPr id="11" name="Rectangle 10">
             <a:extLst>
               <a:ext uri="{FF2B5EF4-FFF2-40B4-BE49-F238E27FC236}">
-                <a16:creationId xmlns="" xmlns:a16="http://schemas.microsoft.com/office/drawing/2014/main" id="{F638F98D-376A-4707-AFEB-3116E75204BA}"/>
+                <a16:creationId xmlns:a16="http://schemas.microsoft.com/office/drawing/2014/main" id="{F638F98D-376A-4707-AFEB-3116E75204BA}"/>
               </a:ext>
             </a:extLst>
           </p:cNvPr>
@@ -39470,7 +41979,7 @@
           <p:cNvPr id="18" name="Picture 17" descr="A close up of an animal&#10;&#10;Description generated with high confidence">
             <a:extLst>
               <a:ext uri="{FF2B5EF4-FFF2-40B4-BE49-F238E27FC236}">
-                <a16:creationId xmlns="" xmlns:a16="http://schemas.microsoft.com/office/drawing/2014/main" id="{4132CF14-571D-4435-9A41-BF9FAEA4439C}"/>
+                <a16:creationId xmlns:a16="http://schemas.microsoft.com/office/drawing/2014/main" id="{4132CF14-571D-4435-9A41-BF9FAEA4439C}"/>
               </a:ext>
             </a:extLst>
           </p:cNvPr>
@@ -39506,7 +42015,7 @@
           <p:cNvPr id="19" name="Rectangle 18">
             <a:extLst>
               <a:ext uri="{FF2B5EF4-FFF2-40B4-BE49-F238E27FC236}">
-                <a16:creationId xmlns="" xmlns:a16="http://schemas.microsoft.com/office/drawing/2014/main" id="{1047E73B-15B2-47B6-9C78-BCDB588C3019}"/>
+                <a16:creationId xmlns:a16="http://schemas.microsoft.com/office/drawing/2014/main" id="{1047E73B-15B2-47B6-9C78-BCDB588C3019}"/>
               </a:ext>
             </a:extLst>
           </p:cNvPr>
@@ -39548,7 +42057,7 @@
           <p:cNvPr id="31" name="Straight Arrow Connector 30">
             <a:extLst>
               <a:ext uri="{FF2B5EF4-FFF2-40B4-BE49-F238E27FC236}">
-                <a16:creationId xmlns="" xmlns:a16="http://schemas.microsoft.com/office/drawing/2014/main" id="{E3ACBD9C-E946-4C83-82A0-7C79817A1EB9}"/>
+                <a16:creationId xmlns:a16="http://schemas.microsoft.com/office/drawing/2014/main" id="{E3ACBD9C-E946-4C83-82A0-7C79817A1EB9}"/>
               </a:ext>
             </a:extLst>
           </p:cNvPr>
@@ -39591,7 +42100,7 @@
           <p:cNvPr id="32" name="Rectangle 31">
             <a:extLst>
               <a:ext uri="{FF2B5EF4-FFF2-40B4-BE49-F238E27FC236}">
-                <a16:creationId xmlns="" xmlns:a16="http://schemas.microsoft.com/office/drawing/2014/main" id="{DAD5A302-C880-4E8C-9E1D-640CD5CF0CBE}"/>
+                <a16:creationId xmlns:a16="http://schemas.microsoft.com/office/drawing/2014/main" id="{DAD5A302-C880-4E8C-9E1D-640CD5CF0CBE}"/>
               </a:ext>
             </a:extLst>
           </p:cNvPr>
@@ -39629,7 +42138,7 @@
           <p:cNvPr id="135" name="Rectangle 134">
             <a:extLst>
               <a:ext uri="{FF2B5EF4-FFF2-40B4-BE49-F238E27FC236}">
-                <a16:creationId xmlns="" xmlns:a16="http://schemas.microsoft.com/office/drawing/2014/main" id="{9D239E65-7C2B-4AD5-A1F4-F716E33EF928}"/>
+                <a16:creationId xmlns:a16="http://schemas.microsoft.com/office/drawing/2014/main" id="{9D239E65-7C2B-4AD5-A1F4-F716E33EF928}"/>
               </a:ext>
             </a:extLst>
           </p:cNvPr>
@@ -39667,7 +42176,7 @@
           <p:cNvPr id="146" name="Rectangle 145">
             <a:extLst>
               <a:ext uri="{FF2B5EF4-FFF2-40B4-BE49-F238E27FC236}">
-                <a16:creationId xmlns="" xmlns:a16="http://schemas.microsoft.com/office/drawing/2014/main" id="{02CB9ACB-9175-4592-A0A2-5F6EBA3916AA}"/>
+                <a16:creationId xmlns:a16="http://schemas.microsoft.com/office/drawing/2014/main" id="{02CB9ACB-9175-4592-A0A2-5F6EBA3916AA}"/>
               </a:ext>
             </a:extLst>
           </p:cNvPr>
@@ -39705,7 +42214,7 @@
           <p:cNvPr id="33" name="Rectangle 32">
             <a:extLst>
               <a:ext uri="{FF2B5EF4-FFF2-40B4-BE49-F238E27FC236}">
-                <a16:creationId xmlns="" xmlns:a16="http://schemas.microsoft.com/office/drawing/2014/main" id="{A5445AD6-3298-4B4A-BFAA-36E271EE36D3}"/>
+                <a16:creationId xmlns:a16="http://schemas.microsoft.com/office/drawing/2014/main" id="{A5445AD6-3298-4B4A-BFAA-36E271EE36D3}"/>
               </a:ext>
             </a:extLst>
           </p:cNvPr>
@@ -39746,7 +42255,7 @@
           <p:cNvPr id="148" name="Cube 147">
             <a:extLst>
               <a:ext uri="{FF2B5EF4-FFF2-40B4-BE49-F238E27FC236}">
-                <a16:creationId xmlns="" xmlns:a16="http://schemas.microsoft.com/office/drawing/2014/main" id="{3C1DB64A-F95E-4BBA-AAB7-E382DEE6D3AD}"/>
+                <a16:creationId xmlns:a16="http://schemas.microsoft.com/office/drawing/2014/main" id="{3C1DB64A-F95E-4BBA-AAB7-E382DEE6D3AD}"/>
               </a:ext>
             </a:extLst>
           </p:cNvPr>
@@ -39806,7 +42315,7 @@
           <p:cNvPr id="149" name="Rectangle 148">
             <a:extLst>
               <a:ext uri="{FF2B5EF4-FFF2-40B4-BE49-F238E27FC236}">
-                <a16:creationId xmlns="" xmlns:a16="http://schemas.microsoft.com/office/drawing/2014/main" id="{8ADE2C1F-3705-4E1D-9D1A-CEFA5BBDC4AE}"/>
+                <a16:creationId xmlns:a16="http://schemas.microsoft.com/office/drawing/2014/main" id="{8ADE2C1F-3705-4E1D-9D1A-CEFA5BBDC4AE}"/>
               </a:ext>
             </a:extLst>
           </p:cNvPr>
@@ -39847,7 +42356,7 @@
           <p:cNvPr id="152" name="Folded Corner 14">
             <a:extLst>
               <a:ext uri="{FF2B5EF4-FFF2-40B4-BE49-F238E27FC236}">
-                <a16:creationId xmlns="" xmlns:a16="http://schemas.microsoft.com/office/drawing/2014/main" id="{E9E59862-8121-45E9-B034-254AA5F85A9E}"/>
+                <a16:creationId xmlns:a16="http://schemas.microsoft.com/office/drawing/2014/main" id="{E9E59862-8121-45E9-B034-254AA5F85A9E}"/>
               </a:ext>
             </a:extLst>
           </p:cNvPr>
@@ -39896,7 +42405,7 @@
           <p:cNvPr id="159" name="Rectangle 158">
             <a:extLst>
               <a:ext uri="{FF2B5EF4-FFF2-40B4-BE49-F238E27FC236}">
-                <a16:creationId xmlns="" xmlns:a16="http://schemas.microsoft.com/office/drawing/2014/main" id="{9189909A-C973-403D-AC10-F162C1C50251}"/>
+                <a16:creationId xmlns:a16="http://schemas.microsoft.com/office/drawing/2014/main" id="{9189909A-C973-403D-AC10-F162C1C50251}"/>
               </a:ext>
             </a:extLst>
           </p:cNvPr>
@@ -39951,7 +42460,7 @@
           <p:cNvPr id="160" name="Straight Arrow Connector 159">
             <a:extLst>
               <a:ext uri="{FF2B5EF4-FFF2-40B4-BE49-F238E27FC236}">
-                <a16:creationId xmlns="" xmlns:a16="http://schemas.microsoft.com/office/drawing/2014/main" id="{4104DBBE-32EA-425C-8DB2-CA3E800CA64E}"/>
+                <a16:creationId xmlns:a16="http://schemas.microsoft.com/office/drawing/2014/main" id="{4104DBBE-32EA-425C-8DB2-CA3E800CA64E}"/>
               </a:ext>
             </a:extLst>
           </p:cNvPr>
@@ -39996,7 +42505,7 @@
           <p:cNvPr id="163" name="Cube 162">
             <a:extLst>
               <a:ext uri="{FF2B5EF4-FFF2-40B4-BE49-F238E27FC236}">
-                <a16:creationId xmlns="" xmlns:a16="http://schemas.microsoft.com/office/drawing/2014/main" id="{DCC62459-FE7B-48A9-A2FB-D56CDC251746}"/>
+                <a16:creationId xmlns:a16="http://schemas.microsoft.com/office/drawing/2014/main" id="{DCC62459-FE7B-48A9-A2FB-D56CDC251746}"/>
               </a:ext>
             </a:extLst>
           </p:cNvPr>
@@ -40056,7 +42565,7 @@
           <p:cNvPr id="164" name="Rectangle 163">
             <a:extLst>
               <a:ext uri="{FF2B5EF4-FFF2-40B4-BE49-F238E27FC236}">
-                <a16:creationId xmlns="" xmlns:a16="http://schemas.microsoft.com/office/drawing/2014/main" id="{A17E061D-69B0-4C5E-9A8B-BA722BA64CA4}"/>
+                <a16:creationId xmlns:a16="http://schemas.microsoft.com/office/drawing/2014/main" id="{A17E061D-69B0-4C5E-9A8B-BA722BA64CA4}"/>
               </a:ext>
             </a:extLst>
           </p:cNvPr>
@@ -40097,7 +42606,7 @@
           <p:cNvPr id="165" name="Folded Corner 14">
             <a:extLst>
               <a:ext uri="{FF2B5EF4-FFF2-40B4-BE49-F238E27FC236}">
-                <a16:creationId xmlns="" xmlns:a16="http://schemas.microsoft.com/office/drawing/2014/main" id="{E1EF52F6-55FE-4BD8-A276-7961F4C14406}"/>
+                <a16:creationId xmlns:a16="http://schemas.microsoft.com/office/drawing/2014/main" id="{E1EF52F6-55FE-4BD8-A276-7961F4C14406}"/>
               </a:ext>
             </a:extLst>
           </p:cNvPr>
@@ -40146,7 +42655,7 @@
           <p:cNvPr id="170" name="Rectangle 169">
             <a:extLst>
               <a:ext uri="{FF2B5EF4-FFF2-40B4-BE49-F238E27FC236}">
-                <a16:creationId xmlns="" xmlns:a16="http://schemas.microsoft.com/office/drawing/2014/main" id="{CD422137-5DD0-430D-A335-3434D32EC278}"/>
+                <a16:creationId xmlns:a16="http://schemas.microsoft.com/office/drawing/2014/main" id="{CD422137-5DD0-430D-A335-3434D32EC278}"/>
               </a:ext>
             </a:extLst>
           </p:cNvPr>
@@ -40198,7 +42707,7 @@
           <p:cNvPr id="171" name="Straight Arrow Connector 170">
             <a:extLst>
               <a:ext uri="{FF2B5EF4-FFF2-40B4-BE49-F238E27FC236}">
-                <a16:creationId xmlns="" xmlns:a16="http://schemas.microsoft.com/office/drawing/2014/main" id="{26251F63-0F9B-46FC-B288-264E1954D111}"/>
+                <a16:creationId xmlns:a16="http://schemas.microsoft.com/office/drawing/2014/main" id="{26251F63-0F9B-46FC-B288-264E1954D111}"/>
               </a:ext>
             </a:extLst>
           </p:cNvPr>
@@ -40243,7 +42752,7 @@
           <p:cNvPr id="172" name="Folded Corner 14">
             <a:extLst>
               <a:ext uri="{FF2B5EF4-FFF2-40B4-BE49-F238E27FC236}">
-                <a16:creationId xmlns="" xmlns:a16="http://schemas.microsoft.com/office/drawing/2014/main" id="{2198A703-2FEE-48EA-B0B0-656B73C08CA7}"/>
+                <a16:creationId xmlns:a16="http://schemas.microsoft.com/office/drawing/2014/main" id="{2198A703-2FEE-48EA-B0B0-656B73C08CA7}"/>
               </a:ext>
             </a:extLst>
           </p:cNvPr>
@@ -40292,7 +42801,7 @@
           <p:cNvPr id="173" name="Rectangle 172">
             <a:extLst>
               <a:ext uri="{FF2B5EF4-FFF2-40B4-BE49-F238E27FC236}">
-                <a16:creationId xmlns="" xmlns:a16="http://schemas.microsoft.com/office/drawing/2014/main" id="{FCC85E64-312F-4851-B756-3019DD6FA99F}"/>
+                <a16:creationId xmlns:a16="http://schemas.microsoft.com/office/drawing/2014/main" id="{FCC85E64-312F-4851-B756-3019DD6FA99F}"/>
               </a:ext>
             </a:extLst>
           </p:cNvPr>
@@ -40344,7 +42853,7 @@
           <p:cNvPr id="174" name="Straight Arrow Connector 173">
             <a:extLst>
               <a:ext uri="{FF2B5EF4-FFF2-40B4-BE49-F238E27FC236}">
-                <a16:creationId xmlns="" xmlns:a16="http://schemas.microsoft.com/office/drawing/2014/main" id="{518C8625-6187-4D33-A1AC-9208CA68F263}"/>
+                <a16:creationId xmlns:a16="http://schemas.microsoft.com/office/drawing/2014/main" id="{518C8625-6187-4D33-A1AC-9208CA68F263}"/>
               </a:ext>
             </a:extLst>
           </p:cNvPr>
@@ -40389,7 +42898,7 @@
           <p:cNvPr id="39" name="Rectangle 38">
             <a:extLst>
               <a:ext uri="{FF2B5EF4-FFF2-40B4-BE49-F238E27FC236}">
-                <a16:creationId xmlns="" xmlns:a16="http://schemas.microsoft.com/office/drawing/2014/main" id="{D01A5617-56DC-4B84-AF69-7027F4C7E7B3}"/>
+                <a16:creationId xmlns:a16="http://schemas.microsoft.com/office/drawing/2014/main" id="{D01A5617-56DC-4B84-AF69-7027F4C7E7B3}"/>
               </a:ext>
             </a:extLst>
           </p:cNvPr>
@@ -40444,7 +42953,7 @@
           <p:cNvPr id="40" name="Arrow: Right 39">
             <a:extLst>
               <a:ext uri="{FF2B5EF4-FFF2-40B4-BE49-F238E27FC236}">
-                <a16:creationId xmlns="" xmlns:a16="http://schemas.microsoft.com/office/drawing/2014/main" id="{AB7C45BA-0078-4BA1-A2B3-BC9A66ACD955}"/>
+                <a16:creationId xmlns:a16="http://schemas.microsoft.com/office/drawing/2014/main" id="{AB7C45BA-0078-4BA1-A2B3-BC9A66ACD955}"/>
               </a:ext>
             </a:extLst>
           </p:cNvPr>
@@ -40496,7 +43005,7 @@
           <p:cNvPr id="12" name="Picture 11" descr="A picture containing outdoor object&#10;&#10;Description generated with high confidence">
             <a:extLst>
               <a:ext uri="{FF2B5EF4-FFF2-40B4-BE49-F238E27FC236}">
-                <a16:creationId xmlns="" xmlns:a16="http://schemas.microsoft.com/office/drawing/2014/main" id="{684713F9-9ECF-4663-A027-A6113FA71893}"/>
+                <a16:creationId xmlns:a16="http://schemas.microsoft.com/office/drawing/2014/main" id="{684713F9-9ECF-4663-A027-A6113FA71893}"/>
               </a:ext>
             </a:extLst>
           </p:cNvPr>
@@ -40532,7 +43041,7 @@
           <p:cNvPr id="42" name="Straight Arrow Connector 41">
             <a:extLst>
               <a:ext uri="{FF2B5EF4-FFF2-40B4-BE49-F238E27FC236}">
-                <a16:creationId xmlns="" xmlns:a16="http://schemas.microsoft.com/office/drawing/2014/main" id="{AE9F3928-6603-4F44-B87F-D5568E789A51}"/>
+                <a16:creationId xmlns:a16="http://schemas.microsoft.com/office/drawing/2014/main" id="{AE9F3928-6603-4F44-B87F-D5568E789A51}"/>
               </a:ext>
             </a:extLst>
           </p:cNvPr>
@@ -40577,7 +43086,7 @@
           <p:cNvPr id="13" name="Rectangle 12">
             <a:extLst>
               <a:ext uri="{FF2B5EF4-FFF2-40B4-BE49-F238E27FC236}">
-                <a16:creationId xmlns="" xmlns:a16="http://schemas.microsoft.com/office/drawing/2014/main" id="{BE9850A2-3BDB-4A68-BCBD-94C436747806}"/>
+                <a16:creationId xmlns:a16="http://schemas.microsoft.com/office/drawing/2014/main" id="{BE9850A2-3BDB-4A68-BCBD-94C436747806}"/>
               </a:ext>
             </a:extLst>
           </p:cNvPr>
@@ -40643,7 +43152,7 @@
           <p:cNvPr id="44" name="Folded Corner 14">
             <a:extLst>
               <a:ext uri="{FF2B5EF4-FFF2-40B4-BE49-F238E27FC236}">
-                <a16:creationId xmlns="" xmlns:a16="http://schemas.microsoft.com/office/drawing/2014/main" id="{048A78E4-38F4-403F-B262-3393CB25026A}"/>
+                <a16:creationId xmlns:a16="http://schemas.microsoft.com/office/drawing/2014/main" id="{048A78E4-38F4-403F-B262-3393CB25026A}"/>
               </a:ext>
             </a:extLst>
           </p:cNvPr>
@@ -40692,7 +43201,7 @@
           <p:cNvPr id="45" name="Rectangle 44">
             <a:extLst>
               <a:ext uri="{FF2B5EF4-FFF2-40B4-BE49-F238E27FC236}">
-                <a16:creationId xmlns="" xmlns:a16="http://schemas.microsoft.com/office/drawing/2014/main" id="{B6EF94B6-C2BD-4454-B081-DC4CDC0FA78B}"/>
+                <a16:creationId xmlns:a16="http://schemas.microsoft.com/office/drawing/2014/main" id="{B6EF94B6-C2BD-4454-B081-DC4CDC0FA78B}"/>
               </a:ext>
             </a:extLst>
           </p:cNvPr>
@@ -40744,7 +43253,7 @@
           <p:cNvPr id="14" name="Rectangle 13">
             <a:extLst>
               <a:ext uri="{FF2B5EF4-FFF2-40B4-BE49-F238E27FC236}">
-                <a16:creationId xmlns="" xmlns:a16="http://schemas.microsoft.com/office/drawing/2014/main" id="{9F89B982-51DA-4A7B-B50E-BA08031E2C12}"/>
+                <a16:creationId xmlns:a16="http://schemas.microsoft.com/office/drawing/2014/main" id="{9F89B982-51DA-4A7B-B50E-BA08031E2C12}"/>
               </a:ext>
             </a:extLst>
           </p:cNvPr>
@@ -40782,7 +43291,7 @@
           <p:cNvPr id="15" name="Rectangle 14">
             <a:extLst>
               <a:ext uri="{FF2B5EF4-FFF2-40B4-BE49-F238E27FC236}">
-                <a16:creationId xmlns="" xmlns:a16="http://schemas.microsoft.com/office/drawing/2014/main" id="{4F318F00-3DF3-4DD0-9F9C-3D2FB2746086}"/>
+                <a16:creationId xmlns:a16="http://schemas.microsoft.com/office/drawing/2014/main" id="{4F318F00-3DF3-4DD0-9F9C-3D2FB2746086}"/>
               </a:ext>
             </a:extLst>
           </p:cNvPr>
@@ -40820,7 +43329,7 @@
           <p:cNvPr id="48" name="Rectangle 47">
             <a:extLst>
               <a:ext uri="{FF2B5EF4-FFF2-40B4-BE49-F238E27FC236}">
-                <a16:creationId xmlns="" xmlns:a16="http://schemas.microsoft.com/office/drawing/2014/main" id="{4B4F362E-13BC-4500-8556-53A8FC39D0B9}"/>
+                <a16:creationId xmlns:a16="http://schemas.microsoft.com/office/drawing/2014/main" id="{4B4F362E-13BC-4500-8556-53A8FC39D0B9}"/>
               </a:ext>
             </a:extLst>
           </p:cNvPr>
@@ -40858,7 +43367,7 @@
           <p:cNvPr id="17" name="Rectangle 16">
             <a:extLst>
               <a:ext uri="{FF2B5EF4-FFF2-40B4-BE49-F238E27FC236}">
-                <a16:creationId xmlns="" xmlns:a16="http://schemas.microsoft.com/office/drawing/2014/main" id="{E971B6A2-9BA5-482C-991E-4489D5C190FD}"/>
+                <a16:creationId xmlns:a16="http://schemas.microsoft.com/office/drawing/2014/main" id="{E971B6A2-9BA5-482C-991E-4489D5C190FD}"/>
               </a:ext>
             </a:extLst>
           </p:cNvPr>
@@ -40896,7 +43405,7 @@
           <p:cNvPr id="52" name="Rectangle 51">
             <a:extLst>
               <a:ext uri="{FF2B5EF4-FFF2-40B4-BE49-F238E27FC236}">
-                <a16:creationId xmlns="" xmlns:a16="http://schemas.microsoft.com/office/drawing/2014/main" id="{99534692-59D2-4947-83E0-D4E8E4591FD6}"/>
+                <a16:creationId xmlns:a16="http://schemas.microsoft.com/office/drawing/2014/main" id="{99534692-59D2-4947-83E0-D4E8E4591FD6}"/>
               </a:ext>
             </a:extLst>
           </p:cNvPr>
@@ -41002,7 +43511,7 @@
 </p:sld>
 </file>
 
-<file path=ppt/slides/slide8.xml><?xml version="1.0" encoding="utf-8"?>
+<file path=ppt/slides/slide9.xml><?xml version="1.0" encoding="utf-8"?>
 <p:sld xmlns:a="http://schemas.openxmlformats.org/drawingml/2006/main" xmlns:r="http://schemas.openxmlformats.org/officeDocument/2006/relationships" xmlns:p="http://schemas.openxmlformats.org/presentationml/2006/main">
   <p:cSld>
     <p:spTree>
@@ -41024,7 +43533,7 @@
           <p:cNvPr id="5" name="Oval 4">
             <a:extLst>
               <a:ext uri="{FF2B5EF4-FFF2-40B4-BE49-F238E27FC236}">
-                <a16:creationId xmlns="" xmlns:a16="http://schemas.microsoft.com/office/drawing/2014/main" id="{1BE905D4-A72F-472F-85B9-E5262CB9A9BA}"/>
+                <a16:creationId xmlns:a16="http://schemas.microsoft.com/office/drawing/2014/main" id="{1BE905D4-A72F-472F-85B9-E5262CB9A9BA}"/>
               </a:ext>
             </a:extLst>
           </p:cNvPr>
@@ -41076,7 +43585,7 @@
           <p:cNvPr id="6" name="Oval 5">
             <a:extLst>
               <a:ext uri="{FF2B5EF4-FFF2-40B4-BE49-F238E27FC236}">
-                <a16:creationId xmlns="" xmlns:a16="http://schemas.microsoft.com/office/drawing/2014/main" id="{DA8FA223-F814-41D8-8A8C-99F6794FF949}"/>
+                <a16:creationId xmlns:a16="http://schemas.microsoft.com/office/drawing/2014/main" id="{DA8FA223-F814-41D8-8A8C-99F6794FF949}"/>
               </a:ext>
             </a:extLst>
           </p:cNvPr>
@@ -41128,7 +43637,7 @@
           <p:cNvPr id="7" name="Oval 6">
             <a:extLst>
               <a:ext uri="{FF2B5EF4-FFF2-40B4-BE49-F238E27FC236}">
-                <a16:creationId xmlns="" xmlns:a16="http://schemas.microsoft.com/office/drawing/2014/main" id="{2C06C390-1650-43A9-92CD-878AF82A2EDE}"/>
+                <a16:creationId xmlns:a16="http://schemas.microsoft.com/office/drawing/2014/main" id="{2C06C390-1650-43A9-92CD-878AF82A2EDE}"/>
               </a:ext>
             </a:extLst>
           </p:cNvPr>
@@ -41180,7 +43689,7 @@
           <p:cNvPr id="8" name="Rectangle 7">
             <a:extLst>
               <a:ext uri="{FF2B5EF4-FFF2-40B4-BE49-F238E27FC236}">
-                <a16:creationId xmlns="" xmlns:a16="http://schemas.microsoft.com/office/drawing/2014/main" id="{42BB545C-B9B2-4B88-A085-D7573212A8A6}"/>
+                <a16:creationId xmlns:a16="http://schemas.microsoft.com/office/drawing/2014/main" id="{42BB545C-B9B2-4B88-A085-D7573212A8A6}"/>
               </a:ext>
             </a:extLst>
           </p:cNvPr>
@@ -41219,7 +43728,7 @@
           <p:cNvPr id="9" name="Rectangle 8">
             <a:extLst>
               <a:ext uri="{FF2B5EF4-FFF2-40B4-BE49-F238E27FC236}">
-                <a16:creationId xmlns="" xmlns:a16="http://schemas.microsoft.com/office/drawing/2014/main" id="{822A8BCF-BF7A-45F3-AEB2-2A8B87E5DD2B}"/>
+                <a16:creationId xmlns:a16="http://schemas.microsoft.com/office/drawing/2014/main" id="{822A8BCF-BF7A-45F3-AEB2-2A8B87E5DD2B}"/>
               </a:ext>
             </a:extLst>
           </p:cNvPr>
@@ -41258,7 +43767,7 @@
           <p:cNvPr id="10" name="Rectangle 9">
             <a:extLst>
               <a:ext uri="{FF2B5EF4-FFF2-40B4-BE49-F238E27FC236}">
-                <a16:creationId xmlns="" xmlns:a16="http://schemas.microsoft.com/office/drawing/2014/main" id="{37CDA193-5920-4DBA-9F62-8C8CE4AE6FFB}"/>
+                <a16:creationId xmlns:a16="http://schemas.microsoft.com/office/drawing/2014/main" id="{37CDA193-5920-4DBA-9F62-8C8CE4AE6FFB}"/>
               </a:ext>
             </a:extLst>
           </p:cNvPr>
@@ -41296,303 +43805,6 @@
     <p:extLst>
       <p:ext uri="{BB962C8B-B14F-4D97-AF65-F5344CB8AC3E}">
         <p14:creationId xmlns:p14="http://schemas.microsoft.com/office/powerpoint/2010/main" val="2004659444"/>
-      </p:ext>
-    </p:extLst>
-  </p:cSld>
-  <p:clrMapOvr>
-    <a:masterClrMapping/>
-  </p:clrMapOvr>
-</p:sld>
-</file>
-
-<file path=ppt/slides/slide9.xml><?xml version="1.0" encoding="utf-8"?>
-<p:sld xmlns:a="http://schemas.openxmlformats.org/drawingml/2006/main" xmlns:r="http://schemas.openxmlformats.org/officeDocument/2006/relationships" xmlns:p="http://schemas.openxmlformats.org/presentationml/2006/main">
-  <p:cSld>
-    <p:spTree>
-      <p:nvGrpSpPr>
-        <p:cNvPr id="1" name=""/>
-        <p:cNvGrpSpPr/>
-        <p:nvPr/>
-      </p:nvGrpSpPr>
-      <p:grpSpPr>
-        <a:xfrm>
-          <a:off x="0" y="0"/>
-          <a:ext cx="0" cy="0"/>
-          <a:chOff x="0" y="0"/>
-          <a:chExt cx="0" cy="0"/>
-        </a:xfrm>
-      </p:grpSpPr>
-      <p:sp>
-        <p:nvSpPr>
-          <p:cNvPr id="5" name="Oval 4">
-            <a:extLst>
-              <a:ext uri="{FF2B5EF4-FFF2-40B4-BE49-F238E27FC236}">
-                <a16:creationId xmlns="" xmlns:a16="http://schemas.microsoft.com/office/drawing/2014/main" id="{1BE905D4-A72F-472F-85B9-E5262CB9A9BA}"/>
-              </a:ext>
-            </a:extLst>
-          </p:cNvPr>
-          <p:cNvSpPr/>
-          <p:nvPr/>
-        </p:nvSpPr>
-        <p:spPr>
-          <a:xfrm>
-            <a:off x="2923413" y="717756"/>
-            <a:ext cx="3598606" cy="3429000"/>
-          </a:xfrm>
-          <a:prstGeom prst="ellipse">
-            <a:avLst/>
-          </a:prstGeom>
-          <a:noFill/>
-          <a:ln w="38100">
-            <a:noFill/>
-          </a:ln>
-        </p:spPr>
-        <p:style>
-          <a:lnRef idx="2">
-            <a:schemeClr val="accent1">
-              <a:shade val="50000"/>
-            </a:schemeClr>
-          </a:lnRef>
-          <a:fillRef idx="1">
-            <a:schemeClr val="accent1"/>
-          </a:fillRef>
-          <a:effectRef idx="0">
-            <a:schemeClr val="accent1"/>
-          </a:effectRef>
-          <a:fontRef idx="minor">
-            <a:schemeClr val="lt1"/>
-          </a:fontRef>
-        </p:style>
-        <p:txBody>
-          <a:bodyPr rtlCol="0" anchor="ctr"/>
-          <a:lstStyle/>
-          <a:p>
-            <a:pPr algn="ctr"/>
-            <a:endParaRPr lang="en-US"/>
-          </a:p>
-        </p:txBody>
-      </p:sp>
-      <p:sp>
-        <p:nvSpPr>
-          <p:cNvPr id="6" name="Oval 5">
-            <a:extLst>
-              <a:ext uri="{FF2B5EF4-FFF2-40B4-BE49-F238E27FC236}">
-                <a16:creationId xmlns="" xmlns:a16="http://schemas.microsoft.com/office/drawing/2014/main" id="{DA8FA223-F814-41D8-8A8C-99F6794FF949}"/>
-              </a:ext>
-            </a:extLst>
-          </p:cNvPr>
-          <p:cNvSpPr/>
-          <p:nvPr/>
-        </p:nvSpPr>
-        <p:spPr>
-          <a:xfrm>
-            <a:off x="4301613" y="3092246"/>
-            <a:ext cx="3598606" cy="3429000"/>
-          </a:xfrm>
-          <a:prstGeom prst="ellipse">
-            <a:avLst/>
-          </a:prstGeom>
-          <a:noFill/>
-          <a:ln w="38100">
-            <a:noFill/>
-          </a:ln>
-        </p:spPr>
-        <p:style>
-          <a:lnRef idx="2">
-            <a:schemeClr val="accent1">
-              <a:shade val="50000"/>
-            </a:schemeClr>
-          </a:lnRef>
-          <a:fillRef idx="1">
-            <a:schemeClr val="accent1"/>
-          </a:fillRef>
-          <a:effectRef idx="0">
-            <a:schemeClr val="accent1"/>
-          </a:effectRef>
-          <a:fontRef idx="minor">
-            <a:schemeClr val="lt1"/>
-          </a:fontRef>
-        </p:style>
-        <p:txBody>
-          <a:bodyPr rtlCol="0" anchor="ctr"/>
-          <a:lstStyle/>
-          <a:p>
-            <a:pPr algn="ctr"/>
-            <a:endParaRPr lang="en-US"/>
-          </a:p>
-        </p:txBody>
-      </p:sp>
-      <p:sp>
-        <p:nvSpPr>
-          <p:cNvPr id="7" name="Oval 6">
-            <a:extLst>
-              <a:ext uri="{FF2B5EF4-FFF2-40B4-BE49-F238E27FC236}">
-                <a16:creationId xmlns="" xmlns:a16="http://schemas.microsoft.com/office/drawing/2014/main" id="{2C06C390-1650-43A9-92CD-878AF82A2EDE}"/>
-              </a:ext>
-            </a:extLst>
-          </p:cNvPr>
-          <p:cNvSpPr/>
-          <p:nvPr/>
-        </p:nvSpPr>
-        <p:spPr>
-          <a:xfrm>
-            <a:off x="5656779" y="717756"/>
-            <a:ext cx="3598606" cy="3429000"/>
-          </a:xfrm>
-          <a:prstGeom prst="ellipse">
-            <a:avLst/>
-          </a:prstGeom>
-          <a:noFill/>
-          <a:ln w="38100">
-            <a:noFill/>
-          </a:ln>
-        </p:spPr>
-        <p:style>
-          <a:lnRef idx="2">
-            <a:schemeClr val="accent1">
-              <a:shade val="50000"/>
-            </a:schemeClr>
-          </a:lnRef>
-          <a:fillRef idx="1">
-            <a:schemeClr val="accent1"/>
-          </a:fillRef>
-          <a:effectRef idx="0">
-            <a:schemeClr val="accent1"/>
-          </a:effectRef>
-          <a:fontRef idx="minor">
-            <a:schemeClr val="lt1"/>
-          </a:fontRef>
-        </p:style>
-        <p:txBody>
-          <a:bodyPr rtlCol="0" anchor="ctr"/>
-          <a:lstStyle/>
-          <a:p>
-            <a:pPr algn="ctr"/>
-            <a:endParaRPr lang="en-US"/>
-          </a:p>
-        </p:txBody>
-      </p:sp>
-      <p:sp>
-        <p:nvSpPr>
-          <p:cNvPr id="8" name="Rectangle 7">
-            <a:extLst>
-              <a:ext uri="{FF2B5EF4-FFF2-40B4-BE49-F238E27FC236}">
-                <a16:creationId xmlns="" xmlns:a16="http://schemas.microsoft.com/office/drawing/2014/main" id="{42BB545C-B9B2-4B88-A085-D7573212A8A6}"/>
-              </a:ext>
-            </a:extLst>
-          </p:cNvPr>
-          <p:cNvSpPr/>
-          <p:nvPr/>
-        </p:nvSpPr>
-        <p:spPr>
-          <a:xfrm>
-            <a:off x="6914421" y="1909036"/>
-            <a:ext cx="1925528" cy="523220"/>
-          </a:xfrm>
-          <a:prstGeom prst="rect">
-            <a:avLst/>
-          </a:prstGeom>
-        </p:spPr>
-        <p:txBody>
-          <a:bodyPr wrap="none">
-            <a:spAutoFit/>
-          </a:bodyPr>
-          <a:lstStyle/>
-          <a:p>
-            <a:pPr algn="ctr"/>
-            <a:r>
-              <a:rPr lang="sv-SE" sz="2800" dirty="0" err="1">
-                <a:latin typeface="Arial" panose="020B0604020202020204" pitchFamily="34" charset="0"/>
-                <a:cs typeface="Arial" panose="020B0604020202020204" pitchFamily="34" charset="0"/>
-              </a:rPr>
-              <a:t>Monetizing</a:t>
-            </a:r>
-            <a:endParaRPr lang="en-US" dirty="0"/>
-          </a:p>
-        </p:txBody>
-      </p:sp>
-      <p:sp>
-        <p:nvSpPr>
-          <p:cNvPr id="9" name="Rectangle 8">
-            <a:extLst>
-              <a:ext uri="{FF2B5EF4-FFF2-40B4-BE49-F238E27FC236}">
-                <a16:creationId xmlns="" xmlns:a16="http://schemas.microsoft.com/office/drawing/2014/main" id="{822A8BCF-BF7A-45F3-AEB2-2A8B87E5DD2B}"/>
-              </a:ext>
-            </a:extLst>
-          </p:cNvPr>
-          <p:cNvSpPr/>
-          <p:nvPr/>
-        </p:nvSpPr>
-        <p:spPr>
-          <a:xfrm>
-            <a:off x="3225245" y="1909036"/>
-            <a:ext cx="2106667" cy="523220"/>
-          </a:xfrm>
-          <a:prstGeom prst="rect">
-            <a:avLst/>
-          </a:prstGeom>
-        </p:spPr>
-        <p:txBody>
-          <a:bodyPr wrap="none">
-            <a:spAutoFit/>
-          </a:bodyPr>
-          <a:lstStyle/>
-          <a:p>
-            <a:pPr algn="ctr"/>
-            <a:r>
-              <a:rPr lang="sv-SE" sz="2800" dirty="0">
-                <a:latin typeface="Arial" panose="020B0604020202020204" pitchFamily="34" charset="0"/>
-                <a:cs typeface="Arial" panose="020B0604020202020204" pitchFamily="34" charset="0"/>
-              </a:rPr>
-              <a:t>Engineering</a:t>
-            </a:r>
-            <a:endParaRPr lang="en-US" dirty="0"/>
-          </a:p>
-        </p:txBody>
-      </p:sp>
-      <p:sp>
-        <p:nvSpPr>
-          <p:cNvPr id="10" name="Rectangle 9">
-            <a:extLst>
-              <a:ext uri="{FF2B5EF4-FFF2-40B4-BE49-F238E27FC236}">
-                <a16:creationId xmlns="" xmlns:a16="http://schemas.microsoft.com/office/drawing/2014/main" id="{37CDA193-5920-4DBA-9F62-8C8CE4AE6FFB}"/>
-              </a:ext>
-            </a:extLst>
-          </p:cNvPr>
-          <p:cNvSpPr/>
-          <p:nvPr/>
-        </p:nvSpPr>
-        <p:spPr>
-          <a:xfrm>
-            <a:off x="5083383" y="4716587"/>
-            <a:ext cx="2084225" cy="523220"/>
-          </a:xfrm>
-          <a:prstGeom prst="rect">
-            <a:avLst/>
-          </a:prstGeom>
-        </p:spPr>
-        <p:txBody>
-          <a:bodyPr wrap="none">
-            <a:spAutoFit/>
-          </a:bodyPr>
-          <a:lstStyle/>
-          <a:p>
-            <a:pPr algn="ctr"/>
-            <a:r>
-              <a:rPr lang="sv-SE" sz="2800" dirty="0" err="1">
-                <a:latin typeface="Arial" panose="020B0604020202020204" pitchFamily="34" charset="0"/>
-                <a:cs typeface="Arial" panose="020B0604020202020204" pitchFamily="34" charset="0"/>
-              </a:rPr>
-              <a:t>Strategizing</a:t>
-            </a:r>
-            <a:endParaRPr lang="en-US" dirty="0"/>
-          </a:p>
-        </p:txBody>
-      </p:sp>
-    </p:spTree>
-    <p:extLst>
-      <p:ext uri="{BB962C8B-B14F-4D97-AF65-F5344CB8AC3E}">
-        <p14:creationId xmlns:p14="http://schemas.microsoft.com/office/powerpoint/2010/main" val="314093017"/>
       </p:ext>
     </p:extLst>
   </p:cSld>
@@ -41891,7 +44103,7 @@
   <a:extraClrSchemeLst/>
   <a:extLst>
     <a:ext uri="{05A4C25C-085E-4340-85A3-A5531E510DB2}">
-      <thm15:themeFamily xmlns="" xmlns:thm15="http://schemas.microsoft.com/office/thememl/2012/main" name="Office Theme" id="{62F939B6-93AF-4DB8-9C6B-D6C7DFDC589F}" vid="{4A3C46E8-61CC-4603-A589-7422A47A8E4A}"/>
+      <thm15:themeFamily xmlns:thm15="http://schemas.microsoft.com/office/thememl/2012/main" name="Office Theme" id="{62F939B6-93AF-4DB8-9C6B-D6C7DFDC589F}" vid="{4A3C46E8-61CC-4603-A589-7422A47A8E4A}"/>
     </a:ext>
   </a:extLst>
 </a:theme>
